--- a/Prism.pptx
+++ b/Prism.pptx
@@ -5,8 +5,14 @@
     <p:sldMasterId id="2147483648" r:id="rId1"/>
   </p:sldMasterIdLst>
   <p:sldIdLst>
-    <p:sldId id="256" r:id="rId2"/>
-    <p:sldId id="258" r:id="rId3"/>
+    <p:sldId id="259" r:id="rId2"/>
+    <p:sldId id="260" r:id="rId3"/>
+    <p:sldId id="262" r:id="rId4"/>
+    <p:sldId id="261" r:id="rId5"/>
+    <p:sldId id="256" r:id="rId6"/>
+    <p:sldId id="264" r:id="rId7"/>
+    <p:sldId id="258" r:id="rId8"/>
+    <p:sldId id="263" r:id="rId9"/>
   </p:sldIdLst>
   <p:sldSz cx="12192000" cy="6858000"/>
   <p:notesSz cx="6858000" cy="9144000"/>
@@ -105,6 +111,11 @@
       </a:defRPr>
     </a:lvl9pPr>
   </p:defaultTextStyle>
+  <p:extLst>
+    <p:ext uri="{EFAFB233-063F-42B5-8137-9DF3F51BA10A}">
+      <p15:sldGuideLst xmlns:p15="http://schemas.microsoft.com/office/powerpoint/2012/main"/>
+    </p:ext>
+  </p:extLst>
 </p:presentation>
 </file>
 
@@ -239,7 +250,7 @@
           <a:p>
             <a:fld id="{EC422CE4-524E-4E47-BDD0-171B419AE92D}" type="datetimeFigureOut">
               <a:rPr lang="ko-KR" altLang="en-US" smtClean="0"/>
-              <a:t>2017-03-23</a:t>
+              <a:t>2017-03-24</a:t>
             </a:fld>
             <a:endParaRPr lang="ko-KR" altLang="en-US"/>
           </a:p>
@@ -409,7 +420,7 @@
           <a:p>
             <a:fld id="{EC422CE4-524E-4E47-BDD0-171B419AE92D}" type="datetimeFigureOut">
               <a:rPr lang="ko-KR" altLang="en-US" smtClean="0"/>
-              <a:t>2017-03-23</a:t>
+              <a:t>2017-03-24</a:t>
             </a:fld>
             <a:endParaRPr lang="ko-KR" altLang="en-US"/>
           </a:p>
@@ -589,7 +600,7 @@
           <a:p>
             <a:fld id="{EC422CE4-524E-4E47-BDD0-171B419AE92D}" type="datetimeFigureOut">
               <a:rPr lang="ko-KR" altLang="en-US" smtClean="0"/>
-              <a:t>2017-03-23</a:t>
+              <a:t>2017-03-24</a:t>
             </a:fld>
             <a:endParaRPr lang="ko-KR" altLang="en-US"/>
           </a:p>
@@ -759,7 +770,7 @@
           <a:p>
             <a:fld id="{EC422CE4-524E-4E47-BDD0-171B419AE92D}" type="datetimeFigureOut">
               <a:rPr lang="ko-KR" altLang="en-US" smtClean="0"/>
-              <a:t>2017-03-23</a:t>
+              <a:t>2017-03-24</a:t>
             </a:fld>
             <a:endParaRPr lang="ko-KR" altLang="en-US"/>
           </a:p>
@@ -1005,7 +1016,7 @@
           <a:p>
             <a:fld id="{EC422CE4-524E-4E47-BDD0-171B419AE92D}" type="datetimeFigureOut">
               <a:rPr lang="ko-KR" altLang="en-US" smtClean="0"/>
-              <a:t>2017-03-23</a:t>
+              <a:t>2017-03-24</a:t>
             </a:fld>
             <a:endParaRPr lang="ko-KR" altLang="en-US"/>
           </a:p>
@@ -1237,7 +1248,7 @@
           <a:p>
             <a:fld id="{EC422CE4-524E-4E47-BDD0-171B419AE92D}" type="datetimeFigureOut">
               <a:rPr lang="ko-KR" altLang="en-US" smtClean="0"/>
-              <a:t>2017-03-23</a:t>
+              <a:t>2017-03-24</a:t>
             </a:fld>
             <a:endParaRPr lang="ko-KR" altLang="en-US"/>
           </a:p>
@@ -1604,7 +1615,7 @@
           <a:p>
             <a:fld id="{EC422CE4-524E-4E47-BDD0-171B419AE92D}" type="datetimeFigureOut">
               <a:rPr lang="ko-KR" altLang="en-US" smtClean="0"/>
-              <a:t>2017-03-23</a:t>
+              <a:t>2017-03-24</a:t>
             </a:fld>
             <a:endParaRPr lang="ko-KR" altLang="en-US"/>
           </a:p>
@@ -1722,7 +1733,7 @@
           <a:p>
             <a:fld id="{EC422CE4-524E-4E47-BDD0-171B419AE92D}" type="datetimeFigureOut">
               <a:rPr lang="ko-KR" altLang="en-US" smtClean="0"/>
-              <a:t>2017-03-23</a:t>
+              <a:t>2017-03-24</a:t>
             </a:fld>
             <a:endParaRPr lang="ko-KR" altLang="en-US"/>
           </a:p>
@@ -1817,7 +1828,7 @@
           <a:p>
             <a:fld id="{EC422CE4-524E-4E47-BDD0-171B419AE92D}" type="datetimeFigureOut">
               <a:rPr lang="ko-KR" altLang="en-US" smtClean="0"/>
-              <a:t>2017-03-23</a:t>
+              <a:t>2017-03-24</a:t>
             </a:fld>
             <a:endParaRPr lang="ko-KR" altLang="en-US"/>
           </a:p>
@@ -2094,7 +2105,7 @@
           <a:p>
             <a:fld id="{EC422CE4-524E-4E47-BDD0-171B419AE92D}" type="datetimeFigureOut">
               <a:rPr lang="ko-KR" altLang="en-US" smtClean="0"/>
-              <a:t>2017-03-23</a:t>
+              <a:t>2017-03-24</a:t>
             </a:fld>
             <a:endParaRPr lang="ko-KR" altLang="en-US"/>
           </a:p>
@@ -2347,7 +2358,7 @@
           <a:p>
             <a:fld id="{EC422CE4-524E-4E47-BDD0-171B419AE92D}" type="datetimeFigureOut">
               <a:rPr lang="ko-KR" altLang="en-US" smtClean="0"/>
-              <a:t>2017-03-23</a:t>
+              <a:t>2017-03-24</a:t>
             </a:fld>
             <a:endParaRPr lang="ko-KR" altLang="en-US"/>
           </a:p>
@@ -2560,7 +2571,7 @@
           <a:p>
             <a:fld id="{EC422CE4-524E-4E47-BDD0-171B419AE92D}" type="datetimeFigureOut">
               <a:rPr lang="ko-KR" altLang="en-US" smtClean="0"/>
-              <a:t>2017-03-23</a:t>
+              <a:t>2017-03-24</a:t>
             </a:fld>
             <a:endParaRPr lang="ko-KR" altLang="en-US"/>
           </a:p>
@@ -2974,7 +2985,7 @@
         <p:spPr>
           <a:xfrm>
             <a:off x="449179" y="1620836"/>
-            <a:ext cx="10446514" cy="1754326"/>
+            <a:ext cx="10856049" cy="3693319"/>
           </a:xfrm>
           <a:prstGeom prst="rect">
             <a:avLst/>
@@ -2989,11 +3000,173 @@
           <a:p>
             <a:r>
               <a:rPr lang="en-US" altLang="ko-KR" dirty="0" smtClean="0"/>
+              <a:t>Region</a:t>
+            </a:r>
+            <a:r>
+              <a:rPr lang="ko-KR" altLang="en-US" dirty="0" smtClean="0"/>
+              <a:t>과 </a:t>
+            </a:r>
+            <a:r>
+              <a:rPr lang="en-US" altLang="ko-KR" dirty="0" smtClean="0"/>
+              <a:t>View</a:t>
+            </a:r>
+            <a:r>
+              <a:rPr lang="ko-KR" altLang="en-US" dirty="0" smtClean="0"/>
+              <a:t>의 컨트롤을 연결해주는 역할을 한다</a:t>
+            </a:r>
+            <a:r>
+              <a:rPr lang="en-US" altLang="ko-KR" dirty="0" smtClean="0"/>
+              <a:t>.</a:t>
+            </a:r>
+          </a:p>
+          <a:p>
+            <a:endParaRPr lang="en-US" altLang="ko-KR" dirty="0" smtClean="0"/>
+          </a:p>
+          <a:p>
+            <a:r>
+              <a:rPr lang="en-US" altLang="ko-KR" dirty="0" err="1" smtClean="0"/>
+              <a:t>RegionAdapter</a:t>
+            </a:r>
+            <a:r>
+              <a:rPr lang="ko-KR" altLang="en-US" dirty="0" smtClean="0"/>
+              <a:t>는 </a:t>
+            </a:r>
+            <a:r>
+              <a:rPr lang="en-US" altLang="ko-KR" dirty="0" err="1" smtClean="0"/>
+              <a:t>RegionManager</a:t>
+            </a:r>
+            <a:r>
+              <a:rPr lang="ko-KR" altLang="en-US" dirty="0" smtClean="0"/>
+              <a:t>가 관리를 한다</a:t>
+            </a:r>
+            <a:r>
+              <a:rPr lang="en-US" altLang="ko-KR" dirty="0" smtClean="0"/>
+              <a:t>.</a:t>
+            </a:r>
+            <a:endParaRPr lang="en-US" altLang="ko-KR" dirty="0"/>
+          </a:p>
+          <a:p>
+            <a:endParaRPr lang="en-US" altLang="ko-KR" dirty="0"/>
+          </a:p>
+          <a:p>
+            <a:endParaRPr lang="en-US" altLang="ko-KR" dirty="0"/>
+          </a:p>
+          <a:p>
+            <a:r>
+              <a:rPr lang="ko-KR" altLang="en-US" dirty="0" smtClean="0"/>
+              <a:t>기본적으로 연결을 지원해주는 컨트롤은 </a:t>
+            </a:r>
+            <a:r>
+              <a:rPr lang="en-US" altLang="ko-KR" dirty="0" err="1" smtClean="0"/>
+              <a:t>ContentControl</a:t>
+            </a:r>
+            <a:r>
+              <a:rPr lang="en-US" altLang="ko-KR" dirty="0" smtClean="0"/>
+              <a:t>, </a:t>
+            </a:r>
+            <a:r>
+              <a:rPr lang="en-US" altLang="ko-KR" dirty="0" err="1" smtClean="0"/>
+              <a:t>ItemsControl</a:t>
+            </a:r>
+            <a:r>
+              <a:rPr lang="en-US" altLang="ko-KR" dirty="0" smtClean="0"/>
+              <a:t>, Selector</a:t>
+            </a:r>
+            <a:r>
+              <a:rPr lang="ko-KR" altLang="en-US" dirty="0" smtClean="0"/>
+              <a:t>가 있다</a:t>
+            </a:r>
+            <a:r>
+              <a:rPr lang="en-US" altLang="ko-KR" dirty="0" smtClean="0"/>
+              <a:t>.</a:t>
+            </a:r>
+          </a:p>
+          <a:p>
+            <a:endParaRPr lang="en-US" altLang="ko-KR" dirty="0"/>
+          </a:p>
+          <a:p>
+            <a:r>
+              <a:rPr lang="ko-KR" altLang="en-US" dirty="0" smtClean="0"/>
+              <a:t>이러한 컨트롤을 연결해주는 </a:t>
+            </a:r>
+            <a:r>
+              <a:rPr lang="en-US" altLang="ko-KR" dirty="0" smtClean="0"/>
+              <a:t>Adapter</a:t>
+            </a:r>
+            <a:r>
+              <a:rPr lang="ko-KR" altLang="en-US" dirty="0" smtClean="0"/>
+              <a:t>들은 </a:t>
+            </a:r>
+            <a:r>
+              <a:rPr lang="en-US" altLang="ko-KR" dirty="0" err="1" smtClean="0"/>
+              <a:t>ContentControlRegionAdapter</a:t>
+            </a:r>
+            <a:r>
+              <a:rPr lang="en-US" altLang="ko-KR" dirty="0" smtClean="0"/>
+              <a:t>, </a:t>
+            </a:r>
+            <a:r>
+              <a:rPr lang="en-US" altLang="ko-KR" dirty="0" err="1" smtClean="0"/>
+              <a:t>ItemsControlRegionAdapter</a:t>
+            </a:r>
+            <a:r>
+              <a:rPr lang="en-US" altLang="ko-KR" dirty="0" smtClean="0"/>
+              <a:t>, </a:t>
+            </a:r>
+          </a:p>
+          <a:p>
+            <a:r>
+              <a:rPr lang="en-US" altLang="ko-KR" dirty="0" err="1" smtClean="0"/>
+              <a:t>SelectorRegionAdapter</a:t>
+            </a:r>
+            <a:r>
+              <a:rPr lang="ko-KR" altLang="en-US" dirty="0" smtClean="0"/>
+              <a:t>가 있으며 기본적으로 </a:t>
+            </a:r>
+            <a:r>
+              <a:rPr lang="en-US" altLang="ko-KR" dirty="0" smtClean="0"/>
               <a:t>Prism</a:t>
             </a:r>
             <a:r>
               <a:rPr lang="ko-KR" altLang="en-US" dirty="0" smtClean="0"/>
-              <a:t>의 </a:t>
+              <a:t>에서 제공해준다</a:t>
+            </a:r>
+            <a:r>
+              <a:rPr lang="en-US" altLang="ko-KR" dirty="0" smtClean="0"/>
+              <a:t>.</a:t>
+            </a:r>
+          </a:p>
+          <a:p>
+            <a:endParaRPr lang="en-US" altLang="ko-KR" dirty="0"/>
+          </a:p>
+          <a:p>
+            <a:r>
+              <a:rPr lang="ko-KR" altLang="en-US" dirty="0" smtClean="0"/>
+              <a:t>이외에 </a:t>
+            </a:r>
+            <a:r>
+              <a:rPr lang="en-US" altLang="ko-KR" dirty="0" err="1" smtClean="0"/>
+              <a:t>StackPanel</a:t>
+            </a:r>
+            <a:r>
+              <a:rPr lang="ko-KR" altLang="en-US" dirty="0" smtClean="0"/>
+              <a:t>과 같이 </a:t>
+            </a:r>
+            <a:r>
+              <a:rPr lang="en-US" altLang="ko-KR" dirty="0" smtClean="0"/>
+              <a:t>Prism</a:t>
+            </a:r>
+            <a:r>
+              <a:rPr lang="ko-KR" altLang="en-US" dirty="0" smtClean="0"/>
+              <a:t>에서 제공하지 않는 다른 </a:t>
+            </a:r>
+            <a:r>
+              <a:rPr lang="en-US" altLang="ko-KR" dirty="0" smtClean="0"/>
+              <a:t>Control</a:t>
+            </a:r>
+            <a:r>
+              <a:rPr lang="ko-KR" altLang="en-US" dirty="0" smtClean="0"/>
+              <a:t>에 </a:t>
             </a:r>
             <a:r>
               <a:rPr lang="en-US" altLang="ko-KR" dirty="0" smtClean="0"/>
@@ -3001,33 +3174,22 @@
             </a:r>
             <a:r>
               <a:rPr lang="ko-KR" altLang="en-US" dirty="0" smtClean="0"/>
-              <a:t>에서 제공하는 기능으로 </a:t>
-            </a:r>
+              <a:t>을 연결하고 싶을 경우</a:t>
+            </a:r>
+            <a:endParaRPr lang="en-US" altLang="ko-KR" dirty="0" smtClean="0"/>
+          </a:p>
+          <a:p>
             <a:r>
               <a:rPr lang="en-US" altLang="ko-KR" dirty="0" smtClean="0"/>
-              <a:t>WPF</a:t>
+              <a:t>Custom </a:t>
+            </a:r>
+            <a:r>
+              <a:rPr lang="en-US" altLang="ko-KR" dirty="0" err="1" smtClean="0"/>
+              <a:t>ResionAdapter</a:t>
             </a:r>
             <a:r>
               <a:rPr lang="ko-KR" altLang="en-US" dirty="0" smtClean="0"/>
-              <a:t>에 있는 </a:t>
-            </a:r>
-            <a:r>
-              <a:rPr lang="en-US" altLang="ko-KR" b="1" dirty="0" smtClean="0">
-                <a:solidFill>
-                  <a:schemeClr val="accent1"/>
-                </a:solidFill>
-                <a:latin typeface="Arial" panose="020B0604020202020204" pitchFamily="34" charset="0"/>
-                <a:cs typeface="Arial" panose="020B0604020202020204" pitchFamily="34" charset="0"/>
-              </a:rPr>
-              <a:t>Behavior&lt;T&gt;</a:t>
-            </a:r>
-            <a:r>
-              <a:rPr lang="en-US" altLang="ko-KR" dirty="0" smtClean="0"/>
-              <a:t> </a:t>
-            </a:r>
-            <a:r>
-              <a:rPr lang="ko-KR" altLang="en-US" dirty="0" smtClean="0"/>
-              <a:t>클래스와 같은 기능을 제공한다</a:t>
+              <a:t>를 구현하면 된다</a:t>
             </a:r>
             <a:r>
               <a:rPr lang="en-US" altLang="ko-KR" dirty="0" smtClean="0"/>
@@ -3035,100 +3197,6 @@
             </a:r>
           </a:p>
           <a:p>
-            <a:endParaRPr lang="en-US" altLang="ko-KR" dirty="0"/>
-          </a:p>
-          <a:p>
-            <a:pPr algn="just"/>
-            <a:r>
-              <a:rPr lang="en-US" altLang="ko-KR" b="1" dirty="0" smtClean="0">
-                <a:solidFill>
-                  <a:schemeClr val="accent1"/>
-                </a:solidFill>
-                <a:latin typeface="Arial" panose="020B0604020202020204" pitchFamily="34" charset="0"/>
-                <a:cs typeface="Arial" panose="020B0604020202020204" pitchFamily="34" charset="0"/>
-              </a:rPr>
-              <a:t>Behavior&lt;T&gt; </a:t>
-            </a:r>
-            <a:r>
-              <a:rPr lang="ko-KR" altLang="en-US" dirty="0" smtClean="0"/>
-              <a:t>클래스는</a:t>
-            </a:r>
-            <a:r>
-              <a:rPr lang="en-US" altLang="ko-KR" dirty="0" smtClean="0"/>
-              <a:t> </a:t>
-            </a:r>
-            <a:r>
-              <a:rPr lang="ko-KR" altLang="en-US" dirty="0" smtClean="0"/>
-              <a:t>트리거객체에 추가 상태</a:t>
-            </a:r>
-            <a:r>
-              <a:rPr lang="en-US" altLang="ko-KR" dirty="0" smtClean="0"/>
-              <a:t>(?)</a:t>
-            </a:r>
-            <a:r>
-              <a:rPr lang="ko-KR" altLang="en-US" dirty="0" smtClean="0"/>
-              <a:t>와 명령어를 제공하기 위한 클래스 이다</a:t>
-            </a:r>
-            <a:r>
-              <a:rPr lang="en-US" altLang="ko-KR" dirty="0" smtClean="0"/>
-              <a:t>.</a:t>
-            </a:r>
-          </a:p>
-          <a:p>
-            <a:endParaRPr lang="en-US" altLang="ko-KR" dirty="0"/>
-          </a:p>
-          <a:p>
-            <a:r>
-              <a:rPr lang="ko-KR" altLang="en-US" dirty="0" smtClean="0"/>
-              <a:t>직접 구현할 필요는 없지만 </a:t>
-            </a:r>
-            <a:r>
-              <a:rPr lang="en-US" altLang="ko-KR" dirty="0" smtClean="0"/>
-              <a:t>Region</a:t>
-            </a:r>
-            <a:r>
-              <a:rPr lang="ko-KR" altLang="en-US" dirty="0" smtClean="0"/>
-              <a:t>에서 </a:t>
-            </a:r>
-            <a:r>
-              <a:rPr lang="en-US" altLang="ko-KR" dirty="0" smtClean="0"/>
-              <a:t>View</a:t>
-            </a:r>
-            <a:r>
-              <a:rPr lang="ko-KR" altLang="en-US" dirty="0" smtClean="0"/>
-              <a:t>가 삭제 된 경우 </a:t>
-            </a:r>
-            <a:r>
-              <a:rPr lang="en-US" altLang="ko-KR" dirty="0" err="1" smtClean="0"/>
-              <a:t>IDiposable</a:t>
-            </a:r>
-            <a:r>
-              <a:rPr lang="ko-KR" altLang="en-US" dirty="0" smtClean="0"/>
-              <a:t>을 구현한 </a:t>
-            </a:r>
-            <a:endParaRPr lang="en-US" altLang="ko-KR" dirty="0" smtClean="0"/>
-          </a:p>
-          <a:p>
-            <a:r>
-              <a:rPr lang="en-US" altLang="ko-KR" dirty="0" err="1" smtClean="0"/>
-              <a:t>ViewModel</a:t>
-            </a:r>
-            <a:r>
-              <a:rPr lang="ko-KR" altLang="en-US" dirty="0" smtClean="0"/>
-              <a:t>에서 </a:t>
-            </a:r>
-            <a:r>
-              <a:rPr lang="en-US" altLang="ko-KR" dirty="0" smtClean="0"/>
-              <a:t>Dispose</a:t>
-            </a:r>
-            <a:r>
-              <a:rPr lang="ko-KR" altLang="en-US" dirty="0" smtClean="0"/>
-              <a:t>가 호출 되었을 때 이용하다</a:t>
-            </a:r>
-            <a:r>
-              <a:rPr lang="en-US" altLang="ko-KR" dirty="0" smtClean="0"/>
-              <a:t>.</a:t>
-            </a:r>
             <a:endParaRPr lang="en-US" altLang="ko-KR" dirty="0"/>
           </a:p>
         </p:txBody>
@@ -3142,7 +3210,7 @@
         <p:spPr>
           <a:xfrm>
             <a:off x="449179" y="465221"/>
-            <a:ext cx="4115229" cy="707886"/>
+            <a:ext cx="4770858" cy="707886"/>
           </a:xfrm>
           <a:prstGeom prst="rect">
             <a:avLst/>
@@ -3163,7 +3231,27 @@
                 <a:latin typeface="Arial" panose="020B0604020202020204" pitchFamily="34" charset="0"/>
                 <a:cs typeface="Arial" panose="020B0604020202020204" pitchFamily="34" charset="0"/>
               </a:rPr>
-              <a:t>RegionBehavior</a:t>
+              <a:t>RegionAdapter</a:t>
+            </a:r>
+            <a:r>
+              <a:rPr lang="en-US" altLang="ko-KR" sz="4000" b="1" dirty="0" smtClean="0">
+                <a:solidFill>
+                  <a:schemeClr val="accent1"/>
+                </a:solidFill>
+                <a:latin typeface="Arial" panose="020B0604020202020204" pitchFamily="34" charset="0"/>
+                <a:cs typeface="Arial" panose="020B0604020202020204" pitchFamily="34" charset="0"/>
+              </a:rPr>
+              <a:t>&lt;</a:t>
+            </a:r>
+            <a:r>
+              <a:rPr lang="en-US" altLang="ko-KR" sz="4000" b="1" dirty="0" smtClean="0">
+                <a:solidFill>
+                  <a:schemeClr val="accent1"/>
+                </a:solidFill>
+                <a:latin typeface="Arial" panose="020B0604020202020204" pitchFamily="34" charset="0"/>
+                <a:cs typeface="Arial" panose="020B0604020202020204" pitchFamily="34" charset="0"/>
+              </a:rPr>
+              <a:t>T&gt;</a:t>
             </a:r>
             <a:endParaRPr lang="ko-KR" altLang="en-US" sz="4000" b="1" dirty="0">
               <a:solidFill>
@@ -3178,7 +3266,7 @@
     </p:spTree>
     <p:extLst>
       <p:ext uri="{BB962C8B-B14F-4D97-AF65-F5344CB8AC3E}">
-        <p14:creationId xmlns:p14="http://schemas.microsoft.com/office/powerpoint/2010/main" val="4286949109"/>
+        <p14:creationId xmlns:p14="http://schemas.microsoft.com/office/powerpoint/2010/main" val="4137301230"/>
       </p:ext>
     </p:extLst>
   </p:cSld>
@@ -3221,6 +3309,791 @@
         <p:spPr>
           <a:xfrm>
             <a:off x="449179" y="465221"/>
+            <a:ext cx="4770858" cy="707886"/>
+          </a:xfrm>
+          <a:prstGeom prst="rect">
+            <a:avLst/>
+          </a:prstGeom>
+          <a:noFill/>
+        </p:spPr>
+        <p:txBody>
+          <a:bodyPr wrap="none" rtlCol="0">
+            <a:spAutoFit/>
+          </a:bodyPr>
+          <a:lstStyle/>
+          <a:p>
+            <a:r>
+              <a:rPr lang="en-US" altLang="ko-KR" sz="4000" b="1" dirty="0" err="1">
+                <a:solidFill>
+                  <a:schemeClr val="accent1"/>
+                </a:solidFill>
+                <a:latin typeface="Arial" panose="020B0604020202020204" pitchFamily="34" charset="0"/>
+                <a:cs typeface="Arial" panose="020B0604020202020204" pitchFamily="34" charset="0"/>
+              </a:rPr>
+              <a:t>RegionAdapter</a:t>
+            </a:r>
+            <a:r>
+              <a:rPr lang="en-US" altLang="ko-KR" sz="4000" b="1" dirty="0">
+                <a:solidFill>
+                  <a:schemeClr val="accent1"/>
+                </a:solidFill>
+                <a:latin typeface="Arial" panose="020B0604020202020204" pitchFamily="34" charset="0"/>
+                <a:cs typeface="Arial" panose="020B0604020202020204" pitchFamily="34" charset="0"/>
+              </a:rPr>
+              <a:t>&lt;T&gt;</a:t>
+            </a:r>
+            <a:endParaRPr lang="ko-KR" altLang="en-US" sz="4000" b="1" dirty="0">
+              <a:solidFill>
+                <a:schemeClr val="accent1"/>
+              </a:solidFill>
+              <a:latin typeface="Arial" panose="020B0604020202020204" pitchFamily="34" charset="0"/>
+              <a:cs typeface="Arial" panose="020B0604020202020204" pitchFamily="34" charset="0"/>
+            </a:endParaRPr>
+          </a:p>
+        </p:txBody>
+      </p:sp>
+      <p:pic>
+        <p:nvPicPr>
+          <p:cNvPr id="2" name="그림 1"/>
+          <p:cNvPicPr>
+            <a:picLocks noChangeAspect="1"/>
+          </p:cNvPicPr>
+          <p:nvPr/>
+        </p:nvPicPr>
+        <p:blipFill>
+          <a:blip r:embed="rId2"/>
+          <a:stretch>
+            <a:fillRect/>
+          </a:stretch>
+        </p:blipFill>
+        <p:spPr>
+          <a:xfrm>
+            <a:off x="2209800" y="1340034"/>
+            <a:ext cx="7772400" cy="5346332"/>
+          </a:xfrm>
+          <a:prstGeom prst="rect">
+            <a:avLst/>
+          </a:prstGeom>
+        </p:spPr>
+      </p:pic>
+    </p:spTree>
+    <p:extLst>
+      <p:ext uri="{BB962C8B-B14F-4D97-AF65-F5344CB8AC3E}">
+        <p14:creationId xmlns:p14="http://schemas.microsoft.com/office/powerpoint/2010/main" val="1194327983"/>
+      </p:ext>
+    </p:extLst>
+  </p:cSld>
+  <p:clrMapOvr>
+    <a:masterClrMapping/>
+  </p:clrMapOvr>
+  <p:timing>
+    <p:tnLst>
+      <p:par>
+        <p:cTn id="1" dur="indefinite" restart="never" nodeType="tmRoot"/>
+      </p:par>
+    </p:tnLst>
+  </p:timing>
+</p:sld>
+</file>
+
+<file path=ppt/slides/slide3.xml><?xml version="1.0" encoding="utf-8"?>
+<p:sld xmlns:a="http://schemas.openxmlformats.org/drawingml/2006/main" xmlns:r="http://schemas.openxmlformats.org/officeDocument/2006/relationships" xmlns:p="http://schemas.openxmlformats.org/presentationml/2006/main">
+  <p:cSld>
+    <p:spTree>
+      <p:nvGrpSpPr>
+        <p:cNvPr id="1" name=""/>
+        <p:cNvGrpSpPr/>
+        <p:nvPr/>
+      </p:nvGrpSpPr>
+      <p:grpSpPr>
+        <a:xfrm>
+          <a:off x="0" y="0"/>
+          <a:ext cx="0" cy="0"/>
+          <a:chOff x="0" y="0"/>
+          <a:chExt cx="0" cy="0"/>
+        </a:xfrm>
+      </p:grpSpPr>
+      <p:sp>
+        <p:nvSpPr>
+          <p:cNvPr id="5" name="TextBox 4"/>
+          <p:cNvSpPr txBox="1"/>
+          <p:nvPr/>
+        </p:nvSpPr>
+        <p:spPr>
+          <a:xfrm>
+            <a:off x="449179" y="465221"/>
+            <a:ext cx="4770858" cy="707886"/>
+          </a:xfrm>
+          <a:prstGeom prst="rect">
+            <a:avLst/>
+          </a:prstGeom>
+          <a:noFill/>
+        </p:spPr>
+        <p:txBody>
+          <a:bodyPr wrap="none" rtlCol="0">
+            <a:spAutoFit/>
+          </a:bodyPr>
+          <a:lstStyle/>
+          <a:p>
+            <a:r>
+              <a:rPr lang="en-US" altLang="ko-KR" sz="4000" b="1" dirty="0" err="1">
+                <a:solidFill>
+                  <a:schemeClr val="accent1"/>
+                </a:solidFill>
+                <a:latin typeface="Arial" panose="020B0604020202020204" pitchFamily="34" charset="0"/>
+                <a:cs typeface="Arial" panose="020B0604020202020204" pitchFamily="34" charset="0"/>
+              </a:rPr>
+              <a:t>RegionAdapter</a:t>
+            </a:r>
+            <a:r>
+              <a:rPr lang="en-US" altLang="ko-KR" sz="4000" b="1" dirty="0">
+                <a:solidFill>
+                  <a:schemeClr val="accent1"/>
+                </a:solidFill>
+                <a:latin typeface="Arial" panose="020B0604020202020204" pitchFamily="34" charset="0"/>
+                <a:cs typeface="Arial" panose="020B0604020202020204" pitchFamily="34" charset="0"/>
+              </a:rPr>
+              <a:t>&lt;T&gt;</a:t>
+            </a:r>
+            <a:endParaRPr lang="ko-KR" altLang="en-US" sz="4000" b="1" dirty="0">
+              <a:solidFill>
+                <a:schemeClr val="accent1"/>
+              </a:solidFill>
+              <a:latin typeface="Arial" panose="020B0604020202020204" pitchFamily="34" charset="0"/>
+              <a:cs typeface="Arial" panose="020B0604020202020204" pitchFamily="34" charset="0"/>
+            </a:endParaRPr>
+          </a:p>
+        </p:txBody>
+      </p:sp>
+      <p:sp>
+        <p:nvSpPr>
+          <p:cNvPr id="3" name="TextBox 2"/>
+          <p:cNvSpPr txBox="1"/>
+          <p:nvPr/>
+        </p:nvSpPr>
+        <p:spPr>
+          <a:xfrm>
+            <a:off x="4041913" y="2968487"/>
+            <a:ext cx="2301656" cy="1477328"/>
+          </a:xfrm>
+          <a:prstGeom prst="rect">
+            <a:avLst/>
+          </a:prstGeom>
+          <a:noFill/>
+        </p:spPr>
+        <p:txBody>
+          <a:bodyPr wrap="none" rtlCol="0">
+            <a:spAutoFit/>
+          </a:bodyPr>
+          <a:lstStyle/>
+          <a:p>
+            <a:r>
+              <a:rPr lang="en-US" altLang="ko-KR" dirty="0" err="1" smtClean="0"/>
+              <a:t>AllActivityRegion</a:t>
+            </a:r>
+            <a:endParaRPr lang="en-US" altLang="ko-KR" dirty="0" smtClean="0"/>
+          </a:p>
+          <a:p>
+            <a:endParaRPr lang="en-US" altLang="ko-KR" dirty="0"/>
+          </a:p>
+          <a:p>
+            <a:r>
+              <a:rPr lang="en-US" altLang="ko-KR" dirty="0" err="1" smtClean="0"/>
+              <a:t>SingleActivityRegion</a:t>
+            </a:r>
+            <a:endParaRPr lang="en-US" altLang="ko-KR" dirty="0" smtClean="0"/>
+          </a:p>
+          <a:p>
+            <a:endParaRPr lang="en-US" altLang="ko-KR" dirty="0"/>
+          </a:p>
+          <a:p>
+            <a:endParaRPr lang="ko-KR" altLang="en-US" dirty="0"/>
+          </a:p>
+        </p:txBody>
+      </p:sp>
+    </p:spTree>
+    <p:extLst>
+      <p:ext uri="{BB962C8B-B14F-4D97-AF65-F5344CB8AC3E}">
+        <p14:creationId xmlns:p14="http://schemas.microsoft.com/office/powerpoint/2010/main" val="266846310"/>
+      </p:ext>
+    </p:extLst>
+  </p:cSld>
+  <p:clrMapOvr>
+    <a:masterClrMapping/>
+  </p:clrMapOvr>
+  <p:timing>
+    <p:tnLst>
+      <p:par>
+        <p:cTn id="1" dur="indefinite" restart="never" nodeType="tmRoot"/>
+      </p:par>
+    </p:tnLst>
+  </p:timing>
+</p:sld>
+</file>
+
+<file path=ppt/slides/slide4.xml><?xml version="1.0" encoding="utf-8"?>
+<p:sld xmlns:a="http://schemas.openxmlformats.org/drawingml/2006/main" xmlns:r="http://schemas.openxmlformats.org/officeDocument/2006/relationships" xmlns:p="http://schemas.openxmlformats.org/presentationml/2006/main">
+  <p:cSld>
+    <p:spTree>
+      <p:nvGrpSpPr>
+        <p:cNvPr id="1" name=""/>
+        <p:cNvGrpSpPr/>
+        <p:nvPr/>
+      </p:nvGrpSpPr>
+      <p:grpSpPr>
+        <a:xfrm>
+          <a:off x="0" y="0"/>
+          <a:ext cx="0" cy="0"/>
+          <a:chOff x="0" y="0"/>
+          <a:chExt cx="0" cy="0"/>
+        </a:xfrm>
+      </p:grpSpPr>
+      <p:sp>
+        <p:nvSpPr>
+          <p:cNvPr id="5" name="TextBox 4"/>
+          <p:cNvSpPr txBox="1"/>
+          <p:nvPr/>
+        </p:nvSpPr>
+        <p:spPr>
+          <a:xfrm>
+            <a:off x="449179" y="465221"/>
+            <a:ext cx="4770858" cy="707886"/>
+          </a:xfrm>
+          <a:prstGeom prst="rect">
+            <a:avLst/>
+          </a:prstGeom>
+          <a:noFill/>
+        </p:spPr>
+        <p:txBody>
+          <a:bodyPr wrap="none" rtlCol="0">
+            <a:spAutoFit/>
+          </a:bodyPr>
+          <a:lstStyle/>
+          <a:p>
+            <a:r>
+              <a:rPr lang="en-US" altLang="ko-KR" sz="4000" b="1" dirty="0" err="1">
+                <a:solidFill>
+                  <a:schemeClr val="accent1"/>
+                </a:solidFill>
+                <a:latin typeface="Arial" panose="020B0604020202020204" pitchFamily="34" charset="0"/>
+                <a:cs typeface="Arial" panose="020B0604020202020204" pitchFamily="34" charset="0"/>
+              </a:rPr>
+              <a:t>RegionAdapter</a:t>
+            </a:r>
+            <a:r>
+              <a:rPr lang="en-US" altLang="ko-KR" sz="4000" b="1" dirty="0">
+                <a:solidFill>
+                  <a:schemeClr val="accent1"/>
+                </a:solidFill>
+                <a:latin typeface="Arial" panose="020B0604020202020204" pitchFamily="34" charset="0"/>
+                <a:cs typeface="Arial" panose="020B0604020202020204" pitchFamily="34" charset="0"/>
+              </a:rPr>
+              <a:t>&lt;T&gt;</a:t>
+            </a:r>
+            <a:endParaRPr lang="ko-KR" altLang="en-US" sz="4000" b="1" dirty="0">
+              <a:solidFill>
+                <a:schemeClr val="accent1"/>
+              </a:solidFill>
+              <a:latin typeface="Arial" panose="020B0604020202020204" pitchFamily="34" charset="0"/>
+              <a:cs typeface="Arial" panose="020B0604020202020204" pitchFamily="34" charset="0"/>
+            </a:endParaRPr>
+          </a:p>
+        </p:txBody>
+      </p:sp>
+      <p:pic>
+        <p:nvPicPr>
+          <p:cNvPr id="3" name="그림 2"/>
+          <p:cNvPicPr>
+            <a:picLocks noChangeAspect="1"/>
+          </p:cNvPicPr>
+          <p:nvPr/>
+        </p:nvPicPr>
+        <p:blipFill>
+          <a:blip r:embed="rId2"/>
+          <a:stretch>
+            <a:fillRect/>
+          </a:stretch>
+        </p:blipFill>
+        <p:spPr>
+          <a:xfrm>
+            <a:off x="1382037" y="1925685"/>
+            <a:ext cx="9427926" cy="4209128"/>
+          </a:xfrm>
+          <a:prstGeom prst="rect">
+            <a:avLst/>
+          </a:prstGeom>
+        </p:spPr>
+      </p:pic>
+      <p:sp>
+        <p:nvSpPr>
+          <p:cNvPr id="4" name="직사각형 3"/>
+          <p:cNvSpPr/>
+          <p:nvPr/>
+        </p:nvSpPr>
+        <p:spPr>
+          <a:xfrm>
+            <a:off x="1741118" y="4446740"/>
+            <a:ext cx="8981161" cy="1440493"/>
+          </a:xfrm>
+          <a:prstGeom prst="rect">
+            <a:avLst/>
+          </a:prstGeom>
+          <a:noFill/>
+          <a:ln w="50800">
+            <a:solidFill>
+              <a:srgbClr val="FF0000"/>
+            </a:solidFill>
+          </a:ln>
+        </p:spPr>
+        <p:style>
+          <a:lnRef idx="2">
+            <a:schemeClr val="accent1">
+              <a:shade val="50000"/>
+            </a:schemeClr>
+          </a:lnRef>
+          <a:fillRef idx="1">
+            <a:schemeClr val="accent1"/>
+          </a:fillRef>
+          <a:effectRef idx="0">
+            <a:schemeClr val="accent1"/>
+          </a:effectRef>
+          <a:fontRef idx="minor">
+            <a:schemeClr val="lt1"/>
+          </a:fontRef>
+        </p:style>
+        <p:txBody>
+          <a:bodyPr rtlCol="0" anchor="ctr"/>
+          <a:lstStyle/>
+          <a:p>
+            <a:pPr algn="ctr"/>
+            <a:endParaRPr lang="ko-KR" altLang="en-US"/>
+          </a:p>
+        </p:txBody>
+      </p:sp>
+    </p:spTree>
+    <p:extLst>
+      <p:ext uri="{BB962C8B-B14F-4D97-AF65-F5344CB8AC3E}">
+        <p14:creationId xmlns:p14="http://schemas.microsoft.com/office/powerpoint/2010/main" val="4037181629"/>
+      </p:ext>
+    </p:extLst>
+  </p:cSld>
+  <p:clrMapOvr>
+    <a:masterClrMapping/>
+  </p:clrMapOvr>
+  <p:timing>
+    <p:tnLst>
+      <p:par>
+        <p:cTn id="1" dur="indefinite" restart="never" nodeType="tmRoot"/>
+      </p:par>
+    </p:tnLst>
+  </p:timing>
+</p:sld>
+</file>
+
+<file path=ppt/slides/slide5.xml><?xml version="1.0" encoding="utf-8"?>
+<p:sld xmlns:a="http://schemas.openxmlformats.org/drawingml/2006/main" xmlns:r="http://schemas.openxmlformats.org/officeDocument/2006/relationships" xmlns:p="http://schemas.openxmlformats.org/presentationml/2006/main">
+  <p:cSld>
+    <p:spTree>
+      <p:nvGrpSpPr>
+        <p:cNvPr id="1" name=""/>
+        <p:cNvGrpSpPr/>
+        <p:nvPr/>
+      </p:nvGrpSpPr>
+      <p:grpSpPr>
+        <a:xfrm>
+          <a:off x="0" y="0"/>
+          <a:ext cx="0" cy="0"/>
+          <a:chOff x="0" y="0"/>
+          <a:chExt cx="0" cy="0"/>
+        </a:xfrm>
+      </p:grpSpPr>
+      <p:sp>
+        <p:nvSpPr>
+          <p:cNvPr id="4" name="TextBox 3"/>
+          <p:cNvSpPr txBox="1"/>
+          <p:nvPr/>
+        </p:nvSpPr>
+        <p:spPr>
+          <a:xfrm>
+            <a:off x="449179" y="2177427"/>
+            <a:ext cx="10446514" cy="1754326"/>
+          </a:xfrm>
+          <a:prstGeom prst="rect">
+            <a:avLst/>
+          </a:prstGeom>
+          <a:noFill/>
+        </p:spPr>
+        <p:txBody>
+          <a:bodyPr wrap="none" rtlCol="0">
+            <a:spAutoFit/>
+          </a:bodyPr>
+          <a:lstStyle/>
+          <a:p>
+            <a:r>
+              <a:rPr lang="en-US" altLang="ko-KR" dirty="0" smtClean="0"/>
+              <a:t>Prism</a:t>
+            </a:r>
+            <a:r>
+              <a:rPr lang="ko-KR" altLang="en-US" dirty="0" smtClean="0"/>
+              <a:t>의 </a:t>
+            </a:r>
+            <a:r>
+              <a:rPr lang="en-US" altLang="ko-KR" dirty="0" smtClean="0"/>
+              <a:t>Region</a:t>
+            </a:r>
+            <a:r>
+              <a:rPr lang="ko-KR" altLang="en-US" dirty="0" smtClean="0"/>
+              <a:t>에서 제공하는 기능으로 </a:t>
+            </a:r>
+            <a:r>
+              <a:rPr lang="en-US" altLang="ko-KR" dirty="0" smtClean="0"/>
+              <a:t>WPF</a:t>
+            </a:r>
+            <a:r>
+              <a:rPr lang="ko-KR" altLang="en-US" dirty="0" smtClean="0"/>
+              <a:t>에 있는 </a:t>
+            </a:r>
+            <a:r>
+              <a:rPr lang="en-US" altLang="ko-KR" b="1" dirty="0" smtClean="0">
+                <a:solidFill>
+                  <a:schemeClr val="accent1"/>
+                </a:solidFill>
+                <a:latin typeface="Arial" panose="020B0604020202020204" pitchFamily="34" charset="0"/>
+                <a:cs typeface="Arial" panose="020B0604020202020204" pitchFamily="34" charset="0"/>
+              </a:rPr>
+              <a:t>Behavior&lt;T&gt;</a:t>
+            </a:r>
+            <a:r>
+              <a:rPr lang="en-US" altLang="ko-KR" dirty="0" smtClean="0"/>
+              <a:t> </a:t>
+            </a:r>
+            <a:r>
+              <a:rPr lang="ko-KR" altLang="en-US" dirty="0" smtClean="0"/>
+              <a:t>클래스와 같은 기능을 제공한다</a:t>
+            </a:r>
+            <a:r>
+              <a:rPr lang="en-US" altLang="ko-KR" dirty="0" smtClean="0"/>
+              <a:t>.</a:t>
+            </a:r>
+          </a:p>
+          <a:p>
+            <a:endParaRPr lang="en-US" altLang="ko-KR" dirty="0"/>
+          </a:p>
+          <a:p>
+            <a:pPr algn="just"/>
+            <a:r>
+              <a:rPr lang="en-US" altLang="ko-KR" b="1" dirty="0" smtClean="0">
+                <a:solidFill>
+                  <a:schemeClr val="accent1"/>
+                </a:solidFill>
+                <a:latin typeface="Arial" panose="020B0604020202020204" pitchFamily="34" charset="0"/>
+                <a:cs typeface="Arial" panose="020B0604020202020204" pitchFamily="34" charset="0"/>
+              </a:rPr>
+              <a:t>Behavior&lt;T&gt; </a:t>
+            </a:r>
+            <a:r>
+              <a:rPr lang="ko-KR" altLang="en-US" dirty="0" smtClean="0"/>
+              <a:t>클래스는</a:t>
+            </a:r>
+            <a:r>
+              <a:rPr lang="en-US" altLang="ko-KR" dirty="0" smtClean="0"/>
+              <a:t> </a:t>
+            </a:r>
+            <a:r>
+              <a:rPr lang="ko-KR" altLang="en-US" dirty="0" smtClean="0"/>
+              <a:t>트리거 객체에 </a:t>
+            </a:r>
+            <a:r>
+              <a:rPr lang="ko-KR" altLang="en-US" dirty="0" smtClean="0"/>
+              <a:t>추가 상태</a:t>
+            </a:r>
+            <a:r>
+              <a:rPr lang="en-US" altLang="ko-KR" dirty="0" smtClean="0"/>
+              <a:t>(?)</a:t>
+            </a:r>
+            <a:r>
+              <a:rPr lang="ko-KR" altLang="en-US" dirty="0" smtClean="0"/>
+              <a:t>와 명령어를 제공하기 위한 클래스 이다</a:t>
+            </a:r>
+            <a:r>
+              <a:rPr lang="en-US" altLang="ko-KR" dirty="0" smtClean="0"/>
+              <a:t>.</a:t>
+            </a:r>
+          </a:p>
+          <a:p>
+            <a:endParaRPr lang="en-US" altLang="ko-KR" dirty="0"/>
+          </a:p>
+          <a:p>
+            <a:r>
+              <a:rPr lang="ko-KR" altLang="en-US" dirty="0" smtClean="0"/>
+              <a:t>직접 구현할 필요는 </a:t>
+            </a:r>
+            <a:r>
+              <a:rPr lang="ko-KR" altLang="en-US" dirty="0" smtClean="0"/>
+              <a:t>없지만 </a:t>
+            </a:r>
+            <a:r>
+              <a:rPr lang="en-US" altLang="ko-KR" dirty="0" smtClean="0"/>
+              <a:t>View</a:t>
+            </a:r>
+            <a:r>
+              <a:rPr lang="ko-KR" altLang="en-US" dirty="0" smtClean="0"/>
+              <a:t>가 </a:t>
+            </a:r>
+            <a:r>
+              <a:rPr lang="en-US" altLang="ko-KR" dirty="0" smtClean="0"/>
+              <a:t>Region</a:t>
+            </a:r>
+            <a:r>
+              <a:rPr lang="ko-KR" altLang="en-US" dirty="0" smtClean="0"/>
+              <a:t>에 </a:t>
+            </a:r>
+            <a:r>
+              <a:rPr lang="en-US" altLang="ko-KR" dirty="0" smtClean="0"/>
+              <a:t>Attach</a:t>
+            </a:r>
+            <a:r>
+              <a:rPr lang="ko-KR" altLang="en-US" dirty="0" smtClean="0"/>
+              <a:t>가 되었을 때 </a:t>
+            </a:r>
+            <a:r>
+              <a:rPr lang="en-US" altLang="ko-KR" dirty="0" smtClean="0"/>
+              <a:t>View </a:t>
+            </a:r>
+            <a:r>
+              <a:rPr lang="ko-KR" altLang="en-US" dirty="0" smtClean="0"/>
+              <a:t>혹은 </a:t>
+            </a:r>
+            <a:r>
+              <a:rPr lang="en-US" altLang="ko-KR" dirty="0" err="1" smtClean="0"/>
+              <a:t>ViewModel</a:t>
+            </a:r>
+            <a:r>
+              <a:rPr lang="ko-KR" altLang="en-US" dirty="0" smtClean="0"/>
+              <a:t>에서 </a:t>
+            </a:r>
+            <a:endParaRPr lang="en-US" altLang="ko-KR" dirty="0" smtClean="0"/>
+          </a:p>
+          <a:p>
+            <a:r>
+              <a:rPr lang="ko-KR" altLang="en-US" dirty="0" smtClean="0"/>
+              <a:t>이벤트가 발생하여 </a:t>
+            </a:r>
+            <a:r>
+              <a:rPr lang="en-US" altLang="ko-KR" dirty="0" smtClean="0"/>
+              <a:t>Region</a:t>
+            </a:r>
+            <a:r>
+              <a:rPr lang="ko-KR" altLang="en-US" dirty="0" smtClean="0"/>
+              <a:t>을 </a:t>
+            </a:r>
+            <a:r>
+              <a:rPr lang="ko-KR" altLang="en-US" dirty="0" err="1" smtClean="0"/>
+              <a:t>변경할때</a:t>
+            </a:r>
+            <a:r>
+              <a:rPr lang="ko-KR" altLang="en-US" dirty="0" smtClean="0"/>
+              <a:t> 필요하다</a:t>
+            </a:r>
+            <a:r>
+              <a:rPr lang="en-US" altLang="ko-KR" dirty="0" smtClean="0"/>
+              <a:t>.</a:t>
+            </a:r>
+            <a:endParaRPr lang="en-US" altLang="ko-KR" dirty="0"/>
+          </a:p>
+        </p:txBody>
+      </p:sp>
+      <p:sp>
+        <p:nvSpPr>
+          <p:cNvPr id="5" name="TextBox 4"/>
+          <p:cNvSpPr txBox="1"/>
+          <p:nvPr/>
+        </p:nvSpPr>
+        <p:spPr>
+          <a:xfrm>
+            <a:off x="449179" y="465221"/>
+            <a:ext cx="4115229" cy="707886"/>
+          </a:xfrm>
+          <a:prstGeom prst="rect">
+            <a:avLst/>
+          </a:prstGeom>
+          <a:noFill/>
+        </p:spPr>
+        <p:txBody>
+          <a:bodyPr wrap="none" rtlCol="0">
+            <a:spAutoFit/>
+          </a:bodyPr>
+          <a:lstStyle/>
+          <a:p>
+            <a:r>
+              <a:rPr lang="en-US" altLang="ko-KR" sz="4000" b="1" dirty="0" err="1" smtClean="0">
+                <a:solidFill>
+                  <a:schemeClr val="accent1"/>
+                </a:solidFill>
+                <a:latin typeface="Arial" panose="020B0604020202020204" pitchFamily="34" charset="0"/>
+                <a:cs typeface="Arial" panose="020B0604020202020204" pitchFamily="34" charset="0"/>
+              </a:rPr>
+              <a:t>RegionBehavior</a:t>
+            </a:r>
+            <a:endParaRPr lang="ko-KR" altLang="en-US" sz="4000" b="1" dirty="0">
+              <a:solidFill>
+                <a:schemeClr val="accent1"/>
+              </a:solidFill>
+              <a:latin typeface="Arial" panose="020B0604020202020204" pitchFamily="34" charset="0"/>
+              <a:cs typeface="Arial" panose="020B0604020202020204" pitchFamily="34" charset="0"/>
+            </a:endParaRPr>
+          </a:p>
+        </p:txBody>
+      </p:sp>
+    </p:spTree>
+    <p:extLst>
+      <p:ext uri="{BB962C8B-B14F-4D97-AF65-F5344CB8AC3E}">
+        <p14:creationId xmlns:p14="http://schemas.microsoft.com/office/powerpoint/2010/main" val="4286949109"/>
+      </p:ext>
+    </p:extLst>
+  </p:cSld>
+  <p:clrMapOvr>
+    <a:masterClrMapping/>
+  </p:clrMapOvr>
+  <p:timing>
+    <p:tnLst>
+      <p:par>
+        <p:cTn id="1" dur="indefinite" restart="never" nodeType="tmRoot"/>
+      </p:par>
+    </p:tnLst>
+  </p:timing>
+</p:sld>
+</file>
+
+<file path=ppt/slides/slide6.xml><?xml version="1.0" encoding="utf-8"?>
+<p:sld xmlns:a="http://schemas.openxmlformats.org/drawingml/2006/main" xmlns:r="http://schemas.openxmlformats.org/officeDocument/2006/relationships" xmlns:p="http://schemas.openxmlformats.org/presentationml/2006/main">
+  <p:cSld>
+    <p:spTree>
+      <p:nvGrpSpPr>
+        <p:cNvPr id="1" name=""/>
+        <p:cNvGrpSpPr/>
+        <p:nvPr/>
+      </p:nvGrpSpPr>
+      <p:grpSpPr>
+        <a:xfrm>
+          <a:off x="0" y="0"/>
+          <a:ext cx="0" cy="0"/>
+          <a:chOff x="0" y="0"/>
+          <a:chExt cx="0" cy="0"/>
+        </a:xfrm>
+      </p:grpSpPr>
+      <p:sp>
+        <p:nvSpPr>
+          <p:cNvPr id="5" name="TextBox 4"/>
+          <p:cNvSpPr txBox="1"/>
+          <p:nvPr/>
+        </p:nvSpPr>
+        <p:spPr>
+          <a:xfrm>
+            <a:off x="449179" y="465221"/>
+            <a:ext cx="4115229" cy="707886"/>
+          </a:xfrm>
+          <a:prstGeom prst="rect">
+            <a:avLst/>
+          </a:prstGeom>
+          <a:noFill/>
+        </p:spPr>
+        <p:txBody>
+          <a:bodyPr wrap="none" rtlCol="0">
+            <a:spAutoFit/>
+          </a:bodyPr>
+          <a:lstStyle/>
+          <a:p>
+            <a:r>
+              <a:rPr lang="en-US" altLang="ko-KR" sz="4000" b="1" dirty="0" err="1" smtClean="0">
+                <a:solidFill>
+                  <a:schemeClr val="accent1"/>
+                </a:solidFill>
+                <a:latin typeface="Arial" panose="020B0604020202020204" pitchFamily="34" charset="0"/>
+                <a:cs typeface="Arial" panose="020B0604020202020204" pitchFamily="34" charset="0"/>
+              </a:rPr>
+              <a:t>RegionBehavior</a:t>
+            </a:r>
+            <a:endParaRPr lang="ko-KR" altLang="en-US" sz="4000" b="1" dirty="0">
+              <a:solidFill>
+                <a:schemeClr val="accent1"/>
+              </a:solidFill>
+              <a:latin typeface="Arial" panose="020B0604020202020204" pitchFamily="34" charset="0"/>
+              <a:cs typeface="Arial" panose="020B0604020202020204" pitchFamily="34" charset="0"/>
+            </a:endParaRPr>
+          </a:p>
+        </p:txBody>
+      </p:sp>
+      <p:pic>
+        <p:nvPicPr>
+          <p:cNvPr id="2" name="그림 1"/>
+          <p:cNvPicPr>
+            <a:picLocks noChangeAspect="1"/>
+          </p:cNvPicPr>
+          <p:nvPr/>
+        </p:nvPicPr>
+        <p:blipFill>
+          <a:blip r:embed="rId2"/>
+          <a:stretch>
+            <a:fillRect/>
+          </a:stretch>
+        </p:blipFill>
+        <p:spPr>
+          <a:xfrm>
+            <a:off x="2834877" y="1173107"/>
+            <a:ext cx="5912646" cy="5506278"/>
+          </a:xfrm>
+          <a:prstGeom prst="rect">
+            <a:avLst/>
+          </a:prstGeom>
+        </p:spPr>
+      </p:pic>
+    </p:spTree>
+    <p:extLst>
+      <p:ext uri="{BB962C8B-B14F-4D97-AF65-F5344CB8AC3E}">
+        <p14:creationId xmlns:p14="http://schemas.microsoft.com/office/powerpoint/2010/main" val="1924594116"/>
+      </p:ext>
+    </p:extLst>
+  </p:cSld>
+  <p:clrMapOvr>
+    <a:masterClrMapping/>
+  </p:clrMapOvr>
+  <p:timing>
+    <p:tnLst>
+      <p:par>
+        <p:cTn id="1" dur="indefinite" restart="never" nodeType="tmRoot"/>
+      </p:par>
+    </p:tnLst>
+  </p:timing>
+</p:sld>
+</file>
+
+<file path=ppt/slides/slide7.xml><?xml version="1.0" encoding="utf-8"?>
+<p:sld xmlns:a="http://schemas.openxmlformats.org/drawingml/2006/main" xmlns:r="http://schemas.openxmlformats.org/officeDocument/2006/relationships" xmlns:p="http://schemas.openxmlformats.org/presentationml/2006/main">
+  <p:cSld>
+    <p:spTree>
+      <p:nvGrpSpPr>
+        <p:cNvPr id="1" name=""/>
+        <p:cNvGrpSpPr/>
+        <p:nvPr/>
+      </p:nvGrpSpPr>
+      <p:grpSpPr>
+        <a:xfrm>
+          <a:off x="0" y="0"/>
+          <a:ext cx="0" cy="0"/>
+          <a:chOff x="0" y="0"/>
+          <a:chExt cx="0" cy="0"/>
+        </a:xfrm>
+      </p:grpSpPr>
+      <p:sp>
+        <p:nvSpPr>
+          <p:cNvPr id="5" name="TextBox 4"/>
+          <p:cNvSpPr txBox="1"/>
+          <p:nvPr/>
+        </p:nvSpPr>
+        <p:spPr>
+          <a:xfrm>
+            <a:off x="449179" y="465221"/>
             <a:ext cx="4115229" cy="707886"/>
           </a:xfrm>
           <a:prstGeom prst="rect">
@@ -3270,7 +4143,7 @@
         </p:blipFill>
         <p:spPr>
           <a:xfrm>
-            <a:off x="2260577" y="1173107"/>
+            <a:off x="2260577" y="1398394"/>
             <a:ext cx="8055858" cy="5141494"/>
           </a:xfrm>
           <a:prstGeom prst="rect">
@@ -3282,6 +4155,155 @@
     <p:extLst>
       <p:ext uri="{BB962C8B-B14F-4D97-AF65-F5344CB8AC3E}">
         <p14:creationId xmlns:p14="http://schemas.microsoft.com/office/powerpoint/2010/main" val="385659086"/>
+      </p:ext>
+    </p:extLst>
+  </p:cSld>
+  <p:clrMapOvr>
+    <a:masterClrMapping/>
+  </p:clrMapOvr>
+  <p:timing>
+    <p:tnLst>
+      <p:par>
+        <p:cTn id="1" dur="indefinite" restart="never" nodeType="tmRoot"/>
+      </p:par>
+    </p:tnLst>
+  </p:timing>
+</p:sld>
+</file>
+
+<file path=ppt/slides/slide8.xml><?xml version="1.0" encoding="utf-8"?>
+<p:sld xmlns:a="http://schemas.openxmlformats.org/drawingml/2006/main" xmlns:r="http://schemas.openxmlformats.org/officeDocument/2006/relationships" xmlns:p="http://schemas.openxmlformats.org/presentationml/2006/main">
+  <p:cSld>
+    <p:spTree>
+      <p:nvGrpSpPr>
+        <p:cNvPr id="1" name=""/>
+        <p:cNvGrpSpPr/>
+        <p:nvPr/>
+      </p:nvGrpSpPr>
+      <p:grpSpPr>
+        <a:xfrm>
+          <a:off x="0" y="0"/>
+          <a:ext cx="0" cy="0"/>
+          <a:chOff x="0" y="0"/>
+          <a:chExt cx="0" cy="0"/>
+        </a:xfrm>
+      </p:grpSpPr>
+      <p:sp>
+        <p:nvSpPr>
+          <p:cNvPr id="5" name="TextBox 4"/>
+          <p:cNvSpPr txBox="1"/>
+          <p:nvPr/>
+        </p:nvSpPr>
+        <p:spPr>
+          <a:xfrm>
+            <a:off x="449179" y="465221"/>
+            <a:ext cx="4115229" cy="707886"/>
+          </a:xfrm>
+          <a:prstGeom prst="rect">
+            <a:avLst/>
+          </a:prstGeom>
+          <a:noFill/>
+        </p:spPr>
+        <p:txBody>
+          <a:bodyPr wrap="none" rtlCol="0">
+            <a:spAutoFit/>
+          </a:bodyPr>
+          <a:lstStyle/>
+          <a:p>
+            <a:r>
+              <a:rPr lang="en-US" altLang="ko-KR" sz="4000" b="1" dirty="0" err="1" smtClean="0">
+                <a:solidFill>
+                  <a:schemeClr val="accent1"/>
+                </a:solidFill>
+                <a:latin typeface="Arial" panose="020B0604020202020204" pitchFamily="34" charset="0"/>
+                <a:cs typeface="Arial" panose="020B0604020202020204" pitchFamily="34" charset="0"/>
+              </a:rPr>
+              <a:t>RegionBehavior</a:t>
+            </a:r>
+            <a:endParaRPr lang="ko-KR" altLang="en-US" sz="4000" b="1" dirty="0">
+              <a:solidFill>
+                <a:schemeClr val="accent1"/>
+              </a:solidFill>
+              <a:latin typeface="Arial" panose="020B0604020202020204" pitchFamily="34" charset="0"/>
+              <a:cs typeface="Arial" panose="020B0604020202020204" pitchFamily="34" charset="0"/>
+            </a:endParaRPr>
+          </a:p>
+        </p:txBody>
+      </p:sp>
+      <p:pic>
+        <p:nvPicPr>
+          <p:cNvPr id="2" name="그림 1"/>
+          <p:cNvPicPr>
+            <a:picLocks noChangeAspect="1"/>
+          </p:cNvPicPr>
+          <p:nvPr/>
+        </p:nvPicPr>
+        <p:blipFill>
+          <a:blip r:embed="rId2"/>
+          <a:stretch>
+            <a:fillRect/>
+          </a:stretch>
+        </p:blipFill>
+        <p:spPr>
+          <a:xfrm>
+            <a:off x="2663688" y="1378619"/>
+            <a:ext cx="6944138" cy="5127978"/>
+          </a:xfrm>
+          <a:prstGeom prst="rect">
+            <a:avLst/>
+          </a:prstGeom>
+        </p:spPr>
+      </p:pic>
+      <p:sp>
+        <p:nvSpPr>
+          <p:cNvPr id="3" name="직사각형 2"/>
+          <p:cNvSpPr/>
+          <p:nvPr/>
+        </p:nvSpPr>
+        <p:spPr>
+          <a:xfrm>
+            <a:off x="2968487" y="4982817"/>
+            <a:ext cx="6493565" cy="1219200"/>
+          </a:xfrm>
+          <a:prstGeom prst="rect">
+            <a:avLst/>
+          </a:prstGeom>
+          <a:noFill/>
+          <a:ln w="50800">
+            <a:solidFill>
+              <a:srgbClr val="FF0000"/>
+            </a:solidFill>
+          </a:ln>
+        </p:spPr>
+        <p:style>
+          <a:lnRef idx="2">
+            <a:schemeClr val="accent1">
+              <a:shade val="50000"/>
+            </a:schemeClr>
+          </a:lnRef>
+          <a:fillRef idx="1">
+            <a:schemeClr val="accent1"/>
+          </a:fillRef>
+          <a:effectRef idx="0">
+            <a:schemeClr val="accent1"/>
+          </a:effectRef>
+          <a:fontRef idx="minor">
+            <a:schemeClr val="lt1"/>
+          </a:fontRef>
+        </p:style>
+        <p:txBody>
+          <a:bodyPr rtlCol="0" anchor="ctr"/>
+          <a:lstStyle/>
+          <a:p>
+            <a:pPr algn="ctr"/>
+            <a:endParaRPr lang="ko-KR" altLang="en-US"/>
+          </a:p>
+        </p:txBody>
+      </p:sp>
+    </p:spTree>
+    <p:extLst>
+      <p:ext uri="{BB962C8B-B14F-4D97-AF65-F5344CB8AC3E}">
+        <p14:creationId xmlns:p14="http://schemas.microsoft.com/office/powerpoint/2010/main" val="3874720455"/>
       </p:ext>
     </p:extLst>
   </p:cSld>

--- a/Prism.pptx
+++ b/Prism.pptx
@@ -5,14 +5,23 @@
     <p:sldMasterId id="2147483648" r:id="rId1"/>
   </p:sldMasterIdLst>
   <p:sldIdLst>
-    <p:sldId id="259" r:id="rId2"/>
-    <p:sldId id="260" r:id="rId3"/>
-    <p:sldId id="262" r:id="rId4"/>
-    <p:sldId id="261" r:id="rId5"/>
-    <p:sldId id="256" r:id="rId6"/>
-    <p:sldId id="264" r:id="rId7"/>
-    <p:sldId id="258" r:id="rId8"/>
-    <p:sldId id="263" r:id="rId9"/>
+    <p:sldId id="269" r:id="rId2"/>
+    <p:sldId id="270" r:id="rId3"/>
+    <p:sldId id="271" r:id="rId4"/>
+    <p:sldId id="272" r:id="rId5"/>
+    <p:sldId id="273" r:id="rId6"/>
+    <p:sldId id="274" r:id="rId7"/>
+    <p:sldId id="265" r:id="rId8"/>
+    <p:sldId id="267" r:id="rId9"/>
+    <p:sldId id="259" r:id="rId10"/>
+    <p:sldId id="268" r:id="rId11"/>
+    <p:sldId id="260" r:id="rId12"/>
+    <p:sldId id="261" r:id="rId13"/>
+    <p:sldId id="256" r:id="rId14"/>
+    <p:sldId id="264" r:id="rId15"/>
+    <p:sldId id="258" r:id="rId16"/>
+    <p:sldId id="263" r:id="rId17"/>
+    <p:sldId id="266" r:id="rId18"/>
   </p:sldIdLst>
   <p:sldSz cx="12192000" cy="6858000"/>
   <p:notesSz cx="6858000" cy="9144000"/>
@@ -2978,14 +2987,14 @@
       </p:grpSpPr>
       <p:sp>
         <p:nvSpPr>
-          <p:cNvPr id="4" name="TextBox 3"/>
+          <p:cNvPr id="5" name="TextBox 4"/>
           <p:cNvSpPr txBox="1"/>
           <p:nvPr/>
         </p:nvSpPr>
         <p:spPr>
           <a:xfrm>
-            <a:off x="449179" y="1620836"/>
-            <a:ext cx="10856049" cy="3693319"/>
+            <a:off x="449179" y="465221"/>
+            <a:ext cx="5769528" cy="707886"/>
           </a:xfrm>
           <a:prstGeom prst="rect">
             <a:avLst/>
@@ -2999,20 +3008,157 @@
           <a:lstStyle/>
           <a:p>
             <a:r>
+              <a:rPr lang="en-US" altLang="ko-KR" sz="4000" b="1" dirty="0" err="1" smtClean="0">
+                <a:solidFill>
+                  <a:schemeClr val="accent1"/>
+                </a:solidFill>
+                <a:latin typeface="Arial" panose="020B0604020202020204" pitchFamily="34" charset="0"/>
+                <a:cs typeface="Arial" panose="020B0604020202020204" pitchFamily="34" charset="0"/>
+              </a:rPr>
+              <a:t>INotifyPropertyChange</a:t>
+            </a:r>
+            <a:endParaRPr lang="ko-KR" altLang="en-US" sz="4000" b="1" dirty="0">
+              <a:solidFill>
+                <a:schemeClr val="accent1"/>
+              </a:solidFill>
+              <a:latin typeface="Arial" panose="020B0604020202020204" pitchFamily="34" charset="0"/>
+              <a:cs typeface="Arial" panose="020B0604020202020204" pitchFamily="34" charset="0"/>
+            </a:endParaRPr>
+          </a:p>
+        </p:txBody>
+      </p:sp>
+      <p:sp>
+        <p:nvSpPr>
+          <p:cNvPr id="6" name="TextBox 5"/>
+          <p:cNvSpPr txBox="1"/>
+          <p:nvPr/>
+        </p:nvSpPr>
+        <p:spPr>
+          <a:xfrm>
+            <a:off x="987711" y="1620836"/>
+            <a:ext cx="6882782" cy="369332"/>
+          </a:xfrm>
+          <a:prstGeom prst="rect">
+            <a:avLst/>
+          </a:prstGeom>
+          <a:noFill/>
+        </p:spPr>
+        <p:txBody>
+          <a:bodyPr wrap="none" rtlCol="0">
+            <a:spAutoFit/>
+          </a:bodyPr>
+          <a:lstStyle/>
+          <a:p>
+            <a:r>
               <a:rPr lang="en-US" altLang="ko-KR" dirty="0" smtClean="0"/>
+              <a:t>property</a:t>
+            </a:r>
+            <a:r>
+              <a:rPr lang="ko-KR" altLang="en-US" dirty="0" smtClean="0"/>
+              <a:t>가 변경된 것은 클라이언트에게 통지하기 위해 사용된다</a:t>
+            </a:r>
+            <a:r>
+              <a:rPr lang="en-US" altLang="ko-KR" smtClean="0"/>
+              <a:t>.</a:t>
+            </a:r>
+            <a:endParaRPr lang="en-US" altLang="ko-KR" dirty="0"/>
+          </a:p>
+        </p:txBody>
+      </p:sp>
+    </p:spTree>
+    <p:extLst>
+      <p:ext uri="{BB962C8B-B14F-4D97-AF65-F5344CB8AC3E}">
+        <p14:creationId xmlns:p14="http://schemas.microsoft.com/office/powerpoint/2010/main" val="2071985831"/>
+      </p:ext>
+    </p:extLst>
+  </p:cSld>
+  <p:clrMapOvr>
+    <a:masterClrMapping/>
+  </p:clrMapOvr>
+  <p:timing>
+    <p:tnLst>
+      <p:par>
+        <p:cTn id="1" dur="indefinite" restart="never" nodeType="tmRoot"/>
+      </p:par>
+    </p:tnLst>
+  </p:timing>
+</p:sld>
+</file>
+
+<file path=ppt/slides/slide10.xml><?xml version="1.0" encoding="utf-8"?>
+<p:sld xmlns:a="http://schemas.openxmlformats.org/drawingml/2006/main" xmlns:r="http://schemas.openxmlformats.org/officeDocument/2006/relationships" xmlns:p="http://schemas.openxmlformats.org/presentationml/2006/main">
+  <p:cSld>
+    <p:spTree>
+      <p:nvGrpSpPr>
+        <p:cNvPr id="1" name=""/>
+        <p:cNvGrpSpPr/>
+        <p:nvPr/>
+      </p:nvGrpSpPr>
+      <p:grpSpPr>
+        <a:xfrm>
+          <a:off x="0" y="0"/>
+          <a:ext cx="0" cy="0"/>
+          <a:chOff x="0" y="0"/>
+          <a:chExt cx="0" cy="0"/>
+        </a:xfrm>
+      </p:grpSpPr>
+      <p:sp>
+        <p:nvSpPr>
+          <p:cNvPr id="4" name="TextBox 3"/>
+          <p:cNvSpPr txBox="1"/>
+          <p:nvPr/>
+        </p:nvSpPr>
+        <p:spPr>
+          <a:xfrm>
+            <a:off x="449179" y="1620836"/>
+            <a:ext cx="10031144" cy="923330"/>
+          </a:xfrm>
+          <a:prstGeom prst="rect">
+            <a:avLst/>
+          </a:prstGeom>
+          <a:noFill/>
+        </p:spPr>
+        <p:txBody>
+          <a:bodyPr wrap="none" rtlCol="0">
+            <a:spAutoFit/>
+          </a:bodyPr>
+          <a:lstStyle/>
+          <a:p>
+            <a:r>
+              <a:rPr lang="en-US" altLang="ko-KR" dirty="0" err="1" smtClean="0"/>
               <a:t>Region</a:t>
             </a:r>
             <a:r>
+              <a:rPr lang="en-US" altLang="ko-KR" dirty="0" err="1" smtClean="0"/>
+              <a:t>AdapterBase</a:t>
+            </a:r>
+            <a:r>
+              <a:rPr lang="en-US" altLang="ko-KR" dirty="0" smtClean="0"/>
+              <a:t>&lt;T&gt;</a:t>
+            </a:r>
+            <a:r>
               <a:rPr lang="ko-KR" altLang="en-US" dirty="0" smtClean="0"/>
-              <a:t>과 </a:t>
-            </a:r>
-            <a:r>
-              <a:rPr lang="en-US" altLang="ko-KR" dirty="0" smtClean="0"/>
-              <a:t>View</a:t>
+              <a:t>는 추상 클래스이고 </a:t>
+            </a:r>
+            <a:r>
+              <a:rPr lang="en-US" altLang="ko-KR" dirty="0" err="1" smtClean="0"/>
+              <a:t>RegionManager</a:t>
             </a:r>
             <a:r>
               <a:rPr lang="ko-KR" altLang="en-US" dirty="0" smtClean="0"/>
-              <a:t>의 컨트롤을 연결해주는 역할을 한다</a:t>
+              <a:t>는 </a:t>
+            </a:r>
+            <a:r>
+              <a:rPr lang="en-US" altLang="ko-KR" dirty="0" err="1" smtClean="0"/>
+              <a:t>RegionAdapter</a:t>
+            </a:r>
+            <a:r>
+              <a:rPr lang="ko-KR" altLang="en-US" dirty="0" smtClean="0"/>
+              <a:t>들을 </a:t>
+            </a:r>
+            <a:r>
+              <a:rPr lang="ko-KR" altLang="en-US" dirty="0" err="1" smtClean="0"/>
+              <a:t>맵핑한다</a:t>
             </a:r>
             <a:r>
               <a:rPr lang="en-US" altLang="ko-KR" dirty="0" smtClean="0"/>
@@ -3020,184 +3166,26 @@
             </a:r>
           </a:p>
           <a:p>
-            <a:endParaRPr lang="en-US" altLang="ko-KR" dirty="0" smtClean="0"/>
-          </a:p>
-          <a:p>
+            <a:endParaRPr lang="en-US" altLang="ko-KR" dirty="0"/>
+          </a:p>
+          <a:p>
+            <a:r>
+              <a:rPr lang="ko-KR" altLang="en-US" dirty="0" smtClean="0"/>
+              <a:t>그렇기때문에 개발자가 </a:t>
+            </a:r>
             <a:r>
               <a:rPr lang="en-US" altLang="ko-KR" dirty="0" err="1" smtClean="0"/>
               <a:t>RegionAdapter</a:t>
             </a:r>
             <a:r>
+              <a:rPr lang="en-US" altLang="ko-KR" dirty="0" smtClean="0"/>
+              <a:t>&lt;T&gt;</a:t>
+            </a:r>
+            <a:r>
               <a:rPr lang="ko-KR" altLang="en-US" dirty="0" smtClean="0"/>
-              <a:t>는 </a:t>
-            </a:r>
-            <a:r>
-              <a:rPr lang="en-US" altLang="ko-KR" dirty="0" err="1" smtClean="0"/>
-              <a:t>RegionManager</a:t>
-            </a:r>
-            <a:r>
-              <a:rPr lang="ko-KR" altLang="en-US" dirty="0" smtClean="0"/>
-              <a:t>가 관리를 한다</a:t>
-            </a:r>
-            <a:r>
-              <a:rPr lang="en-US" altLang="ko-KR" dirty="0" smtClean="0"/>
-              <a:t>.</a:t>
-            </a:r>
-            <a:endParaRPr lang="en-US" altLang="ko-KR" dirty="0"/>
-          </a:p>
-          <a:p>
-            <a:endParaRPr lang="en-US" altLang="ko-KR" dirty="0"/>
-          </a:p>
-          <a:p>
-            <a:endParaRPr lang="en-US" altLang="ko-KR" dirty="0"/>
-          </a:p>
-          <a:p>
-            <a:r>
-              <a:rPr lang="ko-KR" altLang="en-US" dirty="0" smtClean="0"/>
-              <a:t>기본적으로 연결을 지원해주는 컨트롤은 </a:t>
-            </a:r>
-            <a:r>
-              <a:rPr lang="en-US" altLang="ko-KR" dirty="0" err="1" smtClean="0"/>
-              <a:t>ContentControl</a:t>
-            </a:r>
-            <a:r>
-              <a:rPr lang="en-US" altLang="ko-KR" dirty="0" smtClean="0"/>
-              <a:t>, </a:t>
-            </a:r>
-            <a:r>
-              <a:rPr lang="en-US" altLang="ko-KR" dirty="0" err="1" smtClean="0"/>
-              <a:t>ItemsControl</a:t>
-            </a:r>
-            <a:r>
-              <a:rPr lang="en-US" altLang="ko-KR" dirty="0" smtClean="0"/>
-              <a:t>, Selector</a:t>
-            </a:r>
-            <a:r>
-              <a:rPr lang="ko-KR" altLang="en-US" dirty="0" smtClean="0"/>
-              <a:t>가 있다</a:t>
-            </a:r>
-            <a:r>
-              <a:rPr lang="en-US" altLang="ko-KR" dirty="0" smtClean="0"/>
-              <a:t>.</a:t>
-            </a:r>
-          </a:p>
-          <a:p>
-            <a:endParaRPr lang="en-US" altLang="ko-KR" dirty="0"/>
-          </a:p>
-          <a:p>
-            <a:r>
-              <a:rPr lang="ko-KR" altLang="en-US" dirty="0" smtClean="0"/>
-              <a:t>이러한 컨트롤을 연결해주는 </a:t>
-            </a:r>
-            <a:r>
-              <a:rPr lang="en-US" altLang="ko-KR" dirty="0" smtClean="0"/>
-              <a:t>Adapter</a:t>
-            </a:r>
-            <a:r>
-              <a:rPr lang="ko-KR" altLang="en-US" dirty="0" smtClean="0"/>
-              <a:t>들은 </a:t>
-            </a:r>
-            <a:r>
-              <a:rPr lang="en-US" altLang="ko-KR" dirty="0" err="1" smtClean="0"/>
-              <a:t>ContentControlRegionAdapter</a:t>
-            </a:r>
-            <a:r>
-              <a:rPr lang="en-US" altLang="ko-KR" dirty="0" smtClean="0"/>
-              <a:t>, </a:t>
-            </a:r>
-            <a:r>
-              <a:rPr lang="en-US" altLang="ko-KR" dirty="0" err="1" smtClean="0"/>
-              <a:t>ItemsControlRegionAdapter</a:t>
-            </a:r>
-            <a:r>
-              <a:rPr lang="en-US" altLang="ko-KR" dirty="0" smtClean="0"/>
-              <a:t>, </a:t>
-            </a:r>
-          </a:p>
-          <a:p>
-            <a:r>
-              <a:rPr lang="en-US" altLang="ko-KR" dirty="0" err="1" smtClean="0"/>
-              <a:t>SelectorRegionAdapter</a:t>
-            </a:r>
-            <a:r>
-              <a:rPr lang="ko-KR" altLang="en-US" dirty="0" smtClean="0"/>
-              <a:t>가 있으며 기본적으로 </a:t>
-            </a:r>
-            <a:r>
-              <a:rPr lang="en-US" altLang="ko-KR" dirty="0" smtClean="0"/>
-              <a:t>Prism</a:t>
-            </a:r>
-            <a:r>
-              <a:rPr lang="ko-KR" altLang="en-US" dirty="0" smtClean="0"/>
-              <a:t>에서 제공해준다</a:t>
-            </a:r>
-            <a:r>
-              <a:rPr lang="en-US" altLang="ko-KR" dirty="0" smtClean="0"/>
-              <a:t>.</a:t>
-            </a:r>
-          </a:p>
-          <a:p>
-            <a:endParaRPr lang="en-US" altLang="ko-KR" dirty="0"/>
-          </a:p>
-          <a:p>
-            <a:r>
-              <a:rPr lang="ko-KR" altLang="en-US" dirty="0" smtClean="0"/>
-              <a:t>이외에 </a:t>
-            </a:r>
-            <a:r>
-              <a:rPr lang="en-US" altLang="ko-KR" dirty="0" err="1" smtClean="0"/>
-              <a:t>StackPanel</a:t>
-            </a:r>
-            <a:r>
-              <a:rPr lang="ko-KR" altLang="en-US" dirty="0" smtClean="0"/>
-              <a:t>과 같이 </a:t>
-            </a:r>
-            <a:r>
-              <a:rPr lang="en-US" altLang="ko-KR" dirty="0" smtClean="0"/>
-              <a:t>Prism</a:t>
-            </a:r>
-            <a:r>
-              <a:rPr lang="ko-KR" altLang="en-US" dirty="0" smtClean="0"/>
-              <a:t>에서 제공하지 않는 다른 </a:t>
-            </a:r>
-            <a:r>
-              <a:rPr lang="en-US" altLang="ko-KR" dirty="0" smtClean="0"/>
-              <a:t>Control</a:t>
-            </a:r>
-            <a:r>
-              <a:rPr lang="ko-KR" altLang="en-US" dirty="0" smtClean="0"/>
-              <a:t>에 </a:t>
-            </a:r>
-            <a:r>
-              <a:rPr lang="en-US" altLang="ko-KR" dirty="0" smtClean="0"/>
-              <a:t>Region</a:t>
-            </a:r>
-            <a:r>
-              <a:rPr lang="ko-KR" altLang="en-US" dirty="0" smtClean="0"/>
-              <a:t>을 연결하고 싶을 경우</a:t>
+              <a:t>를 상속받은 클래스를 만들</a:t>
             </a:r>
             <a:endParaRPr lang="en-US" altLang="ko-KR" dirty="0" smtClean="0"/>
-          </a:p>
-          <a:p>
-            <a:r>
-              <a:rPr lang="en-US" altLang="ko-KR" dirty="0" smtClean="0"/>
-              <a:t>Custom </a:t>
-            </a:r>
-            <a:r>
-              <a:rPr lang="en-US" altLang="ko-KR" dirty="0" err="1" smtClean="0"/>
-              <a:t>ResionAdapter</a:t>
-            </a:r>
-            <a:r>
-              <a:rPr lang="ko-KR" altLang="en-US" dirty="0" smtClean="0"/>
-              <a:t>를 구현하면 된다</a:t>
-            </a:r>
-            <a:r>
-              <a:rPr lang="en-US" altLang="ko-KR" dirty="0" smtClean="0"/>
-              <a:t>.</a:t>
-            </a:r>
-          </a:p>
-          <a:p>
-            <a:endParaRPr lang="en-US" altLang="ko-KR" dirty="0"/>
           </a:p>
         </p:txBody>
       </p:sp>
@@ -3210,7 +3198,7 @@
         <p:spPr>
           <a:xfrm>
             <a:off x="449179" y="465221"/>
-            <a:ext cx="4770858" cy="707886"/>
+            <a:ext cx="3858749" cy="707886"/>
           </a:xfrm>
           <a:prstGeom prst="rect">
             <a:avLst/>
@@ -3233,6 +3221,116 @@
               </a:rPr>
               <a:t>RegionAdapter</a:t>
             </a:r>
+            <a:endParaRPr lang="ko-KR" altLang="en-US" sz="4000" b="1" dirty="0">
+              <a:solidFill>
+                <a:schemeClr val="accent1"/>
+              </a:solidFill>
+              <a:latin typeface="Arial" panose="020B0604020202020204" pitchFamily="34" charset="0"/>
+              <a:cs typeface="Arial" panose="020B0604020202020204" pitchFamily="34" charset="0"/>
+            </a:endParaRPr>
+          </a:p>
+        </p:txBody>
+      </p:sp>
+      <p:pic>
+        <p:nvPicPr>
+          <p:cNvPr id="1026" name="Picture 2" descr="NOte에 대한 이미지 검색결과"/>
+          <p:cNvPicPr>
+            <a:picLocks noChangeAspect="1" noChangeArrowheads="1"/>
+          </p:cNvPicPr>
+          <p:nvPr/>
+        </p:nvPicPr>
+        <p:blipFill>
+          <a:blip r:embed="rId2" cstate="print">
+            <a:extLst>
+              <a:ext uri="{28A0092B-C50C-407E-A947-70E740481C1C}">
+                <a14:useLocalDpi xmlns:a14="http://schemas.microsoft.com/office/drawing/2010/main" val="0"/>
+              </a:ext>
+            </a:extLst>
+          </a:blip>
+          <a:srcRect/>
+          <a:stretch>
+            <a:fillRect/>
+          </a:stretch>
+        </p:blipFill>
+        <p:spPr bwMode="auto">
+          <a:xfrm>
+            <a:off x="946722" y="4259549"/>
+            <a:ext cx="1434528" cy="1434528"/>
+          </a:xfrm>
+          <a:prstGeom prst="rect">
+            <a:avLst/>
+          </a:prstGeom>
+          <a:noFill/>
+          <a:extLst>
+            <a:ext uri="{909E8E84-426E-40DD-AFC4-6F175D3DCCD1}">
+              <a14:hiddenFill xmlns:a14="http://schemas.microsoft.com/office/drawing/2010/main">
+                <a:solidFill>
+                  <a:srgbClr val="FFFFFF"/>
+                </a:solidFill>
+              </a14:hiddenFill>
+            </a:ext>
+          </a:extLst>
+        </p:spPr>
+      </p:pic>
+    </p:spTree>
+    <p:extLst>
+      <p:ext uri="{BB962C8B-B14F-4D97-AF65-F5344CB8AC3E}">
+        <p14:creationId xmlns:p14="http://schemas.microsoft.com/office/powerpoint/2010/main" val="1497207273"/>
+      </p:ext>
+    </p:extLst>
+  </p:cSld>
+  <p:clrMapOvr>
+    <a:masterClrMapping/>
+  </p:clrMapOvr>
+  <p:timing>
+    <p:tnLst>
+      <p:par>
+        <p:cTn id="1" dur="indefinite" restart="never" nodeType="tmRoot"/>
+      </p:par>
+    </p:tnLst>
+  </p:timing>
+</p:sld>
+</file>
+
+<file path=ppt/slides/slide11.xml><?xml version="1.0" encoding="utf-8"?>
+<p:sld xmlns:a="http://schemas.openxmlformats.org/drawingml/2006/main" xmlns:r="http://schemas.openxmlformats.org/officeDocument/2006/relationships" xmlns:p="http://schemas.openxmlformats.org/presentationml/2006/main">
+  <p:cSld>
+    <p:spTree>
+      <p:nvGrpSpPr>
+        <p:cNvPr id="1" name=""/>
+        <p:cNvGrpSpPr/>
+        <p:nvPr/>
+      </p:nvGrpSpPr>
+      <p:grpSpPr>
+        <a:xfrm>
+          <a:off x="0" y="0"/>
+          <a:ext cx="0" cy="0"/>
+          <a:chOff x="0" y="0"/>
+          <a:chExt cx="0" cy="0"/>
+        </a:xfrm>
+      </p:grpSpPr>
+      <p:sp>
+        <p:nvSpPr>
+          <p:cNvPr id="5" name="TextBox 4"/>
+          <p:cNvSpPr txBox="1"/>
+          <p:nvPr/>
+        </p:nvSpPr>
+        <p:spPr>
+          <a:xfrm>
+            <a:off x="449179" y="465221"/>
+            <a:ext cx="5910592" cy="707886"/>
+          </a:xfrm>
+          <a:prstGeom prst="rect">
+            <a:avLst/>
+          </a:prstGeom>
+          <a:noFill/>
+        </p:spPr>
+        <p:txBody>
+          <a:bodyPr wrap="none" rtlCol="0">
+            <a:spAutoFit/>
+          </a:bodyPr>
+          <a:lstStyle/>
+          <a:p>
             <a:r>
               <a:rPr lang="en-US" altLang="ko-KR" sz="4000" b="1" dirty="0" smtClean="0">
                 <a:solidFill>
@@ -3241,17 +3339,17 @@
                 <a:latin typeface="Arial" panose="020B0604020202020204" pitchFamily="34" charset="0"/>
                 <a:cs typeface="Arial" panose="020B0604020202020204" pitchFamily="34" charset="0"/>
               </a:rPr>
-              <a:t>&lt;</a:t>
-            </a:r>
-            <a:r>
-              <a:rPr lang="en-US" altLang="ko-KR" sz="4000" b="1" dirty="0" smtClean="0">
+              <a:t>Custom </a:t>
+            </a:r>
+            <a:r>
+              <a:rPr lang="en-US" altLang="ko-KR" sz="4000" b="1" dirty="0" err="1" smtClean="0">
                 <a:solidFill>
                   <a:schemeClr val="accent1"/>
                 </a:solidFill>
                 <a:latin typeface="Arial" panose="020B0604020202020204" pitchFamily="34" charset="0"/>
                 <a:cs typeface="Arial" panose="020B0604020202020204" pitchFamily="34" charset="0"/>
               </a:rPr>
-              <a:t>T&gt;</a:t>
+              <a:t>RegionAdapter</a:t>
             </a:r>
             <a:endParaRPr lang="ko-KR" altLang="en-US" sz="4000" b="1" dirty="0">
               <a:solidFill>
@@ -3263,10 +3361,1015 @@
           </a:p>
         </p:txBody>
       </p:sp>
+      <p:pic>
+        <p:nvPicPr>
+          <p:cNvPr id="2" name="그림 1"/>
+          <p:cNvPicPr>
+            <a:picLocks noChangeAspect="1"/>
+          </p:cNvPicPr>
+          <p:nvPr/>
+        </p:nvPicPr>
+        <p:blipFill>
+          <a:blip r:embed="rId2"/>
+          <a:stretch>
+            <a:fillRect/>
+          </a:stretch>
+        </p:blipFill>
+        <p:spPr>
+          <a:xfrm>
+            <a:off x="2209800" y="1340034"/>
+            <a:ext cx="7772400" cy="5346332"/>
+          </a:xfrm>
+          <a:prstGeom prst="rect">
+            <a:avLst/>
+          </a:prstGeom>
+        </p:spPr>
+      </p:pic>
     </p:spTree>
     <p:extLst>
       <p:ext uri="{BB962C8B-B14F-4D97-AF65-F5344CB8AC3E}">
-        <p14:creationId xmlns:p14="http://schemas.microsoft.com/office/powerpoint/2010/main" val="4137301230"/>
+        <p14:creationId xmlns:p14="http://schemas.microsoft.com/office/powerpoint/2010/main" val="1194327983"/>
+      </p:ext>
+    </p:extLst>
+  </p:cSld>
+  <p:clrMapOvr>
+    <a:masterClrMapping/>
+  </p:clrMapOvr>
+  <p:timing>
+    <p:tnLst>
+      <p:par>
+        <p:cTn id="1" dur="indefinite" restart="never" nodeType="tmRoot"/>
+      </p:par>
+    </p:tnLst>
+  </p:timing>
+</p:sld>
+</file>
+
+<file path=ppt/slides/slide12.xml><?xml version="1.0" encoding="utf-8"?>
+<p:sld xmlns:a="http://schemas.openxmlformats.org/drawingml/2006/main" xmlns:r="http://schemas.openxmlformats.org/officeDocument/2006/relationships" xmlns:p="http://schemas.openxmlformats.org/presentationml/2006/main">
+  <p:cSld>
+    <p:spTree>
+      <p:nvGrpSpPr>
+        <p:cNvPr id="1" name=""/>
+        <p:cNvGrpSpPr/>
+        <p:nvPr/>
+      </p:nvGrpSpPr>
+      <p:grpSpPr>
+        <a:xfrm>
+          <a:off x="0" y="0"/>
+          <a:ext cx="0" cy="0"/>
+          <a:chOff x="0" y="0"/>
+          <a:chExt cx="0" cy="0"/>
+        </a:xfrm>
+      </p:grpSpPr>
+      <p:sp>
+        <p:nvSpPr>
+          <p:cNvPr id="5" name="TextBox 4"/>
+          <p:cNvSpPr txBox="1"/>
+          <p:nvPr/>
+        </p:nvSpPr>
+        <p:spPr>
+          <a:xfrm>
+            <a:off x="449179" y="465221"/>
+            <a:ext cx="4770858" cy="707886"/>
+          </a:xfrm>
+          <a:prstGeom prst="rect">
+            <a:avLst/>
+          </a:prstGeom>
+          <a:noFill/>
+        </p:spPr>
+        <p:txBody>
+          <a:bodyPr wrap="none" rtlCol="0">
+            <a:spAutoFit/>
+          </a:bodyPr>
+          <a:lstStyle/>
+          <a:p>
+            <a:r>
+              <a:rPr lang="en-US" altLang="ko-KR" sz="4000" b="1" dirty="0" err="1">
+                <a:solidFill>
+                  <a:schemeClr val="accent1"/>
+                </a:solidFill>
+                <a:latin typeface="Arial" panose="020B0604020202020204" pitchFamily="34" charset="0"/>
+                <a:cs typeface="Arial" panose="020B0604020202020204" pitchFamily="34" charset="0"/>
+              </a:rPr>
+              <a:t>RegionAdapter</a:t>
+            </a:r>
+            <a:r>
+              <a:rPr lang="en-US" altLang="ko-KR" sz="4000" b="1" dirty="0">
+                <a:solidFill>
+                  <a:schemeClr val="accent1"/>
+                </a:solidFill>
+                <a:latin typeface="Arial" panose="020B0604020202020204" pitchFamily="34" charset="0"/>
+                <a:cs typeface="Arial" panose="020B0604020202020204" pitchFamily="34" charset="0"/>
+              </a:rPr>
+              <a:t>&lt;T&gt;</a:t>
+            </a:r>
+            <a:endParaRPr lang="ko-KR" altLang="en-US" sz="4000" b="1" dirty="0">
+              <a:solidFill>
+                <a:schemeClr val="accent1"/>
+              </a:solidFill>
+              <a:latin typeface="Arial" panose="020B0604020202020204" pitchFamily="34" charset="0"/>
+              <a:cs typeface="Arial" panose="020B0604020202020204" pitchFamily="34" charset="0"/>
+            </a:endParaRPr>
+          </a:p>
+        </p:txBody>
+      </p:sp>
+      <p:pic>
+        <p:nvPicPr>
+          <p:cNvPr id="3" name="그림 2"/>
+          <p:cNvPicPr>
+            <a:picLocks noChangeAspect="1"/>
+          </p:cNvPicPr>
+          <p:nvPr/>
+        </p:nvPicPr>
+        <p:blipFill>
+          <a:blip r:embed="rId2"/>
+          <a:stretch>
+            <a:fillRect/>
+          </a:stretch>
+        </p:blipFill>
+        <p:spPr>
+          <a:xfrm>
+            <a:off x="1382037" y="1925685"/>
+            <a:ext cx="9427926" cy="4209128"/>
+          </a:xfrm>
+          <a:prstGeom prst="rect">
+            <a:avLst/>
+          </a:prstGeom>
+        </p:spPr>
+      </p:pic>
+      <p:sp>
+        <p:nvSpPr>
+          <p:cNvPr id="4" name="직사각형 3"/>
+          <p:cNvSpPr/>
+          <p:nvPr/>
+        </p:nvSpPr>
+        <p:spPr>
+          <a:xfrm>
+            <a:off x="1741118" y="4446740"/>
+            <a:ext cx="8981161" cy="1440493"/>
+          </a:xfrm>
+          <a:prstGeom prst="rect">
+            <a:avLst/>
+          </a:prstGeom>
+          <a:noFill/>
+          <a:ln w="50800">
+            <a:solidFill>
+              <a:srgbClr val="FF0000"/>
+            </a:solidFill>
+          </a:ln>
+        </p:spPr>
+        <p:style>
+          <a:lnRef idx="2">
+            <a:schemeClr val="accent1">
+              <a:shade val="50000"/>
+            </a:schemeClr>
+          </a:lnRef>
+          <a:fillRef idx="1">
+            <a:schemeClr val="accent1"/>
+          </a:fillRef>
+          <a:effectRef idx="0">
+            <a:schemeClr val="accent1"/>
+          </a:effectRef>
+          <a:fontRef idx="minor">
+            <a:schemeClr val="lt1"/>
+          </a:fontRef>
+        </p:style>
+        <p:txBody>
+          <a:bodyPr rtlCol="0" anchor="ctr"/>
+          <a:lstStyle/>
+          <a:p>
+            <a:pPr algn="ctr"/>
+            <a:endParaRPr lang="ko-KR" altLang="en-US"/>
+          </a:p>
+        </p:txBody>
+      </p:sp>
+    </p:spTree>
+    <p:extLst>
+      <p:ext uri="{BB962C8B-B14F-4D97-AF65-F5344CB8AC3E}">
+        <p14:creationId xmlns:p14="http://schemas.microsoft.com/office/powerpoint/2010/main" val="4037181629"/>
+      </p:ext>
+    </p:extLst>
+  </p:cSld>
+  <p:clrMapOvr>
+    <a:masterClrMapping/>
+  </p:clrMapOvr>
+  <p:timing>
+    <p:tnLst>
+      <p:par>
+        <p:cTn id="1" dur="indefinite" restart="never" nodeType="tmRoot"/>
+      </p:par>
+    </p:tnLst>
+  </p:timing>
+</p:sld>
+</file>
+
+<file path=ppt/slides/slide13.xml><?xml version="1.0" encoding="utf-8"?>
+<p:sld xmlns:a="http://schemas.openxmlformats.org/drawingml/2006/main" xmlns:r="http://schemas.openxmlformats.org/officeDocument/2006/relationships" xmlns:p="http://schemas.openxmlformats.org/presentationml/2006/main">
+  <p:cSld>
+    <p:spTree>
+      <p:nvGrpSpPr>
+        <p:cNvPr id="1" name=""/>
+        <p:cNvGrpSpPr/>
+        <p:nvPr/>
+      </p:nvGrpSpPr>
+      <p:grpSpPr>
+        <a:xfrm>
+          <a:off x="0" y="0"/>
+          <a:ext cx="0" cy="0"/>
+          <a:chOff x="0" y="0"/>
+          <a:chExt cx="0" cy="0"/>
+        </a:xfrm>
+      </p:grpSpPr>
+      <p:sp>
+        <p:nvSpPr>
+          <p:cNvPr id="4" name="TextBox 3"/>
+          <p:cNvSpPr txBox="1"/>
+          <p:nvPr/>
+        </p:nvSpPr>
+        <p:spPr>
+          <a:xfrm>
+            <a:off x="449179" y="2177427"/>
+            <a:ext cx="10446514" cy="1754326"/>
+          </a:xfrm>
+          <a:prstGeom prst="rect">
+            <a:avLst/>
+          </a:prstGeom>
+          <a:noFill/>
+        </p:spPr>
+        <p:txBody>
+          <a:bodyPr wrap="none" rtlCol="0">
+            <a:spAutoFit/>
+          </a:bodyPr>
+          <a:lstStyle/>
+          <a:p>
+            <a:r>
+              <a:rPr lang="en-US" altLang="ko-KR" dirty="0" smtClean="0"/>
+              <a:t>Prism</a:t>
+            </a:r>
+            <a:r>
+              <a:rPr lang="ko-KR" altLang="en-US" dirty="0" smtClean="0"/>
+              <a:t>의 </a:t>
+            </a:r>
+            <a:r>
+              <a:rPr lang="en-US" altLang="ko-KR" dirty="0" smtClean="0"/>
+              <a:t>Region</a:t>
+            </a:r>
+            <a:r>
+              <a:rPr lang="ko-KR" altLang="en-US" dirty="0" smtClean="0"/>
+              <a:t>에서 제공하는 기능으로 </a:t>
+            </a:r>
+            <a:r>
+              <a:rPr lang="en-US" altLang="ko-KR" dirty="0" smtClean="0"/>
+              <a:t>WPF</a:t>
+            </a:r>
+            <a:r>
+              <a:rPr lang="ko-KR" altLang="en-US" dirty="0" smtClean="0"/>
+              <a:t>에 있는 </a:t>
+            </a:r>
+            <a:r>
+              <a:rPr lang="en-US" altLang="ko-KR" b="1" dirty="0" smtClean="0">
+                <a:solidFill>
+                  <a:schemeClr val="accent1"/>
+                </a:solidFill>
+                <a:latin typeface="Arial" panose="020B0604020202020204" pitchFamily="34" charset="0"/>
+                <a:cs typeface="Arial" panose="020B0604020202020204" pitchFamily="34" charset="0"/>
+              </a:rPr>
+              <a:t>Behavior&lt;T&gt;</a:t>
+            </a:r>
+            <a:r>
+              <a:rPr lang="en-US" altLang="ko-KR" dirty="0" smtClean="0"/>
+              <a:t> </a:t>
+            </a:r>
+            <a:r>
+              <a:rPr lang="ko-KR" altLang="en-US" dirty="0" smtClean="0"/>
+              <a:t>클래스와 같은 기능을 제공한다</a:t>
+            </a:r>
+            <a:r>
+              <a:rPr lang="en-US" altLang="ko-KR" dirty="0" smtClean="0"/>
+              <a:t>.</a:t>
+            </a:r>
+          </a:p>
+          <a:p>
+            <a:endParaRPr lang="en-US" altLang="ko-KR" dirty="0"/>
+          </a:p>
+          <a:p>
+            <a:pPr algn="just"/>
+            <a:r>
+              <a:rPr lang="en-US" altLang="ko-KR" b="1" dirty="0" smtClean="0">
+                <a:solidFill>
+                  <a:schemeClr val="accent1"/>
+                </a:solidFill>
+                <a:latin typeface="Arial" panose="020B0604020202020204" pitchFamily="34" charset="0"/>
+                <a:cs typeface="Arial" panose="020B0604020202020204" pitchFamily="34" charset="0"/>
+              </a:rPr>
+              <a:t>Behavior&lt;T&gt; </a:t>
+            </a:r>
+            <a:r>
+              <a:rPr lang="ko-KR" altLang="en-US" dirty="0" smtClean="0"/>
+              <a:t>클래스는</a:t>
+            </a:r>
+            <a:r>
+              <a:rPr lang="en-US" altLang="ko-KR" dirty="0" smtClean="0"/>
+              <a:t> </a:t>
+            </a:r>
+            <a:r>
+              <a:rPr lang="ko-KR" altLang="en-US" dirty="0" smtClean="0"/>
+              <a:t>트리거 객체에 추가 상태</a:t>
+            </a:r>
+            <a:r>
+              <a:rPr lang="en-US" altLang="ko-KR" dirty="0" smtClean="0"/>
+              <a:t>(?)</a:t>
+            </a:r>
+            <a:r>
+              <a:rPr lang="ko-KR" altLang="en-US" dirty="0" smtClean="0"/>
+              <a:t>와 명령어를 제공하기 위한 클래스 이다</a:t>
+            </a:r>
+            <a:r>
+              <a:rPr lang="en-US" altLang="ko-KR" dirty="0" smtClean="0"/>
+              <a:t>.</a:t>
+            </a:r>
+          </a:p>
+          <a:p>
+            <a:endParaRPr lang="en-US" altLang="ko-KR" dirty="0"/>
+          </a:p>
+          <a:p>
+            <a:r>
+              <a:rPr lang="ko-KR" altLang="en-US" dirty="0" smtClean="0"/>
+              <a:t>직접 구현할 필요는 없지만 </a:t>
+            </a:r>
+            <a:r>
+              <a:rPr lang="en-US" altLang="ko-KR" dirty="0" smtClean="0"/>
+              <a:t>Region</a:t>
+            </a:r>
+            <a:r>
+              <a:rPr lang="ko-KR" altLang="en-US" dirty="0" smtClean="0"/>
+              <a:t>에 </a:t>
+            </a:r>
+            <a:r>
+              <a:rPr lang="en-US" altLang="ko-KR" dirty="0" smtClean="0"/>
+              <a:t>Attach</a:t>
+            </a:r>
+            <a:r>
+              <a:rPr lang="ko-KR" altLang="en-US" dirty="0" smtClean="0"/>
+              <a:t>가 되었을 때 </a:t>
+            </a:r>
+            <a:r>
+              <a:rPr lang="en-US" altLang="ko-KR" dirty="0" smtClean="0"/>
+              <a:t>View </a:t>
+            </a:r>
+            <a:r>
+              <a:rPr lang="ko-KR" altLang="en-US" dirty="0" smtClean="0"/>
+              <a:t>혹은 </a:t>
+            </a:r>
+            <a:r>
+              <a:rPr lang="en-US" altLang="ko-KR" dirty="0" err="1" smtClean="0"/>
+              <a:t>ViewModel</a:t>
+            </a:r>
+            <a:r>
+              <a:rPr lang="ko-KR" altLang="en-US" dirty="0" smtClean="0"/>
+              <a:t>에서 </a:t>
+            </a:r>
+            <a:endParaRPr lang="en-US" altLang="ko-KR" dirty="0" smtClean="0"/>
+          </a:p>
+          <a:p>
+            <a:r>
+              <a:rPr lang="ko-KR" altLang="en-US" dirty="0" smtClean="0"/>
+              <a:t>이벤트가 발생하여 </a:t>
+            </a:r>
+            <a:r>
+              <a:rPr lang="en-US" altLang="ko-KR" dirty="0" smtClean="0"/>
+              <a:t>Region</a:t>
+            </a:r>
+            <a:r>
+              <a:rPr lang="ko-KR" altLang="en-US" dirty="0" smtClean="0"/>
+              <a:t>을 </a:t>
+            </a:r>
+            <a:r>
+              <a:rPr lang="ko-KR" altLang="en-US" dirty="0" smtClean="0"/>
+              <a:t>변경할 때 </a:t>
+            </a:r>
+            <a:r>
+              <a:rPr lang="ko-KR" altLang="en-US" dirty="0" smtClean="0"/>
+              <a:t>필요하다</a:t>
+            </a:r>
+            <a:r>
+              <a:rPr lang="en-US" altLang="ko-KR" dirty="0" smtClean="0"/>
+              <a:t>.</a:t>
+            </a:r>
+            <a:endParaRPr lang="en-US" altLang="ko-KR" dirty="0"/>
+          </a:p>
+        </p:txBody>
+      </p:sp>
+      <p:sp>
+        <p:nvSpPr>
+          <p:cNvPr id="5" name="TextBox 4"/>
+          <p:cNvSpPr txBox="1"/>
+          <p:nvPr/>
+        </p:nvSpPr>
+        <p:spPr>
+          <a:xfrm>
+            <a:off x="449179" y="465221"/>
+            <a:ext cx="4115229" cy="707886"/>
+          </a:xfrm>
+          <a:prstGeom prst="rect">
+            <a:avLst/>
+          </a:prstGeom>
+          <a:noFill/>
+        </p:spPr>
+        <p:txBody>
+          <a:bodyPr wrap="none" rtlCol="0">
+            <a:spAutoFit/>
+          </a:bodyPr>
+          <a:lstStyle/>
+          <a:p>
+            <a:r>
+              <a:rPr lang="en-US" altLang="ko-KR" sz="4000" b="1" dirty="0" err="1" smtClean="0">
+                <a:solidFill>
+                  <a:schemeClr val="accent1"/>
+                </a:solidFill>
+                <a:latin typeface="Arial" panose="020B0604020202020204" pitchFamily="34" charset="0"/>
+                <a:cs typeface="Arial" panose="020B0604020202020204" pitchFamily="34" charset="0"/>
+              </a:rPr>
+              <a:t>RegionBehavior</a:t>
+            </a:r>
+            <a:endParaRPr lang="ko-KR" altLang="en-US" sz="4000" b="1" dirty="0">
+              <a:solidFill>
+                <a:schemeClr val="accent1"/>
+              </a:solidFill>
+              <a:latin typeface="Arial" panose="020B0604020202020204" pitchFamily="34" charset="0"/>
+              <a:cs typeface="Arial" panose="020B0604020202020204" pitchFamily="34" charset="0"/>
+            </a:endParaRPr>
+          </a:p>
+        </p:txBody>
+      </p:sp>
+    </p:spTree>
+    <p:extLst>
+      <p:ext uri="{BB962C8B-B14F-4D97-AF65-F5344CB8AC3E}">
+        <p14:creationId xmlns:p14="http://schemas.microsoft.com/office/powerpoint/2010/main" val="4286949109"/>
+      </p:ext>
+    </p:extLst>
+  </p:cSld>
+  <p:clrMapOvr>
+    <a:masterClrMapping/>
+  </p:clrMapOvr>
+  <p:timing>
+    <p:tnLst>
+      <p:par>
+        <p:cTn id="1" dur="indefinite" restart="never" nodeType="tmRoot"/>
+      </p:par>
+    </p:tnLst>
+  </p:timing>
+</p:sld>
+</file>
+
+<file path=ppt/slides/slide14.xml><?xml version="1.0" encoding="utf-8"?>
+<p:sld xmlns:a="http://schemas.openxmlformats.org/drawingml/2006/main" xmlns:r="http://schemas.openxmlformats.org/officeDocument/2006/relationships" xmlns:p="http://schemas.openxmlformats.org/presentationml/2006/main">
+  <p:cSld>
+    <p:spTree>
+      <p:nvGrpSpPr>
+        <p:cNvPr id="1" name=""/>
+        <p:cNvGrpSpPr/>
+        <p:nvPr/>
+      </p:nvGrpSpPr>
+      <p:grpSpPr>
+        <a:xfrm>
+          <a:off x="0" y="0"/>
+          <a:ext cx="0" cy="0"/>
+          <a:chOff x="0" y="0"/>
+          <a:chExt cx="0" cy="0"/>
+        </a:xfrm>
+      </p:grpSpPr>
+      <p:sp>
+        <p:nvSpPr>
+          <p:cNvPr id="5" name="TextBox 4"/>
+          <p:cNvSpPr txBox="1"/>
+          <p:nvPr/>
+        </p:nvSpPr>
+        <p:spPr>
+          <a:xfrm>
+            <a:off x="449179" y="465221"/>
+            <a:ext cx="4115229" cy="707886"/>
+          </a:xfrm>
+          <a:prstGeom prst="rect">
+            <a:avLst/>
+          </a:prstGeom>
+          <a:noFill/>
+        </p:spPr>
+        <p:txBody>
+          <a:bodyPr wrap="none" rtlCol="0">
+            <a:spAutoFit/>
+          </a:bodyPr>
+          <a:lstStyle/>
+          <a:p>
+            <a:r>
+              <a:rPr lang="en-US" altLang="ko-KR" sz="4000" b="1" dirty="0" err="1" smtClean="0">
+                <a:solidFill>
+                  <a:schemeClr val="accent1"/>
+                </a:solidFill>
+                <a:latin typeface="Arial" panose="020B0604020202020204" pitchFamily="34" charset="0"/>
+                <a:cs typeface="Arial" panose="020B0604020202020204" pitchFamily="34" charset="0"/>
+              </a:rPr>
+              <a:t>RegionBehavior</a:t>
+            </a:r>
+            <a:endParaRPr lang="ko-KR" altLang="en-US" sz="4000" b="1" dirty="0">
+              <a:solidFill>
+                <a:schemeClr val="accent1"/>
+              </a:solidFill>
+              <a:latin typeface="Arial" panose="020B0604020202020204" pitchFamily="34" charset="0"/>
+              <a:cs typeface="Arial" panose="020B0604020202020204" pitchFamily="34" charset="0"/>
+            </a:endParaRPr>
+          </a:p>
+        </p:txBody>
+      </p:sp>
+      <p:pic>
+        <p:nvPicPr>
+          <p:cNvPr id="2" name="그림 1"/>
+          <p:cNvPicPr>
+            <a:picLocks noChangeAspect="1"/>
+          </p:cNvPicPr>
+          <p:nvPr/>
+        </p:nvPicPr>
+        <p:blipFill>
+          <a:blip r:embed="rId2"/>
+          <a:stretch>
+            <a:fillRect/>
+          </a:stretch>
+        </p:blipFill>
+        <p:spPr>
+          <a:xfrm>
+            <a:off x="2834877" y="1173107"/>
+            <a:ext cx="5912646" cy="5506278"/>
+          </a:xfrm>
+          <a:prstGeom prst="rect">
+            <a:avLst/>
+          </a:prstGeom>
+        </p:spPr>
+      </p:pic>
+    </p:spTree>
+    <p:extLst>
+      <p:ext uri="{BB962C8B-B14F-4D97-AF65-F5344CB8AC3E}">
+        <p14:creationId xmlns:p14="http://schemas.microsoft.com/office/powerpoint/2010/main" val="1924594116"/>
+      </p:ext>
+    </p:extLst>
+  </p:cSld>
+  <p:clrMapOvr>
+    <a:masterClrMapping/>
+  </p:clrMapOvr>
+  <p:timing>
+    <p:tnLst>
+      <p:par>
+        <p:cTn id="1" dur="indefinite" restart="never" nodeType="tmRoot"/>
+      </p:par>
+    </p:tnLst>
+  </p:timing>
+</p:sld>
+</file>
+
+<file path=ppt/slides/slide15.xml><?xml version="1.0" encoding="utf-8"?>
+<p:sld xmlns:a="http://schemas.openxmlformats.org/drawingml/2006/main" xmlns:r="http://schemas.openxmlformats.org/officeDocument/2006/relationships" xmlns:p="http://schemas.openxmlformats.org/presentationml/2006/main">
+  <p:cSld>
+    <p:spTree>
+      <p:nvGrpSpPr>
+        <p:cNvPr id="1" name=""/>
+        <p:cNvGrpSpPr/>
+        <p:nvPr/>
+      </p:nvGrpSpPr>
+      <p:grpSpPr>
+        <a:xfrm>
+          <a:off x="0" y="0"/>
+          <a:ext cx="0" cy="0"/>
+          <a:chOff x="0" y="0"/>
+          <a:chExt cx="0" cy="0"/>
+        </a:xfrm>
+      </p:grpSpPr>
+      <p:sp>
+        <p:nvSpPr>
+          <p:cNvPr id="5" name="TextBox 4"/>
+          <p:cNvSpPr txBox="1"/>
+          <p:nvPr/>
+        </p:nvSpPr>
+        <p:spPr>
+          <a:xfrm>
+            <a:off x="449179" y="465221"/>
+            <a:ext cx="4115229" cy="707886"/>
+          </a:xfrm>
+          <a:prstGeom prst="rect">
+            <a:avLst/>
+          </a:prstGeom>
+          <a:noFill/>
+        </p:spPr>
+        <p:txBody>
+          <a:bodyPr wrap="none" rtlCol="0">
+            <a:spAutoFit/>
+          </a:bodyPr>
+          <a:lstStyle/>
+          <a:p>
+            <a:r>
+              <a:rPr lang="en-US" altLang="ko-KR" sz="4000" b="1" dirty="0" err="1" smtClean="0">
+                <a:solidFill>
+                  <a:schemeClr val="accent1"/>
+                </a:solidFill>
+                <a:latin typeface="Arial" panose="020B0604020202020204" pitchFamily="34" charset="0"/>
+                <a:cs typeface="Arial" panose="020B0604020202020204" pitchFamily="34" charset="0"/>
+              </a:rPr>
+              <a:t>RegionBehavior</a:t>
+            </a:r>
+            <a:endParaRPr lang="ko-KR" altLang="en-US" sz="4000" b="1" dirty="0">
+              <a:solidFill>
+                <a:schemeClr val="accent1"/>
+              </a:solidFill>
+              <a:latin typeface="Arial" panose="020B0604020202020204" pitchFamily="34" charset="0"/>
+              <a:cs typeface="Arial" panose="020B0604020202020204" pitchFamily="34" charset="0"/>
+            </a:endParaRPr>
+          </a:p>
+        </p:txBody>
+      </p:sp>
+      <p:pic>
+        <p:nvPicPr>
+          <p:cNvPr id="8" name="그림 7"/>
+          <p:cNvPicPr>
+            <a:picLocks noChangeAspect="1"/>
+          </p:cNvPicPr>
+          <p:nvPr/>
+        </p:nvPicPr>
+        <p:blipFill>
+          <a:blip r:embed="rId2"/>
+          <a:stretch>
+            <a:fillRect/>
+          </a:stretch>
+        </p:blipFill>
+        <p:spPr>
+          <a:xfrm>
+            <a:off x="2260577" y="1398394"/>
+            <a:ext cx="8055858" cy="5141494"/>
+          </a:xfrm>
+          <a:prstGeom prst="rect">
+            <a:avLst/>
+          </a:prstGeom>
+        </p:spPr>
+      </p:pic>
+    </p:spTree>
+    <p:extLst>
+      <p:ext uri="{BB962C8B-B14F-4D97-AF65-F5344CB8AC3E}">
+        <p14:creationId xmlns:p14="http://schemas.microsoft.com/office/powerpoint/2010/main" val="385659086"/>
+      </p:ext>
+    </p:extLst>
+  </p:cSld>
+  <p:clrMapOvr>
+    <a:masterClrMapping/>
+  </p:clrMapOvr>
+  <p:timing>
+    <p:tnLst>
+      <p:par>
+        <p:cTn id="1" dur="indefinite" restart="never" nodeType="tmRoot"/>
+      </p:par>
+    </p:tnLst>
+  </p:timing>
+</p:sld>
+</file>
+
+<file path=ppt/slides/slide16.xml><?xml version="1.0" encoding="utf-8"?>
+<p:sld xmlns:a="http://schemas.openxmlformats.org/drawingml/2006/main" xmlns:r="http://schemas.openxmlformats.org/officeDocument/2006/relationships" xmlns:p="http://schemas.openxmlformats.org/presentationml/2006/main">
+  <p:cSld>
+    <p:spTree>
+      <p:nvGrpSpPr>
+        <p:cNvPr id="1" name=""/>
+        <p:cNvGrpSpPr/>
+        <p:nvPr/>
+      </p:nvGrpSpPr>
+      <p:grpSpPr>
+        <a:xfrm>
+          <a:off x="0" y="0"/>
+          <a:ext cx="0" cy="0"/>
+          <a:chOff x="0" y="0"/>
+          <a:chExt cx="0" cy="0"/>
+        </a:xfrm>
+      </p:grpSpPr>
+      <p:sp>
+        <p:nvSpPr>
+          <p:cNvPr id="5" name="TextBox 4"/>
+          <p:cNvSpPr txBox="1"/>
+          <p:nvPr/>
+        </p:nvSpPr>
+        <p:spPr>
+          <a:xfrm>
+            <a:off x="449179" y="465221"/>
+            <a:ext cx="4115229" cy="707886"/>
+          </a:xfrm>
+          <a:prstGeom prst="rect">
+            <a:avLst/>
+          </a:prstGeom>
+          <a:noFill/>
+        </p:spPr>
+        <p:txBody>
+          <a:bodyPr wrap="none" rtlCol="0">
+            <a:spAutoFit/>
+          </a:bodyPr>
+          <a:lstStyle/>
+          <a:p>
+            <a:r>
+              <a:rPr lang="en-US" altLang="ko-KR" sz="4000" b="1" dirty="0" err="1" smtClean="0">
+                <a:solidFill>
+                  <a:schemeClr val="accent1"/>
+                </a:solidFill>
+                <a:latin typeface="Arial" panose="020B0604020202020204" pitchFamily="34" charset="0"/>
+                <a:cs typeface="Arial" panose="020B0604020202020204" pitchFamily="34" charset="0"/>
+              </a:rPr>
+              <a:t>RegionBehavior</a:t>
+            </a:r>
+            <a:endParaRPr lang="ko-KR" altLang="en-US" sz="4000" b="1" dirty="0">
+              <a:solidFill>
+                <a:schemeClr val="accent1"/>
+              </a:solidFill>
+              <a:latin typeface="Arial" panose="020B0604020202020204" pitchFamily="34" charset="0"/>
+              <a:cs typeface="Arial" panose="020B0604020202020204" pitchFamily="34" charset="0"/>
+            </a:endParaRPr>
+          </a:p>
+        </p:txBody>
+      </p:sp>
+      <p:pic>
+        <p:nvPicPr>
+          <p:cNvPr id="2" name="그림 1"/>
+          <p:cNvPicPr>
+            <a:picLocks noChangeAspect="1"/>
+          </p:cNvPicPr>
+          <p:nvPr/>
+        </p:nvPicPr>
+        <p:blipFill>
+          <a:blip r:embed="rId2"/>
+          <a:stretch>
+            <a:fillRect/>
+          </a:stretch>
+        </p:blipFill>
+        <p:spPr>
+          <a:xfrm>
+            <a:off x="2663688" y="1378619"/>
+            <a:ext cx="6944138" cy="5127978"/>
+          </a:xfrm>
+          <a:prstGeom prst="rect">
+            <a:avLst/>
+          </a:prstGeom>
+        </p:spPr>
+      </p:pic>
+      <p:sp>
+        <p:nvSpPr>
+          <p:cNvPr id="3" name="직사각형 2"/>
+          <p:cNvSpPr/>
+          <p:nvPr/>
+        </p:nvSpPr>
+        <p:spPr>
+          <a:xfrm>
+            <a:off x="2968487" y="4982817"/>
+            <a:ext cx="6493565" cy="1219200"/>
+          </a:xfrm>
+          <a:prstGeom prst="rect">
+            <a:avLst/>
+          </a:prstGeom>
+          <a:noFill/>
+          <a:ln w="50800">
+            <a:solidFill>
+              <a:srgbClr val="FF0000"/>
+            </a:solidFill>
+          </a:ln>
+        </p:spPr>
+        <p:style>
+          <a:lnRef idx="2">
+            <a:schemeClr val="accent1">
+              <a:shade val="50000"/>
+            </a:schemeClr>
+          </a:lnRef>
+          <a:fillRef idx="1">
+            <a:schemeClr val="accent1"/>
+          </a:fillRef>
+          <a:effectRef idx="0">
+            <a:schemeClr val="accent1"/>
+          </a:effectRef>
+          <a:fontRef idx="minor">
+            <a:schemeClr val="lt1"/>
+          </a:fontRef>
+        </p:style>
+        <p:txBody>
+          <a:bodyPr rtlCol="0" anchor="ctr"/>
+          <a:lstStyle/>
+          <a:p>
+            <a:pPr algn="ctr"/>
+            <a:endParaRPr lang="ko-KR" altLang="en-US"/>
+          </a:p>
+        </p:txBody>
+      </p:sp>
+    </p:spTree>
+    <p:extLst>
+      <p:ext uri="{BB962C8B-B14F-4D97-AF65-F5344CB8AC3E}">
+        <p14:creationId xmlns:p14="http://schemas.microsoft.com/office/powerpoint/2010/main" val="3874720455"/>
+      </p:ext>
+    </p:extLst>
+  </p:cSld>
+  <p:clrMapOvr>
+    <a:masterClrMapping/>
+  </p:clrMapOvr>
+  <p:timing>
+    <p:tnLst>
+      <p:par>
+        <p:cTn id="1" dur="indefinite" restart="never" nodeType="tmRoot"/>
+      </p:par>
+    </p:tnLst>
+  </p:timing>
+</p:sld>
+</file>
+
+<file path=ppt/slides/slide17.xml><?xml version="1.0" encoding="utf-8"?>
+<p:sld xmlns:a="http://schemas.openxmlformats.org/drawingml/2006/main" xmlns:r="http://schemas.openxmlformats.org/officeDocument/2006/relationships" xmlns:p="http://schemas.openxmlformats.org/presentationml/2006/main">
+  <p:cSld>
+    <p:spTree>
+      <p:nvGrpSpPr>
+        <p:cNvPr id="1" name=""/>
+        <p:cNvGrpSpPr/>
+        <p:nvPr/>
+      </p:nvGrpSpPr>
+      <p:grpSpPr>
+        <a:xfrm>
+          <a:off x="0" y="0"/>
+          <a:ext cx="0" cy="0"/>
+          <a:chOff x="0" y="0"/>
+          <a:chExt cx="0" cy="0"/>
+        </a:xfrm>
+      </p:grpSpPr>
+      <p:sp>
+        <p:nvSpPr>
+          <p:cNvPr id="5" name="TextBox 4"/>
+          <p:cNvSpPr txBox="1"/>
+          <p:nvPr/>
+        </p:nvSpPr>
+        <p:spPr>
+          <a:xfrm>
+            <a:off x="449179" y="465221"/>
+            <a:ext cx="2236510" cy="707886"/>
+          </a:xfrm>
+          <a:prstGeom prst="rect">
+            <a:avLst/>
+          </a:prstGeom>
+          <a:noFill/>
+        </p:spPr>
+        <p:txBody>
+          <a:bodyPr wrap="none" rtlCol="0">
+            <a:spAutoFit/>
+          </a:bodyPr>
+          <a:lstStyle/>
+          <a:p>
+            <a:r>
+              <a:rPr lang="ko-KR" altLang="en-US" sz="4000" b="1" dirty="0" smtClean="0">
+                <a:solidFill>
+                  <a:schemeClr val="accent1"/>
+                </a:solidFill>
+                <a:latin typeface="Arial" panose="020B0604020202020204" pitchFamily="34" charset="0"/>
+                <a:cs typeface="Arial" panose="020B0604020202020204" pitchFamily="34" charset="0"/>
+              </a:rPr>
+              <a:t>참고자료</a:t>
+            </a:r>
+            <a:endParaRPr lang="ko-KR" altLang="en-US" sz="4000" b="1" dirty="0">
+              <a:solidFill>
+                <a:schemeClr val="accent1"/>
+              </a:solidFill>
+              <a:latin typeface="Arial" panose="020B0604020202020204" pitchFamily="34" charset="0"/>
+              <a:cs typeface="Arial" panose="020B0604020202020204" pitchFamily="34" charset="0"/>
+            </a:endParaRPr>
+          </a:p>
+        </p:txBody>
+      </p:sp>
+      <p:sp>
+        <p:nvSpPr>
+          <p:cNvPr id="6" name="TextBox 5"/>
+          <p:cNvSpPr txBox="1"/>
+          <p:nvPr/>
+        </p:nvSpPr>
+        <p:spPr>
+          <a:xfrm>
+            <a:off x="378634" y="2000250"/>
+            <a:ext cx="11434733" cy="3693319"/>
+          </a:xfrm>
+          <a:prstGeom prst="rect">
+            <a:avLst/>
+          </a:prstGeom>
+          <a:noFill/>
+        </p:spPr>
+        <p:txBody>
+          <a:bodyPr wrap="none" rtlCol="0">
+            <a:spAutoFit/>
+          </a:bodyPr>
+          <a:lstStyle/>
+          <a:p>
+            <a:r>
+              <a:rPr lang="en-US" altLang="ko-KR" dirty="0"/>
+              <a:t>Using </a:t>
+            </a:r>
+            <a:r>
+              <a:rPr lang="en-US" altLang="ko-KR" dirty="0" err="1"/>
+              <a:t>CallerMemberName</a:t>
+            </a:r>
+            <a:r>
+              <a:rPr lang="en-US" altLang="ko-KR" dirty="0"/>
+              <a:t> for property change notification in XAML apps</a:t>
+            </a:r>
+          </a:p>
+          <a:p>
+            <a:r>
+              <a:rPr lang="en-US" altLang="ko-KR" dirty="0">
+                <a:hlinkClick r:id="rId2"/>
+              </a:rPr>
+              <a:t>http://10rem.net/blog/2013/02/25/using-callermembername-for-property-change-notification-in-xaml-apps</a:t>
+            </a:r>
+            <a:endParaRPr lang="en-US" altLang="ko-KR" dirty="0"/>
+          </a:p>
+          <a:p>
+            <a:endParaRPr lang="en-US" altLang="ko-KR" dirty="0"/>
+          </a:p>
+          <a:p>
+            <a:r>
+              <a:rPr lang="en-US" altLang="ko-KR" dirty="0" smtClean="0"/>
+              <a:t>Introduction to PRISM</a:t>
+            </a:r>
+          </a:p>
+          <a:p>
+            <a:r>
+              <a:rPr lang="en-US" altLang="ko-KR" dirty="0">
+                <a:hlinkClick r:id="rId3"/>
+              </a:rPr>
+              <a:t>https://</a:t>
+            </a:r>
+            <a:r>
+              <a:rPr lang="en-US" altLang="ko-KR" dirty="0" smtClean="0">
+                <a:hlinkClick r:id="rId3"/>
+              </a:rPr>
+              <a:t>app.pluralsight.com/library/courses/prism-introduction/table-of-contents</a:t>
+            </a:r>
+            <a:endParaRPr lang="en-US" altLang="ko-KR" dirty="0" smtClean="0"/>
+          </a:p>
+          <a:p>
+            <a:endParaRPr lang="en-US" altLang="ko-KR" dirty="0"/>
+          </a:p>
+          <a:p>
+            <a:r>
+              <a:rPr lang="en-US" altLang="ko-KR" dirty="0" err="1" smtClean="0"/>
+              <a:t>PrismEdu</a:t>
+            </a:r>
+            <a:endParaRPr lang="en-US" altLang="ko-KR" dirty="0" smtClean="0"/>
+          </a:p>
+          <a:p>
+            <a:r>
+              <a:rPr lang="en-US" altLang="ko-KR" dirty="0">
+                <a:hlinkClick r:id="rId4"/>
+              </a:rPr>
+              <a:t>https://</a:t>
+            </a:r>
+            <a:r>
+              <a:rPr lang="en-US" altLang="ko-KR" dirty="0" smtClean="0">
+                <a:hlinkClick r:id="rId4"/>
+              </a:rPr>
+              <a:t>github.com/runceel/PrismEdu</a:t>
+            </a:r>
+            <a:endParaRPr lang="en-US" altLang="ko-KR" dirty="0" smtClean="0"/>
+          </a:p>
+          <a:p>
+            <a:endParaRPr lang="en-US" altLang="ko-KR" dirty="0"/>
+          </a:p>
+          <a:p>
+            <a:r>
+              <a:rPr lang="en-US" altLang="ko-KR" dirty="0"/>
+              <a:t>Prism Problems &amp; </a:t>
+            </a:r>
+            <a:r>
+              <a:rPr lang="en-US" altLang="ko-KR" dirty="0" smtClean="0"/>
+              <a:t>Solutions Series</a:t>
+            </a:r>
+          </a:p>
+          <a:p>
+            <a:r>
+              <a:rPr lang="en-US" altLang="ko-KR" dirty="0">
+                <a:hlinkClick r:id="rId5"/>
+              </a:rPr>
+              <a:t>https://</a:t>
+            </a:r>
+            <a:r>
+              <a:rPr lang="en-US" altLang="ko-KR" dirty="0" smtClean="0">
+                <a:hlinkClick r:id="rId5"/>
+              </a:rPr>
+              <a:t>app.pluralsight.com/profile/author/brian-lagunas</a:t>
+            </a:r>
+            <a:endParaRPr lang="en-US" altLang="ko-KR" dirty="0" smtClean="0"/>
+          </a:p>
+          <a:p>
+            <a:endParaRPr lang="en-US" altLang="ko-KR" dirty="0"/>
+          </a:p>
+          <a:p>
+            <a:endParaRPr lang="ko-KR" altLang="en-US" dirty="0"/>
+          </a:p>
+        </p:txBody>
+      </p:sp>
+    </p:spTree>
+    <p:extLst>
+      <p:ext uri="{BB962C8B-B14F-4D97-AF65-F5344CB8AC3E}">
+        <p14:creationId xmlns:p14="http://schemas.microsoft.com/office/powerpoint/2010/main" val="3746847513"/>
       </p:ext>
     </p:extLst>
   </p:cSld>
@@ -3309,7 +4412,7 @@
         <p:spPr>
           <a:xfrm>
             <a:off x="449179" y="465221"/>
-            <a:ext cx="4770858" cy="707886"/>
+            <a:ext cx="5769528" cy="707886"/>
           </a:xfrm>
           <a:prstGeom prst="rect">
             <a:avLst/>
@@ -3330,17 +4433,7 @@
                 <a:latin typeface="Arial" panose="020B0604020202020204" pitchFamily="34" charset="0"/>
                 <a:cs typeface="Arial" panose="020B0604020202020204" pitchFamily="34" charset="0"/>
               </a:rPr>
-              <a:t>RegionAdapter</a:t>
-            </a:r>
-            <a:r>
-              <a:rPr lang="en-US" altLang="ko-KR" sz="4000" b="1" dirty="0">
-                <a:solidFill>
-                  <a:schemeClr val="accent1"/>
-                </a:solidFill>
-                <a:latin typeface="Arial" panose="020B0604020202020204" pitchFamily="34" charset="0"/>
-                <a:cs typeface="Arial" panose="020B0604020202020204" pitchFamily="34" charset="0"/>
-              </a:rPr>
-              <a:t>&lt;T&gt;</a:t>
+              <a:t>INotifyPropertyChange</a:t>
             </a:r>
             <a:endParaRPr lang="ko-KR" altLang="en-US" sz="4000" b="1" dirty="0">
               <a:solidFill>
@@ -3354,7 +4447,7 @@
       </p:sp>
       <p:pic>
         <p:nvPicPr>
-          <p:cNvPr id="2" name="그림 1"/>
+          <p:cNvPr id="8" name="그림 7"/>
           <p:cNvPicPr>
             <a:picLocks noChangeAspect="1"/>
           </p:cNvPicPr>
@@ -3368,8 +4461,8 @@
         </p:blipFill>
         <p:spPr>
           <a:xfrm>
-            <a:off x="2209800" y="1340034"/>
-            <a:ext cx="7772400" cy="5346332"/>
+            <a:off x="1606550" y="1885950"/>
+            <a:ext cx="8978900" cy="3848100"/>
           </a:xfrm>
           <a:prstGeom prst="rect">
             <a:avLst/>
@@ -3379,7 +4472,7 @@
     </p:spTree>
     <p:extLst>
       <p:ext uri="{BB962C8B-B14F-4D97-AF65-F5344CB8AC3E}">
-        <p14:creationId xmlns:p14="http://schemas.microsoft.com/office/powerpoint/2010/main" val="1194327983"/>
+        <p14:creationId xmlns:p14="http://schemas.microsoft.com/office/powerpoint/2010/main" val="1172427522"/>
       </p:ext>
     </p:extLst>
   </p:cSld>
@@ -3422,7 +4515,7 @@
         <p:spPr>
           <a:xfrm>
             <a:off x="449179" y="465221"/>
-            <a:ext cx="4770858" cy="707886"/>
+            <a:ext cx="5769528" cy="707886"/>
           </a:xfrm>
           <a:prstGeom prst="rect">
             <a:avLst/>
@@ -3443,17 +4536,7 @@
                 <a:latin typeface="Arial" panose="020B0604020202020204" pitchFamily="34" charset="0"/>
                 <a:cs typeface="Arial" panose="020B0604020202020204" pitchFamily="34" charset="0"/>
               </a:rPr>
-              <a:t>RegionAdapter</a:t>
-            </a:r>
-            <a:r>
-              <a:rPr lang="en-US" altLang="ko-KR" sz="4000" b="1" dirty="0">
-                <a:solidFill>
-                  <a:schemeClr val="accent1"/>
-                </a:solidFill>
-                <a:latin typeface="Arial" panose="020B0604020202020204" pitchFamily="34" charset="0"/>
-                <a:cs typeface="Arial" panose="020B0604020202020204" pitchFamily="34" charset="0"/>
-              </a:rPr>
-              <a:t>&lt;T&gt;</a:t>
+              <a:t>INotifyPropertyChange</a:t>
             </a:r>
             <a:endParaRPr lang="ko-KR" altLang="en-US" sz="4000" b="1" dirty="0">
               <a:solidFill>
@@ -3465,56 +4548,34 @@
           </a:p>
         </p:txBody>
       </p:sp>
-      <p:sp>
-        <p:nvSpPr>
-          <p:cNvPr id="3" name="TextBox 2"/>
-          <p:cNvSpPr txBox="1"/>
+      <p:pic>
+        <p:nvPicPr>
+          <p:cNvPr id="7" name="그림 6"/>
+          <p:cNvPicPr>
+            <a:picLocks noChangeAspect="1"/>
+          </p:cNvPicPr>
           <p:nvPr/>
-        </p:nvSpPr>
+        </p:nvPicPr>
+        <p:blipFill>
+          <a:blip r:embed="rId2"/>
+          <a:stretch>
+            <a:fillRect/>
+          </a:stretch>
+        </p:blipFill>
         <p:spPr>
           <a:xfrm>
-            <a:off x="4041913" y="2968487"/>
-            <a:ext cx="2301656" cy="1477328"/>
+            <a:off x="2818015" y="1438102"/>
+            <a:ext cx="6500552" cy="5120640"/>
           </a:xfrm>
           <a:prstGeom prst="rect">
             <a:avLst/>
           </a:prstGeom>
-          <a:noFill/>
-        </p:spPr>
-        <p:txBody>
-          <a:bodyPr wrap="none" rtlCol="0">
-            <a:spAutoFit/>
-          </a:bodyPr>
-          <a:lstStyle/>
-          <a:p>
-            <a:r>
-              <a:rPr lang="en-US" altLang="ko-KR" dirty="0" err="1" smtClean="0"/>
-              <a:t>AllActivityRegion</a:t>
-            </a:r>
-            <a:endParaRPr lang="en-US" altLang="ko-KR" dirty="0" smtClean="0"/>
-          </a:p>
-          <a:p>
-            <a:endParaRPr lang="en-US" altLang="ko-KR" dirty="0"/>
-          </a:p>
-          <a:p>
-            <a:r>
-              <a:rPr lang="en-US" altLang="ko-KR" dirty="0" err="1" smtClean="0"/>
-              <a:t>SingleActivityRegion</a:t>
-            </a:r>
-            <a:endParaRPr lang="en-US" altLang="ko-KR" dirty="0" smtClean="0"/>
-          </a:p>
-          <a:p>
-            <a:endParaRPr lang="en-US" altLang="ko-KR" dirty="0"/>
-          </a:p>
-          <a:p>
-            <a:endParaRPr lang="ko-KR" altLang="en-US" dirty="0"/>
-          </a:p>
-        </p:txBody>
-      </p:sp>
+        </p:spPr>
+      </p:pic>
     </p:spTree>
     <p:extLst>
       <p:ext uri="{BB962C8B-B14F-4D97-AF65-F5344CB8AC3E}">
-        <p14:creationId xmlns:p14="http://schemas.microsoft.com/office/powerpoint/2010/main" val="266846310"/>
+        <p14:creationId xmlns:p14="http://schemas.microsoft.com/office/powerpoint/2010/main" val="550331906"/>
       </p:ext>
     </p:extLst>
   </p:cSld>
@@ -3557,7 +4618,7 @@
         <p:spPr>
           <a:xfrm>
             <a:off x="449179" y="465221"/>
-            <a:ext cx="4770858" cy="707886"/>
+            <a:ext cx="5769528" cy="707886"/>
           </a:xfrm>
           <a:prstGeom prst="rect">
             <a:avLst/>
@@ -3578,17 +4639,7 @@
                 <a:latin typeface="Arial" panose="020B0604020202020204" pitchFamily="34" charset="0"/>
                 <a:cs typeface="Arial" panose="020B0604020202020204" pitchFamily="34" charset="0"/>
               </a:rPr>
-              <a:t>RegionAdapter</a:t>
-            </a:r>
-            <a:r>
-              <a:rPr lang="en-US" altLang="ko-KR" sz="4000" b="1" dirty="0">
-                <a:solidFill>
-                  <a:schemeClr val="accent1"/>
-                </a:solidFill>
-                <a:latin typeface="Arial" panose="020B0604020202020204" pitchFamily="34" charset="0"/>
-                <a:cs typeface="Arial" panose="020B0604020202020204" pitchFamily="34" charset="0"/>
-              </a:rPr>
-              <a:t>&lt;T&gt;</a:t>
+              <a:t>INotifyPropertyChange</a:t>
             </a:r>
             <a:endParaRPr lang="ko-KR" altLang="en-US" sz="4000" b="1" dirty="0">
               <a:solidFill>
@@ -3600,80 +4651,229 @@
           </a:p>
         </p:txBody>
       </p:sp>
-      <p:pic>
-        <p:nvPicPr>
-          <p:cNvPr id="3" name="그림 2"/>
-          <p:cNvPicPr>
-            <a:picLocks noChangeAspect="1"/>
-          </p:cNvPicPr>
+      <p:sp>
+        <p:nvSpPr>
+          <p:cNvPr id="6" name="TextBox 5"/>
+          <p:cNvSpPr txBox="1"/>
           <p:nvPr/>
-        </p:nvPicPr>
-        <p:blipFill>
-          <a:blip r:embed="rId2"/>
-          <a:stretch>
-            <a:fillRect/>
-          </a:stretch>
-        </p:blipFill>
+        </p:nvSpPr>
         <p:spPr>
           <a:xfrm>
-            <a:off x="1382037" y="1925685"/>
-            <a:ext cx="9427926" cy="4209128"/>
-          </a:xfrm>
-          <a:prstGeom prst="rect">
-            <a:avLst/>
-          </a:prstGeom>
-        </p:spPr>
-      </p:pic>
-      <p:sp>
-        <p:nvSpPr>
-          <p:cNvPr id="4" name="직사각형 3"/>
-          <p:cNvSpPr/>
-          <p:nvPr/>
-        </p:nvSpPr>
-        <p:spPr>
-          <a:xfrm>
-            <a:off x="1741118" y="4446740"/>
-            <a:ext cx="8981161" cy="1440493"/>
+            <a:off x="987711" y="1620836"/>
+            <a:ext cx="11934677" cy="2308324"/>
           </a:xfrm>
           <a:prstGeom prst="rect">
             <a:avLst/>
           </a:prstGeom>
           <a:noFill/>
-          <a:ln w="50800">
-            <a:solidFill>
-              <a:srgbClr val="FF0000"/>
-            </a:solidFill>
-          </a:ln>
-        </p:spPr>
-        <p:style>
-          <a:lnRef idx="2">
-            <a:schemeClr val="accent1">
-              <a:shade val="50000"/>
-            </a:schemeClr>
-          </a:lnRef>
-          <a:fillRef idx="1">
-            <a:schemeClr val="accent1"/>
-          </a:fillRef>
-          <a:effectRef idx="0">
-            <a:schemeClr val="accent1"/>
-          </a:effectRef>
-          <a:fontRef idx="minor">
-            <a:schemeClr val="lt1"/>
-          </a:fontRef>
-        </p:style>
-        <p:txBody>
-          <a:bodyPr rtlCol="0" anchor="ctr"/>
-          <a:lstStyle/>
-          <a:p>
-            <a:pPr algn="ctr"/>
-            <a:endParaRPr lang="ko-KR" altLang="en-US"/>
+        </p:spPr>
+        <p:txBody>
+          <a:bodyPr wrap="none" rtlCol="0">
+            <a:spAutoFit/>
+          </a:bodyPr>
+          <a:lstStyle/>
+          <a:p>
+            <a:r>
+              <a:rPr lang="ko-KR" altLang="en-US" dirty="0" smtClean="0"/>
+              <a:t>위 문제를 해결하는 방법은 여러가지가 존재한다</a:t>
+            </a:r>
+            <a:r>
+              <a:rPr lang="en-US" altLang="ko-KR" dirty="0" smtClean="0"/>
+              <a:t>.</a:t>
+            </a:r>
+          </a:p>
+          <a:p>
+            <a:endParaRPr lang="en-US" altLang="ko-KR" dirty="0"/>
+          </a:p>
+          <a:p>
+            <a:r>
+              <a:rPr lang="ko-KR" altLang="en-US" dirty="0" smtClean="0"/>
+              <a:t>그 중에서 제일 괜찮은 방법은 </a:t>
+            </a:r>
+            <a:r>
+              <a:rPr lang="en-US" altLang="ko-KR" dirty="0" err="1" smtClean="0"/>
+              <a:t>CallerMemberName</a:t>
+            </a:r>
+            <a:r>
+              <a:rPr lang="en-US" altLang="ko-KR" dirty="0" smtClean="0"/>
+              <a:t> </a:t>
+            </a:r>
+            <a:r>
+              <a:rPr lang="ko-KR" altLang="en-US" dirty="0" smtClean="0"/>
+              <a:t>속성을 사용한다</a:t>
+            </a:r>
+            <a:r>
+              <a:rPr lang="en-US" altLang="ko-KR" dirty="0" smtClean="0"/>
+              <a:t>.</a:t>
+            </a:r>
+          </a:p>
+          <a:p>
+            <a:endParaRPr lang="en-US" altLang="ko-KR" dirty="0"/>
+          </a:p>
+          <a:p>
+            <a:r>
+              <a:rPr lang="en-US" altLang="ko-KR" dirty="0" smtClean="0"/>
+              <a:t>Prism</a:t>
+            </a:r>
+            <a:r>
+              <a:rPr lang="ko-KR" altLang="en-US" dirty="0" smtClean="0"/>
+              <a:t>은 </a:t>
+            </a:r>
+            <a:r>
+              <a:rPr lang="en-US" altLang="ko-KR" dirty="0" err="1" smtClean="0"/>
+              <a:t>INotifyPropertyChanged</a:t>
+            </a:r>
+            <a:r>
+              <a:rPr lang="ko-KR" altLang="en-US" dirty="0" smtClean="0"/>
+              <a:t>를 </a:t>
+            </a:r>
+            <a:r>
+              <a:rPr lang="ko-KR" altLang="en-US" dirty="0" err="1" smtClean="0"/>
+              <a:t>구현할때</a:t>
+            </a:r>
+            <a:r>
+              <a:rPr lang="ko-KR" altLang="en-US" dirty="0" smtClean="0"/>
+              <a:t> </a:t>
+            </a:r>
+            <a:r>
+              <a:rPr lang="en-US" altLang="ko-KR" dirty="0" err="1" smtClean="0"/>
+              <a:t>CallerMemberName</a:t>
+            </a:r>
+            <a:r>
+              <a:rPr lang="en-US" altLang="ko-KR" dirty="0" smtClean="0"/>
+              <a:t> </a:t>
+            </a:r>
+            <a:r>
+              <a:rPr lang="ko-KR" altLang="en-US" dirty="0" smtClean="0"/>
+              <a:t>속성을 사용하여 문제를 해결한 클래스가 있다</a:t>
+            </a:r>
+            <a:r>
+              <a:rPr lang="en-US" altLang="ko-KR" dirty="0" smtClean="0"/>
+              <a:t>.</a:t>
+            </a:r>
+          </a:p>
+          <a:p>
+            <a:endParaRPr lang="en-US" altLang="ko-KR" dirty="0"/>
+          </a:p>
+          <a:p>
+            <a:r>
+              <a:rPr lang="ko-KR" altLang="en-US" dirty="0" smtClean="0"/>
+              <a:t>그것이 바로 </a:t>
+            </a:r>
+            <a:r>
+              <a:rPr lang="en-US" altLang="ko-KR" dirty="0" err="1" smtClean="0"/>
+              <a:t>BindableBase</a:t>
+            </a:r>
+            <a:r>
+              <a:rPr lang="ko-KR" altLang="en-US" dirty="0" smtClean="0"/>
+              <a:t>이다</a:t>
+            </a:r>
+            <a:r>
+              <a:rPr lang="en-US" altLang="ko-KR" dirty="0" smtClean="0"/>
+              <a:t>.</a:t>
+            </a:r>
+            <a:endParaRPr lang="en-US" altLang="ko-KR" dirty="0"/>
+          </a:p>
+          <a:p>
+            <a:endParaRPr lang="en-US" altLang="ko-KR" dirty="0" smtClean="0"/>
+          </a:p>
+        </p:txBody>
+      </p:sp>
+      <p:sp>
+        <p:nvSpPr>
+          <p:cNvPr id="2" name="TextBox 1"/>
+          <p:cNvSpPr txBox="1"/>
+          <p:nvPr/>
+        </p:nvSpPr>
+        <p:spPr>
+          <a:xfrm>
+            <a:off x="987711" y="4638502"/>
+            <a:ext cx="8497006" cy="1754326"/>
+          </a:xfrm>
+          <a:prstGeom prst="rect">
+            <a:avLst/>
+          </a:prstGeom>
+          <a:noFill/>
+        </p:spPr>
+        <p:txBody>
+          <a:bodyPr wrap="none" rtlCol="0">
+            <a:spAutoFit/>
+          </a:bodyPr>
+          <a:lstStyle/>
+          <a:p>
+            <a:r>
+              <a:rPr lang="en-US" altLang="ko-KR" dirty="0" err="1"/>
+              <a:t>CallerMemberName</a:t>
+            </a:r>
+            <a:r>
+              <a:rPr lang="en-US" altLang="ko-KR" dirty="0"/>
+              <a:t> </a:t>
+            </a:r>
+            <a:r>
+              <a:rPr lang="ko-KR" altLang="en-US" dirty="0"/>
+              <a:t>속성</a:t>
+            </a:r>
+            <a:endParaRPr lang="en-US" altLang="ko-KR" dirty="0"/>
+          </a:p>
+          <a:p>
+            <a:endParaRPr lang="en-US" altLang="ko-KR" dirty="0"/>
+          </a:p>
+          <a:p>
+            <a:r>
+              <a:rPr lang="ko-KR" altLang="en-US" dirty="0"/>
+              <a:t>호출한 </a:t>
+            </a:r>
+            <a:r>
+              <a:rPr lang="ko-KR" altLang="en-US" dirty="0" err="1"/>
+              <a:t>메소드의</a:t>
+            </a:r>
+            <a:r>
+              <a:rPr lang="ko-KR" altLang="en-US" dirty="0"/>
+              <a:t> </a:t>
+            </a:r>
+            <a:r>
+              <a:rPr lang="ko-KR" altLang="en-US" dirty="0" err="1"/>
+              <a:t>메소드</a:t>
+            </a:r>
+            <a:r>
+              <a:rPr lang="ko-KR" altLang="en-US" dirty="0"/>
+              <a:t> 또는 </a:t>
+            </a:r>
+            <a:r>
+              <a:rPr lang="en-US" altLang="ko-KR" dirty="0"/>
+              <a:t>property</a:t>
+            </a:r>
+            <a:r>
+              <a:rPr lang="ko-KR" altLang="en-US" dirty="0"/>
+              <a:t>의 이름을 사용 할 수 있게 하는 속성이다</a:t>
+            </a:r>
+            <a:r>
+              <a:rPr lang="en-US" altLang="ko-KR" dirty="0"/>
+              <a:t>.</a:t>
+            </a:r>
+          </a:p>
+          <a:p>
+            <a:endParaRPr lang="en-US" altLang="ko-KR" dirty="0"/>
+          </a:p>
+          <a:p>
+            <a:r>
+              <a:rPr lang="ko-KR" altLang="en-US" dirty="0"/>
+              <a:t>해당 속성은 컴파일 타임에 데이터가 변경 된다</a:t>
+            </a:r>
+            <a:r>
+              <a:rPr lang="en-US" altLang="ko-KR" dirty="0"/>
+              <a:t>.</a:t>
+            </a:r>
+          </a:p>
+          <a:p>
+            <a:endParaRPr lang="ko-KR" altLang="en-US" dirty="0"/>
           </a:p>
         </p:txBody>
       </p:sp>
     </p:spTree>
     <p:extLst>
       <p:ext uri="{BB962C8B-B14F-4D97-AF65-F5344CB8AC3E}">
-        <p14:creationId xmlns:p14="http://schemas.microsoft.com/office/powerpoint/2010/main" val="4037181629"/>
+        <p14:creationId xmlns:p14="http://schemas.microsoft.com/office/powerpoint/2010/main" val="2492926104"/>
       </p:ext>
     </p:extLst>
   </p:cSld>
@@ -3709,202 +4909,6 @@
       </p:grpSpPr>
       <p:sp>
         <p:nvSpPr>
-          <p:cNvPr id="4" name="TextBox 3"/>
-          <p:cNvSpPr txBox="1"/>
-          <p:nvPr/>
-        </p:nvSpPr>
-        <p:spPr>
-          <a:xfrm>
-            <a:off x="449179" y="2177427"/>
-            <a:ext cx="10446514" cy="1754326"/>
-          </a:xfrm>
-          <a:prstGeom prst="rect">
-            <a:avLst/>
-          </a:prstGeom>
-          <a:noFill/>
-        </p:spPr>
-        <p:txBody>
-          <a:bodyPr wrap="none" rtlCol="0">
-            <a:spAutoFit/>
-          </a:bodyPr>
-          <a:lstStyle/>
-          <a:p>
-            <a:r>
-              <a:rPr lang="en-US" altLang="ko-KR" dirty="0" smtClean="0"/>
-              <a:t>Prism</a:t>
-            </a:r>
-            <a:r>
-              <a:rPr lang="ko-KR" altLang="en-US" dirty="0" smtClean="0"/>
-              <a:t>의 </a:t>
-            </a:r>
-            <a:r>
-              <a:rPr lang="en-US" altLang="ko-KR" dirty="0" smtClean="0"/>
-              <a:t>Region</a:t>
-            </a:r>
-            <a:r>
-              <a:rPr lang="ko-KR" altLang="en-US" dirty="0" smtClean="0"/>
-              <a:t>에서 제공하는 기능으로 </a:t>
-            </a:r>
-            <a:r>
-              <a:rPr lang="en-US" altLang="ko-KR" dirty="0" smtClean="0"/>
-              <a:t>WPF</a:t>
-            </a:r>
-            <a:r>
-              <a:rPr lang="ko-KR" altLang="en-US" dirty="0" smtClean="0"/>
-              <a:t>에 있는 </a:t>
-            </a:r>
-            <a:r>
-              <a:rPr lang="en-US" altLang="ko-KR" b="1" dirty="0" smtClean="0">
-                <a:solidFill>
-                  <a:schemeClr val="accent1"/>
-                </a:solidFill>
-                <a:latin typeface="Arial" panose="020B0604020202020204" pitchFamily="34" charset="0"/>
-                <a:cs typeface="Arial" panose="020B0604020202020204" pitchFamily="34" charset="0"/>
-              </a:rPr>
-              <a:t>Behavior&lt;T&gt;</a:t>
-            </a:r>
-            <a:r>
-              <a:rPr lang="en-US" altLang="ko-KR" dirty="0" smtClean="0"/>
-              <a:t> </a:t>
-            </a:r>
-            <a:r>
-              <a:rPr lang="ko-KR" altLang="en-US" dirty="0" smtClean="0"/>
-              <a:t>클래스와 같은 기능을 제공한다</a:t>
-            </a:r>
-            <a:r>
-              <a:rPr lang="en-US" altLang="ko-KR" dirty="0" smtClean="0"/>
-              <a:t>.</a:t>
-            </a:r>
-          </a:p>
-          <a:p>
-            <a:endParaRPr lang="en-US" altLang="ko-KR" dirty="0"/>
-          </a:p>
-          <a:p>
-            <a:pPr algn="just"/>
-            <a:r>
-              <a:rPr lang="en-US" altLang="ko-KR" b="1" dirty="0" smtClean="0">
-                <a:solidFill>
-                  <a:schemeClr val="accent1"/>
-                </a:solidFill>
-                <a:latin typeface="Arial" panose="020B0604020202020204" pitchFamily="34" charset="0"/>
-                <a:cs typeface="Arial" panose="020B0604020202020204" pitchFamily="34" charset="0"/>
-              </a:rPr>
-              <a:t>Behavior&lt;T&gt; </a:t>
-            </a:r>
-            <a:r>
-              <a:rPr lang="ko-KR" altLang="en-US" dirty="0" smtClean="0"/>
-              <a:t>클래스는</a:t>
-            </a:r>
-            <a:r>
-              <a:rPr lang="en-US" altLang="ko-KR" dirty="0" smtClean="0"/>
-              <a:t> </a:t>
-            </a:r>
-            <a:r>
-              <a:rPr lang="ko-KR" altLang="en-US" dirty="0" smtClean="0"/>
-              <a:t>트리거 객체에 </a:t>
-            </a:r>
-            <a:r>
-              <a:rPr lang="ko-KR" altLang="en-US" dirty="0" smtClean="0"/>
-              <a:t>추가 상태</a:t>
-            </a:r>
-            <a:r>
-              <a:rPr lang="en-US" altLang="ko-KR" dirty="0" smtClean="0"/>
-              <a:t>(?)</a:t>
-            </a:r>
-            <a:r>
-              <a:rPr lang="ko-KR" altLang="en-US" dirty="0" smtClean="0"/>
-              <a:t>와 명령어를 제공하기 위한 클래스 이다</a:t>
-            </a:r>
-            <a:r>
-              <a:rPr lang="en-US" altLang="ko-KR" dirty="0" smtClean="0"/>
-              <a:t>.</a:t>
-            </a:r>
-          </a:p>
-          <a:p>
-            <a:endParaRPr lang="en-US" altLang="ko-KR" dirty="0"/>
-          </a:p>
-          <a:p>
-            <a:r>
-              <a:rPr lang="ko-KR" altLang="en-US" dirty="0" smtClean="0"/>
-              <a:t>직접 구현할 필요는 </a:t>
-            </a:r>
-            <a:r>
-              <a:rPr lang="ko-KR" altLang="en-US" dirty="0" smtClean="0"/>
-              <a:t>없지만 </a:t>
-            </a:r>
-            <a:r>
-              <a:rPr lang="en-US" altLang="ko-KR" dirty="0" smtClean="0"/>
-              <a:t>View</a:t>
-            </a:r>
-            <a:r>
-              <a:rPr lang="ko-KR" altLang="en-US" dirty="0" smtClean="0"/>
-              <a:t>가 </a:t>
-            </a:r>
-            <a:r>
-              <a:rPr lang="en-US" altLang="ko-KR" dirty="0" smtClean="0"/>
-              <a:t>Region</a:t>
-            </a:r>
-            <a:r>
-              <a:rPr lang="ko-KR" altLang="en-US" dirty="0" smtClean="0"/>
-              <a:t>에 </a:t>
-            </a:r>
-            <a:r>
-              <a:rPr lang="en-US" altLang="ko-KR" dirty="0" smtClean="0"/>
-              <a:t>Attach</a:t>
-            </a:r>
-            <a:r>
-              <a:rPr lang="ko-KR" altLang="en-US" dirty="0" smtClean="0"/>
-              <a:t>가 되었을 때 </a:t>
-            </a:r>
-            <a:r>
-              <a:rPr lang="en-US" altLang="ko-KR" dirty="0" smtClean="0"/>
-              <a:t>View </a:t>
-            </a:r>
-            <a:r>
-              <a:rPr lang="ko-KR" altLang="en-US" dirty="0" smtClean="0"/>
-              <a:t>혹은 </a:t>
-            </a:r>
-            <a:r>
-              <a:rPr lang="en-US" altLang="ko-KR" dirty="0" err="1" smtClean="0"/>
-              <a:t>ViewModel</a:t>
-            </a:r>
-            <a:r>
-              <a:rPr lang="ko-KR" altLang="en-US" dirty="0" smtClean="0"/>
-              <a:t>에서 </a:t>
-            </a:r>
-            <a:endParaRPr lang="en-US" altLang="ko-KR" dirty="0" smtClean="0"/>
-          </a:p>
-          <a:p>
-            <a:r>
-              <a:rPr lang="ko-KR" altLang="en-US" dirty="0" smtClean="0"/>
-              <a:t>이벤트가 발생하여 </a:t>
-            </a:r>
-            <a:r>
-              <a:rPr lang="en-US" altLang="ko-KR" dirty="0" smtClean="0"/>
-              <a:t>Region</a:t>
-            </a:r>
-            <a:r>
-              <a:rPr lang="ko-KR" altLang="en-US" dirty="0" smtClean="0"/>
-              <a:t>을 </a:t>
-            </a:r>
-            <a:r>
-              <a:rPr lang="ko-KR" altLang="en-US" dirty="0" err="1" smtClean="0"/>
-              <a:t>변경할때</a:t>
-            </a:r>
-            <a:r>
-              <a:rPr lang="ko-KR" altLang="en-US" dirty="0" smtClean="0"/>
-              <a:t> 필요하다</a:t>
-            </a:r>
-            <a:r>
-              <a:rPr lang="en-US" altLang="ko-KR" dirty="0" smtClean="0"/>
-              <a:t>.</a:t>
-            </a:r>
-            <a:endParaRPr lang="en-US" altLang="ko-KR" dirty="0"/>
-          </a:p>
-        </p:txBody>
-      </p:sp>
-      <p:sp>
-        <p:nvSpPr>
           <p:cNvPr id="5" name="TextBox 4"/>
           <p:cNvSpPr txBox="1"/>
           <p:nvPr/>
@@ -3912,7 +4916,7 @@
         <p:spPr>
           <a:xfrm>
             <a:off x="449179" y="465221"/>
-            <a:ext cx="4115229" cy="707886"/>
+            <a:ext cx="3575018" cy="707886"/>
           </a:xfrm>
           <a:prstGeom prst="rect">
             <a:avLst/>
@@ -3933,7 +4937,7 @@
                 <a:latin typeface="Arial" panose="020B0604020202020204" pitchFamily="34" charset="0"/>
                 <a:cs typeface="Arial" panose="020B0604020202020204" pitchFamily="34" charset="0"/>
               </a:rPr>
-              <a:t>RegionBehavior</a:t>
+              <a:t>BindableBase</a:t>
             </a:r>
             <a:endParaRPr lang="ko-KR" altLang="en-US" sz="4000" b="1" dirty="0">
               <a:solidFill>
@@ -3945,10 +4949,34 @@
           </a:p>
         </p:txBody>
       </p:sp>
+      <p:pic>
+        <p:nvPicPr>
+          <p:cNvPr id="6" name="그림 5"/>
+          <p:cNvPicPr>
+            <a:picLocks noChangeAspect="1"/>
+          </p:cNvPicPr>
+          <p:nvPr/>
+        </p:nvPicPr>
+        <p:blipFill>
+          <a:blip r:embed="rId2"/>
+          <a:stretch>
+            <a:fillRect/>
+          </a:stretch>
+        </p:blipFill>
+        <p:spPr>
+          <a:xfrm>
+            <a:off x="1606550" y="1885950"/>
+            <a:ext cx="8978900" cy="3836690"/>
+          </a:xfrm>
+          <a:prstGeom prst="rect">
+            <a:avLst/>
+          </a:prstGeom>
+        </p:spPr>
+      </p:pic>
     </p:spTree>
     <p:extLst>
       <p:ext uri="{BB962C8B-B14F-4D97-AF65-F5344CB8AC3E}">
-        <p14:creationId xmlns:p14="http://schemas.microsoft.com/office/powerpoint/2010/main" val="4286949109"/>
+        <p14:creationId xmlns:p14="http://schemas.microsoft.com/office/powerpoint/2010/main" val="1743315741"/>
       </p:ext>
     </p:extLst>
   </p:cSld>
@@ -3991,7 +5019,7 @@
         <p:spPr>
           <a:xfrm>
             <a:off x="449179" y="465221"/>
-            <a:ext cx="4115229" cy="707886"/>
+            <a:ext cx="3575018" cy="707886"/>
           </a:xfrm>
           <a:prstGeom prst="rect">
             <a:avLst/>
@@ -4012,7 +5040,7 @@
                 <a:latin typeface="Arial" panose="020B0604020202020204" pitchFamily="34" charset="0"/>
                 <a:cs typeface="Arial" panose="020B0604020202020204" pitchFamily="34" charset="0"/>
               </a:rPr>
-              <a:t>RegionBehavior</a:t>
+              <a:t>BindableBase</a:t>
             </a:r>
             <a:endParaRPr lang="ko-KR" altLang="en-US" sz="4000" b="1" dirty="0">
               <a:solidFill>
@@ -4026,7 +5054,7 @@
       </p:sp>
       <p:pic>
         <p:nvPicPr>
-          <p:cNvPr id="2" name="그림 1"/>
+          <p:cNvPr id="4" name="그림 3"/>
           <p:cNvPicPr>
             <a:picLocks noChangeAspect="1"/>
           </p:cNvPicPr>
@@ -4040,8 +5068,8 @@
         </p:blipFill>
         <p:spPr>
           <a:xfrm>
-            <a:off x="2834877" y="1173107"/>
-            <a:ext cx="5912646" cy="5506278"/>
+            <a:off x="3737263" y="1315941"/>
+            <a:ext cx="4717474" cy="5377432"/>
           </a:xfrm>
           <a:prstGeom prst="rect">
             <a:avLst/>
@@ -4051,7 +5079,7 @@
     </p:spTree>
     <p:extLst>
       <p:ext uri="{BB962C8B-B14F-4D97-AF65-F5344CB8AC3E}">
-        <p14:creationId xmlns:p14="http://schemas.microsoft.com/office/powerpoint/2010/main" val="1924594116"/>
+        <p14:creationId xmlns:p14="http://schemas.microsoft.com/office/powerpoint/2010/main" val="4209345394"/>
       </p:ext>
     </p:extLst>
   </p:cSld>
@@ -4094,7 +5122,7 @@
         <p:spPr>
           <a:xfrm>
             <a:off x="449179" y="465221"/>
-            <a:ext cx="4115229" cy="707886"/>
+            <a:ext cx="1920719" cy="707886"/>
           </a:xfrm>
           <a:prstGeom prst="rect">
             <a:avLst/>
@@ -4108,14 +5136,14 @@
           <a:lstStyle/>
           <a:p>
             <a:r>
-              <a:rPr lang="en-US" altLang="ko-KR" sz="4000" b="1" dirty="0" err="1" smtClean="0">
+              <a:rPr lang="en-US" altLang="ko-KR" sz="4000" b="1" dirty="0" smtClean="0">
                 <a:solidFill>
                   <a:schemeClr val="accent1"/>
                 </a:solidFill>
                 <a:latin typeface="Arial" panose="020B0604020202020204" pitchFamily="34" charset="0"/>
                 <a:cs typeface="Arial" panose="020B0604020202020204" pitchFamily="34" charset="0"/>
               </a:rPr>
-              <a:t>RegionBehavior</a:t>
+              <a:t>Region</a:t>
             </a:r>
             <a:endParaRPr lang="ko-KR" altLang="en-US" sz="4000" b="1" dirty="0">
               <a:solidFill>
@@ -4129,7 +5157,7 @@
       </p:sp>
       <p:pic>
         <p:nvPicPr>
-          <p:cNvPr id="8" name="그림 7"/>
+          <p:cNvPr id="2" name="그림 1"/>
           <p:cNvPicPr>
             <a:picLocks noChangeAspect="1"/>
           </p:cNvPicPr>
@@ -4143,18 +5171,135 @@
         </p:blipFill>
         <p:spPr>
           <a:xfrm>
-            <a:off x="2260577" y="1398394"/>
-            <a:ext cx="8055858" cy="5141494"/>
+            <a:off x="3102145" y="2975741"/>
+            <a:ext cx="5644810" cy="3581398"/>
           </a:xfrm>
           <a:prstGeom prst="rect">
             <a:avLst/>
           </a:prstGeom>
         </p:spPr>
       </p:pic>
+      <p:sp>
+        <p:nvSpPr>
+          <p:cNvPr id="6" name="TextBox 5"/>
+          <p:cNvSpPr txBox="1"/>
+          <p:nvPr/>
+        </p:nvSpPr>
+        <p:spPr>
+          <a:xfrm>
+            <a:off x="987711" y="1620836"/>
+            <a:ext cx="8738290" cy="1477328"/>
+          </a:xfrm>
+          <a:prstGeom prst="rect">
+            <a:avLst/>
+          </a:prstGeom>
+          <a:noFill/>
+        </p:spPr>
+        <p:txBody>
+          <a:bodyPr wrap="none" rtlCol="0">
+            <a:spAutoFit/>
+          </a:bodyPr>
+          <a:lstStyle/>
+          <a:p>
+            <a:r>
+              <a:rPr lang="ko-KR" altLang="en-US" dirty="0"/>
+              <a:t>동적인 </a:t>
+            </a:r>
+            <a:r>
+              <a:rPr lang="en-US" altLang="ko-KR" dirty="0"/>
+              <a:t>View</a:t>
+            </a:r>
+            <a:r>
+              <a:rPr lang="ko-KR" altLang="en-US" dirty="0"/>
+              <a:t>의 </a:t>
+            </a:r>
+            <a:r>
+              <a:rPr lang="en-US" altLang="ko-KR" dirty="0" err="1"/>
+              <a:t>PlaceHolder</a:t>
+            </a:r>
+            <a:r>
+              <a:rPr lang="ko-KR" altLang="en-US" dirty="0"/>
+              <a:t>로 </a:t>
+            </a:r>
+            <a:r>
+              <a:rPr lang="en-US" altLang="ko-KR" dirty="0"/>
+              <a:t>UI</a:t>
+            </a:r>
+            <a:r>
+              <a:rPr lang="ko-KR" altLang="en-US" dirty="0"/>
+              <a:t>나 </a:t>
+            </a:r>
+            <a:r>
+              <a:rPr lang="en-US" altLang="ko-KR" dirty="0"/>
+              <a:t>Shell</a:t>
+            </a:r>
+            <a:r>
+              <a:rPr lang="ko-KR" altLang="en-US" dirty="0"/>
+              <a:t>로 표현 할 수 있는 것</a:t>
+            </a:r>
+            <a:endParaRPr lang="en-US" altLang="ko-KR" dirty="0"/>
+          </a:p>
+          <a:p>
+            <a:endParaRPr lang="en-US" altLang="ko-KR" dirty="0"/>
+          </a:p>
+          <a:p>
+            <a:r>
+              <a:rPr lang="ko-KR" altLang="en-US" dirty="0"/>
+              <a:t>단순히 </a:t>
+            </a:r>
+            <a:r>
+              <a:rPr lang="en-US" altLang="ko-KR" dirty="0"/>
+              <a:t>View</a:t>
+            </a:r>
+            <a:r>
+              <a:rPr lang="ko-KR" altLang="en-US" dirty="0"/>
+              <a:t>가 표시되는 곳을 정의하기 위해 </a:t>
+            </a:r>
+            <a:r>
+              <a:rPr lang="en-US" altLang="ko-KR" dirty="0"/>
+              <a:t>View </a:t>
+            </a:r>
+            <a:r>
+              <a:rPr lang="ko-KR" altLang="en-US" dirty="0"/>
+              <a:t>붙을 위치에 이름으로 정의한다</a:t>
+            </a:r>
+            <a:r>
+              <a:rPr lang="en-US" altLang="ko-KR" dirty="0" smtClean="0"/>
+              <a:t>.</a:t>
+            </a:r>
+          </a:p>
+          <a:p>
+            <a:endParaRPr lang="en-US" altLang="ko-KR" dirty="0" smtClean="0"/>
+          </a:p>
+          <a:p>
+            <a:r>
+              <a:rPr lang="en-US" altLang="ko-KR" dirty="0" smtClean="0"/>
+              <a:t>View</a:t>
+            </a:r>
+            <a:r>
+              <a:rPr lang="ko-KR" altLang="en-US" dirty="0" smtClean="0"/>
+              <a:t>가 해당 이름의 </a:t>
+            </a:r>
+            <a:r>
+              <a:rPr lang="en-US" altLang="ko-KR" dirty="0" smtClean="0"/>
+              <a:t>Region</a:t>
+            </a:r>
+            <a:r>
+              <a:rPr lang="ko-KR" altLang="en-US" dirty="0" smtClean="0"/>
+              <a:t>에 붙는다</a:t>
+            </a:r>
+            <a:r>
+              <a:rPr lang="en-US" altLang="ko-KR" dirty="0" smtClean="0"/>
+              <a:t>.</a:t>
+            </a:r>
+            <a:endParaRPr lang="en-US" altLang="ko-KR" dirty="0"/>
+          </a:p>
+        </p:txBody>
+      </p:sp>
     </p:spTree>
     <p:extLst>
       <p:ext uri="{BB962C8B-B14F-4D97-AF65-F5344CB8AC3E}">
-        <p14:creationId xmlns:p14="http://schemas.microsoft.com/office/powerpoint/2010/main" val="385659086"/>
+        <p14:creationId xmlns:p14="http://schemas.microsoft.com/office/powerpoint/2010/main" val="1931481033"/>
       </p:ext>
     </p:extLst>
   </p:cSld>
@@ -4197,7 +5342,329 @@
         <p:spPr>
           <a:xfrm>
             <a:off x="449179" y="465221"/>
-            <a:ext cx="4115229" cy="707886"/>
+            <a:ext cx="3887603" cy="707886"/>
+          </a:xfrm>
+          <a:prstGeom prst="rect">
+            <a:avLst/>
+          </a:prstGeom>
+          <a:noFill/>
+        </p:spPr>
+        <p:txBody>
+          <a:bodyPr wrap="none" rtlCol="0">
+            <a:spAutoFit/>
+          </a:bodyPr>
+          <a:lstStyle/>
+          <a:p>
+            <a:r>
+              <a:rPr lang="en-US" altLang="ko-KR" sz="4000" b="1" dirty="0" smtClean="0">
+                <a:solidFill>
+                  <a:schemeClr val="accent1"/>
+                </a:solidFill>
+                <a:latin typeface="Arial" panose="020B0604020202020204" pitchFamily="34" charset="0"/>
+                <a:cs typeface="Arial" panose="020B0604020202020204" pitchFamily="34" charset="0"/>
+              </a:rPr>
+              <a:t>Region Manger</a:t>
+            </a:r>
+            <a:endParaRPr lang="ko-KR" altLang="en-US" sz="4000" b="1" dirty="0">
+              <a:solidFill>
+                <a:schemeClr val="accent1"/>
+              </a:solidFill>
+              <a:latin typeface="Arial" panose="020B0604020202020204" pitchFamily="34" charset="0"/>
+              <a:cs typeface="Arial" panose="020B0604020202020204" pitchFamily="34" charset="0"/>
+            </a:endParaRPr>
+          </a:p>
+        </p:txBody>
+      </p:sp>
+      <p:sp>
+        <p:nvSpPr>
+          <p:cNvPr id="8" name="TextBox 7"/>
+          <p:cNvSpPr txBox="1"/>
+          <p:nvPr/>
+        </p:nvSpPr>
+        <p:spPr>
+          <a:xfrm>
+            <a:off x="987711" y="1620836"/>
+            <a:ext cx="11576502" cy="1754326"/>
+          </a:xfrm>
+          <a:prstGeom prst="rect">
+            <a:avLst/>
+          </a:prstGeom>
+          <a:noFill/>
+        </p:spPr>
+        <p:txBody>
+          <a:bodyPr wrap="none" rtlCol="0">
+            <a:spAutoFit/>
+          </a:bodyPr>
+          <a:lstStyle/>
+          <a:p>
+            <a:r>
+              <a:rPr lang="en-US" altLang="ko-KR" dirty="0"/>
+              <a:t>Region</a:t>
+            </a:r>
+            <a:r>
+              <a:rPr lang="ko-KR" altLang="en-US" dirty="0"/>
+              <a:t>들을 관리하는 역할을 하며 </a:t>
+            </a:r>
+            <a:r>
+              <a:rPr lang="en-US" altLang="ko-KR" dirty="0"/>
+              <a:t>Region </a:t>
+            </a:r>
+            <a:r>
+              <a:rPr lang="ko-KR" altLang="en-US" dirty="0"/>
+              <a:t>컬렉션을 유지하고 새로운 </a:t>
+            </a:r>
+            <a:r>
+              <a:rPr lang="en-US" altLang="ko-KR" dirty="0" err="1"/>
+              <a:t>Regiond</a:t>
+            </a:r>
+            <a:r>
+              <a:rPr lang="ko-KR" altLang="en-US" dirty="0"/>
+              <a:t>의 생성을 제어한다</a:t>
+            </a:r>
+            <a:r>
+              <a:rPr lang="en-US" altLang="ko-KR" dirty="0"/>
+              <a:t>.</a:t>
+            </a:r>
+          </a:p>
+          <a:p>
+            <a:endParaRPr lang="en-US" altLang="ko-KR" dirty="0"/>
+          </a:p>
+          <a:p>
+            <a:r>
+              <a:rPr lang="en-US" altLang="ko-KR" dirty="0" err="1"/>
+              <a:t>RegionManger</a:t>
+            </a:r>
+            <a:r>
+              <a:rPr lang="ko-KR" altLang="en-US" dirty="0"/>
+              <a:t>에서 제공하는 </a:t>
+            </a:r>
+            <a:r>
+              <a:rPr lang="en-US" altLang="ko-KR" dirty="0" err="1"/>
+              <a:t>RegionName</a:t>
+            </a:r>
+            <a:r>
+              <a:rPr lang="en-US" altLang="ko-KR" dirty="0"/>
+              <a:t> </a:t>
+            </a:r>
+            <a:r>
+              <a:rPr lang="ko-KR" altLang="en-US" dirty="0"/>
+              <a:t>속성은 컨트롤 속성에서 사용 되며 해당 </a:t>
+            </a:r>
+            <a:r>
+              <a:rPr lang="en-US" altLang="ko-KR" dirty="0" err="1"/>
+              <a:t>RegionName</a:t>
+            </a:r>
+            <a:r>
+              <a:rPr lang="ko-KR" altLang="en-US" dirty="0"/>
+              <a:t>의 </a:t>
+            </a:r>
+            <a:r>
+              <a:rPr lang="en-US" altLang="ko-KR" dirty="0"/>
+              <a:t>Region</a:t>
+            </a:r>
+            <a:r>
+              <a:rPr lang="ko-KR" altLang="en-US" dirty="0"/>
+              <a:t>을 </a:t>
+            </a:r>
+            <a:endParaRPr lang="en-US" altLang="ko-KR" dirty="0"/>
+          </a:p>
+          <a:p>
+            <a:r>
+              <a:rPr lang="ko-KR" altLang="en-US" dirty="0"/>
+              <a:t>연결한다</a:t>
+            </a:r>
+            <a:r>
+              <a:rPr lang="en-US" altLang="ko-KR" dirty="0"/>
+              <a:t>.</a:t>
+            </a:r>
+          </a:p>
+          <a:p>
+            <a:endParaRPr lang="en-US" altLang="ko-KR" dirty="0"/>
+          </a:p>
+          <a:p>
+            <a:r>
+              <a:rPr lang="ko-KR" altLang="en-US" dirty="0"/>
+              <a:t>또한 </a:t>
+            </a:r>
+            <a:r>
+              <a:rPr lang="en-US" altLang="ko-KR" dirty="0" err="1"/>
+              <a:t>RegionManger</a:t>
+            </a:r>
+            <a:r>
+              <a:rPr lang="ko-KR" altLang="en-US" dirty="0"/>
+              <a:t>는 </a:t>
+            </a:r>
+            <a:r>
+              <a:rPr lang="en-US" altLang="ko-KR" dirty="0" err="1"/>
+              <a:t>RegionAdapter</a:t>
+            </a:r>
+            <a:r>
+              <a:rPr lang="ko-KR" altLang="en-US" dirty="0"/>
+              <a:t>를 컨트롤에 매핑한다</a:t>
+            </a:r>
+            <a:r>
+              <a:rPr lang="en-US" altLang="ko-KR" dirty="0"/>
+              <a:t>.</a:t>
+            </a:r>
+          </a:p>
+        </p:txBody>
+      </p:sp>
+    </p:spTree>
+    <p:extLst>
+      <p:ext uri="{BB962C8B-B14F-4D97-AF65-F5344CB8AC3E}">
+        <p14:creationId xmlns:p14="http://schemas.microsoft.com/office/powerpoint/2010/main" val="532084617"/>
+      </p:ext>
+    </p:extLst>
+  </p:cSld>
+  <p:clrMapOvr>
+    <a:masterClrMapping/>
+  </p:clrMapOvr>
+  <p:timing>
+    <p:tnLst>
+      <p:par>
+        <p:cTn id="1" dur="indefinite" restart="never" nodeType="tmRoot"/>
+      </p:par>
+    </p:tnLst>
+  </p:timing>
+</p:sld>
+</file>
+
+<file path=ppt/slides/slide9.xml><?xml version="1.0" encoding="utf-8"?>
+<p:sld xmlns:a="http://schemas.openxmlformats.org/drawingml/2006/main" xmlns:r="http://schemas.openxmlformats.org/officeDocument/2006/relationships" xmlns:p="http://schemas.openxmlformats.org/presentationml/2006/main">
+  <p:cSld>
+    <p:spTree>
+      <p:nvGrpSpPr>
+        <p:cNvPr id="1" name=""/>
+        <p:cNvGrpSpPr/>
+        <p:nvPr/>
+      </p:nvGrpSpPr>
+      <p:grpSpPr>
+        <a:xfrm>
+          <a:off x="0" y="0"/>
+          <a:ext cx="0" cy="0"/>
+          <a:chOff x="0" y="0"/>
+          <a:chExt cx="0" cy="0"/>
+        </a:xfrm>
+      </p:grpSpPr>
+      <p:sp>
+        <p:nvSpPr>
+          <p:cNvPr id="4" name="TextBox 3"/>
+          <p:cNvSpPr txBox="1"/>
+          <p:nvPr/>
+        </p:nvSpPr>
+        <p:spPr>
+          <a:xfrm>
+            <a:off x="987711" y="1620836"/>
+            <a:ext cx="9299854" cy="1477328"/>
+          </a:xfrm>
+          <a:prstGeom prst="rect">
+            <a:avLst/>
+          </a:prstGeom>
+          <a:noFill/>
+        </p:spPr>
+        <p:txBody>
+          <a:bodyPr wrap="none" rtlCol="0">
+            <a:spAutoFit/>
+          </a:bodyPr>
+          <a:lstStyle/>
+          <a:p>
+            <a:r>
+              <a:rPr lang="en-US" altLang="ko-KR" dirty="0" smtClean="0"/>
+              <a:t>Region</a:t>
+            </a:r>
+            <a:r>
+              <a:rPr lang="ko-KR" altLang="en-US" dirty="0" smtClean="0"/>
+              <a:t>과 </a:t>
+            </a:r>
+            <a:r>
+              <a:rPr lang="en-US" altLang="ko-KR" dirty="0" smtClean="0"/>
+              <a:t>View</a:t>
+            </a:r>
+            <a:r>
+              <a:rPr lang="ko-KR" altLang="en-US" dirty="0" smtClean="0"/>
+              <a:t>를 </a:t>
+            </a:r>
+            <a:r>
+              <a:rPr lang="ko-KR" altLang="en-US" dirty="0" smtClean="0"/>
+              <a:t>연결해주는 역할을 한다</a:t>
+            </a:r>
+            <a:r>
+              <a:rPr lang="en-US" altLang="ko-KR" dirty="0" smtClean="0"/>
+              <a:t>.</a:t>
+            </a:r>
+          </a:p>
+          <a:p>
+            <a:endParaRPr lang="en-US" altLang="ko-KR" dirty="0" smtClean="0"/>
+          </a:p>
+          <a:p>
+            <a:r>
+              <a:rPr lang="en-US" altLang="ko-KR" dirty="0" err="1" smtClean="0"/>
+              <a:t>RegionAdapter</a:t>
+            </a:r>
+            <a:r>
+              <a:rPr lang="ko-KR" altLang="en-US" dirty="0" smtClean="0"/>
+              <a:t>는 </a:t>
+            </a:r>
+            <a:r>
+              <a:rPr lang="en-US" altLang="ko-KR" dirty="0" err="1" smtClean="0"/>
+              <a:t>RegionManager</a:t>
+            </a:r>
+            <a:r>
+              <a:rPr lang="ko-KR" altLang="en-US" dirty="0" smtClean="0"/>
+              <a:t>가 관리를 한다</a:t>
+            </a:r>
+            <a:r>
+              <a:rPr lang="en-US" altLang="ko-KR" dirty="0" smtClean="0"/>
+              <a:t>.</a:t>
+            </a:r>
+            <a:endParaRPr lang="en-US" altLang="ko-KR" dirty="0"/>
+          </a:p>
+          <a:p>
+            <a:endParaRPr lang="en-US" altLang="ko-KR" dirty="0"/>
+          </a:p>
+          <a:p>
+            <a:r>
+              <a:rPr lang="ko-KR" altLang="en-US" dirty="0" smtClean="0"/>
+              <a:t>기본적으로 연결을 지원해주는 컨트롤은 </a:t>
+            </a:r>
+            <a:r>
+              <a:rPr lang="en-US" altLang="ko-KR" dirty="0" err="1" smtClean="0"/>
+              <a:t>ContentControl</a:t>
+            </a:r>
+            <a:r>
+              <a:rPr lang="en-US" altLang="ko-KR" dirty="0" smtClean="0"/>
+              <a:t>, </a:t>
+            </a:r>
+            <a:r>
+              <a:rPr lang="en-US" altLang="ko-KR" dirty="0" err="1" smtClean="0"/>
+              <a:t>ItemsControl</a:t>
+            </a:r>
+            <a:r>
+              <a:rPr lang="en-US" altLang="ko-KR" dirty="0" smtClean="0"/>
+              <a:t>, Selector</a:t>
+            </a:r>
+            <a:r>
+              <a:rPr lang="ko-KR" altLang="en-US" dirty="0" smtClean="0"/>
+              <a:t>가 있다</a:t>
+            </a:r>
+            <a:r>
+              <a:rPr lang="en-US" altLang="ko-KR" dirty="0" smtClean="0"/>
+              <a:t>.</a:t>
+            </a:r>
+            <a:endParaRPr lang="en-US" altLang="ko-KR" dirty="0" smtClean="0"/>
+          </a:p>
+        </p:txBody>
+      </p:sp>
+      <p:sp>
+        <p:nvSpPr>
+          <p:cNvPr id="5" name="TextBox 4"/>
+          <p:cNvSpPr txBox="1"/>
+          <p:nvPr/>
+        </p:nvSpPr>
+        <p:spPr>
+          <a:xfrm>
+            <a:off x="449179" y="465221"/>
+            <a:ext cx="3858749" cy="707886"/>
           </a:xfrm>
           <a:prstGeom prst="rect">
             <a:avLst/>
@@ -4218,7 +5685,7 @@
                 <a:latin typeface="Arial" panose="020B0604020202020204" pitchFamily="34" charset="0"/>
                 <a:cs typeface="Arial" panose="020B0604020202020204" pitchFamily="34" charset="0"/>
               </a:rPr>
-              <a:t>RegionBehavior</a:t>
+              <a:t>RegionAdapter</a:t>
             </a:r>
             <a:endParaRPr lang="ko-KR" altLang="en-US" sz="4000" b="1" dirty="0">
               <a:solidFill>
@@ -4230,80 +5697,214 @@
           </a:p>
         </p:txBody>
       </p:sp>
-      <p:pic>
-        <p:nvPicPr>
-          <p:cNvPr id="2" name="그림 1"/>
-          <p:cNvPicPr>
-            <a:picLocks noChangeAspect="1"/>
-          </p:cNvPicPr>
+      <p:grpSp>
+        <p:nvGrpSpPr>
+          <p:cNvPr id="14" name="그룹 13"/>
+          <p:cNvGrpSpPr/>
           <p:nvPr/>
-        </p:nvPicPr>
-        <p:blipFill>
-          <a:blip r:embed="rId2"/>
-          <a:stretch>
-            <a:fillRect/>
-          </a:stretch>
-        </p:blipFill>
-        <p:spPr>
-          <a:xfrm>
-            <a:off x="2663688" y="1378619"/>
-            <a:ext cx="6944138" cy="5127978"/>
-          </a:xfrm>
-          <a:prstGeom prst="rect">
-            <a:avLst/>
-          </a:prstGeom>
-        </p:spPr>
-      </p:pic>
-      <p:sp>
-        <p:nvSpPr>
-          <p:cNvPr id="3" name="직사각형 2"/>
-          <p:cNvSpPr/>
-          <p:nvPr/>
-        </p:nvSpPr>
-        <p:spPr>
-          <a:xfrm>
-            <a:off x="2968487" y="4982817"/>
-            <a:ext cx="6493565" cy="1219200"/>
-          </a:xfrm>
-          <a:prstGeom prst="rect">
-            <a:avLst/>
-          </a:prstGeom>
-          <a:noFill/>
-          <a:ln w="50800">
+        </p:nvGrpSpPr>
+        <p:grpSpPr>
+          <a:xfrm>
+            <a:off x="987711" y="3693325"/>
+            <a:ext cx="10216579" cy="2566976"/>
+            <a:chOff x="946722" y="3693325"/>
+            <a:chExt cx="10216579" cy="2566976"/>
+          </a:xfrm>
+        </p:grpSpPr>
+        <p:pic>
+          <p:nvPicPr>
+            <p:cNvPr id="1026" name="Picture 2" descr="NOte에 대한 이미지 검색결과"/>
+            <p:cNvPicPr>
+              <a:picLocks noChangeAspect="1" noChangeArrowheads="1"/>
+            </p:cNvPicPr>
+            <p:nvPr/>
+          </p:nvPicPr>
+          <p:blipFill>
+            <a:blip r:embed="rId2" cstate="print">
+              <a:extLst>
+                <a:ext uri="{28A0092B-C50C-407E-A947-70E740481C1C}">
+                  <a14:useLocalDpi xmlns:a14="http://schemas.microsoft.com/office/drawing/2010/main" val="0"/>
+                </a:ext>
+              </a:extLst>
+            </a:blip>
+            <a:srcRect/>
+            <a:stretch>
+              <a:fillRect/>
+            </a:stretch>
+          </p:blipFill>
+          <p:spPr bwMode="auto">
+            <a:xfrm>
+              <a:off x="946722" y="4259549"/>
+              <a:ext cx="1434528" cy="1434528"/>
+            </a:xfrm>
+            <a:prstGeom prst="rect">
+              <a:avLst/>
+            </a:prstGeom>
+            <a:noFill/>
+            <a:extLst>
+              <a:ext uri="{909E8E84-426E-40DD-AFC4-6F175D3DCCD1}">
+                <a14:hiddenFill xmlns:a14="http://schemas.microsoft.com/office/drawing/2010/main">
+                  <a:solidFill>
+                    <a:srgbClr val="FFFFFF"/>
+                  </a:solidFill>
+                </a14:hiddenFill>
+              </a:ext>
+            </a:extLst>
+          </p:spPr>
+        </p:pic>
+        <p:pic>
+          <p:nvPicPr>
+            <p:cNvPr id="2" name="그림 1"/>
+            <p:cNvPicPr>
+              <a:picLocks noChangeAspect="1"/>
+            </p:cNvPicPr>
+            <p:nvPr/>
+          </p:nvPicPr>
+          <p:blipFill>
+            <a:blip r:embed="rId3"/>
+            <a:stretch>
+              <a:fillRect/>
+            </a:stretch>
+          </p:blipFill>
+          <p:spPr>
+            <a:xfrm>
+              <a:off x="7864587" y="3693325"/>
+              <a:ext cx="3298714" cy="2566976"/>
+            </a:xfrm>
+            <a:prstGeom prst="rect">
+              <a:avLst/>
+            </a:prstGeom>
+          </p:spPr>
+        </p:pic>
+        <p:sp>
+          <p:nvSpPr>
+            <p:cNvPr id="7" name="순서도: 수행의 시작/종료 6"/>
+            <p:cNvSpPr/>
+            <p:nvPr/>
+          </p:nvSpPr>
+          <p:spPr>
+            <a:xfrm>
+              <a:off x="4119094" y="4645551"/>
+              <a:ext cx="2007648" cy="662524"/>
+            </a:xfrm>
+            <a:prstGeom prst="flowChartTerminator">
+              <a:avLst/>
+            </a:prstGeom>
             <a:solidFill>
-              <a:srgbClr val="FF0000"/>
+              <a:schemeClr val="accent2"/>
             </a:solidFill>
-          </a:ln>
-        </p:spPr>
-        <p:style>
-          <a:lnRef idx="2">
-            <a:schemeClr val="accent1">
-              <a:shade val="50000"/>
-            </a:schemeClr>
-          </a:lnRef>
-          <a:fillRef idx="1">
-            <a:schemeClr val="accent1"/>
-          </a:fillRef>
-          <a:effectRef idx="0">
-            <a:schemeClr val="accent1"/>
-          </a:effectRef>
-          <a:fontRef idx="minor">
-            <a:schemeClr val="lt1"/>
-          </a:fontRef>
-        </p:style>
-        <p:txBody>
-          <a:bodyPr rtlCol="0" anchor="ctr"/>
-          <a:lstStyle/>
-          <a:p>
-            <a:pPr algn="ctr"/>
-            <a:endParaRPr lang="ko-KR" altLang="en-US"/>
-          </a:p>
-        </p:txBody>
-      </p:sp>
+            <a:ln>
+              <a:solidFill>
+                <a:srgbClr val="FF6600"/>
+              </a:solidFill>
+            </a:ln>
+          </p:spPr>
+          <p:style>
+            <a:lnRef idx="2">
+              <a:schemeClr val="accent1">
+                <a:shade val="50000"/>
+              </a:schemeClr>
+            </a:lnRef>
+            <a:fillRef idx="1">
+              <a:schemeClr val="accent1"/>
+            </a:fillRef>
+            <a:effectRef idx="0">
+              <a:schemeClr val="accent1"/>
+            </a:effectRef>
+            <a:fontRef idx="minor">
+              <a:schemeClr val="lt1"/>
+            </a:fontRef>
+          </p:style>
+          <p:txBody>
+            <a:bodyPr rtlCol="0" anchor="ctr"/>
+            <a:lstStyle/>
+            <a:p>
+              <a:pPr algn="ctr"/>
+              <a:r>
+                <a:rPr lang="en-US" altLang="ko-KR" dirty="0" err="1" smtClean="0"/>
+                <a:t>RegionAdapter</a:t>
+              </a:r>
+              <a:endParaRPr lang="ko-KR" altLang="en-US" dirty="0"/>
+            </a:p>
+          </p:txBody>
+        </p:sp>
+        <p:cxnSp>
+          <p:nvCxnSpPr>
+            <p:cNvPr id="13" name="직선 화살표 연결선 12"/>
+            <p:cNvCxnSpPr/>
+            <p:nvPr/>
+          </p:nvCxnSpPr>
+          <p:spPr>
+            <a:xfrm>
+              <a:off x="2755565" y="4976813"/>
+              <a:ext cx="989214" cy="0"/>
+            </a:xfrm>
+            <a:prstGeom prst="straightConnector1">
+              <a:avLst/>
+            </a:prstGeom>
+            <a:ln w="76200">
+              <a:solidFill>
+                <a:schemeClr val="accent2"/>
+              </a:solidFill>
+              <a:tailEnd type="triangle"/>
+            </a:ln>
+          </p:spPr>
+          <p:style>
+            <a:lnRef idx="1">
+              <a:schemeClr val="accent1"/>
+            </a:lnRef>
+            <a:fillRef idx="0">
+              <a:schemeClr val="accent1"/>
+            </a:fillRef>
+            <a:effectRef idx="0">
+              <a:schemeClr val="accent1"/>
+            </a:effectRef>
+            <a:fontRef idx="minor">
+              <a:schemeClr val="tx1"/>
+            </a:fontRef>
+          </p:style>
+        </p:cxnSp>
+        <p:cxnSp>
+          <p:nvCxnSpPr>
+            <p:cNvPr id="15" name="직선 화살표 연결선 14"/>
+            <p:cNvCxnSpPr/>
+            <p:nvPr/>
+          </p:nvCxnSpPr>
+          <p:spPr>
+            <a:xfrm>
+              <a:off x="6501057" y="4976813"/>
+              <a:ext cx="989214" cy="0"/>
+            </a:xfrm>
+            <a:prstGeom prst="straightConnector1">
+              <a:avLst/>
+            </a:prstGeom>
+            <a:ln w="76200">
+              <a:solidFill>
+                <a:schemeClr val="accent2"/>
+              </a:solidFill>
+              <a:tailEnd type="triangle"/>
+            </a:ln>
+          </p:spPr>
+          <p:style>
+            <a:lnRef idx="1">
+              <a:schemeClr val="accent1"/>
+            </a:lnRef>
+            <a:fillRef idx="0">
+              <a:schemeClr val="accent1"/>
+            </a:fillRef>
+            <a:effectRef idx="0">
+              <a:schemeClr val="accent1"/>
+            </a:effectRef>
+            <a:fontRef idx="minor">
+              <a:schemeClr val="tx1"/>
+            </a:fontRef>
+          </p:style>
+        </p:cxnSp>
+      </p:grpSp>
     </p:spTree>
     <p:extLst>
       <p:ext uri="{BB962C8B-B14F-4D97-AF65-F5344CB8AC3E}">
-        <p14:creationId xmlns:p14="http://schemas.microsoft.com/office/powerpoint/2010/main" val="3874720455"/>
+        <p14:creationId xmlns:p14="http://schemas.microsoft.com/office/powerpoint/2010/main" val="4137301230"/>
       </p:ext>
     </p:extLst>
   </p:cSld>

--- a/Prism.pptx
+++ b/Prism.pptx
@@ -8,20 +8,23 @@
     <p:sldId id="269" r:id="rId2"/>
     <p:sldId id="270" r:id="rId3"/>
     <p:sldId id="271" r:id="rId4"/>
-    <p:sldId id="272" r:id="rId5"/>
-    <p:sldId id="273" r:id="rId6"/>
-    <p:sldId id="274" r:id="rId7"/>
-    <p:sldId id="265" r:id="rId8"/>
-    <p:sldId id="267" r:id="rId9"/>
-    <p:sldId id="259" r:id="rId10"/>
-    <p:sldId id="268" r:id="rId11"/>
-    <p:sldId id="260" r:id="rId12"/>
-    <p:sldId id="261" r:id="rId13"/>
-    <p:sldId id="256" r:id="rId14"/>
-    <p:sldId id="264" r:id="rId15"/>
-    <p:sldId id="258" r:id="rId16"/>
-    <p:sldId id="263" r:id="rId17"/>
-    <p:sldId id="266" r:id="rId18"/>
+    <p:sldId id="275" r:id="rId5"/>
+    <p:sldId id="276" r:id="rId6"/>
+    <p:sldId id="277" r:id="rId7"/>
+    <p:sldId id="278" r:id="rId8"/>
+    <p:sldId id="272" r:id="rId9"/>
+    <p:sldId id="273" r:id="rId10"/>
+    <p:sldId id="274" r:id="rId11"/>
+    <p:sldId id="265" r:id="rId12"/>
+    <p:sldId id="267" r:id="rId13"/>
+    <p:sldId id="259" r:id="rId14"/>
+    <p:sldId id="260" r:id="rId15"/>
+    <p:sldId id="261" r:id="rId16"/>
+    <p:sldId id="256" r:id="rId17"/>
+    <p:sldId id="264" r:id="rId18"/>
+    <p:sldId id="258" r:id="rId19"/>
+    <p:sldId id="263" r:id="rId20"/>
+    <p:sldId id="266" r:id="rId21"/>
   </p:sldIdLst>
   <p:sldSz cx="12192000" cy="6858000"/>
   <p:notesSz cx="6858000" cy="9144000"/>
@@ -259,7 +262,7 @@
           <a:p>
             <a:fld id="{EC422CE4-524E-4E47-BDD0-171B419AE92D}" type="datetimeFigureOut">
               <a:rPr lang="ko-KR" altLang="en-US" smtClean="0"/>
-              <a:t>2017-03-24</a:t>
+              <a:t>2017-03-27</a:t>
             </a:fld>
             <a:endParaRPr lang="ko-KR" altLang="en-US"/>
           </a:p>
@@ -429,7 +432,7 @@
           <a:p>
             <a:fld id="{EC422CE4-524E-4E47-BDD0-171B419AE92D}" type="datetimeFigureOut">
               <a:rPr lang="ko-KR" altLang="en-US" smtClean="0"/>
-              <a:t>2017-03-24</a:t>
+              <a:t>2017-03-27</a:t>
             </a:fld>
             <a:endParaRPr lang="ko-KR" altLang="en-US"/>
           </a:p>
@@ -609,7 +612,7 @@
           <a:p>
             <a:fld id="{EC422CE4-524E-4E47-BDD0-171B419AE92D}" type="datetimeFigureOut">
               <a:rPr lang="ko-KR" altLang="en-US" smtClean="0"/>
-              <a:t>2017-03-24</a:t>
+              <a:t>2017-03-27</a:t>
             </a:fld>
             <a:endParaRPr lang="ko-KR" altLang="en-US"/>
           </a:p>
@@ -779,7 +782,7 @@
           <a:p>
             <a:fld id="{EC422CE4-524E-4E47-BDD0-171B419AE92D}" type="datetimeFigureOut">
               <a:rPr lang="ko-KR" altLang="en-US" smtClean="0"/>
-              <a:t>2017-03-24</a:t>
+              <a:t>2017-03-27</a:t>
             </a:fld>
             <a:endParaRPr lang="ko-KR" altLang="en-US"/>
           </a:p>
@@ -1025,7 +1028,7 @@
           <a:p>
             <a:fld id="{EC422CE4-524E-4E47-BDD0-171B419AE92D}" type="datetimeFigureOut">
               <a:rPr lang="ko-KR" altLang="en-US" smtClean="0"/>
-              <a:t>2017-03-24</a:t>
+              <a:t>2017-03-27</a:t>
             </a:fld>
             <a:endParaRPr lang="ko-KR" altLang="en-US"/>
           </a:p>
@@ -1257,7 +1260,7 @@
           <a:p>
             <a:fld id="{EC422CE4-524E-4E47-BDD0-171B419AE92D}" type="datetimeFigureOut">
               <a:rPr lang="ko-KR" altLang="en-US" smtClean="0"/>
-              <a:t>2017-03-24</a:t>
+              <a:t>2017-03-27</a:t>
             </a:fld>
             <a:endParaRPr lang="ko-KR" altLang="en-US"/>
           </a:p>
@@ -1624,7 +1627,7 @@
           <a:p>
             <a:fld id="{EC422CE4-524E-4E47-BDD0-171B419AE92D}" type="datetimeFigureOut">
               <a:rPr lang="ko-KR" altLang="en-US" smtClean="0"/>
-              <a:t>2017-03-24</a:t>
+              <a:t>2017-03-27</a:t>
             </a:fld>
             <a:endParaRPr lang="ko-KR" altLang="en-US"/>
           </a:p>
@@ -1742,7 +1745,7 @@
           <a:p>
             <a:fld id="{EC422CE4-524E-4E47-BDD0-171B419AE92D}" type="datetimeFigureOut">
               <a:rPr lang="ko-KR" altLang="en-US" smtClean="0"/>
-              <a:t>2017-03-24</a:t>
+              <a:t>2017-03-27</a:t>
             </a:fld>
             <a:endParaRPr lang="ko-KR" altLang="en-US"/>
           </a:p>
@@ -1837,7 +1840,7 @@
           <a:p>
             <a:fld id="{EC422CE4-524E-4E47-BDD0-171B419AE92D}" type="datetimeFigureOut">
               <a:rPr lang="ko-KR" altLang="en-US" smtClean="0"/>
-              <a:t>2017-03-24</a:t>
+              <a:t>2017-03-27</a:t>
             </a:fld>
             <a:endParaRPr lang="ko-KR" altLang="en-US"/>
           </a:p>
@@ -2114,7 +2117,7 @@
           <a:p>
             <a:fld id="{EC422CE4-524E-4E47-BDD0-171B419AE92D}" type="datetimeFigureOut">
               <a:rPr lang="ko-KR" altLang="en-US" smtClean="0"/>
-              <a:t>2017-03-24</a:t>
+              <a:t>2017-03-27</a:t>
             </a:fld>
             <a:endParaRPr lang="ko-KR" altLang="en-US"/>
           </a:p>
@@ -2367,7 +2370,7 @@
           <a:p>
             <a:fld id="{EC422CE4-524E-4E47-BDD0-171B419AE92D}" type="datetimeFigureOut">
               <a:rPr lang="ko-KR" altLang="en-US" smtClean="0"/>
-              <a:t>2017-03-24</a:t>
+              <a:t>2017-03-27</a:t>
             </a:fld>
             <a:endParaRPr lang="ko-KR" altLang="en-US"/>
           </a:p>
@@ -2580,7 +2583,7 @@
           <a:p>
             <a:fld id="{EC422CE4-524E-4E47-BDD0-171B419AE92D}" type="datetimeFigureOut">
               <a:rPr lang="ko-KR" altLang="en-US" smtClean="0"/>
-              <a:t>2017-03-24</a:t>
+              <a:t>2017-03-27</a:t>
             </a:fld>
             <a:endParaRPr lang="ko-KR" altLang="en-US"/>
           </a:p>
@@ -2994,7 +2997,7 @@
         <p:spPr>
           <a:xfrm>
             <a:off x="449179" y="465221"/>
-            <a:ext cx="5769528" cy="707886"/>
+            <a:ext cx="6082114" cy="707886"/>
           </a:xfrm>
           <a:prstGeom prst="rect">
             <a:avLst/>
@@ -3015,7 +3018,7 @@
                 <a:latin typeface="Arial" panose="020B0604020202020204" pitchFamily="34" charset="0"/>
                 <a:cs typeface="Arial" panose="020B0604020202020204" pitchFamily="34" charset="0"/>
               </a:rPr>
-              <a:t>INotifyPropertyChange</a:t>
+              <a:t>INotifyPropertyChanged</a:t>
             </a:r>
             <a:endParaRPr lang="ko-KR" altLang="en-US" sz="4000" b="1" dirty="0">
               <a:solidFill>
@@ -3035,8 +3038,8 @@
         </p:nvSpPr>
         <p:spPr>
           <a:xfrm>
-            <a:off x="987711" y="1620836"/>
-            <a:ext cx="6882782" cy="369332"/>
+            <a:off x="987711" y="1933986"/>
+            <a:ext cx="8931869" cy="1477328"/>
           </a:xfrm>
           <a:prstGeom prst="rect">
             <a:avLst/>
@@ -3050,18 +3053,124 @@
           <a:lstStyle/>
           <a:p>
             <a:r>
+              <a:rPr lang="en-US" altLang="ko-KR" dirty="0" err="1"/>
+              <a:t>ViewModel</a:t>
+            </a:r>
+            <a:r>
+              <a:rPr lang="ko-KR" altLang="en-US" dirty="0"/>
+              <a:t>에서 </a:t>
+            </a:r>
+            <a:r>
+              <a:rPr lang="en-US" altLang="ko-KR" dirty="0"/>
+              <a:t>Property</a:t>
+            </a:r>
+            <a:r>
+              <a:rPr lang="ko-KR" altLang="en-US" dirty="0"/>
+              <a:t>가 변경 </a:t>
+            </a:r>
+            <a:r>
+              <a:rPr lang="ko-KR" altLang="en-US" dirty="0" smtClean="0"/>
+              <a:t>되었을 때</a:t>
+            </a:r>
+            <a:r>
               <a:rPr lang="en-US" altLang="ko-KR" dirty="0" smtClean="0"/>
-              <a:t>property</a:t>
+              <a:t>View(XAML)</a:t>
             </a:r>
             <a:r>
               <a:rPr lang="ko-KR" altLang="en-US" dirty="0" smtClean="0"/>
-              <a:t>가 변경된 것은 클라이언트에게 통지하기 위해 사용된다</a:t>
-            </a:r>
-            <a:r>
-              <a:rPr lang="en-US" altLang="ko-KR" smtClean="0"/>
+              <a:t>에 알려주기 위해 사용한다</a:t>
+            </a:r>
+            <a:r>
+              <a:rPr lang="en-US" altLang="ko-KR" dirty="0" smtClean="0"/>
               <a:t>.</a:t>
             </a:r>
+            <a:endParaRPr lang="en-US" altLang="ko-KR" dirty="0" smtClean="0"/>
+          </a:p>
+          <a:p>
             <a:endParaRPr lang="en-US" altLang="ko-KR" dirty="0"/>
+          </a:p>
+          <a:p>
+            <a:r>
+              <a:rPr lang="en-US" altLang="ko-KR" dirty="0" err="1" smtClean="0"/>
+              <a:t>PropertyChanged</a:t>
+            </a:r>
+            <a:r>
+              <a:rPr lang="ko-KR" altLang="en-US" dirty="0" smtClean="0"/>
+              <a:t>라는 </a:t>
+            </a:r>
+            <a:r>
+              <a:rPr lang="en-US" altLang="ko-KR" dirty="0" smtClean="0"/>
+              <a:t>delegate </a:t>
+            </a:r>
+            <a:r>
+              <a:rPr lang="ko-KR" altLang="en-US" dirty="0" smtClean="0"/>
+              <a:t>함수 객체를 통하여 </a:t>
+            </a:r>
+            <a:r>
+              <a:rPr lang="en-US" altLang="ko-KR" dirty="0" smtClean="0"/>
+              <a:t>Property </a:t>
+            </a:r>
+            <a:r>
+              <a:rPr lang="ko-KR" altLang="en-US" dirty="0" smtClean="0"/>
+              <a:t>값을 </a:t>
+            </a:r>
+            <a:r>
+              <a:rPr lang="en-US" altLang="ko-KR" dirty="0" smtClean="0"/>
+              <a:t>View</a:t>
+            </a:r>
+            <a:r>
+              <a:rPr lang="ko-KR" altLang="en-US" dirty="0" smtClean="0"/>
+              <a:t>에 알려준다</a:t>
+            </a:r>
+            <a:r>
+              <a:rPr lang="en-US" altLang="ko-KR" dirty="0" smtClean="0"/>
+              <a:t>.</a:t>
+            </a:r>
+          </a:p>
+          <a:p>
+            <a:endParaRPr lang="en-US" altLang="ko-KR" dirty="0"/>
+          </a:p>
+          <a:p>
+            <a:r>
+              <a:rPr lang="ko-KR" altLang="en-US" dirty="0" smtClean="0"/>
+              <a:t>이때 </a:t>
+            </a:r>
+            <a:r>
+              <a:rPr lang="en-US" altLang="ko-KR" dirty="0" smtClean="0"/>
+              <a:t>View</a:t>
+            </a:r>
+            <a:r>
+              <a:rPr lang="ko-KR" altLang="en-US" dirty="0" smtClean="0"/>
+              <a:t>는 </a:t>
+            </a:r>
+            <a:r>
+              <a:rPr lang="en-US" altLang="ko-KR" dirty="0" smtClean="0"/>
+              <a:t>Control</a:t>
+            </a:r>
+            <a:r>
+              <a:rPr lang="ko-KR" altLang="en-US" dirty="0" smtClean="0"/>
+              <a:t>에 </a:t>
+            </a:r>
+            <a:r>
+              <a:rPr lang="en-US" altLang="ko-KR" dirty="0" smtClean="0"/>
+              <a:t>Binding</a:t>
+            </a:r>
+            <a:r>
+              <a:rPr lang="ko-KR" altLang="en-US" dirty="0" smtClean="0"/>
+              <a:t>을 통하여 </a:t>
+            </a:r>
+            <a:r>
+              <a:rPr lang="en-US" altLang="ko-KR" dirty="0" smtClean="0"/>
+              <a:t>Property</a:t>
+            </a:r>
+            <a:r>
+              <a:rPr lang="ko-KR" altLang="en-US" dirty="0" smtClean="0"/>
+              <a:t>를 사용할 수 있게 한다</a:t>
+            </a:r>
+            <a:r>
+              <a:rPr lang="en-US" altLang="ko-KR" dirty="0" smtClean="0"/>
+              <a:t>.</a:t>
+            </a:r>
           </a:p>
         </p:txBody>
       </p:sp>
@@ -3104,93 +3213,6 @@
       </p:grpSpPr>
       <p:sp>
         <p:nvSpPr>
-          <p:cNvPr id="4" name="TextBox 3"/>
-          <p:cNvSpPr txBox="1"/>
-          <p:nvPr/>
-        </p:nvSpPr>
-        <p:spPr>
-          <a:xfrm>
-            <a:off x="449179" y="1620836"/>
-            <a:ext cx="10031144" cy="923330"/>
-          </a:xfrm>
-          <a:prstGeom prst="rect">
-            <a:avLst/>
-          </a:prstGeom>
-          <a:noFill/>
-        </p:spPr>
-        <p:txBody>
-          <a:bodyPr wrap="none" rtlCol="0">
-            <a:spAutoFit/>
-          </a:bodyPr>
-          <a:lstStyle/>
-          <a:p>
-            <a:r>
-              <a:rPr lang="en-US" altLang="ko-KR" dirty="0" err="1" smtClean="0"/>
-              <a:t>Region</a:t>
-            </a:r>
-            <a:r>
-              <a:rPr lang="en-US" altLang="ko-KR" dirty="0" err="1" smtClean="0"/>
-              <a:t>AdapterBase</a:t>
-            </a:r>
-            <a:r>
-              <a:rPr lang="en-US" altLang="ko-KR" dirty="0" smtClean="0"/>
-              <a:t>&lt;T&gt;</a:t>
-            </a:r>
-            <a:r>
-              <a:rPr lang="ko-KR" altLang="en-US" dirty="0" smtClean="0"/>
-              <a:t>는 추상 클래스이고 </a:t>
-            </a:r>
-            <a:r>
-              <a:rPr lang="en-US" altLang="ko-KR" dirty="0" err="1" smtClean="0"/>
-              <a:t>RegionManager</a:t>
-            </a:r>
-            <a:r>
-              <a:rPr lang="ko-KR" altLang="en-US" dirty="0" smtClean="0"/>
-              <a:t>는 </a:t>
-            </a:r>
-            <a:r>
-              <a:rPr lang="en-US" altLang="ko-KR" dirty="0" err="1" smtClean="0"/>
-              <a:t>RegionAdapter</a:t>
-            </a:r>
-            <a:r>
-              <a:rPr lang="ko-KR" altLang="en-US" dirty="0" smtClean="0"/>
-              <a:t>들을 </a:t>
-            </a:r>
-            <a:r>
-              <a:rPr lang="ko-KR" altLang="en-US" dirty="0" err="1" smtClean="0"/>
-              <a:t>맵핑한다</a:t>
-            </a:r>
-            <a:r>
-              <a:rPr lang="en-US" altLang="ko-KR" dirty="0" smtClean="0"/>
-              <a:t>.</a:t>
-            </a:r>
-          </a:p>
-          <a:p>
-            <a:endParaRPr lang="en-US" altLang="ko-KR" dirty="0"/>
-          </a:p>
-          <a:p>
-            <a:r>
-              <a:rPr lang="ko-KR" altLang="en-US" dirty="0" smtClean="0"/>
-              <a:t>그렇기때문에 개발자가 </a:t>
-            </a:r>
-            <a:r>
-              <a:rPr lang="en-US" altLang="ko-KR" dirty="0" err="1" smtClean="0"/>
-              <a:t>RegionAdapter</a:t>
-            </a:r>
-            <a:r>
-              <a:rPr lang="en-US" altLang="ko-KR" dirty="0" smtClean="0"/>
-              <a:t>&lt;T&gt;</a:t>
-            </a:r>
-            <a:r>
-              <a:rPr lang="ko-KR" altLang="en-US" dirty="0" smtClean="0"/>
-              <a:t>를 상속받은 클래스를 만들</a:t>
-            </a:r>
-            <a:endParaRPr lang="en-US" altLang="ko-KR" dirty="0" smtClean="0"/>
-          </a:p>
-        </p:txBody>
-      </p:sp>
-      <p:sp>
-        <p:nvSpPr>
           <p:cNvPr id="5" name="TextBox 4"/>
           <p:cNvSpPr txBox="1"/>
           <p:nvPr/>
@@ -3198,7 +3220,7 @@
         <p:spPr>
           <a:xfrm>
             <a:off x="449179" y="465221"/>
-            <a:ext cx="3858749" cy="707886"/>
+            <a:ext cx="3575018" cy="707886"/>
           </a:xfrm>
           <a:prstGeom prst="rect">
             <a:avLst/>
@@ -3219,7 +3241,7 @@
                 <a:latin typeface="Arial" panose="020B0604020202020204" pitchFamily="34" charset="0"/>
                 <a:cs typeface="Arial" panose="020B0604020202020204" pitchFamily="34" charset="0"/>
               </a:rPr>
-              <a:t>RegionAdapter</a:t>
+              <a:t>BindableBase</a:t>
             </a:r>
             <a:endParaRPr lang="ko-KR" altLang="en-US" sz="4000" b="1" dirty="0">
               <a:solidFill>
@@ -3233,49 +3255,32 @@
       </p:sp>
       <p:pic>
         <p:nvPicPr>
-          <p:cNvPr id="1026" name="Picture 2" descr="NOte에 대한 이미지 검색결과"/>
+          <p:cNvPr id="4" name="그림 3"/>
           <p:cNvPicPr>
-            <a:picLocks noChangeAspect="1" noChangeArrowheads="1"/>
+            <a:picLocks noChangeAspect="1"/>
           </p:cNvPicPr>
           <p:nvPr/>
         </p:nvPicPr>
         <p:blipFill>
-          <a:blip r:embed="rId2" cstate="print">
-            <a:extLst>
-              <a:ext uri="{28A0092B-C50C-407E-A947-70E740481C1C}">
-                <a14:useLocalDpi xmlns:a14="http://schemas.microsoft.com/office/drawing/2010/main" val="0"/>
-              </a:ext>
-            </a:extLst>
-          </a:blip>
-          <a:srcRect/>
+          <a:blip r:embed="rId2"/>
           <a:stretch>
             <a:fillRect/>
           </a:stretch>
         </p:blipFill>
-        <p:spPr bwMode="auto">
-          <a:xfrm>
-            <a:off x="946722" y="4259549"/>
-            <a:ext cx="1434528" cy="1434528"/>
+        <p:spPr>
+          <a:xfrm>
+            <a:off x="3737263" y="1315941"/>
+            <a:ext cx="4717474" cy="5377432"/>
           </a:xfrm>
           <a:prstGeom prst="rect">
             <a:avLst/>
           </a:prstGeom>
-          <a:noFill/>
-          <a:extLst>
-            <a:ext uri="{909E8E84-426E-40DD-AFC4-6F175D3DCCD1}">
-              <a14:hiddenFill xmlns:a14="http://schemas.microsoft.com/office/drawing/2010/main">
-                <a:solidFill>
-                  <a:srgbClr val="FFFFFF"/>
-                </a:solidFill>
-              </a14:hiddenFill>
-            </a:ext>
-          </a:extLst>
         </p:spPr>
       </p:pic>
     </p:spTree>
     <p:extLst>
       <p:ext uri="{BB962C8B-B14F-4D97-AF65-F5344CB8AC3E}">
-        <p14:creationId xmlns:p14="http://schemas.microsoft.com/office/powerpoint/2010/main" val="1497207273"/>
+        <p14:creationId xmlns:p14="http://schemas.microsoft.com/office/powerpoint/2010/main" val="4209345394"/>
       </p:ext>
     </p:extLst>
   </p:cSld>
@@ -3318,7 +3323,7 @@
         <p:spPr>
           <a:xfrm>
             <a:off x="449179" y="465221"/>
-            <a:ext cx="5910592" cy="707886"/>
+            <a:ext cx="1920719" cy="707886"/>
           </a:xfrm>
           <a:prstGeom prst="rect">
             <a:avLst/>
@@ -3339,17 +3344,7 @@
                 <a:latin typeface="Arial" panose="020B0604020202020204" pitchFamily="34" charset="0"/>
                 <a:cs typeface="Arial" panose="020B0604020202020204" pitchFamily="34" charset="0"/>
               </a:rPr>
-              <a:t>Custom </a:t>
-            </a:r>
-            <a:r>
-              <a:rPr lang="en-US" altLang="ko-KR" sz="4000" b="1" dirty="0" err="1" smtClean="0">
-                <a:solidFill>
-                  <a:schemeClr val="accent1"/>
-                </a:solidFill>
-                <a:latin typeface="Arial" panose="020B0604020202020204" pitchFamily="34" charset="0"/>
-                <a:cs typeface="Arial" panose="020B0604020202020204" pitchFamily="34" charset="0"/>
-              </a:rPr>
-              <a:t>RegionAdapter</a:t>
+              <a:t>Region</a:t>
             </a:r>
             <a:endParaRPr lang="ko-KR" altLang="en-US" sz="4000" b="1" dirty="0">
               <a:solidFill>
@@ -3377,18 +3372,135 @@
         </p:blipFill>
         <p:spPr>
           <a:xfrm>
-            <a:off x="2209800" y="1340034"/>
-            <a:ext cx="7772400" cy="5346332"/>
+            <a:off x="3102145" y="2975741"/>
+            <a:ext cx="5644810" cy="3581398"/>
           </a:xfrm>
           <a:prstGeom prst="rect">
             <a:avLst/>
           </a:prstGeom>
         </p:spPr>
       </p:pic>
+      <p:sp>
+        <p:nvSpPr>
+          <p:cNvPr id="6" name="TextBox 5"/>
+          <p:cNvSpPr txBox="1"/>
+          <p:nvPr/>
+        </p:nvSpPr>
+        <p:spPr>
+          <a:xfrm>
+            <a:off x="987711" y="1620836"/>
+            <a:ext cx="8738290" cy="1477328"/>
+          </a:xfrm>
+          <a:prstGeom prst="rect">
+            <a:avLst/>
+          </a:prstGeom>
+          <a:noFill/>
+        </p:spPr>
+        <p:txBody>
+          <a:bodyPr wrap="none" rtlCol="0">
+            <a:spAutoFit/>
+          </a:bodyPr>
+          <a:lstStyle/>
+          <a:p>
+            <a:r>
+              <a:rPr lang="ko-KR" altLang="en-US" dirty="0"/>
+              <a:t>동적인 </a:t>
+            </a:r>
+            <a:r>
+              <a:rPr lang="en-US" altLang="ko-KR" dirty="0"/>
+              <a:t>View</a:t>
+            </a:r>
+            <a:r>
+              <a:rPr lang="ko-KR" altLang="en-US" dirty="0"/>
+              <a:t>의 </a:t>
+            </a:r>
+            <a:r>
+              <a:rPr lang="en-US" altLang="ko-KR" dirty="0" err="1"/>
+              <a:t>PlaceHolder</a:t>
+            </a:r>
+            <a:r>
+              <a:rPr lang="ko-KR" altLang="en-US" dirty="0"/>
+              <a:t>로 </a:t>
+            </a:r>
+            <a:r>
+              <a:rPr lang="en-US" altLang="ko-KR" dirty="0"/>
+              <a:t>UI</a:t>
+            </a:r>
+            <a:r>
+              <a:rPr lang="ko-KR" altLang="en-US" dirty="0"/>
+              <a:t>나 </a:t>
+            </a:r>
+            <a:r>
+              <a:rPr lang="en-US" altLang="ko-KR" dirty="0"/>
+              <a:t>Shell</a:t>
+            </a:r>
+            <a:r>
+              <a:rPr lang="ko-KR" altLang="en-US" dirty="0"/>
+              <a:t>로 표현 할 수 있는 것</a:t>
+            </a:r>
+            <a:endParaRPr lang="en-US" altLang="ko-KR" dirty="0"/>
+          </a:p>
+          <a:p>
+            <a:endParaRPr lang="en-US" altLang="ko-KR" dirty="0"/>
+          </a:p>
+          <a:p>
+            <a:r>
+              <a:rPr lang="ko-KR" altLang="en-US" dirty="0"/>
+              <a:t>단순히 </a:t>
+            </a:r>
+            <a:r>
+              <a:rPr lang="en-US" altLang="ko-KR" dirty="0"/>
+              <a:t>View</a:t>
+            </a:r>
+            <a:r>
+              <a:rPr lang="ko-KR" altLang="en-US" dirty="0"/>
+              <a:t>가 표시되는 곳을 정의하기 위해 </a:t>
+            </a:r>
+            <a:r>
+              <a:rPr lang="en-US" altLang="ko-KR" dirty="0"/>
+              <a:t>View </a:t>
+            </a:r>
+            <a:r>
+              <a:rPr lang="ko-KR" altLang="en-US" dirty="0"/>
+              <a:t>붙을 위치에 이름으로 정의한다</a:t>
+            </a:r>
+            <a:r>
+              <a:rPr lang="en-US" altLang="ko-KR" dirty="0" smtClean="0"/>
+              <a:t>.</a:t>
+            </a:r>
+          </a:p>
+          <a:p>
+            <a:endParaRPr lang="en-US" altLang="ko-KR" dirty="0" smtClean="0"/>
+          </a:p>
+          <a:p>
+            <a:r>
+              <a:rPr lang="en-US" altLang="ko-KR" dirty="0" smtClean="0"/>
+              <a:t>View</a:t>
+            </a:r>
+            <a:r>
+              <a:rPr lang="ko-KR" altLang="en-US" dirty="0" smtClean="0"/>
+              <a:t>가 해당 이름의 </a:t>
+            </a:r>
+            <a:r>
+              <a:rPr lang="en-US" altLang="ko-KR" dirty="0" smtClean="0"/>
+              <a:t>Region</a:t>
+            </a:r>
+            <a:r>
+              <a:rPr lang="ko-KR" altLang="en-US" dirty="0" smtClean="0"/>
+              <a:t>에 붙는다</a:t>
+            </a:r>
+            <a:r>
+              <a:rPr lang="en-US" altLang="ko-KR" dirty="0" smtClean="0"/>
+              <a:t>.</a:t>
+            </a:r>
+            <a:endParaRPr lang="en-US" altLang="ko-KR" dirty="0"/>
+          </a:p>
+        </p:txBody>
+      </p:sp>
     </p:spTree>
     <p:extLst>
       <p:ext uri="{BB962C8B-B14F-4D97-AF65-F5344CB8AC3E}">
-        <p14:creationId xmlns:p14="http://schemas.microsoft.com/office/powerpoint/2010/main" val="1194327983"/>
+        <p14:creationId xmlns:p14="http://schemas.microsoft.com/office/powerpoint/2010/main" val="1931481033"/>
       </p:ext>
     </p:extLst>
   </p:cSld>
@@ -3431,7 +3543,7 @@
         <p:spPr>
           <a:xfrm>
             <a:off x="449179" y="465221"/>
-            <a:ext cx="4770858" cy="707886"/>
+            <a:ext cx="3887603" cy="707886"/>
           </a:xfrm>
           <a:prstGeom prst="rect">
             <a:avLst/>
@@ -3445,24 +3557,14 @@
           <a:lstStyle/>
           <a:p>
             <a:r>
-              <a:rPr lang="en-US" altLang="ko-KR" sz="4000" b="1" dirty="0" err="1">
+              <a:rPr lang="en-US" altLang="ko-KR" sz="4000" b="1" dirty="0" smtClean="0">
                 <a:solidFill>
                   <a:schemeClr val="accent1"/>
                 </a:solidFill>
                 <a:latin typeface="Arial" panose="020B0604020202020204" pitchFamily="34" charset="0"/>
                 <a:cs typeface="Arial" panose="020B0604020202020204" pitchFamily="34" charset="0"/>
               </a:rPr>
-              <a:t>RegionAdapter</a:t>
-            </a:r>
-            <a:r>
-              <a:rPr lang="en-US" altLang="ko-KR" sz="4000" b="1" dirty="0">
-                <a:solidFill>
-                  <a:schemeClr val="accent1"/>
-                </a:solidFill>
-                <a:latin typeface="Arial" panose="020B0604020202020204" pitchFamily="34" charset="0"/>
-                <a:cs typeface="Arial" panose="020B0604020202020204" pitchFamily="34" charset="0"/>
-              </a:rPr>
-              <a:t>&lt;T&gt;</a:t>
+              <a:t>Region Manger</a:t>
             </a:r>
             <a:endParaRPr lang="ko-KR" altLang="en-US" sz="4000" b="1" dirty="0">
               <a:solidFill>
@@ -3474,80 +3576,144 @@
           </a:p>
         </p:txBody>
       </p:sp>
-      <p:pic>
-        <p:nvPicPr>
-          <p:cNvPr id="3" name="그림 2"/>
-          <p:cNvPicPr>
-            <a:picLocks noChangeAspect="1"/>
-          </p:cNvPicPr>
+      <p:sp>
+        <p:nvSpPr>
+          <p:cNvPr id="8" name="TextBox 7"/>
+          <p:cNvSpPr txBox="1"/>
           <p:nvPr/>
-        </p:nvPicPr>
-        <p:blipFill>
-          <a:blip r:embed="rId2"/>
-          <a:stretch>
-            <a:fillRect/>
-          </a:stretch>
-        </p:blipFill>
-        <p:spPr>
-          <a:xfrm>
-            <a:off x="1382037" y="1925685"/>
-            <a:ext cx="9427926" cy="4209128"/>
-          </a:xfrm>
-          <a:prstGeom prst="rect">
-            <a:avLst/>
-          </a:prstGeom>
-        </p:spPr>
-      </p:pic>
-      <p:sp>
-        <p:nvSpPr>
-          <p:cNvPr id="4" name="직사각형 3"/>
-          <p:cNvSpPr/>
-          <p:nvPr/>
-        </p:nvSpPr>
-        <p:spPr>
-          <a:xfrm>
-            <a:off x="1741118" y="4446740"/>
-            <a:ext cx="8981161" cy="1440493"/>
+        </p:nvSpPr>
+        <p:spPr>
+          <a:xfrm>
+            <a:off x="987711" y="1620836"/>
+            <a:ext cx="10539937" cy="1754326"/>
           </a:xfrm>
           <a:prstGeom prst="rect">
             <a:avLst/>
           </a:prstGeom>
           <a:noFill/>
-          <a:ln w="50800">
-            <a:solidFill>
-              <a:srgbClr val="FF0000"/>
-            </a:solidFill>
-          </a:ln>
-        </p:spPr>
-        <p:style>
-          <a:lnRef idx="2">
-            <a:schemeClr val="accent1">
-              <a:shade val="50000"/>
-            </a:schemeClr>
-          </a:lnRef>
-          <a:fillRef idx="1">
-            <a:schemeClr val="accent1"/>
-          </a:fillRef>
-          <a:effectRef idx="0">
-            <a:schemeClr val="accent1"/>
-          </a:effectRef>
-          <a:fontRef idx="minor">
-            <a:schemeClr val="lt1"/>
-          </a:fontRef>
-        </p:style>
-        <p:txBody>
-          <a:bodyPr rtlCol="0" anchor="ctr"/>
-          <a:lstStyle/>
-          <a:p>
-            <a:pPr algn="ctr"/>
-            <a:endParaRPr lang="ko-KR" altLang="en-US"/>
+        </p:spPr>
+        <p:txBody>
+          <a:bodyPr wrap="none" rtlCol="0">
+            <a:spAutoFit/>
+          </a:bodyPr>
+          <a:lstStyle/>
+          <a:p>
+            <a:r>
+              <a:rPr lang="en-US" altLang="ko-KR" dirty="0"/>
+              <a:t>Region</a:t>
+            </a:r>
+            <a:r>
+              <a:rPr lang="ko-KR" altLang="en-US" dirty="0"/>
+              <a:t>들을 관리하는 역할을 하며 </a:t>
+            </a:r>
+            <a:r>
+              <a:rPr lang="en-US" altLang="ko-KR" dirty="0"/>
+              <a:t>Region </a:t>
+            </a:r>
+            <a:r>
+              <a:rPr lang="ko-KR" altLang="en-US" dirty="0"/>
+              <a:t>컬렉션을 유지하고 새로운 </a:t>
+            </a:r>
+            <a:r>
+              <a:rPr lang="en-US" altLang="ko-KR" dirty="0" err="1"/>
+              <a:t>Regiond</a:t>
+            </a:r>
+            <a:r>
+              <a:rPr lang="ko-KR" altLang="en-US" dirty="0"/>
+              <a:t>의 생성을 제어한다</a:t>
+            </a:r>
+            <a:r>
+              <a:rPr lang="en-US" altLang="ko-KR" dirty="0"/>
+              <a:t>.</a:t>
+            </a:r>
+          </a:p>
+          <a:p>
+            <a:endParaRPr lang="en-US" altLang="ko-KR" dirty="0"/>
+          </a:p>
+          <a:p>
+            <a:r>
+              <a:rPr lang="en-US" altLang="ko-KR" dirty="0" err="1"/>
+              <a:t>RegionManger</a:t>
+            </a:r>
+            <a:r>
+              <a:rPr lang="ko-KR" altLang="en-US" dirty="0"/>
+              <a:t>에서 제공하는 </a:t>
+            </a:r>
+            <a:r>
+              <a:rPr lang="en-US" altLang="ko-KR" dirty="0" err="1"/>
+              <a:t>RegionName</a:t>
+            </a:r>
+            <a:r>
+              <a:rPr lang="en-US" altLang="ko-KR" dirty="0"/>
+              <a:t> </a:t>
+            </a:r>
+            <a:r>
+              <a:rPr lang="ko-KR" altLang="en-US" dirty="0"/>
+              <a:t>속성은 컨트롤 속성에서 사용 되며 해당 </a:t>
+            </a:r>
+            <a:r>
+              <a:rPr lang="en-US" altLang="ko-KR" dirty="0" err="1"/>
+              <a:t>RegionName</a:t>
+            </a:r>
+            <a:r>
+              <a:rPr lang="ko-KR" altLang="en-US" dirty="0"/>
+              <a:t>의 </a:t>
+            </a:r>
+            <a:endParaRPr lang="en-US" altLang="ko-KR" dirty="0" smtClean="0"/>
+          </a:p>
+          <a:p>
+            <a:r>
+              <a:rPr lang="en-US" altLang="ko-KR" dirty="0" smtClean="0"/>
+              <a:t>Region</a:t>
+            </a:r>
+            <a:r>
+              <a:rPr lang="ko-KR" altLang="en-US" dirty="0"/>
+              <a:t>을 </a:t>
+            </a:r>
+            <a:r>
+              <a:rPr lang="ko-KR" altLang="en-US" dirty="0" smtClean="0"/>
+              <a:t>연결한다</a:t>
+            </a:r>
+            <a:r>
+              <a:rPr lang="en-US" altLang="ko-KR" dirty="0"/>
+              <a:t>.</a:t>
+            </a:r>
+          </a:p>
+          <a:p>
+            <a:endParaRPr lang="en-US" altLang="ko-KR" dirty="0"/>
+          </a:p>
+          <a:p>
+            <a:r>
+              <a:rPr lang="ko-KR" altLang="en-US" dirty="0"/>
+              <a:t>또한 </a:t>
+            </a:r>
+            <a:r>
+              <a:rPr lang="en-US" altLang="ko-KR" dirty="0" err="1"/>
+              <a:t>RegionManger</a:t>
+            </a:r>
+            <a:r>
+              <a:rPr lang="ko-KR" altLang="en-US" dirty="0"/>
+              <a:t>는 </a:t>
+            </a:r>
+            <a:r>
+              <a:rPr lang="en-US" altLang="ko-KR" dirty="0" err="1"/>
+              <a:t>RegionAdapter</a:t>
+            </a:r>
+            <a:r>
+              <a:rPr lang="ko-KR" altLang="en-US" dirty="0"/>
+              <a:t>를 컨트롤에 매핑한다</a:t>
+            </a:r>
+            <a:r>
+              <a:rPr lang="en-US" altLang="ko-KR" dirty="0"/>
+              <a:t>.</a:t>
+            </a:r>
           </a:p>
         </p:txBody>
       </p:sp>
     </p:spTree>
     <p:extLst>
       <p:ext uri="{BB962C8B-B14F-4D97-AF65-F5344CB8AC3E}">
-        <p14:creationId xmlns:p14="http://schemas.microsoft.com/office/powerpoint/2010/main" val="4037181629"/>
+        <p14:creationId xmlns:p14="http://schemas.microsoft.com/office/powerpoint/2010/main" val="532084617"/>
       </p:ext>
     </p:extLst>
   </p:cSld>
@@ -3589,8 +3755,8 @@
         </p:nvSpPr>
         <p:spPr>
           <a:xfrm>
-            <a:off x="449179" y="2177427"/>
-            <a:ext cx="10446514" cy="1754326"/>
+            <a:off x="987711" y="1620836"/>
+            <a:ext cx="9299854" cy="1477328"/>
           </a:xfrm>
           <a:prstGeom prst="rect">
             <a:avLst/>
@@ -3605,45 +3771,19 @@
           <a:p>
             <a:r>
               <a:rPr lang="en-US" altLang="ko-KR" dirty="0" smtClean="0"/>
-              <a:t>Prism</a:t>
+              <a:t>Region</a:t>
             </a:r>
             <a:r>
               <a:rPr lang="ko-KR" altLang="en-US" dirty="0" smtClean="0"/>
-              <a:t>의 </a:t>
+              <a:t>과 </a:t>
             </a:r>
             <a:r>
               <a:rPr lang="en-US" altLang="ko-KR" dirty="0" smtClean="0"/>
-              <a:t>Region</a:t>
+              <a:t>View</a:t>
             </a:r>
             <a:r>
               <a:rPr lang="ko-KR" altLang="en-US" dirty="0" smtClean="0"/>
-              <a:t>에서 제공하는 기능으로 </a:t>
-            </a:r>
-            <a:r>
-              <a:rPr lang="en-US" altLang="ko-KR" dirty="0" smtClean="0"/>
-              <a:t>WPF</a:t>
-            </a:r>
-            <a:r>
-              <a:rPr lang="ko-KR" altLang="en-US" dirty="0" smtClean="0"/>
-              <a:t>에 있는 </a:t>
-            </a:r>
-            <a:r>
-              <a:rPr lang="en-US" altLang="ko-KR" b="1" dirty="0" smtClean="0">
-                <a:solidFill>
-                  <a:schemeClr val="accent1"/>
-                </a:solidFill>
-                <a:latin typeface="Arial" panose="020B0604020202020204" pitchFamily="34" charset="0"/>
-                <a:cs typeface="Arial" panose="020B0604020202020204" pitchFamily="34" charset="0"/>
-              </a:rPr>
-              <a:t>Behavior&lt;T&gt;</a:t>
-            </a:r>
-            <a:r>
-              <a:rPr lang="en-US" altLang="ko-KR" dirty="0" smtClean="0"/>
-              <a:t> </a:t>
-            </a:r>
-            <a:r>
-              <a:rPr lang="ko-KR" altLang="en-US" dirty="0" smtClean="0"/>
-              <a:t>클래스와 같은 기능을 제공한다</a:t>
+              <a:t>를 연결해주는 역할을 한다</a:t>
             </a:r>
             <a:r>
               <a:rPr lang="en-US" altLang="ko-KR" dirty="0" smtClean="0"/>
@@ -3651,2007 +3791,63 @@
             </a:r>
           </a:p>
           <a:p>
-            <a:endParaRPr lang="en-US" altLang="ko-KR" dirty="0"/>
-          </a:p>
-          <a:p>
-            <a:pPr algn="just"/>
-            <a:r>
-              <a:rPr lang="en-US" altLang="ko-KR" b="1" dirty="0" smtClean="0">
-                <a:solidFill>
-                  <a:schemeClr val="accent1"/>
-                </a:solidFill>
-                <a:latin typeface="Arial" panose="020B0604020202020204" pitchFamily="34" charset="0"/>
-                <a:cs typeface="Arial" panose="020B0604020202020204" pitchFamily="34" charset="0"/>
-              </a:rPr>
-              <a:t>Behavior&lt;T&gt; </a:t>
+            <a:endParaRPr lang="en-US" altLang="ko-KR" dirty="0" smtClean="0"/>
+          </a:p>
+          <a:p>
+            <a:r>
+              <a:rPr lang="en-US" altLang="ko-KR" dirty="0" err="1" smtClean="0"/>
+              <a:t>RegionAdapter</a:t>
             </a:r>
             <a:r>
               <a:rPr lang="ko-KR" altLang="en-US" dirty="0" smtClean="0"/>
-              <a:t>클래스는</a:t>
-            </a:r>
-            <a:r>
-              <a:rPr lang="en-US" altLang="ko-KR" dirty="0" smtClean="0"/>
-              <a:t> </a:t>
+              <a:t>는 </a:t>
+            </a:r>
+            <a:r>
+              <a:rPr lang="en-US" altLang="ko-KR" dirty="0" err="1" smtClean="0"/>
+              <a:t>RegionManager</a:t>
             </a:r>
             <a:r>
               <a:rPr lang="ko-KR" altLang="en-US" dirty="0" smtClean="0"/>
-              <a:t>트리거 객체에 추가 상태</a:t>
-            </a:r>
-            <a:r>
-              <a:rPr lang="en-US" altLang="ko-KR" dirty="0" smtClean="0"/>
-              <a:t>(?)</a:t>
-            </a:r>
-            <a:r>
-              <a:rPr lang="ko-KR" altLang="en-US" dirty="0" smtClean="0"/>
-              <a:t>와 명령어를 제공하기 위한 클래스 이다</a:t>
+              <a:t>가 관리를 한다</a:t>
             </a:r>
             <a:r>
               <a:rPr lang="en-US" altLang="ko-KR" dirty="0" smtClean="0"/>
               <a:t>.</a:t>
             </a:r>
-          </a:p>
-          <a:p>
             <a:endParaRPr lang="en-US" altLang="ko-KR" dirty="0"/>
           </a:p>
           <a:p>
+            <a:endParaRPr lang="en-US" altLang="ko-KR" dirty="0"/>
+          </a:p>
+          <a:p>
             <a:r>
               <a:rPr lang="ko-KR" altLang="en-US" dirty="0" smtClean="0"/>
-              <a:t>직접 구현할 필요는 없지만 </a:t>
+              <a:t>기본적으로 연결을 지원해주는 컨트롤은 </a:t>
+            </a:r>
+            <a:r>
+              <a:rPr lang="en-US" altLang="ko-KR" dirty="0" err="1" smtClean="0"/>
+              <a:t>ContentControl</a:t>
             </a:r>
             <a:r>
               <a:rPr lang="en-US" altLang="ko-KR" dirty="0" smtClean="0"/>
-              <a:t>Region</a:t>
+              <a:t>, </a:t>
+            </a:r>
+            <a:r>
+              <a:rPr lang="en-US" altLang="ko-KR" dirty="0" err="1" smtClean="0"/>
+              <a:t>ItemsControl</a:t>
+            </a:r>
+            <a:r>
+              <a:rPr lang="en-US" altLang="ko-KR" dirty="0" smtClean="0"/>
+              <a:t>, Selector</a:t>
             </a:r>
             <a:r>
               <a:rPr lang="ko-KR" altLang="en-US" dirty="0" smtClean="0"/>
-              <a:t>에 </a:t>
-            </a:r>
-            <a:r>
-              <a:rPr lang="en-US" altLang="ko-KR" dirty="0" smtClean="0"/>
-              <a:t>Attach</a:t>
-            </a:r>
-            <a:r>
-              <a:rPr lang="ko-KR" altLang="en-US" dirty="0" smtClean="0"/>
-              <a:t>가 되었을 때 </a:t>
-            </a:r>
-            <a:r>
-              <a:rPr lang="en-US" altLang="ko-KR" dirty="0" smtClean="0"/>
-              <a:t>View </a:t>
-            </a:r>
-            <a:r>
-              <a:rPr lang="ko-KR" altLang="en-US" dirty="0" smtClean="0"/>
-              <a:t>혹은 </a:t>
-            </a:r>
-            <a:r>
-              <a:rPr lang="en-US" altLang="ko-KR" dirty="0" err="1" smtClean="0"/>
-              <a:t>ViewModel</a:t>
-            </a:r>
-            <a:r>
-              <a:rPr lang="ko-KR" altLang="en-US" dirty="0" smtClean="0"/>
-              <a:t>에서 </a:t>
-            </a:r>
-            <a:endParaRPr lang="en-US" altLang="ko-KR" dirty="0" smtClean="0"/>
-          </a:p>
-          <a:p>
-            <a:r>
-              <a:rPr lang="ko-KR" altLang="en-US" dirty="0" smtClean="0"/>
-              <a:t>이벤트가 발생하여 </a:t>
-            </a:r>
-            <a:r>
-              <a:rPr lang="en-US" altLang="ko-KR" dirty="0" smtClean="0"/>
-              <a:t>Region</a:t>
-            </a:r>
-            <a:r>
-              <a:rPr lang="ko-KR" altLang="en-US" dirty="0" smtClean="0"/>
-              <a:t>을 </a:t>
-            </a:r>
-            <a:r>
-              <a:rPr lang="ko-KR" altLang="en-US" dirty="0" smtClean="0"/>
-              <a:t>변경할 때 </a:t>
-            </a:r>
-            <a:r>
-              <a:rPr lang="ko-KR" altLang="en-US" dirty="0" smtClean="0"/>
-              <a:t>필요하다</a:t>
+              <a:t>가 있다</a:t>
             </a:r>
             <a:r>
               <a:rPr lang="en-US" altLang="ko-KR" dirty="0" smtClean="0"/>
               <a:t>.</a:t>
             </a:r>
-            <a:endParaRPr lang="en-US" altLang="ko-KR" dirty="0"/>
-          </a:p>
-        </p:txBody>
-      </p:sp>
-      <p:sp>
-        <p:nvSpPr>
-          <p:cNvPr id="5" name="TextBox 4"/>
-          <p:cNvSpPr txBox="1"/>
-          <p:nvPr/>
-        </p:nvSpPr>
-        <p:spPr>
-          <a:xfrm>
-            <a:off x="449179" y="465221"/>
-            <a:ext cx="4115229" cy="707886"/>
-          </a:xfrm>
-          <a:prstGeom prst="rect">
-            <a:avLst/>
-          </a:prstGeom>
-          <a:noFill/>
-        </p:spPr>
-        <p:txBody>
-          <a:bodyPr wrap="none" rtlCol="0">
-            <a:spAutoFit/>
-          </a:bodyPr>
-          <a:lstStyle/>
-          <a:p>
-            <a:r>
-              <a:rPr lang="en-US" altLang="ko-KR" sz="4000" b="1" dirty="0" err="1" smtClean="0">
-                <a:solidFill>
-                  <a:schemeClr val="accent1"/>
-                </a:solidFill>
-                <a:latin typeface="Arial" panose="020B0604020202020204" pitchFamily="34" charset="0"/>
-                <a:cs typeface="Arial" panose="020B0604020202020204" pitchFamily="34" charset="0"/>
-              </a:rPr>
-              <a:t>RegionBehavior</a:t>
-            </a:r>
-            <a:endParaRPr lang="ko-KR" altLang="en-US" sz="4000" b="1" dirty="0">
-              <a:solidFill>
-                <a:schemeClr val="accent1"/>
-              </a:solidFill>
-              <a:latin typeface="Arial" panose="020B0604020202020204" pitchFamily="34" charset="0"/>
-              <a:cs typeface="Arial" panose="020B0604020202020204" pitchFamily="34" charset="0"/>
-            </a:endParaRPr>
-          </a:p>
-        </p:txBody>
-      </p:sp>
-    </p:spTree>
-    <p:extLst>
-      <p:ext uri="{BB962C8B-B14F-4D97-AF65-F5344CB8AC3E}">
-        <p14:creationId xmlns:p14="http://schemas.microsoft.com/office/powerpoint/2010/main" val="4286949109"/>
-      </p:ext>
-    </p:extLst>
-  </p:cSld>
-  <p:clrMapOvr>
-    <a:masterClrMapping/>
-  </p:clrMapOvr>
-  <p:timing>
-    <p:tnLst>
-      <p:par>
-        <p:cTn id="1" dur="indefinite" restart="never" nodeType="tmRoot"/>
-      </p:par>
-    </p:tnLst>
-  </p:timing>
-</p:sld>
-</file>
-
-<file path=ppt/slides/slide14.xml><?xml version="1.0" encoding="utf-8"?>
-<p:sld xmlns:a="http://schemas.openxmlformats.org/drawingml/2006/main" xmlns:r="http://schemas.openxmlformats.org/officeDocument/2006/relationships" xmlns:p="http://schemas.openxmlformats.org/presentationml/2006/main">
-  <p:cSld>
-    <p:spTree>
-      <p:nvGrpSpPr>
-        <p:cNvPr id="1" name=""/>
-        <p:cNvGrpSpPr/>
-        <p:nvPr/>
-      </p:nvGrpSpPr>
-      <p:grpSpPr>
-        <a:xfrm>
-          <a:off x="0" y="0"/>
-          <a:ext cx="0" cy="0"/>
-          <a:chOff x="0" y="0"/>
-          <a:chExt cx="0" cy="0"/>
-        </a:xfrm>
-      </p:grpSpPr>
-      <p:sp>
-        <p:nvSpPr>
-          <p:cNvPr id="5" name="TextBox 4"/>
-          <p:cNvSpPr txBox="1"/>
-          <p:nvPr/>
-        </p:nvSpPr>
-        <p:spPr>
-          <a:xfrm>
-            <a:off x="449179" y="465221"/>
-            <a:ext cx="4115229" cy="707886"/>
-          </a:xfrm>
-          <a:prstGeom prst="rect">
-            <a:avLst/>
-          </a:prstGeom>
-          <a:noFill/>
-        </p:spPr>
-        <p:txBody>
-          <a:bodyPr wrap="none" rtlCol="0">
-            <a:spAutoFit/>
-          </a:bodyPr>
-          <a:lstStyle/>
-          <a:p>
-            <a:r>
-              <a:rPr lang="en-US" altLang="ko-KR" sz="4000" b="1" dirty="0" err="1" smtClean="0">
-                <a:solidFill>
-                  <a:schemeClr val="accent1"/>
-                </a:solidFill>
-                <a:latin typeface="Arial" panose="020B0604020202020204" pitchFamily="34" charset="0"/>
-                <a:cs typeface="Arial" panose="020B0604020202020204" pitchFamily="34" charset="0"/>
-              </a:rPr>
-              <a:t>RegionBehavior</a:t>
-            </a:r>
-            <a:endParaRPr lang="ko-KR" altLang="en-US" sz="4000" b="1" dirty="0">
-              <a:solidFill>
-                <a:schemeClr val="accent1"/>
-              </a:solidFill>
-              <a:latin typeface="Arial" panose="020B0604020202020204" pitchFamily="34" charset="0"/>
-              <a:cs typeface="Arial" panose="020B0604020202020204" pitchFamily="34" charset="0"/>
-            </a:endParaRPr>
-          </a:p>
-        </p:txBody>
-      </p:sp>
-      <p:pic>
-        <p:nvPicPr>
-          <p:cNvPr id="2" name="그림 1"/>
-          <p:cNvPicPr>
-            <a:picLocks noChangeAspect="1"/>
-          </p:cNvPicPr>
-          <p:nvPr/>
-        </p:nvPicPr>
-        <p:blipFill>
-          <a:blip r:embed="rId2"/>
-          <a:stretch>
-            <a:fillRect/>
-          </a:stretch>
-        </p:blipFill>
-        <p:spPr>
-          <a:xfrm>
-            <a:off x="2834877" y="1173107"/>
-            <a:ext cx="5912646" cy="5506278"/>
-          </a:xfrm>
-          <a:prstGeom prst="rect">
-            <a:avLst/>
-          </a:prstGeom>
-        </p:spPr>
-      </p:pic>
-    </p:spTree>
-    <p:extLst>
-      <p:ext uri="{BB962C8B-B14F-4D97-AF65-F5344CB8AC3E}">
-        <p14:creationId xmlns:p14="http://schemas.microsoft.com/office/powerpoint/2010/main" val="1924594116"/>
-      </p:ext>
-    </p:extLst>
-  </p:cSld>
-  <p:clrMapOvr>
-    <a:masterClrMapping/>
-  </p:clrMapOvr>
-  <p:timing>
-    <p:tnLst>
-      <p:par>
-        <p:cTn id="1" dur="indefinite" restart="never" nodeType="tmRoot"/>
-      </p:par>
-    </p:tnLst>
-  </p:timing>
-</p:sld>
-</file>
-
-<file path=ppt/slides/slide15.xml><?xml version="1.0" encoding="utf-8"?>
-<p:sld xmlns:a="http://schemas.openxmlformats.org/drawingml/2006/main" xmlns:r="http://schemas.openxmlformats.org/officeDocument/2006/relationships" xmlns:p="http://schemas.openxmlformats.org/presentationml/2006/main">
-  <p:cSld>
-    <p:spTree>
-      <p:nvGrpSpPr>
-        <p:cNvPr id="1" name=""/>
-        <p:cNvGrpSpPr/>
-        <p:nvPr/>
-      </p:nvGrpSpPr>
-      <p:grpSpPr>
-        <a:xfrm>
-          <a:off x="0" y="0"/>
-          <a:ext cx="0" cy="0"/>
-          <a:chOff x="0" y="0"/>
-          <a:chExt cx="0" cy="0"/>
-        </a:xfrm>
-      </p:grpSpPr>
-      <p:sp>
-        <p:nvSpPr>
-          <p:cNvPr id="5" name="TextBox 4"/>
-          <p:cNvSpPr txBox="1"/>
-          <p:nvPr/>
-        </p:nvSpPr>
-        <p:spPr>
-          <a:xfrm>
-            <a:off x="449179" y="465221"/>
-            <a:ext cx="4115229" cy="707886"/>
-          </a:xfrm>
-          <a:prstGeom prst="rect">
-            <a:avLst/>
-          </a:prstGeom>
-          <a:noFill/>
-        </p:spPr>
-        <p:txBody>
-          <a:bodyPr wrap="none" rtlCol="0">
-            <a:spAutoFit/>
-          </a:bodyPr>
-          <a:lstStyle/>
-          <a:p>
-            <a:r>
-              <a:rPr lang="en-US" altLang="ko-KR" sz="4000" b="1" dirty="0" err="1" smtClean="0">
-                <a:solidFill>
-                  <a:schemeClr val="accent1"/>
-                </a:solidFill>
-                <a:latin typeface="Arial" panose="020B0604020202020204" pitchFamily="34" charset="0"/>
-                <a:cs typeface="Arial" panose="020B0604020202020204" pitchFamily="34" charset="0"/>
-              </a:rPr>
-              <a:t>RegionBehavior</a:t>
-            </a:r>
-            <a:endParaRPr lang="ko-KR" altLang="en-US" sz="4000" b="1" dirty="0">
-              <a:solidFill>
-                <a:schemeClr val="accent1"/>
-              </a:solidFill>
-              <a:latin typeface="Arial" panose="020B0604020202020204" pitchFamily="34" charset="0"/>
-              <a:cs typeface="Arial" panose="020B0604020202020204" pitchFamily="34" charset="0"/>
-            </a:endParaRPr>
-          </a:p>
-        </p:txBody>
-      </p:sp>
-      <p:pic>
-        <p:nvPicPr>
-          <p:cNvPr id="8" name="그림 7"/>
-          <p:cNvPicPr>
-            <a:picLocks noChangeAspect="1"/>
-          </p:cNvPicPr>
-          <p:nvPr/>
-        </p:nvPicPr>
-        <p:blipFill>
-          <a:blip r:embed="rId2"/>
-          <a:stretch>
-            <a:fillRect/>
-          </a:stretch>
-        </p:blipFill>
-        <p:spPr>
-          <a:xfrm>
-            <a:off x="2260577" y="1398394"/>
-            <a:ext cx="8055858" cy="5141494"/>
-          </a:xfrm>
-          <a:prstGeom prst="rect">
-            <a:avLst/>
-          </a:prstGeom>
-        </p:spPr>
-      </p:pic>
-    </p:spTree>
-    <p:extLst>
-      <p:ext uri="{BB962C8B-B14F-4D97-AF65-F5344CB8AC3E}">
-        <p14:creationId xmlns:p14="http://schemas.microsoft.com/office/powerpoint/2010/main" val="385659086"/>
-      </p:ext>
-    </p:extLst>
-  </p:cSld>
-  <p:clrMapOvr>
-    <a:masterClrMapping/>
-  </p:clrMapOvr>
-  <p:timing>
-    <p:tnLst>
-      <p:par>
-        <p:cTn id="1" dur="indefinite" restart="never" nodeType="tmRoot"/>
-      </p:par>
-    </p:tnLst>
-  </p:timing>
-</p:sld>
-</file>
-
-<file path=ppt/slides/slide16.xml><?xml version="1.0" encoding="utf-8"?>
-<p:sld xmlns:a="http://schemas.openxmlformats.org/drawingml/2006/main" xmlns:r="http://schemas.openxmlformats.org/officeDocument/2006/relationships" xmlns:p="http://schemas.openxmlformats.org/presentationml/2006/main">
-  <p:cSld>
-    <p:spTree>
-      <p:nvGrpSpPr>
-        <p:cNvPr id="1" name=""/>
-        <p:cNvGrpSpPr/>
-        <p:nvPr/>
-      </p:nvGrpSpPr>
-      <p:grpSpPr>
-        <a:xfrm>
-          <a:off x="0" y="0"/>
-          <a:ext cx="0" cy="0"/>
-          <a:chOff x="0" y="0"/>
-          <a:chExt cx="0" cy="0"/>
-        </a:xfrm>
-      </p:grpSpPr>
-      <p:sp>
-        <p:nvSpPr>
-          <p:cNvPr id="5" name="TextBox 4"/>
-          <p:cNvSpPr txBox="1"/>
-          <p:nvPr/>
-        </p:nvSpPr>
-        <p:spPr>
-          <a:xfrm>
-            <a:off x="449179" y="465221"/>
-            <a:ext cx="4115229" cy="707886"/>
-          </a:xfrm>
-          <a:prstGeom prst="rect">
-            <a:avLst/>
-          </a:prstGeom>
-          <a:noFill/>
-        </p:spPr>
-        <p:txBody>
-          <a:bodyPr wrap="none" rtlCol="0">
-            <a:spAutoFit/>
-          </a:bodyPr>
-          <a:lstStyle/>
-          <a:p>
-            <a:r>
-              <a:rPr lang="en-US" altLang="ko-KR" sz="4000" b="1" dirty="0" err="1" smtClean="0">
-                <a:solidFill>
-                  <a:schemeClr val="accent1"/>
-                </a:solidFill>
-                <a:latin typeface="Arial" panose="020B0604020202020204" pitchFamily="34" charset="0"/>
-                <a:cs typeface="Arial" panose="020B0604020202020204" pitchFamily="34" charset="0"/>
-              </a:rPr>
-              <a:t>RegionBehavior</a:t>
-            </a:r>
-            <a:endParaRPr lang="ko-KR" altLang="en-US" sz="4000" b="1" dirty="0">
-              <a:solidFill>
-                <a:schemeClr val="accent1"/>
-              </a:solidFill>
-              <a:latin typeface="Arial" panose="020B0604020202020204" pitchFamily="34" charset="0"/>
-              <a:cs typeface="Arial" panose="020B0604020202020204" pitchFamily="34" charset="0"/>
-            </a:endParaRPr>
-          </a:p>
-        </p:txBody>
-      </p:sp>
-      <p:pic>
-        <p:nvPicPr>
-          <p:cNvPr id="2" name="그림 1"/>
-          <p:cNvPicPr>
-            <a:picLocks noChangeAspect="1"/>
-          </p:cNvPicPr>
-          <p:nvPr/>
-        </p:nvPicPr>
-        <p:blipFill>
-          <a:blip r:embed="rId2"/>
-          <a:stretch>
-            <a:fillRect/>
-          </a:stretch>
-        </p:blipFill>
-        <p:spPr>
-          <a:xfrm>
-            <a:off x="2663688" y="1378619"/>
-            <a:ext cx="6944138" cy="5127978"/>
-          </a:xfrm>
-          <a:prstGeom prst="rect">
-            <a:avLst/>
-          </a:prstGeom>
-        </p:spPr>
-      </p:pic>
-      <p:sp>
-        <p:nvSpPr>
-          <p:cNvPr id="3" name="직사각형 2"/>
-          <p:cNvSpPr/>
-          <p:nvPr/>
-        </p:nvSpPr>
-        <p:spPr>
-          <a:xfrm>
-            <a:off x="2968487" y="4982817"/>
-            <a:ext cx="6493565" cy="1219200"/>
-          </a:xfrm>
-          <a:prstGeom prst="rect">
-            <a:avLst/>
-          </a:prstGeom>
-          <a:noFill/>
-          <a:ln w="50800">
-            <a:solidFill>
-              <a:srgbClr val="FF0000"/>
-            </a:solidFill>
-          </a:ln>
-        </p:spPr>
-        <p:style>
-          <a:lnRef idx="2">
-            <a:schemeClr val="accent1">
-              <a:shade val="50000"/>
-            </a:schemeClr>
-          </a:lnRef>
-          <a:fillRef idx="1">
-            <a:schemeClr val="accent1"/>
-          </a:fillRef>
-          <a:effectRef idx="0">
-            <a:schemeClr val="accent1"/>
-          </a:effectRef>
-          <a:fontRef idx="minor">
-            <a:schemeClr val="lt1"/>
-          </a:fontRef>
-        </p:style>
-        <p:txBody>
-          <a:bodyPr rtlCol="0" anchor="ctr"/>
-          <a:lstStyle/>
-          <a:p>
-            <a:pPr algn="ctr"/>
-            <a:endParaRPr lang="ko-KR" altLang="en-US"/>
-          </a:p>
-        </p:txBody>
-      </p:sp>
-    </p:spTree>
-    <p:extLst>
-      <p:ext uri="{BB962C8B-B14F-4D97-AF65-F5344CB8AC3E}">
-        <p14:creationId xmlns:p14="http://schemas.microsoft.com/office/powerpoint/2010/main" val="3874720455"/>
-      </p:ext>
-    </p:extLst>
-  </p:cSld>
-  <p:clrMapOvr>
-    <a:masterClrMapping/>
-  </p:clrMapOvr>
-  <p:timing>
-    <p:tnLst>
-      <p:par>
-        <p:cTn id="1" dur="indefinite" restart="never" nodeType="tmRoot"/>
-      </p:par>
-    </p:tnLst>
-  </p:timing>
-</p:sld>
-</file>
-
-<file path=ppt/slides/slide17.xml><?xml version="1.0" encoding="utf-8"?>
-<p:sld xmlns:a="http://schemas.openxmlformats.org/drawingml/2006/main" xmlns:r="http://schemas.openxmlformats.org/officeDocument/2006/relationships" xmlns:p="http://schemas.openxmlformats.org/presentationml/2006/main">
-  <p:cSld>
-    <p:spTree>
-      <p:nvGrpSpPr>
-        <p:cNvPr id="1" name=""/>
-        <p:cNvGrpSpPr/>
-        <p:nvPr/>
-      </p:nvGrpSpPr>
-      <p:grpSpPr>
-        <a:xfrm>
-          <a:off x="0" y="0"/>
-          <a:ext cx="0" cy="0"/>
-          <a:chOff x="0" y="0"/>
-          <a:chExt cx="0" cy="0"/>
-        </a:xfrm>
-      </p:grpSpPr>
-      <p:sp>
-        <p:nvSpPr>
-          <p:cNvPr id="5" name="TextBox 4"/>
-          <p:cNvSpPr txBox="1"/>
-          <p:nvPr/>
-        </p:nvSpPr>
-        <p:spPr>
-          <a:xfrm>
-            <a:off x="449179" y="465221"/>
-            <a:ext cx="2236510" cy="707886"/>
-          </a:xfrm>
-          <a:prstGeom prst="rect">
-            <a:avLst/>
-          </a:prstGeom>
-          <a:noFill/>
-        </p:spPr>
-        <p:txBody>
-          <a:bodyPr wrap="none" rtlCol="0">
-            <a:spAutoFit/>
-          </a:bodyPr>
-          <a:lstStyle/>
-          <a:p>
-            <a:r>
-              <a:rPr lang="ko-KR" altLang="en-US" sz="4000" b="1" dirty="0" smtClean="0">
-                <a:solidFill>
-                  <a:schemeClr val="accent1"/>
-                </a:solidFill>
-                <a:latin typeface="Arial" panose="020B0604020202020204" pitchFamily="34" charset="0"/>
-                <a:cs typeface="Arial" panose="020B0604020202020204" pitchFamily="34" charset="0"/>
-              </a:rPr>
-              <a:t>참고자료</a:t>
-            </a:r>
-            <a:endParaRPr lang="ko-KR" altLang="en-US" sz="4000" b="1" dirty="0">
-              <a:solidFill>
-                <a:schemeClr val="accent1"/>
-              </a:solidFill>
-              <a:latin typeface="Arial" panose="020B0604020202020204" pitchFamily="34" charset="0"/>
-              <a:cs typeface="Arial" panose="020B0604020202020204" pitchFamily="34" charset="0"/>
-            </a:endParaRPr>
-          </a:p>
-        </p:txBody>
-      </p:sp>
-      <p:sp>
-        <p:nvSpPr>
-          <p:cNvPr id="6" name="TextBox 5"/>
-          <p:cNvSpPr txBox="1"/>
-          <p:nvPr/>
-        </p:nvSpPr>
-        <p:spPr>
-          <a:xfrm>
-            <a:off x="378634" y="2000250"/>
-            <a:ext cx="11434733" cy="3693319"/>
-          </a:xfrm>
-          <a:prstGeom prst="rect">
-            <a:avLst/>
-          </a:prstGeom>
-          <a:noFill/>
-        </p:spPr>
-        <p:txBody>
-          <a:bodyPr wrap="none" rtlCol="0">
-            <a:spAutoFit/>
-          </a:bodyPr>
-          <a:lstStyle/>
-          <a:p>
-            <a:r>
-              <a:rPr lang="en-US" altLang="ko-KR" dirty="0"/>
-              <a:t>Using </a:t>
-            </a:r>
-            <a:r>
-              <a:rPr lang="en-US" altLang="ko-KR" dirty="0" err="1"/>
-              <a:t>CallerMemberName</a:t>
-            </a:r>
-            <a:r>
-              <a:rPr lang="en-US" altLang="ko-KR" dirty="0"/>
-              <a:t> for property change notification in XAML apps</a:t>
-            </a:r>
-          </a:p>
-          <a:p>
-            <a:r>
-              <a:rPr lang="en-US" altLang="ko-KR" dirty="0">
-                <a:hlinkClick r:id="rId2"/>
-              </a:rPr>
-              <a:t>http://10rem.net/blog/2013/02/25/using-callermembername-for-property-change-notification-in-xaml-apps</a:t>
-            </a:r>
-            <a:endParaRPr lang="en-US" altLang="ko-KR" dirty="0"/>
-          </a:p>
-          <a:p>
-            <a:endParaRPr lang="en-US" altLang="ko-KR" dirty="0"/>
-          </a:p>
-          <a:p>
-            <a:r>
-              <a:rPr lang="en-US" altLang="ko-KR" dirty="0" smtClean="0"/>
-              <a:t>Introduction to PRISM</a:t>
-            </a:r>
-          </a:p>
-          <a:p>
-            <a:r>
-              <a:rPr lang="en-US" altLang="ko-KR" dirty="0">
-                <a:hlinkClick r:id="rId3"/>
-              </a:rPr>
-              <a:t>https://</a:t>
-            </a:r>
-            <a:r>
-              <a:rPr lang="en-US" altLang="ko-KR" dirty="0" smtClean="0">
-                <a:hlinkClick r:id="rId3"/>
-              </a:rPr>
-              <a:t>app.pluralsight.com/library/courses/prism-introduction/table-of-contents</a:t>
-            </a:r>
-            <a:endParaRPr lang="en-US" altLang="ko-KR" dirty="0" smtClean="0"/>
-          </a:p>
-          <a:p>
-            <a:endParaRPr lang="en-US" altLang="ko-KR" dirty="0"/>
-          </a:p>
-          <a:p>
-            <a:r>
-              <a:rPr lang="en-US" altLang="ko-KR" dirty="0" err="1" smtClean="0"/>
-              <a:t>PrismEdu</a:t>
-            </a:r>
-            <a:endParaRPr lang="en-US" altLang="ko-KR" dirty="0" smtClean="0"/>
-          </a:p>
-          <a:p>
-            <a:r>
-              <a:rPr lang="en-US" altLang="ko-KR" dirty="0">
-                <a:hlinkClick r:id="rId4"/>
-              </a:rPr>
-              <a:t>https://</a:t>
-            </a:r>
-            <a:r>
-              <a:rPr lang="en-US" altLang="ko-KR" dirty="0" smtClean="0">
-                <a:hlinkClick r:id="rId4"/>
-              </a:rPr>
-              <a:t>github.com/runceel/PrismEdu</a:t>
-            </a:r>
-            <a:endParaRPr lang="en-US" altLang="ko-KR" dirty="0" smtClean="0"/>
-          </a:p>
-          <a:p>
-            <a:endParaRPr lang="en-US" altLang="ko-KR" dirty="0"/>
-          </a:p>
-          <a:p>
-            <a:r>
-              <a:rPr lang="en-US" altLang="ko-KR" dirty="0"/>
-              <a:t>Prism Problems &amp; </a:t>
-            </a:r>
-            <a:r>
-              <a:rPr lang="en-US" altLang="ko-KR" dirty="0" smtClean="0"/>
-              <a:t>Solutions Series</a:t>
-            </a:r>
-          </a:p>
-          <a:p>
-            <a:r>
-              <a:rPr lang="en-US" altLang="ko-KR" dirty="0">
-                <a:hlinkClick r:id="rId5"/>
-              </a:rPr>
-              <a:t>https://</a:t>
-            </a:r>
-            <a:r>
-              <a:rPr lang="en-US" altLang="ko-KR" dirty="0" smtClean="0">
-                <a:hlinkClick r:id="rId5"/>
-              </a:rPr>
-              <a:t>app.pluralsight.com/profile/author/brian-lagunas</a:t>
-            </a:r>
-            <a:endParaRPr lang="en-US" altLang="ko-KR" dirty="0" smtClean="0"/>
-          </a:p>
-          <a:p>
-            <a:endParaRPr lang="en-US" altLang="ko-KR" dirty="0"/>
-          </a:p>
-          <a:p>
-            <a:endParaRPr lang="ko-KR" altLang="en-US" dirty="0"/>
-          </a:p>
-        </p:txBody>
-      </p:sp>
-    </p:spTree>
-    <p:extLst>
-      <p:ext uri="{BB962C8B-B14F-4D97-AF65-F5344CB8AC3E}">
-        <p14:creationId xmlns:p14="http://schemas.microsoft.com/office/powerpoint/2010/main" val="3746847513"/>
-      </p:ext>
-    </p:extLst>
-  </p:cSld>
-  <p:clrMapOvr>
-    <a:masterClrMapping/>
-  </p:clrMapOvr>
-  <p:timing>
-    <p:tnLst>
-      <p:par>
-        <p:cTn id="1" dur="indefinite" restart="never" nodeType="tmRoot"/>
-      </p:par>
-    </p:tnLst>
-  </p:timing>
-</p:sld>
-</file>
-
-<file path=ppt/slides/slide2.xml><?xml version="1.0" encoding="utf-8"?>
-<p:sld xmlns:a="http://schemas.openxmlformats.org/drawingml/2006/main" xmlns:r="http://schemas.openxmlformats.org/officeDocument/2006/relationships" xmlns:p="http://schemas.openxmlformats.org/presentationml/2006/main">
-  <p:cSld>
-    <p:spTree>
-      <p:nvGrpSpPr>
-        <p:cNvPr id="1" name=""/>
-        <p:cNvGrpSpPr/>
-        <p:nvPr/>
-      </p:nvGrpSpPr>
-      <p:grpSpPr>
-        <a:xfrm>
-          <a:off x="0" y="0"/>
-          <a:ext cx="0" cy="0"/>
-          <a:chOff x="0" y="0"/>
-          <a:chExt cx="0" cy="0"/>
-        </a:xfrm>
-      </p:grpSpPr>
-      <p:sp>
-        <p:nvSpPr>
-          <p:cNvPr id="5" name="TextBox 4"/>
-          <p:cNvSpPr txBox="1"/>
-          <p:nvPr/>
-        </p:nvSpPr>
-        <p:spPr>
-          <a:xfrm>
-            <a:off x="449179" y="465221"/>
-            <a:ext cx="5769528" cy="707886"/>
-          </a:xfrm>
-          <a:prstGeom prst="rect">
-            <a:avLst/>
-          </a:prstGeom>
-          <a:noFill/>
-        </p:spPr>
-        <p:txBody>
-          <a:bodyPr wrap="none" rtlCol="0">
-            <a:spAutoFit/>
-          </a:bodyPr>
-          <a:lstStyle/>
-          <a:p>
-            <a:r>
-              <a:rPr lang="en-US" altLang="ko-KR" sz="4000" b="1" dirty="0" err="1">
-                <a:solidFill>
-                  <a:schemeClr val="accent1"/>
-                </a:solidFill>
-                <a:latin typeface="Arial" panose="020B0604020202020204" pitchFamily="34" charset="0"/>
-                <a:cs typeface="Arial" panose="020B0604020202020204" pitchFamily="34" charset="0"/>
-              </a:rPr>
-              <a:t>INotifyPropertyChange</a:t>
-            </a:r>
-            <a:endParaRPr lang="ko-KR" altLang="en-US" sz="4000" b="1" dirty="0">
-              <a:solidFill>
-                <a:schemeClr val="accent1"/>
-              </a:solidFill>
-              <a:latin typeface="Arial" panose="020B0604020202020204" pitchFamily="34" charset="0"/>
-              <a:cs typeface="Arial" panose="020B0604020202020204" pitchFamily="34" charset="0"/>
-            </a:endParaRPr>
-          </a:p>
-        </p:txBody>
-      </p:sp>
-      <p:pic>
-        <p:nvPicPr>
-          <p:cNvPr id="8" name="그림 7"/>
-          <p:cNvPicPr>
-            <a:picLocks noChangeAspect="1"/>
-          </p:cNvPicPr>
-          <p:nvPr/>
-        </p:nvPicPr>
-        <p:blipFill>
-          <a:blip r:embed="rId2"/>
-          <a:stretch>
-            <a:fillRect/>
-          </a:stretch>
-        </p:blipFill>
-        <p:spPr>
-          <a:xfrm>
-            <a:off x="1606550" y="1885950"/>
-            <a:ext cx="8978900" cy="3848100"/>
-          </a:xfrm>
-          <a:prstGeom prst="rect">
-            <a:avLst/>
-          </a:prstGeom>
-        </p:spPr>
-      </p:pic>
-    </p:spTree>
-    <p:extLst>
-      <p:ext uri="{BB962C8B-B14F-4D97-AF65-F5344CB8AC3E}">
-        <p14:creationId xmlns:p14="http://schemas.microsoft.com/office/powerpoint/2010/main" val="1172427522"/>
-      </p:ext>
-    </p:extLst>
-  </p:cSld>
-  <p:clrMapOvr>
-    <a:masterClrMapping/>
-  </p:clrMapOvr>
-  <p:timing>
-    <p:tnLst>
-      <p:par>
-        <p:cTn id="1" dur="indefinite" restart="never" nodeType="tmRoot"/>
-      </p:par>
-    </p:tnLst>
-  </p:timing>
-</p:sld>
-</file>
-
-<file path=ppt/slides/slide3.xml><?xml version="1.0" encoding="utf-8"?>
-<p:sld xmlns:a="http://schemas.openxmlformats.org/drawingml/2006/main" xmlns:r="http://schemas.openxmlformats.org/officeDocument/2006/relationships" xmlns:p="http://schemas.openxmlformats.org/presentationml/2006/main">
-  <p:cSld>
-    <p:spTree>
-      <p:nvGrpSpPr>
-        <p:cNvPr id="1" name=""/>
-        <p:cNvGrpSpPr/>
-        <p:nvPr/>
-      </p:nvGrpSpPr>
-      <p:grpSpPr>
-        <a:xfrm>
-          <a:off x="0" y="0"/>
-          <a:ext cx="0" cy="0"/>
-          <a:chOff x="0" y="0"/>
-          <a:chExt cx="0" cy="0"/>
-        </a:xfrm>
-      </p:grpSpPr>
-      <p:sp>
-        <p:nvSpPr>
-          <p:cNvPr id="5" name="TextBox 4"/>
-          <p:cNvSpPr txBox="1"/>
-          <p:nvPr/>
-        </p:nvSpPr>
-        <p:spPr>
-          <a:xfrm>
-            <a:off x="449179" y="465221"/>
-            <a:ext cx="5769528" cy="707886"/>
-          </a:xfrm>
-          <a:prstGeom prst="rect">
-            <a:avLst/>
-          </a:prstGeom>
-          <a:noFill/>
-        </p:spPr>
-        <p:txBody>
-          <a:bodyPr wrap="none" rtlCol="0">
-            <a:spAutoFit/>
-          </a:bodyPr>
-          <a:lstStyle/>
-          <a:p>
-            <a:r>
-              <a:rPr lang="en-US" altLang="ko-KR" sz="4000" b="1" dirty="0" err="1">
-                <a:solidFill>
-                  <a:schemeClr val="accent1"/>
-                </a:solidFill>
-                <a:latin typeface="Arial" panose="020B0604020202020204" pitchFamily="34" charset="0"/>
-                <a:cs typeface="Arial" panose="020B0604020202020204" pitchFamily="34" charset="0"/>
-              </a:rPr>
-              <a:t>INotifyPropertyChange</a:t>
-            </a:r>
-            <a:endParaRPr lang="ko-KR" altLang="en-US" sz="4000" b="1" dirty="0">
-              <a:solidFill>
-                <a:schemeClr val="accent1"/>
-              </a:solidFill>
-              <a:latin typeface="Arial" panose="020B0604020202020204" pitchFamily="34" charset="0"/>
-              <a:cs typeface="Arial" panose="020B0604020202020204" pitchFamily="34" charset="0"/>
-            </a:endParaRPr>
-          </a:p>
-        </p:txBody>
-      </p:sp>
-      <p:pic>
-        <p:nvPicPr>
-          <p:cNvPr id="7" name="그림 6"/>
-          <p:cNvPicPr>
-            <a:picLocks noChangeAspect="1"/>
-          </p:cNvPicPr>
-          <p:nvPr/>
-        </p:nvPicPr>
-        <p:blipFill>
-          <a:blip r:embed="rId2"/>
-          <a:stretch>
-            <a:fillRect/>
-          </a:stretch>
-        </p:blipFill>
-        <p:spPr>
-          <a:xfrm>
-            <a:off x="2818015" y="1438102"/>
-            <a:ext cx="6500552" cy="5120640"/>
-          </a:xfrm>
-          <a:prstGeom prst="rect">
-            <a:avLst/>
-          </a:prstGeom>
-        </p:spPr>
-      </p:pic>
-    </p:spTree>
-    <p:extLst>
-      <p:ext uri="{BB962C8B-B14F-4D97-AF65-F5344CB8AC3E}">
-        <p14:creationId xmlns:p14="http://schemas.microsoft.com/office/powerpoint/2010/main" val="550331906"/>
-      </p:ext>
-    </p:extLst>
-  </p:cSld>
-  <p:clrMapOvr>
-    <a:masterClrMapping/>
-  </p:clrMapOvr>
-  <p:timing>
-    <p:tnLst>
-      <p:par>
-        <p:cTn id="1" dur="indefinite" restart="never" nodeType="tmRoot"/>
-      </p:par>
-    </p:tnLst>
-  </p:timing>
-</p:sld>
-</file>
-
-<file path=ppt/slides/slide4.xml><?xml version="1.0" encoding="utf-8"?>
-<p:sld xmlns:a="http://schemas.openxmlformats.org/drawingml/2006/main" xmlns:r="http://schemas.openxmlformats.org/officeDocument/2006/relationships" xmlns:p="http://schemas.openxmlformats.org/presentationml/2006/main">
-  <p:cSld>
-    <p:spTree>
-      <p:nvGrpSpPr>
-        <p:cNvPr id="1" name=""/>
-        <p:cNvGrpSpPr/>
-        <p:nvPr/>
-      </p:nvGrpSpPr>
-      <p:grpSpPr>
-        <a:xfrm>
-          <a:off x="0" y="0"/>
-          <a:ext cx="0" cy="0"/>
-          <a:chOff x="0" y="0"/>
-          <a:chExt cx="0" cy="0"/>
-        </a:xfrm>
-      </p:grpSpPr>
-      <p:sp>
-        <p:nvSpPr>
-          <p:cNvPr id="5" name="TextBox 4"/>
-          <p:cNvSpPr txBox="1"/>
-          <p:nvPr/>
-        </p:nvSpPr>
-        <p:spPr>
-          <a:xfrm>
-            <a:off x="449179" y="465221"/>
-            <a:ext cx="5769528" cy="707886"/>
-          </a:xfrm>
-          <a:prstGeom prst="rect">
-            <a:avLst/>
-          </a:prstGeom>
-          <a:noFill/>
-        </p:spPr>
-        <p:txBody>
-          <a:bodyPr wrap="none" rtlCol="0">
-            <a:spAutoFit/>
-          </a:bodyPr>
-          <a:lstStyle/>
-          <a:p>
-            <a:r>
-              <a:rPr lang="en-US" altLang="ko-KR" sz="4000" b="1" dirty="0" err="1">
-                <a:solidFill>
-                  <a:schemeClr val="accent1"/>
-                </a:solidFill>
-                <a:latin typeface="Arial" panose="020B0604020202020204" pitchFamily="34" charset="0"/>
-                <a:cs typeface="Arial" panose="020B0604020202020204" pitchFamily="34" charset="0"/>
-              </a:rPr>
-              <a:t>INotifyPropertyChange</a:t>
-            </a:r>
-            <a:endParaRPr lang="ko-KR" altLang="en-US" sz="4000" b="1" dirty="0">
-              <a:solidFill>
-                <a:schemeClr val="accent1"/>
-              </a:solidFill>
-              <a:latin typeface="Arial" panose="020B0604020202020204" pitchFamily="34" charset="0"/>
-              <a:cs typeface="Arial" panose="020B0604020202020204" pitchFamily="34" charset="0"/>
-            </a:endParaRPr>
-          </a:p>
-        </p:txBody>
-      </p:sp>
-      <p:sp>
-        <p:nvSpPr>
-          <p:cNvPr id="6" name="TextBox 5"/>
-          <p:cNvSpPr txBox="1"/>
-          <p:nvPr/>
-        </p:nvSpPr>
-        <p:spPr>
-          <a:xfrm>
-            <a:off x="987711" y="1620836"/>
-            <a:ext cx="11934677" cy="2308324"/>
-          </a:xfrm>
-          <a:prstGeom prst="rect">
-            <a:avLst/>
-          </a:prstGeom>
-          <a:noFill/>
-        </p:spPr>
-        <p:txBody>
-          <a:bodyPr wrap="none" rtlCol="0">
-            <a:spAutoFit/>
-          </a:bodyPr>
-          <a:lstStyle/>
-          <a:p>
-            <a:r>
-              <a:rPr lang="ko-KR" altLang="en-US" dirty="0" smtClean="0"/>
-              <a:t>위 문제를 해결하는 방법은 여러가지가 존재한다</a:t>
-            </a:r>
-            <a:r>
-              <a:rPr lang="en-US" altLang="ko-KR" dirty="0" smtClean="0"/>
-              <a:t>.</a:t>
-            </a:r>
-          </a:p>
-          <a:p>
-            <a:endParaRPr lang="en-US" altLang="ko-KR" dirty="0"/>
-          </a:p>
-          <a:p>
-            <a:r>
-              <a:rPr lang="ko-KR" altLang="en-US" dirty="0" smtClean="0"/>
-              <a:t>그 중에서 제일 괜찮은 방법은 </a:t>
-            </a:r>
-            <a:r>
-              <a:rPr lang="en-US" altLang="ko-KR" dirty="0" err="1" smtClean="0"/>
-              <a:t>CallerMemberName</a:t>
-            </a:r>
-            <a:r>
-              <a:rPr lang="en-US" altLang="ko-KR" dirty="0" smtClean="0"/>
-              <a:t> </a:t>
-            </a:r>
-            <a:r>
-              <a:rPr lang="ko-KR" altLang="en-US" dirty="0" smtClean="0"/>
-              <a:t>속성을 사용한다</a:t>
-            </a:r>
-            <a:r>
-              <a:rPr lang="en-US" altLang="ko-KR" dirty="0" smtClean="0"/>
-              <a:t>.</a:t>
-            </a:r>
-          </a:p>
-          <a:p>
-            <a:endParaRPr lang="en-US" altLang="ko-KR" dirty="0"/>
-          </a:p>
-          <a:p>
-            <a:r>
-              <a:rPr lang="en-US" altLang="ko-KR" dirty="0" smtClean="0"/>
-              <a:t>Prism</a:t>
-            </a:r>
-            <a:r>
-              <a:rPr lang="ko-KR" altLang="en-US" dirty="0" smtClean="0"/>
-              <a:t>은 </a:t>
-            </a:r>
-            <a:r>
-              <a:rPr lang="en-US" altLang="ko-KR" dirty="0" err="1" smtClean="0"/>
-              <a:t>INotifyPropertyChanged</a:t>
-            </a:r>
-            <a:r>
-              <a:rPr lang="ko-KR" altLang="en-US" dirty="0" smtClean="0"/>
-              <a:t>를 </a:t>
-            </a:r>
-            <a:r>
-              <a:rPr lang="ko-KR" altLang="en-US" dirty="0" err="1" smtClean="0"/>
-              <a:t>구현할때</a:t>
-            </a:r>
-            <a:r>
-              <a:rPr lang="ko-KR" altLang="en-US" dirty="0" smtClean="0"/>
-              <a:t> </a:t>
-            </a:r>
-            <a:r>
-              <a:rPr lang="en-US" altLang="ko-KR" dirty="0" err="1" smtClean="0"/>
-              <a:t>CallerMemberName</a:t>
-            </a:r>
-            <a:r>
-              <a:rPr lang="en-US" altLang="ko-KR" dirty="0" smtClean="0"/>
-              <a:t> </a:t>
-            </a:r>
-            <a:r>
-              <a:rPr lang="ko-KR" altLang="en-US" dirty="0" smtClean="0"/>
-              <a:t>속성을 사용하여 문제를 해결한 클래스가 있다</a:t>
-            </a:r>
-            <a:r>
-              <a:rPr lang="en-US" altLang="ko-KR" dirty="0" smtClean="0"/>
-              <a:t>.</a:t>
-            </a:r>
-          </a:p>
-          <a:p>
-            <a:endParaRPr lang="en-US" altLang="ko-KR" dirty="0"/>
-          </a:p>
-          <a:p>
-            <a:r>
-              <a:rPr lang="ko-KR" altLang="en-US" dirty="0" smtClean="0"/>
-              <a:t>그것이 바로 </a:t>
-            </a:r>
-            <a:r>
-              <a:rPr lang="en-US" altLang="ko-KR" dirty="0" err="1" smtClean="0"/>
-              <a:t>BindableBase</a:t>
-            </a:r>
-            <a:r>
-              <a:rPr lang="ko-KR" altLang="en-US" dirty="0" smtClean="0"/>
-              <a:t>이다</a:t>
-            </a:r>
-            <a:r>
-              <a:rPr lang="en-US" altLang="ko-KR" dirty="0" smtClean="0"/>
-              <a:t>.</a:t>
-            </a:r>
-            <a:endParaRPr lang="en-US" altLang="ko-KR" dirty="0"/>
-          </a:p>
-          <a:p>
-            <a:endParaRPr lang="en-US" altLang="ko-KR" dirty="0" smtClean="0"/>
-          </a:p>
-        </p:txBody>
-      </p:sp>
-      <p:sp>
-        <p:nvSpPr>
-          <p:cNvPr id="2" name="TextBox 1"/>
-          <p:cNvSpPr txBox="1"/>
-          <p:nvPr/>
-        </p:nvSpPr>
-        <p:spPr>
-          <a:xfrm>
-            <a:off x="987711" y="4638502"/>
-            <a:ext cx="8497006" cy="1754326"/>
-          </a:xfrm>
-          <a:prstGeom prst="rect">
-            <a:avLst/>
-          </a:prstGeom>
-          <a:noFill/>
-        </p:spPr>
-        <p:txBody>
-          <a:bodyPr wrap="none" rtlCol="0">
-            <a:spAutoFit/>
-          </a:bodyPr>
-          <a:lstStyle/>
-          <a:p>
-            <a:r>
-              <a:rPr lang="en-US" altLang="ko-KR" dirty="0" err="1"/>
-              <a:t>CallerMemberName</a:t>
-            </a:r>
-            <a:r>
-              <a:rPr lang="en-US" altLang="ko-KR" dirty="0"/>
-              <a:t> </a:t>
-            </a:r>
-            <a:r>
-              <a:rPr lang="ko-KR" altLang="en-US" dirty="0"/>
-              <a:t>속성</a:t>
-            </a:r>
-            <a:endParaRPr lang="en-US" altLang="ko-KR" dirty="0"/>
-          </a:p>
-          <a:p>
-            <a:endParaRPr lang="en-US" altLang="ko-KR" dirty="0"/>
-          </a:p>
-          <a:p>
-            <a:r>
-              <a:rPr lang="ko-KR" altLang="en-US" dirty="0"/>
-              <a:t>호출한 </a:t>
-            </a:r>
-            <a:r>
-              <a:rPr lang="ko-KR" altLang="en-US" dirty="0" err="1"/>
-              <a:t>메소드의</a:t>
-            </a:r>
-            <a:r>
-              <a:rPr lang="ko-KR" altLang="en-US" dirty="0"/>
-              <a:t> </a:t>
-            </a:r>
-            <a:r>
-              <a:rPr lang="ko-KR" altLang="en-US" dirty="0" err="1"/>
-              <a:t>메소드</a:t>
-            </a:r>
-            <a:r>
-              <a:rPr lang="ko-KR" altLang="en-US" dirty="0"/>
-              <a:t> 또는 </a:t>
-            </a:r>
-            <a:r>
-              <a:rPr lang="en-US" altLang="ko-KR" dirty="0"/>
-              <a:t>property</a:t>
-            </a:r>
-            <a:r>
-              <a:rPr lang="ko-KR" altLang="en-US" dirty="0"/>
-              <a:t>의 이름을 사용 할 수 있게 하는 속성이다</a:t>
-            </a:r>
-            <a:r>
-              <a:rPr lang="en-US" altLang="ko-KR" dirty="0"/>
-              <a:t>.</a:t>
-            </a:r>
-          </a:p>
-          <a:p>
-            <a:endParaRPr lang="en-US" altLang="ko-KR" dirty="0"/>
-          </a:p>
-          <a:p>
-            <a:r>
-              <a:rPr lang="ko-KR" altLang="en-US" dirty="0"/>
-              <a:t>해당 속성은 컴파일 타임에 데이터가 변경 된다</a:t>
-            </a:r>
-            <a:r>
-              <a:rPr lang="en-US" altLang="ko-KR" dirty="0"/>
-              <a:t>.</a:t>
-            </a:r>
-          </a:p>
-          <a:p>
-            <a:endParaRPr lang="ko-KR" altLang="en-US" dirty="0"/>
-          </a:p>
-        </p:txBody>
-      </p:sp>
-    </p:spTree>
-    <p:extLst>
-      <p:ext uri="{BB962C8B-B14F-4D97-AF65-F5344CB8AC3E}">
-        <p14:creationId xmlns:p14="http://schemas.microsoft.com/office/powerpoint/2010/main" val="2492926104"/>
-      </p:ext>
-    </p:extLst>
-  </p:cSld>
-  <p:clrMapOvr>
-    <a:masterClrMapping/>
-  </p:clrMapOvr>
-  <p:timing>
-    <p:tnLst>
-      <p:par>
-        <p:cTn id="1" dur="indefinite" restart="never" nodeType="tmRoot"/>
-      </p:par>
-    </p:tnLst>
-  </p:timing>
-</p:sld>
-</file>
-
-<file path=ppt/slides/slide5.xml><?xml version="1.0" encoding="utf-8"?>
-<p:sld xmlns:a="http://schemas.openxmlformats.org/drawingml/2006/main" xmlns:r="http://schemas.openxmlformats.org/officeDocument/2006/relationships" xmlns:p="http://schemas.openxmlformats.org/presentationml/2006/main">
-  <p:cSld>
-    <p:spTree>
-      <p:nvGrpSpPr>
-        <p:cNvPr id="1" name=""/>
-        <p:cNvGrpSpPr/>
-        <p:nvPr/>
-      </p:nvGrpSpPr>
-      <p:grpSpPr>
-        <a:xfrm>
-          <a:off x="0" y="0"/>
-          <a:ext cx="0" cy="0"/>
-          <a:chOff x="0" y="0"/>
-          <a:chExt cx="0" cy="0"/>
-        </a:xfrm>
-      </p:grpSpPr>
-      <p:sp>
-        <p:nvSpPr>
-          <p:cNvPr id="5" name="TextBox 4"/>
-          <p:cNvSpPr txBox="1"/>
-          <p:nvPr/>
-        </p:nvSpPr>
-        <p:spPr>
-          <a:xfrm>
-            <a:off x="449179" y="465221"/>
-            <a:ext cx="3575018" cy="707886"/>
-          </a:xfrm>
-          <a:prstGeom prst="rect">
-            <a:avLst/>
-          </a:prstGeom>
-          <a:noFill/>
-        </p:spPr>
-        <p:txBody>
-          <a:bodyPr wrap="none" rtlCol="0">
-            <a:spAutoFit/>
-          </a:bodyPr>
-          <a:lstStyle/>
-          <a:p>
-            <a:r>
-              <a:rPr lang="en-US" altLang="ko-KR" sz="4000" b="1" dirty="0" err="1" smtClean="0">
-                <a:solidFill>
-                  <a:schemeClr val="accent1"/>
-                </a:solidFill>
-                <a:latin typeface="Arial" panose="020B0604020202020204" pitchFamily="34" charset="0"/>
-                <a:cs typeface="Arial" panose="020B0604020202020204" pitchFamily="34" charset="0"/>
-              </a:rPr>
-              <a:t>BindableBase</a:t>
-            </a:r>
-            <a:endParaRPr lang="ko-KR" altLang="en-US" sz="4000" b="1" dirty="0">
-              <a:solidFill>
-                <a:schemeClr val="accent1"/>
-              </a:solidFill>
-              <a:latin typeface="Arial" panose="020B0604020202020204" pitchFamily="34" charset="0"/>
-              <a:cs typeface="Arial" panose="020B0604020202020204" pitchFamily="34" charset="0"/>
-            </a:endParaRPr>
-          </a:p>
-        </p:txBody>
-      </p:sp>
-      <p:pic>
-        <p:nvPicPr>
-          <p:cNvPr id="6" name="그림 5"/>
-          <p:cNvPicPr>
-            <a:picLocks noChangeAspect="1"/>
-          </p:cNvPicPr>
-          <p:nvPr/>
-        </p:nvPicPr>
-        <p:blipFill>
-          <a:blip r:embed="rId2"/>
-          <a:stretch>
-            <a:fillRect/>
-          </a:stretch>
-        </p:blipFill>
-        <p:spPr>
-          <a:xfrm>
-            <a:off x="1606550" y="1885950"/>
-            <a:ext cx="8978900" cy="3836690"/>
-          </a:xfrm>
-          <a:prstGeom prst="rect">
-            <a:avLst/>
-          </a:prstGeom>
-        </p:spPr>
-      </p:pic>
-    </p:spTree>
-    <p:extLst>
-      <p:ext uri="{BB962C8B-B14F-4D97-AF65-F5344CB8AC3E}">
-        <p14:creationId xmlns:p14="http://schemas.microsoft.com/office/powerpoint/2010/main" val="1743315741"/>
-      </p:ext>
-    </p:extLst>
-  </p:cSld>
-  <p:clrMapOvr>
-    <a:masterClrMapping/>
-  </p:clrMapOvr>
-  <p:timing>
-    <p:tnLst>
-      <p:par>
-        <p:cTn id="1" dur="indefinite" restart="never" nodeType="tmRoot"/>
-      </p:par>
-    </p:tnLst>
-  </p:timing>
-</p:sld>
-</file>
-
-<file path=ppt/slides/slide6.xml><?xml version="1.0" encoding="utf-8"?>
-<p:sld xmlns:a="http://schemas.openxmlformats.org/drawingml/2006/main" xmlns:r="http://schemas.openxmlformats.org/officeDocument/2006/relationships" xmlns:p="http://schemas.openxmlformats.org/presentationml/2006/main">
-  <p:cSld>
-    <p:spTree>
-      <p:nvGrpSpPr>
-        <p:cNvPr id="1" name=""/>
-        <p:cNvGrpSpPr/>
-        <p:nvPr/>
-      </p:nvGrpSpPr>
-      <p:grpSpPr>
-        <a:xfrm>
-          <a:off x="0" y="0"/>
-          <a:ext cx="0" cy="0"/>
-          <a:chOff x="0" y="0"/>
-          <a:chExt cx="0" cy="0"/>
-        </a:xfrm>
-      </p:grpSpPr>
-      <p:sp>
-        <p:nvSpPr>
-          <p:cNvPr id="5" name="TextBox 4"/>
-          <p:cNvSpPr txBox="1"/>
-          <p:nvPr/>
-        </p:nvSpPr>
-        <p:spPr>
-          <a:xfrm>
-            <a:off x="449179" y="465221"/>
-            <a:ext cx="3575018" cy="707886"/>
-          </a:xfrm>
-          <a:prstGeom prst="rect">
-            <a:avLst/>
-          </a:prstGeom>
-          <a:noFill/>
-        </p:spPr>
-        <p:txBody>
-          <a:bodyPr wrap="none" rtlCol="0">
-            <a:spAutoFit/>
-          </a:bodyPr>
-          <a:lstStyle/>
-          <a:p>
-            <a:r>
-              <a:rPr lang="en-US" altLang="ko-KR" sz="4000" b="1" dirty="0" err="1" smtClean="0">
-                <a:solidFill>
-                  <a:schemeClr val="accent1"/>
-                </a:solidFill>
-                <a:latin typeface="Arial" panose="020B0604020202020204" pitchFamily="34" charset="0"/>
-                <a:cs typeface="Arial" panose="020B0604020202020204" pitchFamily="34" charset="0"/>
-              </a:rPr>
-              <a:t>BindableBase</a:t>
-            </a:r>
-            <a:endParaRPr lang="ko-KR" altLang="en-US" sz="4000" b="1" dirty="0">
-              <a:solidFill>
-                <a:schemeClr val="accent1"/>
-              </a:solidFill>
-              <a:latin typeface="Arial" panose="020B0604020202020204" pitchFamily="34" charset="0"/>
-              <a:cs typeface="Arial" panose="020B0604020202020204" pitchFamily="34" charset="0"/>
-            </a:endParaRPr>
-          </a:p>
-        </p:txBody>
-      </p:sp>
-      <p:pic>
-        <p:nvPicPr>
-          <p:cNvPr id="4" name="그림 3"/>
-          <p:cNvPicPr>
-            <a:picLocks noChangeAspect="1"/>
-          </p:cNvPicPr>
-          <p:nvPr/>
-        </p:nvPicPr>
-        <p:blipFill>
-          <a:blip r:embed="rId2"/>
-          <a:stretch>
-            <a:fillRect/>
-          </a:stretch>
-        </p:blipFill>
-        <p:spPr>
-          <a:xfrm>
-            <a:off x="3737263" y="1315941"/>
-            <a:ext cx="4717474" cy="5377432"/>
-          </a:xfrm>
-          <a:prstGeom prst="rect">
-            <a:avLst/>
-          </a:prstGeom>
-        </p:spPr>
-      </p:pic>
-    </p:spTree>
-    <p:extLst>
-      <p:ext uri="{BB962C8B-B14F-4D97-AF65-F5344CB8AC3E}">
-        <p14:creationId xmlns:p14="http://schemas.microsoft.com/office/powerpoint/2010/main" val="4209345394"/>
-      </p:ext>
-    </p:extLst>
-  </p:cSld>
-  <p:clrMapOvr>
-    <a:masterClrMapping/>
-  </p:clrMapOvr>
-  <p:timing>
-    <p:tnLst>
-      <p:par>
-        <p:cTn id="1" dur="indefinite" restart="never" nodeType="tmRoot"/>
-      </p:par>
-    </p:tnLst>
-  </p:timing>
-</p:sld>
-</file>
-
-<file path=ppt/slides/slide7.xml><?xml version="1.0" encoding="utf-8"?>
-<p:sld xmlns:a="http://schemas.openxmlformats.org/drawingml/2006/main" xmlns:r="http://schemas.openxmlformats.org/officeDocument/2006/relationships" xmlns:p="http://schemas.openxmlformats.org/presentationml/2006/main">
-  <p:cSld>
-    <p:spTree>
-      <p:nvGrpSpPr>
-        <p:cNvPr id="1" name=""/>
-        <p:cNvGrpSpPr/>
-        <p:nvPr/>
-      </p:nvGrpSpPr>
-      <p:grpSpPr>
-        <a:xfrm>
-          <a:off x="0" y="0"/>
-          <a:ext cx="0" cy="0"/>
-          <a:chOff x="0" y="0"/>
-          <a:chExt cx="0" cy="0"/>
-        </a:xfrm>
-      </p:grpSpPr>
-      <p:sp>
-        <p:nvSpPr>
-          <p:cNvPr id="5" name="TextBox 4"/>
-          <p:cNvSpPr txBox="1"/>
-          <p:nvPr/>
-        </p:nvSpPr>
-        <p:spPr>
-          <a:xfrm>
-            <a:off x="449179" y="465221"/>
-            <a:ext cx="1920719" cy="707886"/>
-          </a:xfrm>
-          <a:prstGeom prst="rect">
-            <a:avLst/>
-          </a:prstGeom>
-          <a:noFill/>
-        </p:spPr>
-        <p:txBody>
-          <a:bodyPr wrap="none" rtlCol="0">
-            <a:spAutoFit/>
-          </a:bodyPr>
-          <a:lstStyle/>
-          <a:p>
-            <a:r>
-              <a:rPr lang="en-US" altLang="ko-KR" sz="4000" b="1" dirty="0" smtClean="0">
-                <a:solidFill>
-                  <a:schemeClr val="accent1"/>
-                </a:solidFill>
-                <a:latin typeface="Arial" panose="020B0604020202020204" pitchFamily="34" charset="0"/>
-                <a:cs typeface="Arial" panose="020B0604020202020204" pitchFamily="34" charset="0"/>
-              </a:rPr>
-              <a:t>Region</a:t>
-            </a:r>
-            <a:endParaRPr lang="ko-KR" altLang="en-US" sz="4000" b="1" dirty="0">
-              <a:solidFill>
-                <a:schemeClr val="accent1"/>
-              </a:solidFill>
-              <a:latin typeface="Arial" panose="020B0604020202020204" pitchFamily="34" charset="0"/>
-              <a:cs typeface="Arial" panose="020B0604020202020204" pitchFamily="34" charset="0"/>
-            </a:endParaRPr>
-          </a:p>
-        </p:txBody>
-      </p:sp>
-      <p:pic>
-        <p:nvPicPr>
-          <p:cNvPr id="2" name="그림 1"/>
-          <p:cNvPicPr>
-            <a:picLocks noChangeAspect="1"/>
-          </p:cNvPicPr>
-          <p:nvPr/>
-        </p:nvPicPr>
-        <p:blipFill>
-          <a:blip r:embed="rId2"/>
-          <a:stretch>
-            <a:fillRect/>
-          </a:stretch>
-        </p:blipFill>
-        <p:spPr>
-          <a:xfrm>
-            <a:off x="3102145" y="2975741"/>
-            <a:ext cx="5644810" cy="3581398"/>
-          </a:xfrm>
-          <a:prstGeom prst="rect">
-            <a:avLst/>
-          </a:prstGeom>
-        </p:spPr>
-      </p:pic>
-      <p:sp>
-        <p:nvSpPr>
-          <p:cNvPr id="6" name="TextBox 5"/>
-          <p:cNvSpPr txBox="1"/>
-          <p:nvPr/>
-        </p:nvSpPr>
-        <p:spPr>
-          <a:xfrm>
-            <a:off x="987711" y="1620836"/>
-            <a:ext cx="8738290" cy="1477328"/>
-          </a:xfrm>
-          <a:prstGeom prst="rect">
-            <a:avLst/>
-          </a:prstGeom>
-          <a:noFill/>
-        </p:spPr>
-        <p:txBody>
-          <a:bodyPr wrap="none" rtlCol="0">
-            <a:spAutoFit/>
-          </a:bodyPr>
-          <a:lstStyle/>
-          <a:p>
-            <a:r>
-              <a:rPr lang="ko-KR" altLang="en-US" dirty="0"/>
-              <a:t>동적인 </a:t>
-            </a:r>
-            <a:r>
-              <a:rPr lang="en-US" altLang="ko-KR" dirty="0"/>
-              <a:t>View</a:t>
-            </a:r>
-            <a:r>
-              <a:rPr lang="ko-KR" altLang="en-US" dirty="0"/>
-              <a:t>의 </a:t>
-            </a:r>
-            <a:r>
-              <a:rPr lang="en-US" altLang="ko-KR" dirty="0" err="1"/>
-              <a:t>PlaceHolder</a:t>
-            </a:r>
-            <a:r>
-              <a:rPr lang="ko-KR" altLang="en-US" dirty="0"/>
-              <a:t>로 </a:t>
-            </a:r>
-            <a:r>
-              <a:rPr lang="en-US" altLang="ko-KR" dirty="0"/>
-              <a:t>UI</a:t>
-            </a:r>
-            <a:r>
-              <a:rPr lang="ko-KR" altLang="en-US" dirty="0"/>
-              <a:t>나 </a:t>
-            </a:r>
-            <a:r>
-              <a:rPr lang="en-US" altLang="ko-KR" dirty="0"/>
-              <a:t>Shell</a:t>
-            </a:r>
-            <a:r>
-              <a:rPr lang="ko-KR" altLang="en-US" dirty="0"/>
-              <a:t>로 표현 할 수 있는 것</a:t>
-            </a:r>
-            <a:endParaRPr lang="en-US" altLang="ko-KR" dirty="0"/>
-          </a:p>
-          <a:p>
-            <a:endParaRPr lang="en-US" altLang="ko-KR" dirty="0"/>
-          </a:p>
-          <a:p>
-            <a:r>
-              <a:rPr lang="ko-KR" altLang="en-US" dirty="0"/>
-              <a:t>단순히 </a:t>
-            </a:r>
-            <a:r>
-              <a:rPr lang="en-US" altLang="ko-KR" dirty="0"/>
-              <a:t>View</a:t>
-            </a:r>
-            <a:r>
-              <a:rPr lang="ko-KR" altLang="en-US" dirty="0"/>
-              <a:t>가 표시되는 곳을 정의하기 위해 </a:t>
-            </a:r>
-            <a:r>
-              <a:rPr lang="en-US" altLang="ko-KR" dirty="0"/>
-              <a:t>View </a:t>
-            </a:r>
-            <a:r>
-              <a:rPr lang="ko-KR" altLang="en-US" dirty="0"/>
-              <a:t>붙을 위치에 이름으로 정의한다</a:t>
-            </a:r>
-            <a:r>
-              <a:rPr lang="en-US" altLang="ko-KR" dirty="0" smtClean="0"/>
-              <a:t>.</a:t>
-            </a:r>
-          </a:p>
-          <a:p>
-            <a:endParaRPr lang="en-US" altLang="ko-KR" dirty="0" smtClean="0"/>
-          </a:p>
-          <a:p>
-            <a:r>
-              <a:rPr lang="en-US" altLang="ko-KR" dirty="0" smtClean="0"/>
-              <a:t>View</a:t>
-            </a:r>
-            <a:r>
-              <a:rPr lang="ko-KR" altLang="en-US" dirty="0" smtClean="0"/>
-              <a:t>가 해당 이름의 </a:t>
-            </a:r>
-            <a:r>
-              <a:rPr lang="en-US" altLang="ko-KR" dirty="0" smtClean="0"/>
-              <a:t>Region</a:t>
-            </a:r>
-            <a:r>
-              <a:rPr lang="ko-KR" altLang="en-US" dirty="0" smtClean="0"/>
-              <a:t>에 붙는다</a:t>
-            </a:r>
-            <a:r>
-              <a:rPr lang="en-US" altLang="ko-KR" dirty="0" smtClean="0"/>
-              <a:t>.</a:t>
-            </a:r>
-            <a:endParaRPr lang="en-US" altLang="ko-KR" dirty="0"/>
-          </a:p>
-        </p:txBody>
-      </p:sp>
-    </p:spTree>
-    <p:extLst>
-      <p:ext uri="{BB962C8B-B14F-4D97-AF65-F5344CB8AC3E}">
-        <p14:creationId xmlns:p14="http://schemas.microsoft.com/office/powerpoint/2010/main" val="1931481033"/>
-      </p:ext>
-    </p:extLst>
-  </p:cSld>
-  <p:clrMapOvr>
-    <a:masterClrMapping/>
-  </p:clrMapOvr>
-  <p:timing>
-    <p:tnLst>
-      <p:par>
-        <p:cTn id="1" dur="indefinite" restart="never" nodeType="tmRoot"/>
-      </p:par>
-    </p:tnLst>
-  </p:timing>
-</p:sld>
-</file>
-
-<file path=ppt/slides/slide8.xml><?xml version="1.0" encoding="utf-8"?>
-<p:sld xmlns:a="http://schemas.openxmlformats.org/drawingml/2006/main" xmlns:r="http://schemas.openxmlformats.org/officeDocument/2006/relationships" xmlns:p="http://schemas.openxmlformats.org/presentationml/2006/main">
-  <p:cSld>
-    <p:spTree>
-      <p:nvGrpSpPr>
-        <p:cNvPr id="1" name=""/>
-        <p:cNvGrpSpPr/>
-        <p:nvPr/>
-      </p:nvGrpSpPr>
-      <p:grpSpPr>
-        <a:xfrm>
-          <a:off x="0" y="0"/>
-          <a:ext cx="0" cy="0"/>
-          <a:chOff x="0" y="0"/>
-          <a:chExt cx="0" cy="0"/>
-        </a:xfrm>
-      </p:grpSpPr>
-      <p:sp>
-        <p:nvSpPr>
-          <p:cNvPr id="5" name="TextBox 4"/>
-          <p:cNvSpPr txBox="1"/>
-          <p:nvPr/>
-        </p:nvSpPr>
-        <p:spPr>
-          <a:xfrm>
-            <a:off x="449179" y="465221"/>
-            <a:ext cx="3887603" cy="707886"/>
-          </a:xfrm>
-          <a:prstGeom prst="rect">
-            <a:avLst/>
-          </a:prstGeom>
-          <a:noFill/>
-        </p:spPr>
-        <p:txBody>
-          <a:bodyPr wrap="none" rtlCol="0">
-            <a:spAutoFit/>
-          </a:bodyPr>
-          <a:lstStyle/>
-          <a:p>
-            <a:r>
-              <a:rPr lang="en-US" altLang="ko-KR" sz="4000" b="1" dirty="0" smtClean="0">
-                <a:solidFill>
-                  <a:schemeClr val="accent1"/>
-                </a:solidFill>
-                <a:latin typeface="Arial" panose="020B0604020202020204" pitchFamily="34" charset="0"/>
-                <a:cs typeface="Arial" panose="020B0604020202020204" pitchFamily="34" charset="0"/>
-              </a:rPr>
-              <a:t>Region Manger</a:t>
-            </a:r>
-            <a:endParaRPr lang="ko-KR" altLang="en-US" sz="4000" b="1" dirty="0">
-              <a:solidFill>
-                <a:schemeClr val="accent1"/>
-              </a:solidFill>
-              <a:latin typeface="Arial" panose="020B0604020202020204" pitchFamily="34" charset="0"/>
-              <a:cs typeface="Arial" panose="020B0604020202020204" pitchFamily="34" charset="0"/>
-            </a:endParaRPr>
-          </a:p>
-        </p:txBody>
-      </p:sp>
-      <p:sp>
-        <p:nvSpPr>
-          <p:cNvPr id="8" name="TextBox 7"/>
-          <p:cNvSpPr txBox="1"/>
-          <p:nvPr/>
-        </p:nvSpPr>
-        <p:spPr>
-          <a:xfrm>
-            <a:off x="987711" y="1620836"/>
-            <a:ext cx="11576502" cy="1754326"/>
-          </a:xfrm>
-          <a:prstGeom prst="rect">
-            <a:avLst/>
-          </a:prstGeom>
-          <a:noFill/>
-        </p:spPr>
-        <p:txBody>
-          <a:bodyPr wrap="none" rtlCol="0">
-            <a:spAutoFit/>
-          </a:bodyPr>
-          <a:lstStyle/>
-          <a:p>
-            <a:r>
-              <a:rPr lang="en-US" altLang="ko-KR" dirty="0"/>
-              <a:t>Region</a:t>
-            </a:r>
-            <a:r>
-              <a:rPr lang="ko-KR" altLang="en-US" dirty="0"/>
-              <a:t>들을 관리하는 역할을 하며 </a:t>
-            </a:r>
-            <a:r>
-              <a:rPr lang="en-US" altLang="ko-KR" dirty="0"/>
-              <a:t>Region </a:t>
-            </a:r>
-            <a:r>
-              <a:rPr lang="ko-KR" altLang="en-US" dirty="0"/>
-              <a:t>컬렉션을 유지하고 새로운 </a:t>
-            </a:r>
-            <a:r>
-              <a:rPr lang="en-US" altLang="ko-KR" dirty="0" err="1"/>
-              <a:t>Regiond</a:t>
-            </a:r>
-            <a:r>
-              <a:rPr lang="ko-KR" altLang="en-US" dirty="0"/>
-              <a:t>의 생성을 제어한다</a:t>
-            </a:r>
-            <a:r>
-              <a:rPr lang="en-US" altLang="ko-KR" dirty="0"/>
-              <a:t>.</a:t>
-            </a:r>
-          </a:p>
-          <a:p>
-            <a:endParaRPr lang="en-US" altLang="ko-KR" dirty="0"/>
-          </a:p>
-          <a:p>
-            <a:r>
-              <a:rPr lang="en-US" altLang="ko-KR" dirty="0" err="1"/>
-              <a:t>RegionManger</a:t>
-            </a:r>
-            <a:r>
-              <a:rPr lang="ko-KR" altLang="en-US" dirty="0"/>
-              <a:t>에서 제공하는 </a:t>
-            </a:r>
-            <a:r>
-              <a:rPr lang="en-US" altLang="ko-KR" dirty="0" err="1"/>
-              <a:t>RegionName</a:t>
-            </a:r>
-            <a:r>
-              <a:rPr lang="en-US" altLang="ko-KR" dirty="0"/>
-              <a:t> </a:t>
-            </a:r>
-            <a:r>
-              <a:rPr lang="ko-KR" altLang="en-US" dirty="0"/>
-              <a:t>속성은 컨트롤 속성에서 사용 되며 해당 </a:t>
-            </a:r>
-            <a:r>
-              <a:rPr lang="en-US" altLang="ko-KR" dirty="0" err="1"/>
-              <a:t>RegionName</a:t>
-            </a:r>
-            <a:r>
-              <a:rPr lang="ko-KR" altLang="en-US" dirty="0"/>
-              <a:t>의 </a:t>
-            </a:r>
-            <a:r>
-              <a:rPr lang="en-US" altLang="ko-KR" dirty="0"/>
-              <a:t>Region</a:t>
-            </a:r>
-            <a:r>
-              <a:rPr lang="ko-KR" altLang="en-US" dirty="0"/>
-              <a:t>을 </a:t>
-            </a:r>
-            <a:endParaRPr lang="en-US" altLang="ko-KR" dirty="0"/>
-          </a:p>
-          <a:p>
-            <a:r>
-              <a:rPr lang="ko-KR" altLang="en-US" dirty="0"/>
-              <a:t>연결한다</a:t>
-            </a:r>
-            <a:r>
-              <a:rPr lang="en-US" altLang="ko-KR" dirty="0"/>
-              <a:t>.</a:t>
-            </a:r>
-          </a:p>
-          <a:p>
-            <a:endParaRPr lang="en-US" altLang="ko-KR" dirty="0"/>
-          </a:p>
-          <a:p>
-            <a:r>
-              <a:rPr lang="ko-KR" altLang="en-US" dirty="0"/>
-              <a:t>또한 </a:t>
-            </a:r>
-            <a:r>
-              <a:rPr lang="en-US" altLang="ko-KR" dirty="0" err="1"/>
-              <a:t>RegionManger</a:t>
-            </a:r>
-            <a:r>
-              <a:rPr lang="ko-KR" altLang="en-US" dirty="0"/>
-              <a:t>는 </a:t>
-            </a:r>
-            <a:r>
-              <a:rPr lang="en-US" altLang="ko-KR" dirty="0" err="1"/>
-              <a:t>RegionAdapter</a:t>
-            </a:r>
-            <a:r>
-              <a:rPr lang="ko-KR" altLang="en-US" dirty="0"/>
-              <a:t>를 컨트롤에 매핑한다</a:t>
-            </a:r>
-            <a:r>
-              <a:rPr lang="en-US" altLang="ko-KR" dirty="0"/>
-              <a:t>.</a:t>
-            </a:r>
-          </a:p>
-        </p:txBody>
-      </p:sp>
-    </p:spTree>
-    <p:extLst>
-      <p:ext uri="{BB962C8B-B14F-4D97-AF65-F5344CB8AC3E}">
-        <p14:creationId xmlns:p14="http://schemas.microsoft.com/office/powerpoint/2010/main" val="532084617"/>
-      </p:ext>
-    </p:extLst>
-  </p:cSld>
-  <p:clrMapOvr>
-    <a:masterClrMapping/>
-  </p:clrMapOvr>
-  <p:timing>
-    <p:tnLst>
-      <p:par>
-        <p:cTn id="1" dur="indefinite" restart="never" nodeType="tmRoot"/>
-      </p:par>
-    </p:tnLst>
-  </p:timing>
-</p:sld>
-</file>
-
-<file path=ppt/slides/slide9.xml><?xml version="1.0" encoding="utf-8"?>
-<p:sld xmlns:a="http://schemas.openxmlformats.org/drawingml/2006/main" xmlns:r="http://schemas.openxmlformats.org/officeDocument/2006/relationships" xmlns:p="http://schemas.openxmlformats.org/presentationml/2006/main">
-  <p:cSld>
-    <p:spTree>
-      <p:nvGrpSpPr>
-        <p:cNvPr id="1" name=""/>
-        <p:cNvGrpSpPr/>
-        <p:nvPr/>
-      </p:nvGrpSpPr>
-      <p:grpSpPr>
-        <a:xfrm>
-          <a:off x="0" y="0"/>
-          <a:ext cx="0" cy="0"/>
-          <a:chOff x="0" y="0"/>
-          <a:chExt cx="0" cy="0"/>
-        </a:xfrm>
-      </p:grpSpPr>
-      <p:sp>
-        <p:nvSpPr>
-          <p:cNvPr id="4" name="TextBox 3"/>
-          <p:cNvSpPr txBox="1"/>
-          <p:nvPr/>
-        </p:nvSpPr>
-        <p:spPr>
-          <a:xfrm>
-            <a:off x="987711" y="1620836"/>
-            <a:ext cx="9299854" cy="1477328"/>
-          </a:xfrm>
-          <a:prstGeom prst="rect">
-            <a:avLst/>
-          </a:prstGeom>
-          <a:noFill/>
-        </p:spPr>
-        <p:txBody>
-          <a:bodyPr wrap="none" rtlCol="0">
-            <a:spAutoFit/>
-          </a:bodyPr>
-          <a:lstStyle/>
-          <a:p>
-            <a:r>
-              <a:rPr lang="en-US" altLang="ko-KR" dirty="0" smtClean="0"/>
-              <a:t>Region</a:t>
-            </a:r>
-            <a:r>
-              <a:rPr lang="ko-KR" altLang="en-US" dirty="0" smtClean="0"/>
-              <a:t>과 </a:t>
-            </a:r>
-            <a:r>
-              <a:rPr lang="en-US" altLang="ko-KR" dirty="0" smtClean="0"/>
-              <a:t>View</a:t>
-            </a:r>
-            <a:r>
-              <a:rPr lang="ko-KR" altLang="en-US" dirty="0" smtClean="0"/>
-              <a:t>를 </a:t>
-            </a:r>
-            <a:r>
-              <a:rPr lang="ko-KR" altLang="en-US" dirty="0" smtClean="0"/>
-              <a:t>연결해주는 역할을 한다</a:t>
-            </a:r>
-            <a:r>
-              <a:rPr lang="en-US" altLang="ko-KR" dirty="0" smtClean="0"/>
-              <a:t>.</a:t>
-            </a:r>
-          </a:p>
-          <a:p>
-            <a:endParaRPr lang="en-US" altLang="ko-KR" dirty="0" smtClean="0"/>
-          </a:p>
-          <a:p>
-            <a:r>
-              <a:rPr lang="en-US" altLang="ko-KR" dirty="0" err="1" smtClean="0"/>
-              <a:t>RegionAdapter</a:t>
-            </a:r>
-            <a:r>
-              <a:rPr lang="ko-KR" altLang="en-US" dirty="0" smtClean="0"/>
-              <a:t>는 </a:t>
-            </a:r>
-            <a:r>
-              <a:rPr lang="en-US" altLang="ko-KR" dirty="0" err="1" smtClean="0"/>
-              <a:t>RegionManager</a:t>
-            </a:r>
-            <a:r>
-              <a:rPr lang="ko-KR" altLang="en-US" dirty="0" smtClean="0"/>
-              <a:t>가 관리를 한다</a:t>
-            </a:r>
-            <a:r>
-              <a:rPr lang="en-US" altLang="ko-KR" dirty="0" smtClean="0"/>
-              <a:t>.</a:t>
-            </a:r>
-            <a:endParaRPr lang="en-US" altLang="ko-KR" dirty="0"/>
-          </a:p>
-          <a:p>
-            <a:endParaRPr lang="en-US" altLang="ko-KR" dirty="0"/>
-          </a:p>
-          <a:p>
-            <a:r>
-              <a:rPr lang="ko-KR" altLang="en-US" dirty="0" smtClean="0"/>
-              <a:t>기본적으로 연결을 지원해주는 컨트롤은 </a:t>
-            </a:r>
-            <a:r>
-              <a:rPr lang="en-US" altLang="ko-KR" dirty="0" err="1" smtClean="0"/>
-              <a:t>ContentControl</a:t>
-            </a:r>
-            <a:r>
-              <a:rPr lang="en-US" altLang="ko-KR" dirty="0" smtClean="0"/>
-              <a:t>, </a:t>
-            </a:r>
-            <a:r>
-              <a:rPr lang="en-US" altLang="ko-KR" dirty="0" err="1" smtClean="0"/>
-              <a:t>ItemsControl</a:t>
-            </a:r>
-            <a:r>
-              <a:rPr lang="en-US" altLang="ko-KR" dirty="0" smtClean="0"/>
-              <a:t>, Selector</a:t>
-            </a:r>
-            <a:r>
-              <a:rPr lang="ko-KR" altLang="en-US" dirty="0" smtClean="0"/>
-              <a:t>가 있다</a:t>
-            </a:r>
-            <a:r>
-              <a:rPr lang="en-US" altLang="ko-KR" dirty="0" smtClean="0"/>
-              <a:t>.</a:t>
-            </a:r>
-            <a:endParaRPr lang="en-US" altLang="ko-KR" dirty="0" smtClean="0"/>
           </a:p>
         </p:txBody>
       </p:sp>
@@ -5905,6 +4101,2365 @@
     <p:extLst>
       <p:ext uri="{BB962C8B-B14F-4D97-AF65-F5344CB8AC3E}">
         <p14:creationId xmlns:p14="http://schemas.microsoft.com/office/powerpoint/2010/main" val="4137301230"/>
+      </p:ext>
+    </p:extLst>
+  </p:cSld>
+  <p:clrMapOvr>
+    <a:masterClrMapping/>
+  </p:clrMapOvr>
+  <p:timing>
+    <p:tnLst>
+      <p:par>
+        <p:cTn id="1" dur="indefinite" restart="never" nodeType="tmRoot"/>
+      </p:par>
+    </p:tnLst>
+  </p:timing>
+</p:sld>
+</file>
+
+<file path=ppt/slides/slide14.xml><?xml version="1.0" encoding="utf-8"?>
+<p:sld xmlns:a="http://schemas.openxmlformats.org/drawingml/2006/main" xmlns:r="http://schemas.openxmlformats.org/officeDocument/2006/relationships" xmlns:p="http://schemas.openxmlformats.org/presentationml/2006/main">
+  <p:cSld>
+    <p:spTree>
+      <p:nvGrpSpPr>
+        <p:cNvPr id="1" name=""/>
+        <p:cNvGrpSpPr/>
+        <p:nvPr/>
+      </p:nvGrpSpPr>
+      <p:grpSpPr>
+        <a:xfrm>
+          <a:off x="0" y="0"/>
+          <a:ext cx="0" cy="0"/>
+          <a:chOff x="0" y="0"/>
+          <a:chExt cx="0" cy="0"/>
+        </a:xfrm>
+      </p:grpSpPr>
+      <p:sp>
+        <p:nvSpPr>
+          <p:cNvPr id="5" name="TextBox 4"/>
+          <p:cNvSpPr txBox="1"/>
+          <p:nvPr/>
+        </p:nvSpPr>
+        <p:spPr>
+          <a:xfrm>
+            <a:off x="449179" y="465221"/>
+            <a:ext cx="5910592" cy="707886"/>
+          </a:xfrm>
+          <a:prstGeom prst="rect">
+            <a:avLst/>
+          </a:prstGeom>
+          <a:noFill/>
+        </p:spPr>
+        <p:txBody>
+          <a:bodyPr wrap="none" rtlCol="0">
+            <a:spAutoFit/>
+          </a:bodyPr>
+          <a:lstStyle/>
+          <a:p>
+            <a:r>
+              <a:rPr lang="en-US" altLang="ko-KR" sz="4000" b="1" dirty="0" smtClean="0">
+                <a:solidFill>
+                  <a:schemeClr val="accent1"/>
+                </a:solidFill>
+                <a:latin typeface="Arial" panose="020B0604020202020204" pitchFamily="34" charset="0"/>
+                <a:cs typeface="Arial" panose="020B0604020202020204" pitchFamily="34" charset="0"/>
+              </a:rPr>
+              <a:t>Custom </a:t>
+            </a:r>
+            <a:r>
+              <a:rPr lang="en-US" altLang="ko-KR" sz="4000" b="1" dirty="0" err="1" smtClean="0">
+                <a:solidFill>
+                  <a:schemeClr val="accent1"/>
+                </a:solidFill>
+                <a:latin typeface="Arial" panose="020B0604020202020204" pitchFamily="34" charset="0"/>
+                <a:cs typeface="Arial" panose="020B0604020202020204" pitchFamily="34" charset="0"/>
+              </a:rPr>
+              <a:t>RegionAdapter</a:t>
+            </a:r>
+            <a:endParaRPr lang="ko-KR" altLang="en-US" sz="4000" b="1" dirty="0">
+              <a:solidFill>
+                <a:schemeClr val="accent1"/>
+              </a:solidFill>
+              <a:latin typeface="Arial" panose="020B0604020202020204" pitchFamily="34" charset="0"/>
+              <a:cs typeface="Arial" panose="020B0604020202020204" pitchFamily="34" charset="0"/>
+            </a:endParaRPr>
+          </a:p>
+        </p:txBody>
+      </p:sp>
+      <p:pic>
+        <p:nvPicPr>
+          <p:cNvPr id="2" name="그림 1"/>
+          <p:cNvPicPr>
+            <a:picLocks noChangeAspect="1"/>
+          </p:cNvPicPr>
+          <p:nvPr/>
+        </p:nvPicPr>
+        <p:blipFill>
+          <a:blip r:embed="rId2"/>
+          <a:stretch>
+            <a:fillRect/>
+          </a:stretch>
+        </p:blipFill>
+        <p:spPr>
+          <a:xfrm>
+            <a:off x="2209800" y="1340034"/>
+            <a:ext cx="7772400" cy="5346332"/>
+          </a:xfrm>
+          <a:prstGeom prst="rect">
+            <a:avLst/>
+          </a:prstGeom>
+        </p:spPr>
+      </p:pic>
+    </p:spTree>
+    <p:extLst>
+      <p:ext uri="{BB962C8B-B14F-4D97-AF65-F5344CB8AC3E}">
+        <p14:creationId xmlns:p14="http://schemas.microsoft.com/office/powerpoint/2010/main" val="1194327983"/>
+      </p:ext>
+    </p:extLst>
+  </p:cSld>
+  <p:clrMapOvr>
+    <a:masterClrMapping/>
+  </p:clrMapOvr>
+  <p:timing>
+    <p:tnLst>
+      <p:par>
+        <p:cTn id="1" dur="indefinite" restart="never" nodeType="tmRoot"/>
+      </p:par>
+    </p:tnLst>
+  </p:timing>
+</p:sld>
+</file>
+
+<file path=ppt/slides/slide15.xml><?xml version="1.0" encoding="utf-8"?>
+<p:sld xmlns:a="http://schemas.openxmlformats.org/drawingml/2006/main" xmlns:r="http://schemas.openxmlformats.org/officeDocument/2006/relationships" xmlns:p="http://schemas.openxmlformats.org/presentationml/2006/main">
+  <p:cSld>
+    <p:spTree>
+      <p:nvGrpSpPr>
+        <p:cNvPr id="1" name=""/>
+        <p:cNvGrpSpPr/>
+        <p:nvPr/>
+      </p:nvGrpSpPr>
+      <p:grpSpPr>
+        <a:xfrm>
+          <a:off x="0" y="0"/>
+          <a:ext cx="0" cy="0"/>
+          <a:chOff x="0" y="0"/>
+          <a:chExt cx="0" cy="0"/>
+        </a:xfrm>
+      </p:grpSpPr>
+      <p:sp>
+        <p:nvSpPr>
+          <p:cNvPr id="5" name="TextBox 4"/>
+          <p:cNvSpPr txBox="1"/>
+          <p:nvPr/>
+        </p:nvSpPr>
+        <p:spPr>
+          <a:xfrm>
+            <a:off x="449179" y="465221"/>
+            <a:ext cx="4770858" cy="707886"/>
+          </a:xfrm>
+          <a:prstGeom prst="rect">
+            <a:avLst/>
+          </a:prstGeom>
+          <a:noFill/>
+        </p:spPr>
+        <p:txBody>
+          <a:bodyPr wrap="none" rtlCol="0">
+            <a:spAutoFit/>
+          </a:bodyPr>
+          <a:lstStyle/>
+          <a:p>
+            <a:r>
+              <a:rPr lang="en-US" altLang="ko-KR" sz="4000" b="1" dirty="0" err="1">
+                <a:solidFill>
+                  <a:schemeClr val="accent1"/>
+                </a:solidFill>
+                <a:latin typeface="Arial" panose="020B0604020202020204" pitchFamily="34" charset="0"/>
+                <a:cs typeface="Arial" panose="020B0604020202020204" pitchFamily="34" charset="0"/>
+              </a:rPr>
+              <a:t>RegionAdapter</a:t>
+            </a:r>
+            <a:r>
+              <a:rPr lang="en-US" altLang="ko-KR" sz="4000" b="1" dirty="0">
+                <a:solidFill>
+                  <a:schemeClr val="accent1"/>
+                </a:solidFill>
+                <a:latin typeface="Arial" panose="020B0604020202020204" pitchFamily="34" charset="0"/>
+                <a:cs typeface="Arial" panose="020B0604020202020204" pitchFamily="34" charset="0"/>
+              </a:rPr>
+              <a:t>&lt;T&gt;</a:t>
+            </a:r>
+            <a:endParaRPr lang="ko-KR" altLang="en-US" sz="4000" b="1" dirty="0">
+              <a:solidFill>
+                <a:schemeClr val="accent1"/>
+              </a:solidFill>
+              <a:latin typeface="Arial" panose="020B0604020202020204" pitchFamily="34" charset="0"/>
+              <a:cs typeface="Arial" panose="020B0604020202020204" pitchFamily="34" charset="0"/>
+            </a:endParaRPr>
+          </a:p>
+        </p:txBody>
+      </p:sp>
+      <p:pic>
+        <p:nvPicPr>
+          <p:cNvPr id="3" name="그림 2"/>
+          <p:cNvPicPr>
+            <a:picLocks noChangeAspect="1"/>
+          </p:cNvPicPr>
+          <p:nvPr/>
+        </p:nvPicPr>
+        <p:blipFill>
+          <a:blip r:embed="rId2"/>
+          <a:stretch>
+            <a:fillRect/>
+          </a:stretch>
+        </p:blipFill>
+        <p:spPr>
+          <a:xfrm>
+            <a:off x="1382037" y="1925685"/>
+            <a:ext cx="9427926" cy="4209128"/>
+          </a:xfrm>
+          <a:prstGeom prst="rect">
+            <a:avLst/>
+          </a:prstGeom>
+        </p:spPr>
+      </p:pic>
+      <p:sp>
+        <p:nvSpPr>
+          <p:cNvPr id="4" name="직사각형 3"/>
+          <p:cNvSpPr/>
+          <p:nvPr/>
+        </p:nvSpPr>
+        <p:spPr>
+          <a:xfrm>
+            <a:off x="1741118" y="4446740"/>
+            <a:ext cx="8981161" cy="1440493"/>
+          </a:xfrm>
+          <a:prstGeom prst="rect">
+            <a:avLst/>
+          </a:prstGeom>
+          <a:noFill/>
+          <a:ln w="50800">
+            <a:solidFill>
+              <a:srgbClr val="FF0000"/>
+            </a:solidFill>
+          </a:ln>
+        </p:spPr>
+        <p:style>
+          <a:lnRef idx="2">
+            <a:schemeClr val="accent1">
+              <a:shade val="50000"/>
+            </a:schemeClr>
+          </a:lnRef>
+          <a:fillRef idx="1">
+            <a:schemeClr val="accent1"/>
+          </a:fillRef>
+          <a:effectRef idx="0">
+            <a:schemeClr val="accent1"/>
+          </a:effectRef>
+          <a:fontRef idx="minor">
+            <a:schemeClr val="lt1"/>
+          </a:fontRef>
+        </p:style>
+        <p:txBody>
+          <a:bodyPr rtlCol="0" anchor="ctr"/>
+          <a:lstStyle/>
+          <a:p>
+            <a:pPr algn="ctr"/>
+            <a:endParaRPr lang="ko-KR" altLang="en-US"/>
+          </a:p>
+        </p:txBody>
+      </p:sp>
+    </p:spTree>
+    <p:extLst>
+      <p:ext uri="{BB962C8B-B14F-4D97-AF65-F5344CB8AC3E}">
+        <p14:creationId xmlns:p14="http://schemas.microsoft.com/office/powerpoint/2010/main" val="4037181629"/>
+      </p:ext>
+    </p:extLst>
+  </p:cSld>
+  <p:clrMapOvr>
+    <a:masterClrMapping/>
+  </p:clrMapOvr>
+  <p:timing>
+    <p:tnLst>
+      <p:par>
+        <p:cTn id="1" dur="indefinite" restart="never" nodeType="tmRoot"/>
+      </p:par>
+    </p:tnLst>
+  </p:timing>
+</p:sld>
+</file>
+
+<file path=ppt/slides/slide16.xml><?xml version="1.0" encoding="utf-8"?>
+<p:sld xmlns:a="http://schemas.openxmlformats.org/drawingml/2006/main" xmlns:r="http://schemas.openxmlformats.org/officeDocument/2006/relationships" xmlns:p="http://schemas.openxmlformats.org/presentationml/2006/main">
+  <p:cSld>
+    <p:spTree>
+      <p:nvGrpSpPr>
+        <p:cNvPr id="1" name=""/>
+        <p:cNvGrpSpPr/>
+        <p:nvPr/>
+      </p:nvGrpSpPr>
+      <p:grpSpPr>
+        <a:xfrm>
+          <a:off x="0" y="0"/>
+          <a:ext cx="0" cy="0"/>
+          <a:chOff x="0" y="0"/>
+          <a:chExt cx="0" cy="0"/>
+        </a:xfrm>
+      </p:grpSpPr>
+      <p:sp>
+        <p:nvSpPr>
+          <p:cNvPr id="4" name="TextBox 3"/>
+          <p:cNvSpPr txBox="1"/>
+          <p:nvPr/>
+        </p:nvSpPr>
+        <p:spPr>
+          <a:xfrm>
+            <a:off x="449179" y="2177427"/>
+            <a:ext cx="10446514" cy="1754326"/>
+          </a:xfrm>
+          <a:prstGeom prst="rect">
+            <a:avLst/>
+          </a:prstGeom>
+          <a:noFill/>
+        </p:spPr>
+        <p:txBody>
+          <a:bodyPr wrap="none" rtlCol="0">
+            <a:spAutoFit/>
+          </a:bodyPr>
+          <a:lstStyle/>
+          <a:p>
+            <a:r>
+              <a:rPr lang="en-US" altLang="ko-KR" dirty="0" smtClean="0"/>
+              <a:t>Prism</a:t>
+            </a:r>
+            <a:r>
+              <a:rPr lang="ko-KR" altLang="en-US" dirty="0" smtClean="0"/>
+              <a:t>의 </a:t>
+            </a:r>
+            <a:r>
+              <a:rPr lang="en-US" altLang="ko-KR" dirty="0" smtClean="0"/>
+              <a:t>Region</a:t>
+            </a:r>
+            <a:r>
+              <a:rPr lang="ko-KR" altLang="en-US" dirty="0" smtClean="0"/>
+              <a:t>에서 제공하는 기능으로 </a:t>
+            </a:r>
+            <a:r>
+              <a:rPr lang="en-US" altLang="ko-KR" dirty="0" smtClean="0"/>
+              <a:t>WPF</a:t>
+            </a:r>
+            <a:r>
+              <a:rPr lang="ko-KR" altLang="en-US" dirty="0" smtClean="0"/>
+              <a:t>에 있는 </a:t>
+            </a:r>
+            <a:r>
+              <a:rPr lang="en-US" altLang="ko-KR" b="1" dirty="0" smtClean="0">
+                <a:solidFill>
+                  <a:schemeClr val="accent1"/>
+                </a:solidFill>
+                <a:latin typeface="Arial" panose="020B0604020202020204" pitchFamily="34" charset="0"/>
+                <a:cs typeface="Arial" panose="020B0604020202020204" pitchFamily="34" charset="0"/>
+              </a:rPr>
+              <a:t>Behavior&lt;T&gt;</a:t>
+            </a:r>
+            <a:r>
+              <a:rPr lang="en-US" altLang="ko-KR" dirty="0" smtClean="0"/>
+              <a:t> </a:t>
+            </a:r>
+            <a:r>
+              <a:rPr lang="ko-KR" altLang="en-US" dirty="0" smtClean="0"/>
+              <a:t>클래스와 같은 기능을 제공한다</a:t>
+            </a:r>
+            <a:r>
+              <a:rPr lang="en-US" altLang="ko-KR" dirty="0" smtClean="0"/>
+              <a:t>.</a:t>
+            </a:r>
+          </a:p>
+          <a:p>
+            <a:endParaRPr lang="en-US" altLang="ko-KR" dirty="0"/>
+          </a:p>
+          <a:p>
+            <a:pPr algn="just"/>
+            <a:r>
+              <a:rPr lang="en-US" altLang="ko-KR" b="1" dirty="0" smtClean="0">
+                <a:solidFill>
+                  <a:schemeClr val="accent1"/>
+                </a:solidFill>
+                <a:latin typeface="Arial" panose="020B0604020202020204" pitchFamily="34" charset="0"/>
+                <a:cs typeface="Arial" panose="020B0604020202020204" pitchFamily="34" charset="0"/>
+              </a:rPr>
+              <a:t>Behavior&lt;T&gt; </a:t>
+            </a:r>
+            <a:r>
+              <a:rPr lang="ko-KR" altLang="en-US" dirty="0" smtClean="0"/>
+              <a:t>클래스는</a:t>
+            </a:r>
+            <a:r>
+              <a:rPr lang="en-US" altLang="ko-KR" dirty="0" smtClean="0"/>
+              <a:t> </a:t>
+            </a:r>
+            <a:r>
+              <a:rPr lang="ko-KR" altLang="en-US" dirty="0" smtClean="0"/>
+              <a:t>트리거 객체에 추가 상태</a:t>
+            </a:r>
+            <a:r>
+              <a:rPr lang="en-US" altLang="ko-KR" dirty="0" smtClean="0"/>
+              <a:t>(?)</a:t>
+            </a:r>
+            <a:r>
+              <a:rPr lang="ko-KR" altLang="en-US" dirty="0" smtClean="0"/>
+              <a:t>와 명령어를 제공하기 위한 클래스 이다</a:t>
+            </a:r>
+            <a:r>
+              <a:rPr lang="en-US" altLang="ko-KR" dirty="0" smtClean="0"/>
+              <a:t>.</a:t>
+            </a:r>
+          </a:p>
+          <a:p>
+            <a:endParaRPr lang="en-US" altLang="ko-KR" dirty="0"/>
+          </a:p>
+          <a:p>
+            <a:r>
+              <a:rPr lang="ko-KR" altLang="en-US" dirty="0" smtClean="0"/>
+              <a:t>직접 구현할 필요는 없지만 </a:t>
+            </a:r>
+            <a:r>
+              <a:rPr lang="en-US" altLang="ko-KR" dirty="0" smtClean="0"/>
+              <a:t>Region</a:t>
+            </a:r>
+            <a:r>
+              <a:rPr lang="ko-KR" altLang="en-US" dirty="0" smtClean="0"/>
+              <a:t>에 </a:t>
+            </a:r>
+            <a:r>
+              <a:rPr lang="en-US" altLang="ko-KR" dirty="0" smtClean="0"/>
+              <a:t>Attach</a:t>
+            </a:r>
+            <a:r>
+              <a:rPr lang="ko-KR" altLang="en-US" dirty="0" smtClean="0"/>
+              <a:t>가 되었을 때 </a:t>
+            </a:r>
+            <a:r>
+              <a:rPr lang="en-US" altLang="ko-KR" dirty="0" smtClean="0"/>
+              <a:t>View </a:t>
+            </a:r>
+            <a:r>
+              <a:rPr lang="ko-KR" altLang="en-US" dirty="0" smtClean="0"/>
+              <a:t>혹은 </a:t>
+            </a:r>
+            <a:r>
+              <a:rPr lang="en-US" altLang="ko-KR" dirty="0" err="1" smtClean="0"/>
+              <a:t>ViewModel</a:t>
+            </a:r>
+            <a:r>
+              <a:rPr lang="ko-KR" altLang="en-US" dirty="0" smtClean="0"/>
+              <a:t>에서 </a:t>
+            </a:r>
+            <a:endParaRPr lang="en-US" altLang="ko-KR" dirty="0" smtClean="0"/>
+          </a:p>
+          <a:p>
+            <a:r>
+              <a:rPr lang="ko-KR" altLang="en-US" dirty="0" smtClean="0"/>
+              <a:t>이벤트가 발생하여 </a:t>
+            </a:r>
+            <a:r>
+              <a:rPr lang="en-US" altLang="ko-KR" dirty="0" smtClean="0"/>
+              <a:t>Region</a:t>
+            </a:r>
+            <a:r>
+              <a:rPr lang="ko-KR" altLang="en-US" dirty="0" smtClean="0"/>
+              <a:t>을 변경할 때 필요하다</a:t>
+            </a:r>
+            <a:r>
+              <a:rPr lang="en-US" altLang="ko-KR" dirty="0" smtClean="0"/>
+              <a:t>.</a:t>
+            </a:r>
+            <a:endParaRPr lang="en-US" altLang="ko-KR" dirty="0"/>
+          </a:p>
+        </p:txBody>
+      </p:sp>
+      <p:sp>
+        <p:nvSpPr>
+          <p:cNvPr id="5" name="TextBox 4"/>
+          <p:cNvSpPr txBox="1"/>
+          <p:nvPr/>
+        </p:nvSpPr>
+        <p:spPr>
+          <a:xfrm>
+            <a:off x="449179" y="465221"/>
+            <a:ext cx="4115229" cy="707886"/>
+          </a:xfrm>
+          <a:prstGeom prst="rect">
+            <a:avLst/>
+          </a:prstGeom>
+          <a:noFill/>
+        </p:spPr>
+        <p:txBody>
+          <a:bodyPr wrap="none" rtlCol="0">
+            <a:spAutoFit/>
+          </a:bodyPr>
+          <a:lstStyle/>
+          <a:p>
+            <a:r>
+              <a:rPr lang="en-US" altLang="ko-KR" sz="4000" b="1" dirty="0" err="1" smtClean="0">
+                <a:solidFill>
+                  <a:schemeClr val="accent1"/>
+                </a:solidFill>
+                <a:latin typeface="Arial" panose="020B0604020202020204" pitchFamily="34" charset="0"/>
+                <a:cs typeface="Arial" panose="020B0604020202020204" pitchFamily="34" charset="0"/>
+              </a:rPr>
+              <a:t>RegionBehavior</a:t>
+            </a:r>
+            <a:endParaRPr lang="ko-KR" altLang="en-US" sz="4000" b="1" dirty="0">
+              <a:solidFill>
+                <a:schemeClr val="accent1"/>
+              </a:solidFill>
+              <a:latin typeface="Arial" panose="020B0604020202020204" pitchFamily="34" charset="0"/>
+              <a:cs typeface="Arial" panose="020B0604020202020204" pitchFamily="34" charset="0"/>
+            </a:endParaRPr>
+          </a:p>
+        </p:txBody>
+      </p:sp>
+    </p:spTree>
+    <p:extLst>
+      <p:ext uri="{BB962C8B-B14F-4D97-AF65-F5344CB8AC3E}">
+        <p14:creationId xmlns:p14="http://schemas.microsoft.com/office/powerpoint/2010/main" val="4286949109"/>
+      </p:ext>
+    </p:extLst>
+  </p:cSld>
+  <p:clrMapOvr>
+    <a:masterClrMapping/>
+  </p:clrMapOvr>
+  <p:timing>
+    <p:tnLst>
+      <p:par>
+        <p:cTn id="1" dur="indefinite" restart="never" nodeType="tmRoot"/>
+      </p:par>
+    </p:tnLst>
+  </p:timing>
+</p:sld>
+</file>
+
+<file path=ppt/slides/slide17.xml><?xml version="1.0" encoding="utf-8"?>
+<p:sld xmlns:a="http://schemas.openxmlformats.org/drawingml/2006/main" xmlns:r="http://schemas.openxmlformats.org/officeDocument/2006/relationships" xmlns:p="http://schemas.openxmlformats.org/presentationml/2006/main">
+  <p:cSld>
+    <p:spTree>
+      <p:nvGrpSpPr>
+        <p:cNvPr id="1" name=""/>
+        <p:cNvGrpSpPr/>
+        <p:nvPr/>
+      </p:nvGrpSpPr>
+      <p:grpSpPr>
+        <a:xfrm>
+          <a:off x="0" y="0"/>
+          <a:ext cx="0" cy="0"/>
+          <a:chOff x="0" y="0"/>
+          <a:chExt cx="0" cy="0"/>
+        </a:xfrm>
+      </p:grpSpPr>
+      <p:sp>
+        <p:nvSpPr>
+          <p:cNvPr id="5" name="TextBox 4"/>
+          <p:cNvSpPr txBox="1"/>
+          <p:nvPr/>
+        </p:nvSpPr>
+        <p:spPr>
+          <a:xfrm>
+            <a:off x="449179" y="465221"/>
+            <a:ext cx="4115229" cy="707886"/>
+          </a:xfrm>
+          <a:prstGeom prst="rect">
+            <a:avLst/>
+          </a:prstGeom>
+          <a:noFill/>
+        </p:spPr>
+        <p:txBody>
+          <a:bodyPr wrap="none" rtlCol="0">
+            <a:spAutoFit/>
+          </a:bodyPr>
+          <a:lstStyle/>
+          <a:p>
+            <a:r>
+              <a:rPr lang="en-US" altLang="ko-KR" sz="4000" b="1" dirty="0" err="1" smtClean="0">
+                <a:solidFill>
+                  <a:schemeClr val="accent1"/>
+                </a:solidFill>
+                <a:latin typeface="Arial" panose="020B0604020202020204" pitchFamily="34" charset="0"/>
+                <a:cs typeface="Arial" panose="020B0604020202020204" pitchFamily="34" charset="0"/>
+              </a:rPr>
+              <a:t>RegionBehavior</a:t>
+            </a:r>
+            <a:endParaRPr lang="ko-KR" altLang="en-US" sz="4000" b="1" dirty="0">
+              <a:solidFill>
+                <a:schemeClr val="accent1"/>
+              </a:solidFill>
+              <a:latin typeface="Arial" panose="020B0604020202020204" pitchFamily="34" charset="0"/>
+              <a:cs typeface="Arial" panose="020B0604020202020204" pitchFamily="34" charset="0"/>
+            </a:endParaRPr>
+          </a:p>
+        </p:txBody>
+      </p:sp>
+      <p:pic>
+        <p:nvPicPr>
+          <p:cNvPr id="2" name="그림 1"/>
+          <p:cNvPicPr>
+            <a:picLocks noChangeAspect="1"/>
+          </p:cNvPicPr>
+          <p:nvPr/>
+        </p:nvPicPr>
+        <p:blipFill>
+          <a:blip r:embed="rId2"/>
+          <a:stretch>
+            <a:fillRect/>
+          </a:stretch>
+        </p:blipFill>
+        <p:spPr>
+          <a:xfrm>
+            <a:off x="2834877" y="1173107"/>
+            <a:ext cx="5912646" cy="5506278"/>
+          </a:xfrm>
+          <a:prstGeom prst="rect">
+            <a:avLst/>
+          </a:prstGeom>
+        </p:spPr>
+      </p:pic>
+    </p:spTree>
+    <p:extLst>
+      <p:ext uri="{BB962C8B-B14F-4D97-AF65-F5344CB8AC3E}">
+        <p14:creationId xmlns:p14="http://schemas.microsoft.com/office/powerpoint/2010/main" val="1924594116"/>
+      </p:ext>
+    </p:extLst>
+  </p:cSld>
+  <p:clrMapOvr>
+    <a:masterClrMapping/>
+  </p:clrMapOvr>
+  <p:timing>
+    <p:tnLst>
+      <p:par>
+        <p:cTn id="1" dur="indefinite" restart="never" nodeType="tmRoot"/>
+      </p:par>
+    </p:tnLst>
+  </p:timing>
+</p:sld>
+</file>
+
+<file path=ppt/slides/slide18.xml><?xml version="1.0" encoding="utf-8"?>
+<p:sld xmlns:a="http://schemas.openxmlformats.org/drawingml/2006/main" xmlns:r="http://schemas.openxmlformats.org/officeDocument/2006/relationships" xmlns:p="http://schemas.openxmlformats.org/presentationml/2006/main">
+  <p:cSld>
+    <p:spTree>
+      <p:nvGrpSpPr>
+        <p:cNvPr id="1" name=""/>
+        <p:cNvGrpSpPr/>
+        <p:nvPr/>
+      </p:nvGrpSpPr>
+      <p:grpSpPr>
+        <a:xfrm>
+          <a:off x="0" y="0"/>
+          <a:ext cx="0" cy="0"/>
+          <a:chOff x="0" y="0"/>
+          <a:chExt cx="0" cy="0"/>
+        </a:xfrm>
+      </p:grpSpPr>
+      <p:sp>
+        <p:nvSpPr>
+          <p:cNvPr id="5" name="TextBox 4"/>
+          <p:cNvSpPr txBox="1"/>
+          <p:nvPr/>
+        </p:nvSpPr>
+        <p:spPr>
+          <a:xfrm>
+            <a:off x="449179" y="465221"/>
+            <a:ext cx="4115229" cy="707886"/>
+          </a:xfrm>
+          <a:prstGeom prst="rect">
+            <a:avLst/>
+          </a:prstGeom>
+          <a:noFill/>
+        </p:spPr>
+        <p:txBody>
+          <a:bodyPr wrap="none" rtlCol="0">
+            <a:spAutoFit/>
+          </a:bodyPr>
+          <a:lstStyle/>
+          <a:p>
+            <a:r>
+              <a:rPr lang="en-US" altLang="ko-KR" sz="4000" b="1" dirty="0" err="1" smtClean="0">
+                <a:solidFill>
+                  <a:schemeClr val="accent1"/>
+                </a:solidFill>
+                <a:latin typeface="Arial" panose="020B0604020202020204" pitchFamily="34" charset="0"/>
+                <a:cs typeface="Arial" panose="020B0604020202020204" pitchFamily="34" charset="0"/>
+              </a:rPr>
+              <a:t>RegionBehavior</a:t>
+            </a:r>
+            <a:endParaRPr lang="ko-KR" altLang="en-US" sz="4000" b="1" dirty="0">
+              <a:solidFill>
+                <a:schemeClr val="accent1"/>
+              </a:solidFill>
+              <a:latin typeface="Arial" panose="020B0604020202020204" pitchFamily="34" charset="0"/>
+              <a:cs typeface="Arial" panose="020B0604020202020204" pitchFamily="34" charset="0"/>
+            </a:endParaRPr>
+          </a:p>
+        </p:txBody>
+      </p:sp>
+      <p:pic>
+        <p:nvPicPr>
+          <p:cNvPr id="8" name="그림 7"/>
+          <p:cNvPicPr>
+            <a:picLocks noChangeAspect="1"/>
+          </p:cNvPicPr>
+          <p:nvPr/>
+        </p:nvPicPr>
+        <p:blipFill>
+          <a:blip r:embed="rId2"/>
+          <a:stretch>
+            <a:fillRect/>
+          </a:stretch>
+        </p:blipFill>
+        <p:spPr>
+          <a:xfrm>
+            <a:off x="2260577" y="1398394"/>
+            <a:ext cx="8055858" cy="5141494"/>
+          </a:xfrm>
+          <a:prstGeom prst="rect">
+            <a:avLst/>
+          </a:prstGeom>
+        </p:spPr>
+      </p:pic>
+    </p:spTree>
+    <p:extLst>
+      <p:ext uri="{BB962C8B-B14F-4D97-AF65-F5344CB8AC3E}">
+        <p14:creationId xmlns:p14="http://schemas.microsoft.com/office/powerpoint/2010/main" val="385659086"/>
+      </p:ext>
+    </p:extLst>
+  </p:cSld>
+  <p:clrMapOvr>
+    <a:masterClrMapping/>
+  </p:clrMapOvr>
+  <p:timing>
+    <p:tnLst>
+      <p:par>
+        <p:cTn id="1" dur="indefinite" restart="never" nodeType="tmRoot"/>
+      </p:par>
+    </p:tnLst>
+  </p:timing>
+</p:sld>
+</file>
+
+<file path=ppt/slides/slide19.xml><?xml version="1.0" encoding="utf-8"?>
+<p:sld xmlns:a="http://schemas.openxmlformats.org/drawingml/2006/main" xmlns:r="http://schemas.openxmlformats.org/officeDocument/2006/relationships" xmlns:p="http://schemas.openxmlformats.org/presentationml/2006/main">
+  <p:cSld>
+    <p:spTree>
+      <p:nvGrpSpPr>
+        <p:cNvPr id="1" name=""/>
+        <p:cNvGrpSpPr/>
+        <p:nvPr/>
+      </p:nvGrpSpPr>
+      <p:grpSpPr>
+        <a:xfrm>
+          <a:off x="0" y="0"/>
+          <a:ext cx="0" cy="0"/>
+          <a:chOff x="0" y="0"/>
+          <a:chExt cx="0" cy="0"/>
+        </a:xfrm>
+      </p:grpSpPr>
+      <p:sp>
+        <p:nvSpPr>
+          <p:cNvPr id="5" name="TextBox 4"/>
+          <p:cNvSpPr txBox="1"/>
+          <p:nvPr/>
+        </p:nvSpPr>
+        <p:spPr>
+          <a:xfrm>
+            <a:off x="449179" y="465221"/>
+            <a:ext cx="4115229" cy="707886"/>
+          </a:xfrm>
+          <a:prstGeom prst="rect">
+            <a:avLst/>
+          </a:prstGeom>
+          <a:noFill/>
+        </p:spPr>
+        <p:txBody>
+          <a:bodyPr wrap="none" rtlCol="0">
+            <a:spAutoFit/>
+          </a:bodyPr>
+          <a:lstStyle/>
+          <a:p>
+            <a:r>
+              <a:rPr lang="en-US" altLang="ko-KR" sz="4000" b="1" dirty="0" err="1" smtClean="0">
+                <a:solidFill>
+                  <a:schemeClr val="accent1"/>
+                </a:solidFill>
+                <a:latin typeface="Arial" panose="020B0604020202020204" pitchFamily="34" charset="0"/>
+                <a:cs typeface="Arial" panose="020B0604020202020204" pitchFamily="34" charset="0"/>
+              </a:rPr>
+              <a:t>RegionBehavior</a:t>
+            </a:r>
+            <a:endParaRPr lang="ko-KR" altLang="en-US" sz="4000" b="1" dirty="0">
+              <a:solidFill>
+                <a:schemeClr val="accent1"/>
+              </a:solidFill>
+              <a:latin typeface="Arial" panose="020B0604020202020204" pitchFamily="34" charset="0"/>
+              <a:cs typeface="Arial" panose="020B0604020202020204" pitchFamily="34" charset="0"/>
+            </a:endParaRPr>
+          </a:p>
+        </p:txBody>
+      </p:sp>
+      <p:pic>
+        <p:nvPicPr>
+          <p:cNvPr id="2" name="그림 1"/>
+          <p:cNvPicPr>
+            <a:picLocks noChangeAspect="1"/>
+          </p:cNvPicPr>
+          <p:nvPr/>
+        </p:nvPicPr>
+        <p:blipFill>
+          <a:blip r:embed="rId2"/>
+          <a:stretch>
+            <a:fillRect/>
+          </a:stretch>
+        </p:blipFill>
+        <p:spPr>
+          <a:xfrm>
+            <a:off x="2663688" y="1378619"/>
+            <a:ext cx="6944138" cy="5127978"/>
+          </a:xfrm>
+          <a:prstGeom prst="rect">
+            <a:avLst/>
+          </a:prstGeom>
+        </p:spPr>
+      </p:pic>
+      <p:sp>
+        <p:nvSpPr>
+          <p:cNvPr id="3" name="직사각형 2"/>
+          <p:cNvSpPr/>
+          <p:nvPr/>
+        </p:nvSpPr>
+        <p:spPr>
+          <a:xfrm>
+            <a:off x="2968487" y="4982817"/>
+            <a:ext cx="6493565" cy="1219200"/>
+          </a:xfrm>
+          <a:prstGeom prst="rect">
+            <a:avLst/>
+          </a:prstGeom>
+          <a:noFill/>
+          <a:ln w="50800">
+            <a:solidFill>
+              <a:srgbClr val="FF0000"/>
+            </a:solidFill>
+          </a:ln>
+        </p:spPr>
+        <p:style>
+          <a:lnRef idx="2">
+            <a:schemeClr val="accent1">
+              <a:shade val="50000"/>
+            </a:schemeClr>
+          </a:lnRef>
+          <a:fillRef idx="1">
+            <a:schemeClr val="accent1"/>
+          </a:fillRef>
+          <a:effectRef idx="0">
+            <a:schemeClr val="accent1"/>
+          </a:effectRef>
+          <a:fontRef idx="minor">
+            <a:schemeClr val="lt1"/>
+          </a:fontRef>
+        </p:style>
+        <p:txBody>
+          <a:bodyPr rtlCol="0" anchor="ctr"/>
+          <a:lstStyle/>
+          <a:p>
+            <a:pPr algn="ctr"/>
+            <a:endParaRPr lang="ko-KR" altLang="en-US"/>
+          </a:p>
+        </p:txBody>
+      </p:sp>
+    </p:spTree>
+    <p:extLst>
+      <p:ext uri="{BB962C8B-B14F-4D97-AF65-F5344CB8AC3E}">
+        <p14:creationId xmlns:p14="http://schemas.microsoft.com/office/powerpoint/2010/main" val="3874720455"/>
+      </p:ext>
+    </p:extLst>
+  </p:cSld>
+  <p:clrMapOvr>
+    <a:masterClrMapping/>
+  </p:clrMapOvr>
+  <p:timing>
+    <p:tnLst>
+      <p:par>
+        <p:cTn id="1" dur="indefinite" restart="never" nodeType="tmRoot"/>
+      </p:par>
+    </p:tnLst>
+  </p:timing>
+</p:sld>
+</file>
+
+<file path=ppt/slides/slide2.xml><?xml version="1.0" encoding="utf-8"?>
+<p:sld xmlns:a="http://schemas.openxmlformats.org/drawingml/2006/main" xmlns:r="http://schemas.openxmlformats.org/officeDocument/2006/relationships" xmlns:p="http://schemas.openxmlformats.org/presentationml/2006/main">
+  <p:cSld>
+    <p:spTree>
+      <p:nvGrpSpPr>
+        <p:cNvPr id="1" name=""/>
+        <p:cNvGrpSpPr/>
+        <p:nvPr/>
+      </p:nvGrpSpPr>
+      <p:grpSpPr>
+        <a:xfrm>
+          <a:off x="0" y="0"/>
+          <a:ext cx="0" cy="0"/>
+          <a:chOff x="0" y="0"/>
+          <a:chExt cx="0" cy="0"/>
+        </a:xfrm>
+      </p:grpSpPr>
+      <p:sp>
+        <p:nvSpPr>
+          <p:cNvPr id="5" name="TextBox 4"/>
+          <p:cNvSpPr txBox="1"/>
+          <p:nvPr/>
+        </p:nvSpPr>
+        <p:spPr>
+          <a:xfrm>
+            <a:off x="449179" y="465221"/>
+            <a:ext cx="6082114" cy="707886"/>
+          </a:xfrm>
+          <a:prstGeom prst="rect">
+            <a:avLst/>
+          </a:prstGeom>
+          <a:noFill/>
+        </p:spPr>
+        <p:txBody>
+          <a:bodyPr wrap="none" rtlCol="0">
+            <a:spAutoFit/>
+          </a:bodyPr>
+          <a:lstStyle/>
+          <a:p>
+            <a:r>
+              <a:rPr lang="en-US" altLang="ko-KR" sz="4000" b="1" dirty="0" err="1" smtClean="0">
+                <a:solidFill>
+                  <a:schemeClr val="accent1"/>
+                </a:solidFill>
+                <a:latin typeface="Arial" panose="020B0604020202020204" pitchFamily="34" charset="0"/>
+                <a:cs typeface="Arial" panose="020B0604020202020204" pitchFamily="34" charset="0"/>
+              </a:rPr>
+              <a:t>INotifyPropertyChanged</a:t>
+            </a:r>
+            <a:endParaRPr lang="ko-KR" altLang="en-US" sz="4000" b="1" dirty="0">
+              <a:solidFill>
+                <a:schemeClr val="accent1"/>
+              </a:solidFill>
+              <a:latin typeface="Arial" panose="020B0604020202020204" pitchFamily="34" charset="0"/>
+              <a:cs typeface="Arial" panose="020B0604020202020204" pitchFamily="34" charset="0"/>
+            </a:endParaRPr>
+          </a:p>
+        </p:txBody>
+      </p:sp>
+      <p:pic>
+        <p:nvPicPr>
+          <p:cNvPr id="2" name="그림 1"/>
+          <p:cNvPicPr>
+            <a:picLocks noChangeAspect="1"/>
+          </p:cNvPicPr>
+          <p:nvPr/>
+        </p:nvPicPr>
+        <p:blipFill>
+          <a:blip r:embed="rId2"/>
+          <a:stretch>
+            <a:fillRect/>
+          </a:stretch>
+        </p:blipFill>
+        <p:spPr>
+          <a:xfrm>
+            <a:off x="1117296" y="2148214"/>
+            <a:ext cx="9957408" cy="3463446"/>
+          </a:xfrm>
+          <a:prstGeom prst="rect">
+            <a:avLst/>
+          </a:prstGeom>
+        </p:spPr>
+      </p:pic>
+    </p:spTree>
+    <p:extLst>
+      <p:ext uri="{BB962C8B-B14F-4D97-AF65-F5344CB8AC3E}">
+        <p14:creationId xmlns:p14="http://schemas.microsoft.com/office/powerpoint/2010/main" val="1172427522"/>
+      </p:ext>
+    </p:extLst>
+  </p:cSld>
+  <p:clrMapOvr>
+    <a:masterClrMapping/>
+  </p:clrMapOvr>
+  <p:timing>
+    <p:tnLst>
+      <p:par>
+        <p:cTn id="1" dur="indefinite" restart="never" nodeType="tmRoot"/>
+      </p:par>
+    </p:tnLst>
+  </p:timing>
+</p:sld>
+</file>
+
+<file path=ppt/slides/slide20.xml><?xml version="1.0" encoding="utf-8"?>
+<p:sld xmlns:a="http://schemas.openxmlformats.org/drawingml/2006/main" xmlns:r="http://schemas.openxmlformats.org/officeDocument/2006/relationships" xmlns:p="http://schemas.openxmlformats.org/presentationml/2006/main">
+  <p:cSld>
+    <p:spTree>
+      <p:nvGrpSpPr>
+        <p:cNvPr id="1" name=""/>
+        <p:cNvGrpSpPr/>
+        <p:nvPr/>
+      </p:nvGrpSpPr>
+      <p:grpSpPr>
+        <a:xfrm>
+          <a:off x="0" y="0"/>
+          <a:ext cx="0" cy="0"/>
+          <a:chOff x="0" y="0"/>
+          <a:chExt cx="0" cy="0"/>
+        </a:xfrm>
+      </p:grpSpPr>
+      <p:sp>
+        <p:nvSpPr>
+          <p:cNvPr id="5" name="TextBox 4"/>
+          <p:cNvSpPr txBox="1"/>
+          <p:nvPr/>
+        </p:nvSpPr>
+        <p:spPr>
+          <a:xfrm>
+            <a:off x="449179" y="465221"/>
+            <a:ext cx="2236510" cy="707886"/>
+          </a:xfrm>
+          <a:prstGeom prst="rect">
+            <a:avLst/>
+          </a:prstGeom>
+          <a:noFill/>
+        </p:spPr>
+        <p:txBody>
+          <a:bodyPr wrap="none" rtlCol="0">
+            <a:spAutoFit/>
+          </a:bodyPr>
+          <a:lstStyle/>
+          <a:p>
+            <a:r>
+              <a:rPr lang="ko-KR" altLang="en-US" sz="4000" b="1" dirty="0" smtClean="0">
+                <a:solidFill>
+                  <a:schemeClr val="accent1"/>
+                </a:solidFill>
+                <a:latin typeface="Arial" panose="020B0604020202020204" pitchFamily="34" charset="0"/>
+                <a:cs typeface="Arial" panose="020B0604020202020204" pitchFamily="34" charset="0"/>
+              </a:rPr>
+              <a:t>참고자료</a:t>
+            </a:r>
+            <a:endParaRPr lang="ko-KR" altLang="en-US" sz="4000" b="1" dirty="0">
+              <a:solidFill>
+                <a:schemeClr val="accent1"/>
+              </a:solidFill>
+              <a:latin typeface="Arial" panose="020B0604020202020204" pitchFamily="34" charset="0"/>
+              <a:cs typeface="Arial" panose="020B0604020202020204" pitchFamily="34" charset="0"/>
+            </a:endParaRPr>
+          </a:p>
+        </p:txBody>
+      </p:sp>
+      <p:sp>
+        <p:nvSpPr>
+          <p:cNvPr id="6" name="TextBox 5"/>
+          <p:cNvSpPr txBox="1"/>
+          <p:nvPr/>
+        </p:nvSpPr>
+        <p:spPr>
+          <a:xfrm>
+            <a:off x="378634" y="2000250"/>
+            <a:ext cx="11434733" cy="3693319"/>
+          </a:xfrm>
+          <a:prstGeom prst="rect">
+            <a:avLst/>
+          </a:prstGeom>
+          <a:noFill/>
+        </p:spPr>
+        <p:txBody>
+          <a:bodyPr wrap="none" rtlCol="0">
+            <a:spAutoFit/>
+          </a:bodyPr>
+          <a:lstStyle/>
+          <a:p>
+            <a:r>
+              <a:rPr lang="en-US" altLang="ko-KR" dirty="0"/>
+              <a:t>Using </a:t>
+            </a:r>
+            <a:r>
+              <a:rPr lang="en-US" altLang="ko-KR" dirty="0" err="1"/>
+              <a:t>CallerMemberName</a:t>
+            </a:r>
+            <a:r>
+              <a:rPr lang="en-US" altLang="ko-KR" dirty="0"/>
+              <a:t> for property change notification in XAML apps</a:t>
+            </a:r>
+          </a:p>
+          <a:p>
+            <a:r>
+              <a:rPr lang="en-US" altLang="ko-KR" dirty="0">
+                <a:hlinkClick r:id="rId2"/>
+              </a:rPr>
+              <a:t>http://10rem.net/blog/2013/02/25/using-callermembername-for-property-change-notification-in-xaml-apps</a:t>
+            </a:r>
+            <a:endParaRPr lang="en-US" altLang="ko-KR" dirty="0"/>
+          </a:p>
+          <a:p>
+            <a:endParaRPr lang="en-US" altLang="ko-KR" dirty="0"/>
+          </a:p>
+          <a:p>
+            <a:r>
+              <a:rPr lang="en-US" altLang="ko-KR" dirty="0" smtClean="0"/>
+              <a:t>Introduction to PRISM</a:t>
+            </a:r>
+          </a:p>
+          <a:p>
+            <a:r>
+              <a:rPr lang="en-US" altLang="ko-KR" dirty="0">
+                <a:hlinkClick r:id="rId3"/>
+              </a:rPr>
+              <a:t>https://</a:t>
+            </a:r>
+            <a:r>
+              <a:rPr lang="en-US" altLang="ko-KR" dirty="0" smtClean="0">
+                <a:hlinkClick r:id="rId3"/>
+              </a:rPr>
+              <a:t>app.pluralsight.com/library/courses/prism-introduction/table-of-contents</a:t>
+            </a:r>
+            <a:endParaRPr lang="en-US" altLang="ko-KR" dirty="0" smtClean="0"/>
+          </a:p>
+          <a:p>
+            <a:endParaRPr lang="en-US" altLang="ko-KR" dirty="0"/>
+          </a:p>
+          <a:p>
+            <a:r>
+              <a:rPr lang="en-US" altLang="ko-KR" dirty="0" err="1" smtClean="0"/>
+              <a:t>PrismEdu</a:t>
+            </a:r>
+            <a:endParaRPr lang="en-US" altLang="ko-KR" dirty="0" smtClean="0"/>
+          </a:p>
+          <a:p>
+            <a:r>
+              <a:rPr lang="en-US" altLang="ko-KR" dirty="0">
+                <a:hlinkClick r:id="rId4"/>
+              </a:rPr>
+              <a:t>https://</a:t>
+            </a:r>
+            <a:r>
+              <a:rPr lang="en-US" altLang="ko-KR" dirty="0" smtClean="0">
+                <a:hlinkClick r:id="rId4"/>
+              </a:rPr>
+              <a:t>github.com/runceel/PrismEdu</a:t>
+            </a:r>
+            <a:endParaRPr lang="en-US" altLang="ko-KR" dirty="0" smtClean="0"/>
+          </a:p>
+          <a:p>
+            <a:endParaRPr lang="en-US" altLang="ko-KR" dirty="0"/>
+          </a:p>
+          <a:p>
+            <a:r>
+              <a:rPr lang="en-US" altLang="ko-KR" dirty="0"/>
+              <a:t>Prism Problems &amp; </a:t>
+            </a:r>
+            <a:r>
+              <a:rPr lang="en-US" altLang="ko-KR" dirty="0" smtClean="0"/>
+              <a:t>Solutions Series</a:t>
+            </a:r>
+          </a:p>
+          <a:p>
+            <a:r>
+              <a:rPr lang="en-US" altLang="ko-KR" dirty="0">
+                <a:hlinkClick r:id="rId5"/>
+              </a:rPr>
+              <a:t>https://</a:t>
+            </a:r>
+            <a:r>
+              <a:rPr lang="en-US" altLang="ko-KR" dirty="0" smtClean="0">
+                <a:hlinkClick r:id="rId5"/>
+              </a:rPr>
+              <a:t>app.pluralsight.com/profile/author/brian-lagunas</a:t>
+            </a:r>
+            <a:endParaRPr lang="en-US" altLang="ko-KR" dirty="0" smtClean="0"/>
+          </a:p>
+          <a:p>
+            <a:endParaRPr lang="en-US" altLang="ko-KR" dirty="0"/>
+          </a:p>
+          <a:p>
+            <a:endParaRPr lang="ko-KR" altLang="en-US" dirty="0"/>
+          </a:p>
+        </p:txBody>
+      </p:sp>
+    </p:spTree>
+    <p:extLst>
+      <p:ext uri="{BB962C8B-B14F-4D97-AF65-F5344CB8AC3E}">
+        <p14:creationId xmlns:p14="http://schemas.microsoft.com/office/powerpoint/2010/main" val="3746847513"/>
+      </p:ext>
+    </p:extLst>
+  </p:cSld>
+  <p:clrMapOvr>
+    <a:masterClrMapping/>
+  </p:clrMapOvr>
+  <p:timing>
+    <p:tnLst>
+      <p:par>
+        <p:cTn id="1" dur="indefinite" restart="never" nodeType="tmRoot"/>
+      </p:par>
+    </p:tnLst>
+  </p:timing>
+</p:sld>
+</file>
+
+<file path=ppt/slides/slide3.xml><?xml version="1.0" encoding="utf-8"?>
+<p:sld xmlns:a="http://schemas.openxmlformats.org/drawingml/2006/main" xmlns:r="http://schemas.openxmlformats.org/officeDocument/2006/relationships" xmlns:p="http://schemas.openxmlformats.org/presentationml/2006/main">
+  <p:cSld>
+    <p:spTree>
+      <p:nvGrpSpPr>
+        <p:cNvPr id="1" name=""/>
+        <p:cNvGrpSpPr/>
+        <p:nvPr/>
+      </p:nvGrpSpPr>
+      <p:grpSpPr>
+        <a:xfrm>
+          <a:off x="0" y="0"/>
+          <a:ext cx="0" cy="0"/>
+          <a:chOff x="0" y="0"/>
+          <a:chExt cx="0" cy="0"/>
+        </a:xfrm>
+      </p:grpSpPr>
+      <p:sp>
+        <p:nvSpPr>
+          <p:cNvPr id="5" name="TextBox 4"/>
+          <p:cNvSpPr txBox="1"/>
+          <p:nvPr/>
+        </p:nvSpPr>
+        <p:spPr>
+          <a:xfrm>
+            <a:off x="449179" y="465221"/>
+            <a:ext cx="6082114" cy="707886"/>
+          </a:xfrm>
+          <a:prstGeom prst="rect">
+            <a:avLst/>
+          </a:prstGeom>
+          <a:noFill/>
+        </p:spPr>
+        <p:txBody>
+          <a:bodyPr wrap="none" rtlCol="0">
+            <a:spAutoFit/>
+          </a:bodyPr>
+          <a:lstStyle/>
+          <a:p>
+            <a:r>
+              <a:rPr lang="en-US" altLang="ko-KR" sz="4000" b="1" dirty="0" err="1" smtClean="0">
+                <a:solidFill>
+                  <a:schemeClr val="accent1"/>
+                </a:solidFill>
+                <a:latin typeface="Arial" panose="020B0604020202020204" pitchFamily="34" charset="0"/>
+                <a:cs typeface="Arial" panose="020B0604020202020204" pitchFamily="34" charset="0"/>
+              </a:rPr>
+              <a:t>INotifyPropertyChanged</a:t>
+            </a:r>
+            <a:endParaRPr lang="ko-KR" altLang="en-US" sz="4000" b="1" dirty="0">
+              <a:solidFill>
+                <a:schemeClr val="accent1"/>
+              </a:solidFill>
+              <a:latin typeface="Arial" panose="020B0604020202020204" pitchFamily="34" charset="0"/>
+              <a:cs typeface="Arial" panose="020B0604020202020204" pitchFamily="34" charset="0"/>
+            </a:endParaRPr>
+          </a:p>
+        </p:txBody>
+      </p:sp>
+      <p:pic>
+        <p:nvPicPr>
+          <p:cNvPr id="2" name="그림 1"/>
+          <p:cNvPicPr>
+            <a:picLocks noChangeAspect="1"/>
+          </p:cNvPicPr>
+          <p:nvPr/>
+        </p:nvPicPr>
+        <p:blipFill>
+          <a:blip r:embed="rId2"/>
+          <a:stretch>
+            <a:fillRect/>
+          </a:stretch>
+        </p:blipFill>
+        <p:spPr>
+          <a:xfrm>
+            <a:off x="2897688" y="1553362"/>
+            <a:ext cx="6396624" cy="4953776"/>
+          </a:xfrm>
+          <a:prstGeom prst="rect">
+            <a:avLst/>
+          </a:prstGeom>
+        </p:spPr>
+      </p:pic>
+    </p:spTree>
+    <p:extLst>
+      <p:ext uri="{BB962C8B-B14F-4D97-AF65-F5344CB8AC3E}">
+        <p14:creationId xmlns:p14="http://schemas.microsoft.com/office/powerpoint/2010/main" val="550331906"/>
+      </p:ext>
+    </p:extLst>
+  </p:cSld>
+  <p:clrMapOvr>
+    <a:masterClrMapping/>
+  </p:clrMapOvr>
+  <p:timing>
+    <p:tnLst>
+      <p:par>
+        <p:cTn id="1" dur="indefinite" restart="never" nodeType="tmRoot"/>
+      </p:par>
+    </p:tnLst>
+  </p:timing>
+</p:sld>
+</file>
+
+<file path=ppt/slides/slide4.xml><?xml version="1.0" encoding="utf-8"?>
+<p:sld xmlns:a="http://schemas.openxmlformats.org/drawingml/2006/main" xmlns:r="http://schemas.openxmlformats.org/officeDocument/2006/relationships" xmlns:p="http://schemas.openxmlformats.org/presentationml/2006/main">
+  <p:cSld>
+    <p:spTree>
+      <p:nvGrpSpPr>
+        <p:cNvPr id="1" name=""/>
+        <p:cNvGrpSpPr/>
+        <p:nvPr/>
+      </p:nvGrpSpPr>
+      <p:grpSpPr>
+        <a:xfrm>
+          <a:off x="0" y="0"/>
+          <a:ext cx="0" cy="0"/>
+          <a:chOff x="0" y="0"/>
+          <a:chExt cx="0" cy="0"/>
+        </a:xfrm>
+      </p:grpSpPr>
+      <p:sp>
+        <p:nvSpPr>
+          <p:cNvPr id="5" name="TextBox 4"/>
+          <p:cNvSpPr txBox="1"/>
+          <p:nvPr/>
+        </p:nvSpPr>
+        <p:spPr>
+          <a:xfrm>
+            <a:off x="449179" y="465221"/>
+            <a:ext cx="6082114" cy="707886"/>
+          </a:xfrm>
+          <a:prstGeom prst="rect">
+            <a:avLst/>
+          </a:prstGeom>
+          <a:noFill/>
+        </p:spPr>
+        <p:txBody>
+          <a:bodyPr wrap="none" rtlCol="0">
+            <a:spAutoFit/>
+          </a:bodyPr>
+          <a:lstStyle/>
+          <a:p>
+            <a:r>
+              <a:rPr lang="en-US" altLang="ko-KR" sz="4000" b="1" dirty="0" err="1" smtClean="0">
+                <a:solidFill>
+                  <a:schemeClr val="accent1"/>
+                </a:solidFill>
+                <a:latin typeface="Arial" panose="020B0604020202020204" pitchFamily="34" charset="0"/>
+                <a:cs typeface="Arial" panose="020B0604020202020204" pitchFamily="34" charset="0"/>
+              </a:rPr>
+              <a:t>INotifyPropertyChanged</a:t>
+            </a:r>
+            <a:endParaRPr lang="ko-KR" altLang="en-US" sz="4000" b="1" dirty="0">
+              <a:solidFill>
+                <a:schemeClr val="accent1"/>
+              </a:solidFill>
+              <a:latin typeface="Arial" panose="020B0604020202020204" pitchFamily="34" charset="0"/>
+              <a:cs typeface="Arial" panose="020B0604020202020204" pitchFamily="34" charset="0"/>
+            </a:endParaRPr>
+          </a:p>
+        </p:txBody>
+      </p:sp>
+      <p:sp>
+        <p:nvSpPr>
+          <p:cNvPr id="6" name="TextBox 5"/>
+          <p:cNvSpPr txBox="1"/>
+          <p:nvPr/>
+        </p:nvSpPr>
+        <p:spPr>
+          <a:xfrm>
+            <a:off x="987711" y="1933986"/>
+            <a:ext cx="8482579" cy="646331"/>
+          </a:xfrm>
+          <a:prstGeom prst="rect">
+            <a:avLst/>
+          </a:prstGeom>
+          <a:noFill/>
+        </p:spPr>
+        <p:txBody>
+          <a:bodyPr wrap="none" rtlCol="0">
+            <a:spAutoFit/>
+          </a:bodyPr>
+          <a:lstStyle/>
+          <a:p>
+            <a:r>
+              <a:rPr lang="ko-KR" altLang="en-US" dirty="0" smtClean="0"/>
+              <a:t>개발 중 팀장님이 </a:t>
+            </a:r>
+            <a:r>
+              <a:rPr lang="en-US" altLang="ko-KR" dirty="0" smtClean="0"/>
+              <a:t>Property</a:t>
+            </a:r>
+            <a:r>
+              <a:rPr lang="ko-KR" altLang="en-US" dirty="0" smtClean="0"/>
+              <a:t>명을 </a:t>
+            </a:r>
+            <a:r>
+              <a:rPr lang="en-US" altLang="ko-KR" dirty="0" smtClean="0"/>
+              <a:t>‘Name’</a:t>
+            </a:r>
+            <a:r>
+              <a:rPr lang="ko-KR" altLang="en-US" dirty="0" smtClean="0"/>
+              <a:t>에서 </a:t>
+            </a:r>
+            <a:r>
+              <a:rPr lang="en-US" altLang="ko-KR" dirty="0" smtClean="0"/>
+              <a:t>‘</a:t>
+            </a:r>
+            <a:r>
+              <a:rPr lang="en-US" altLang="ko-KR" dirty="0" err="1" smtClean="0"/>
+              <a:t>ClickName</a:t>
+            </a:r>
+            <a:r>
+              <a:rPr lang="en-US" altLang="ko-KR" dirty="0" smtClean="0"/>
+              <a:t>’</a:t>
+            </a:r>
+            <a:r>
+              <a:rPr lang="ko-KR" altLang="en-US" dirty="0" smtClean="0"/>
+              <a:t>으로 변경하라고 하셨다</a:t>
+            </a:r>
+            <a:r>
+              <a:rPr lang="en-US" altLang="ko-KR" dirty="0" smtClean="0"/>
+              <a:t>.</a:t>
+            </a:r>
+          </a:p>
+          <a:p>
+            <a:r>
+              <a:rPr lang="ko-KR" altLang="en-US" dirty="0" smtClean="0"/>
+              <a:t>그냥 </a:t>
+            </a:r>
+            <a:r>
+              <a:rPr lang="en-US" altLang="ko-KR" dirty="0" smtClean="0"/>
+              <a:t>Property </a:t>
+            </a:r>
+            <a:r>
+              <a:rPr lang="ko-KR" altLang="en-US" dirty="0" smtClean="0"/>
+              <a:t>명만 </a:t>
+            </a:r>
+            <a:r>
+              <a:rPr lang="ko-KR" altLang="en-US" dirty="0" err="1" smtClean="0"/>
+              <a:t>되는건데</a:t>
+            </a:r>
+            <a:r>
+              <a:rPr lang="ko-KR" altLang="en-US" dirty="0" smtClean="0"/>
+              <a:t> 어렵지 않지</a:t>
+            </a:r>
+            <a:r>
+              <a:rPr lang="en-US" altLang="ko-KR" dirty="0" smtClean="0"/>
+              <a:t>!</a:t>
+            </a:r>
+          </a:p>
+        </p:txBody>
+      </p:sp>
+      <p:pic>
+        <p:nvPicPr>
+          <p:cNvPr id="2" name="그림 1"/>
+          <p:cNvPicPr>
+            <a:picLocks noChangeAspect="1"/>
+          </p:cNvPicPr>
+          <p:nvPr/>
+        </p:nvPicPr>
+        <p:blipFill>
+          <a:blip r:embed="rId2"/>
+          <a:stretch>
+            <a:fillRect/>
+          </a:stretch>
+        </p:blipFill>
+        <p:spPr>
+          <a:xfrm>
+            <a:off x="1970622" y="3064197"/>
+            <a:ext cx="8250756" cy="2724410"/>
+          </a:xfrm>
+          <a:prstGeom prst="rect">
+            <a:avLst/>
+          </a:prstGeom>
+        </p:spPr>
+      </p:pic>
+    </p:spTree>
+    <p:extLst>
+      <p:ext uri="{BB962C8B-B14F-4D97-AF65-F5344CB8AC3E}">
+        <p14:creationId xmlns:p14="http://schemas.microsoft.com/office/powerpoint/2010/main" val="2372413536"/>
+      </p:ext>
+    </p:extLst>
+  </p:cSld>
+  <p:clrMapOvr>
+    <a:masterClrMapping/>
+  </p:clrMapOvr>
+  <p:timing>
+    <p:tnLst>
+      <p:par>
+        <p:cTn id="1" dur="indefinite" restart="never" nodeType="tmRoot"/>
+      </p:par>
+    </p:tnLst>
+  </p:timing>
+</p:sld>
+</file>
+
+<file path=ppt/slides/slide5.xml><?xml version="1.0" encoding="utf-8"?>
+<p:sld xmlns:a="http://schemas.openxmlformats.org/drawingml/2006/main" xmlns:r="http://schemas.openxmlformats.org/officeDocument/2006/relationships" xmlns:p="http://schemas.openxmlformats.org/presentationml/2006/main">
+  <p:cSld>
+    <p:spTree>
+      <p:nvGrpSpPr>
+        <p:cNvPr id="1" name=""/>
+        <p:cNvGrpSpPr/>
+        <p:nvPr/>
+      </p:nvGrpSpPr>
+      <p:grpSpPr>
+        <a:xfrm>
+          <a:off x="0" y="0"/>
+          <a:ext cx="0" cy="0"/>
+          <a:chOff x="0" y="0"/>
+          <a:chExt cx="0" cy="0"/>
+        </a:xfrm>
+      </p:grpSpPr>
+      <p:sp>
+        <p:nvSpPr>
+          <p:cNvPr id="5" name="TextBox 4"/>
+          <p:cNvSpPr txBox="1"/>
+          <p:nvPr/>
+        </p:nvSpPr>
+        <p:spPr>
+          <a:xfrm>
+            <a:off x="449179" y="465221"/>
+            <a:ext cx="6082114" cy="707886"/>
+          </a:xfrm>
+          <a:prstGeom prst="rect">
+            <a:avLst/>
+          </a:prstGeom>
+          <a:noFill/>
+        </p:spPr>
+        <p:txBody>
+          <a:bodyPr wrap="none" rtlCol="0">
+            <a:spAutoFit/>
+          </a:bodyPr>
+          <a:lstStyle/>
+          <a:p>
+            <a:r>
+              <a:rPr lang="en-US" altLang="ko-KR" sz="4000" b="1" dirty="0" err="1" smtClean="0">
+                <a:solidFill>
+                  <a:schemeClr val="accent1"/>
+                </a:solidFill>
+                <a:latin typeface="Arial" panose="020B0604020202020204" pitchFamily="34" charset="0"/>
+                <a:cs typeface="Arial" panose="020B0604020202020204" pitchFamily="34" charset="0"/>
+              </a:rPr>
+              <a:t>INotifyPropertyChanged</a:t>
+            </a:r>
+            <a:endParaRPr lang="ko-KR" altLang="en-US" sz="4000" b="1" dirty="0">
+              <a:solidFill>
+                <a:schemeClr val="accent1"/>
+              </a:solidFill>
+              <a:latin typeface="Arial" panose="020B0604020202020204" pitchFamily="34" charset="0"/>
+              <a:cs typeface="Arial" panose="020B0604020202020204" pitchFamily="34" charset="0"/>
+            </a:endParaRPr>
+          </a:p>
+        </p:txBody>
+      </p:sp>
+      <p:pic>
+        <p:nvPicPr>
+          <p:cNvPr id="3" name="그림 2"/>
+          <p:cNvPicPr>
+            <a:picLocks noChangeAspect="1"/>
+          </p:cNvPicPr>
+          <p:nvPr/>
+        </p:nvPicPr>
+        <p:blipFill>
+          <a:blip r:embed="rId2"/>
+          <a:stretch>
+            <a:fillRect/>
+          </a:stretch>
+        </p:blipFill>
+        <p:spPr>
+          <a:xfrm>
+            <a:off x="3285994" y="1559155"/>
+            <a:ext cx="5620012" cy="4892084"/>
+          </a:xfrm>
+          <a:prstGeom prst="rect">
+            <a:avLst/>
+          </a:prstGeom>
+        </p:spPr>
+      </p:pic>
+    </p:spTree>
+    <p:extLst>
+      <p:ext uri="{BB962C8B-B14F-4D97-AF65-F5344CB8AC3E}">
+        <p14:creationId xmlns:p14="http://schemas.microsoft.com/office/powerpoint/2010/main" val="3622345444"/>
+      </p:ext>
+    </p:extLst>
+  </p:cSld>
+  <p:clrMapOvr>
+    <a:masterClrMapping/>
+  </p:clrMapOvr>
+  <p:timing>
+    <p:tnLst>
+      <p:par>
+        <p:cTn id="1" dur="indefinite" restart="never" nodeType="tmRoot"/>
+      </p:par>
+    </p:tnLst>
+  </p:timing>
+</p:sld>
+</file>
+
+<file path=ppt/slides/slide6.xml><?xml version="1.0" encoding="utf-8"?>
+<p:sld xmlns:a="http://schemas.openxmlformats.org/drawingml/2006/main" xmlns:r="http://schemas.openxmlformats.org/officeDocument/2006/relationships" xmlns:p="http://schemas.openxmlformats.org/presentationml/2006/main">
+  <p:cSld>
+    <p:spTree>
+      <p:nvGrpSpPr>
+        <p:cNvPr id="1" name=""/>
+        <p:cNvGrpSpPr/>
+        <p:nvPr/>
+      </p:nvGrpSpPr>
+      <p:grpSpPr>
+        <a:xfrm>
+          <a:off x="0" y="0"/>
+          <a:ext cx="0" cy="0"/>
+          <a:chOff x="0" y="0"/>
+          <a:chExt cx="0" cy="0"/>
+        </a:xfrm>
+      </p:grpSpPr>
+      <p:sp>
+        <p:nvSpPr>
+          <p:cNvPr id="5" name="TextBox 4"/>
+          <p:cNvSpPr txBox="1"/>
+          <p:nvPr/>
+        </p:nvSpPr>
+        <p:spPr>
+          <a:xfrm>
+            <a:off x="449179" y="465221"/>
+            <a:ext cx="6082114" cy="707886"/>
+          </a:xfrm>
+          <a:prstGeom prst="rect">
+            <a:avLst/>
+          </a:prstGeom>
+          <a:noFill/>
+        </p:spPr>
+        <p:txBody>
+          <a:bodyPr wrap="none" rtlCol="0">
+            <a:spAutoFit/>
+          </a:bodyPr>
+          <a:lstStyle/>
+          <a:p>
+            <a:r>
+              <a:rPr lang="en-US" altLang="ko-KR" sz="4000" b="1" dirty="0" err="1" smtClean="0">
+                <a:solidFill>
+                  <a:schemeClr val="accent1"/>
+                </a:solidFill>
+                <a:latin typeface="Arial" panose="020B0604020202020204" pitchFamily="34" charset="0"/>
+                <a:cs typeface="Arial" panose="020B0604020202020204" pitchFamily="34" charset="0"/>
+              </a:rPr>
+              <a:t>INotifyPropertyChanged</a:t>
+            </a:r>
+            <a:endParaRPr lang="ko-KR" altLang="en-US" sz="4000" b="1" dirty="0">
+              <a:solidFill>
+                <a:schemeClr val="accent1"/>
+              </a:solidFill>
+              <a:latin typeface="Arial" panose="020B0604020202020204" pitchFamily="34" charset="0"/>
+              <a:cs typeface="Arial" panose="020B0604020202020204" pitchFamily="34" charset="0"/>
+            </a:endParaRPr>
+          </a:p>
+        </p:txBody>
+      </p:sp>
+      <p:sp>
+        <p:nvSpPr>
+          <p:cNvPr id="6" name="TextBox 5"/>
+          <p:cNvSpPr txBox="1"/>
+          <p:nvPr/>
+        </p:nvSpPr>
+        <p:spPr>
+          <a:xfrm>
+            <a:off x="680588" y="1620836"/>
+            <a:ext cx="5353581" cy="1754326"/>
+          </a:xfrm>
+          <a:prstGeom prst="rect">
+            <a:avLst/>
+          </a:prstGeom>
+          <a:noFill/>
+        </p:spPr>
+        <p:txBody>
+          <a:bodyPr wrap="none" rtlCol="0">
+            <a:spAutoFit/>
+          </a:bodyPr>
+          <a:lstStyle/>
+          <a:p>
+            <a:r>
+              <a:rPr lang="ko-KR" altLang="en-US" dirty="0" smtClean="0"/>
+              <a:t>변경 후 테스트에서 </a:t>
+            </a:r>
+            <a:r>
+              <a:rPr lang="en-US" altLang="ko-KR" dirty="0" smtClean="0"/>
+              <a:t>View</a:t>
+            </a:r>
+            <a:r>
+              <a:rPr lang="ko-KR" altLang="en-US" dirty="0" smtClean="0"/>
+              <a:t>에서 </a:t>
+            </a:r>
+            <a:r>
+              <a:rPr lang="en-US" altLang="ko-KR" dirty="0" smtClean="0"/>
+              <a:t>Button Click</a:t>
+            </a:r>
+            <a:r>
+              <a:rPr lang="ko-KR" altLang="en-US" dirty="0" smtClean="0"/>
+              <a:t>시 </a:t>
+            </a:r>
+            <a:endParaRPr lang="en-US" altLang="ko-KR" dirty="0" smtClean="0"/>
+          </a:p>
+          <a:p>
+            <a:r>
+              <a:rPr lang="en-US" altLang="ko-KR" dirty="0" smtClean="0"/>
+              <a:t>View</a:t>
+            </a:r>
+            <a:r>
+              <a:rPr lang="ko-KR" altLang="en-US" dirty="0" smtClean="0"/>
+              <a:t>에 </a:t>
+            </a:r>
+            <a:r>
+              <a:rPr lang="en-US" altLang="ko-KR" dirty="0" smtClean="0"/>
+              <a:t>Property </a:t>
+            </a:r>
+            <a:r>
+              <a:rPr lang="ko-KR" altLang="en-US" dirty="0" smtClean="0"/>
+              <a:t>값이 적용이 안되었다</a:t>
+            </a:r>
+            <a:r>
+              <a:rPr lang="en-US" altLang="ko-KR" dirty="0" smtClean="0"/>
+              <a:t>.</a:t>
+            </a:r>
+          </a:p>
+          <a:p>
+            <a:endParaRPr lang="en-US" altLang="ko-KR" dirty="0" smtClean="0"/>
+          </a:p>
+          <a:p>
+            <a:r>
+              <a:rPr lang="ko-KR" altLang="en-US" dirty="0" smtClean="0"/>
+              <a:t>원인은 </a:t>
+            </a:r>
+            <a:r>
+              <a:rPr lang="en-US" altLang="ko-KR" dirty="0" err="1" smtClean="0"/>
+              <a:t>PropertyChanged</a:t>
+            </a:r>
+            <a:r>
+              <a:rPr lang="ko-KR" altLang="en-US" dirty="0" smtClean="0"/>
+              <a:t>에 </a:t>
+            </a:r>
+            <a:r>
+              <a:rPr lang="ko-KR" altLang="en-US" dirty="0" err="1" smtClean="0"/>
+              <a:t>인자값</a:t>
+            </a:r>
+            <a:r>
+              <a:rPr lang="ko-KR" altLang="en-US" dirty="0" smtClean="0"/>
+              <a:t> 중 하나인</a:t>
+            </a:r>
+            <a:endParaRPr lang="en-US" altLang="ko-KR" dirty="0" smtClean="0"/>
+          </a:p>
+          <a:p>
+            <a:r>
+              <a:rPr lang="en-US" altLang="ko-KR" dirty="0" err="1" smtClean="0"/>
+              <a:t>PropertyChangedEventArgs</a:t>
+            </a:r>
+            <a:r>
+              <a:rPr lang="ko-KR" altLang="en-US" dirty="0" smtClean="0"/>
+              <a:t>의 </a:t>
+            </a:r>
+            <a:r>
+              <a:rPr lang="en-US" altLang="ko-KR" dirty="0" smtClean="0"/>
+              <a:t>View</a:t>
+            </a:r>
+            <a:r>
+              <a:rPr lang="ko-KR" altLang="en-US" dirty="0" smtClean="0"/>
+              <a:t>에</a:t>
+            </a:r>
+            <a:r>
+              <a:rPr lang="en-US" altLang="ko-KR" dirty="0" smtClean="0"/>
+              <a:t> Binding </a:t>
+            </a:r>
+            <a:r>
+              <a:rPr lang="ko-KR" altLang="en-US" dirty="0" smtClean="0"/>
+              <a:t>된 </a:t>
+            </a:r>
+            <a:endParaRPr lang="en-US" altLang="ko-KR" dirty="0" smtClean="0"/>
+          </a:p>
+          <a:p>
+            <a:r>
+              <a:rPr lang="en-US" altLang="ko-KR" dirty="0" smtClean="0"/>
+              <a:t>Property</a:t>
+            </a:r>
+            <a:r>
+              <a:rPr lang="ko-KR" altLang="en-US" dirty="0" smtClean="0"/>
+              <a:t>가 없기 때문이다</a:t>
+            </a:r>
+            <a:r>
+              <a:rPr lang="en-US" altLang="ko-KR" dirty="0" smtClean="0"/>
+              <a:t>.</a:t>
+            </a:r>
+            <a:endParaRPr lang="en-US" altLang="ko-KR" dirty="0" smtClean="0"/>
+          </a:p>
+        </p:txBody>
+      </p:sp>
+      <p:pic>
+        <p:nvPicPr>
+          <p:cNvPr id="7" name="그림 6"/>
+          <p:cNvPicPr>
+            <a:picLocks noChangeAspect="1"/>
+          </p:cNvPicPr>
+          <p:nvPr/>
+        </p:nvPicPr>
+        <p:blipFill>
+          <a:blip r:embed="rId2"/>
+          <a:stretch>
+            <a:fillRect/>
+          </a:stretch>
+        </p:blipFill>
+        <p:spPr>
+          <a:xfrm>
+            <a:off x="6367396" y="1559155"/>
+            <a:ext cx="5620012" cy="4892084"/>
+          </a:xfrm>
+          <a:prstGeom prst="rect">
+            <a:avLst/>
+          </a:prstGeom>
+        </p:spPr>
+      </p:pic>
+      <p:pic>
+        <p:nvPicPr>
+          <p:cNvPr id="8" name="그림 7"/>
+          <p:cNvPicPr>
+            <a:picLocks noChangeAspect="1"/>
+          </p:cNvPicPr>
+          <p:nvPr/>
+        </p:nvPicPr>
+        <p:blipFill rotWithShape="1">
+          <a:blip r:embed="rId3"/>
+          <a:srcRect r="40286" b="472"/>
+          <a:stretch/>
+        </p:blipFill>
+        <p:spPr>
+          <a:xfrm>
+            <a:off x="697288" y="3726829"/>
+            <a:ext cx="4926898" cy="2711549"/>
+          </a:xfrm>
+          <a:prstGeom prst="rect">
+            <a:avLst/>
+          </a:prstGeom>
+        </p:spPr>
+      </p:pic>
+      <p:sp>
+        <p:nvSpPr>
+          <p:cNvPr id="3" name="직사각형 2"/>
+          <p:cNvSpPr/>
+          <p:nvPr/>
+        </p:nvSpPr>
+        <p:spPr>
+          <a:xfrm>
+            <a:off x="7553195" y="3948830"/>
+            <a:ext cx="4221271" cy="237994"/>
+          </a:xfrm>
+          <a:prstGeom prst="rect">
+            <a:avLst/>
+          </a:prstGeom>
+          <a:noFill/>
+          <a:ln w="25400">
+            <a:solidFill>
+              <a:srgbClr val="FF0000"/>
+            </a:solidFill>
+          </a:ln>
+        </p:spPr>
+        <p:style>
+          <a:lnRef idx="2">
+            <a:schemeClr val="accent1">
+              <a:shade val="50000"/>
+            </a:schemeClr>
+          </a:lnRef>
+          <a:fillRef idx="1">
+            <a:schemeClr val="accent1"/>
+          </a:fillRef>
+          <a:effectRef idx="0">
+            <a:schemeClr val="accent1"/>
+          </a:effectRef>
+          <a:fontRef idx="minor">
+            <a:schemeClr val="lt1"/>
+          </a:fontRef>
+        </p:style>
+        <p:txBody>
+          <a:bodyPr rtlCol="0" anchor="ctr"/>
+          <a:lstStyle/>
+          <a:p>
+            <a:pPr algn="ctr"/>
+            <a:endParaRPr lang="ko-KR" altLang="en-US"/>
+          </a:p>
+        </p:txBody>
+      </p:sp>
+      <p:sp>
+        <p:nvSpPr>
+          <p:cNvPr id="11" name="직사각형 10"/>
+          <p:cNvSpPr/>
+          <p:nvPr/>
+        </p:nvSpPr>
+        <p:spPr>
+          <a:xfrm>
+            <a:off x="1774520" y="5082603"/>
+            <a:ext cx="2996263" cy="231519"/>
+          </a:xfrm>
+          <a:prstGeom prst="rect">
+            <a:avLst/>
+          </a:prstGeom>
+          <a:noFill/>
+          <a:ln w="25400">
+            <a:solidFill>
+              <a:srgbClr val="FF0000"/>
+            </a:solidFill>
+          </a:ln>
+        </p:spPr>
+        <p:style>
+          <a:lnRef idx="2">
+            <a:schemeClr val="accent1">
+              <a:shade val="50000"/>
+            </a:schemeClr>
+          </a:lnRef>
+          <a:fillRef idx="1">
+            <a:schemeClr val="accent1"/>
+          </a:fillRef>
+          <a:effectRef idx="0">
+            <a:schemeClr val="accent1"/>
+          </a:effectRef>
+          <a:fontRef idx="minor">
+            <a:schemeClr val="lt1"/>
+          </a:fontRef>
+        </p:style>
+        <p:txBody>
+          <a:bodyPr rtlCol="0" anchor="ctr"/>
+          <a:lstStyle/>
+          <a:p>
+            <a:pPr algn="ctr"/>
+            <a:endParaRPr lang="ko-KR" altLang="en-US"/>
+          </a:p>
+        </p:txBody>
+      </p:sp>
+    </p:spTree>
+    <p:extLst>
+      <p:ext uri="{BB962C8B-B14F-4D97-AF65-F5344CB8AC3E}">
+        <p14:creationId xmlns:p14="http://schemas.microsoft.com/office/powerpoint/2010/main" val="194081441"/>
+      </p:ext>
+    </p:extLst>
+  </p:cSld>
+  <p:clrMapOvr>
+    <a:masterClrMapping/>
+  </p:clrMapOvr>
+  <p:timing>
+    <p:tnLst>
+      <p:par>
+        <p:cTn id="1" dur="indefinite" restart="never" nodeType="tmRoot"/>
+      </p:par>
+    </p:tnLst>
+  </p:timing>
+</p:sld>
+</file>
+
+<file path=ppt/slides/slide7.xml><?xml version="1.0" encoding="utf-8"?>
+<p:sld xmlns:a="http://schemas.openxmlformats.org/drawingml/2006/main" xmlns:r="http://schemas.openxmlformats.org/officeDocument/2006/relationships" xmlns:p="http://schemas.openxmlformats.org/presentationml/2006/main">
+  <p:cSld>
+    <p:spTree>
+      <p:nvGrpSpPr>
+        <p:cNvPr id="1" name=""/>
+        <p:cNvGrpSpPr/>
+        <p:nvPr/>
+      </p:nvGrpSpPr>
+      <p:grpSpPr>
+        <a:xfrm>
+          <a:off x="0" y="0"/>
+          <a:ext cx="0" cy="0"/>
+          <a:chOff x="0" y="0"/>
+          <a:chExt cx="0" cy="0"/>
+        </a:xfrm>
+      </p:grpSpPr>
+      <p:sp>
+        <p:nvSpPr>
+          <p:cNvPr id="5" name="TextBox 4"/>
+          <p:cNvSpPr txBox="1"/>
+          <p:nvPr/>
+        </p:nvSpPr>
+        <p:spPr>
+          <a:xfrm>
+            <a:off x="449179" y="465221"/>
+            <a:ext cx="6082114" cy="707886"/>
+          </a:xfrm>
+          <a:prstGeom prst="rect">
+            <a:avLst/>
+          </a:prstGeom>
+          <a:noFill/>
+        </p:spPr>
+        <p:txBody>
+          <a:bodyPr wrap="none" rtlCol="0">
+            <a:spAutoFit/>
+          </a:bodyPr>
+          <a:lstStyle/>
+          <a:p>
+            <a:r>
+              <a:rPr lang="en-US" altLang="ko-KR" sz="4000" b="1" dirty="0" err="1" smtClean="0">
+                <a:solidFill>
+                  <a:schemeClr val="accent1"/>
+                </a:solidFill>
+                <a:latin typeface="Arial" panose="020B0604020202020204" pitchFamily="34" charset="0"/>
+                <a:cs typeface="Arial" panose="020B0604020202020204" pitchFamily="34" charset="0"/>
+              </a:rPr>
+              <a:t>INotifyPropertyChanged</a:t>
+            </a:r>
+            <a:endParaRPr lang="ko-KR" altLang="en-US" sz="4000" b="1" dirty="0">
+              <a:solidFill>
+                <a:schemeClr val="accent1"/>
+              </a:solidFill>
+              <a:latin typeface="Arial" panose="020B0604020202020204" pitchFamily="34" charset="0"/>
+              <a:cs typeface="Arial" panose="020B0604020202020204" pitchFamily="34" charset="0"/>
+            </a:endParaRPr>
+          </a:p>
+        </p:txBody>
+      </p:sp>
+      <p:sp>
+        <p:nvSpPr>
+          <p:cNvPr id="6" name="TextBox 5"/>
+          <p:cNvSpPr txBox="1"/>
+          <p:nvPr/>
+        </p:nvSpPr>
+        <p:spPr>
+          <a:xfrm>
+            <a:off x="2568432" y="1620836"/>
+            <a:ext cx="7055136" cy="2400657"/>
+          </a:xfrm>
+          <a:prstGeom prst="rect">
+            <a:avLst/>
+          </a:prstGeom>
+          <a:noFill/>
+        </p:spPr>
+        <p:txBody>
+          <a:bodyPr wrap="none" rtlCol="0">
+            <a:spAutoFit/>
+          </a:bodyPr>
+          <a:lstStyle/>
+          <a:p>
+            <a:r>
+              <a:rPr lang="ko-KR" altLang="en-US" dirty="0" smtClean="0"/>
+              <a:t>찾아보니 이런 실수로 변경 해야 될 부분이 </a:t>
+            </a:r>
+            <a:r>
+              <a:rPr lang="ko-KR" altLang="en-US" dirty="0" smtClean="0"/>
+              <a:t>여러 곳을 발견 하였다</a:t>
+            </a:r>
+            <a:r>
+              <a:rPr lang="en-US" altLang="ko-KR" dirty="0" smtClean="0"/>
+              <a:t>.</a:t>
+            </a:r>
+            <a:endParaRPr lang="en-US" altLang="ko-KR" dirty="0"/>
+          </a:p>
+          <a:p>
+            <a:r>
+              <a:rPr lang="ko-KR" altLang="en-US" dirty="0" smtClean="0"/>
+              <a:t>이러한 문제점을 쉽고 간편하게 해결할 수 있는 방법이 없을까</a:t>
+            </a:r>
+            <a:r>
+              <a:rPr lang="en-US" altLang="ko-KR" dirty="0" smtClean="0"/>
+              <a:t>?</a:t>
+            </a:r>
+          </a:p>
+          <a:p>
+            <a:endParaRPr lang="en-US" altLang="ko-KR" dirty="0"/>
+          </a:p>
+          <a:p>
+            <a:endParaRPr lang="en-US" altLang="ko-KR" dirty="0" smtClean="0"/>
+          </a:p>
+          <a:p>
+            <a:endParaRPr lang="en-US" altLang="ko-KR" dirty="0"/>
+          </a:p>
+          <a:p>
+            <a:endParaRPr lang="en-US" altLang="ko-KR" dirty="0" smtClean="0"/>
+          </a:p>
+          <a:p>
+            <a:r>
+              <a:rPr lang="ko-KR" altLang="en-US" dirty="0" smtClean="0"/>
+              <a:t>다양한 방법이 있지만 그 중에서 제일 괜찮은 방법은</a:t>
+            </a:r>
+            <a:endParaRPr lang="en-US" altLang="ko-KR" dirty="0" smtClean="0"/>
+          </a:p>
+          <a:p>
+            <a:r>
+              <a:rPr lang="en-US" altLang="ko-KR" sz="2400" b="1" dirty="0" err="1" smtClean="0">
+                <a:solidFill>
+                  <a:srgbClr val="00B0F0"/>
+                </a:solidFill>
+              </a:rPr>
+              <a:t>CallerMemberName</a:t>
+            </a:r>
+            <a:r>
+              <a:rPr lang="en-US" altLang="ko-KR" dirty="0" smtClean="0"/>
+              <a:t> </a:t>
+            </a:r>
+            <a:r>
+              <a:rPr lang="ko-KR" altLang="en-US" dirty="0" smtClean="0"/>
+              <a:t>속성을 이용하는 것이다</a:t>
+            </a:r>
+            <a:r>
+              <a:rPr lang="en-US" altLang="ko-KR" dirty="0" smtClean="0"/>
+              <a:t>.</a:t>
+            </a:r>
+            <a:endParaRPr lang="en-US" altLang="ko-KR" dirty="0"/>
+          </a:p>
+        </p:txBody>
+      </p:sp>
+    </p:spTree>
+    <p:extLst>
+      <p:ext uri="{BB962C8B-B14F-4D97-AF65-F5344CB8AC3E}">
+        <p14:creationId xmlns:p14="http://schemas.microsoft.com/office/powerpoint/2010/main" val="2543459136"/>
+      </p:ext>
+    </p:extLst>
+  </p:cSld>
+  <p:clrMapOvr>
+    <a:masterClrMapping/>
+  </p:clrMapOvr>
+  <p:timing>
+    <p:tnLst>
+      <p:par>
+        <p:cTn id="1" dur="indefinite" restart="never" nodeType="tmRoot"/>
+      </p:par>
+    </p:tnLst>
+  </p:timing>
+</p:sld>
+</file>
+
+<file path=ppt/slides/slide8.xml><?xml version="1.0" encoding="utf-8"?>
+<p:sld xmlns:a="http://schemas.openxmlformats.org/drawingml/2006/main" xmlns:r="http://schemas.openxmlformats.org/officeDocument/2006/relationships" xmlns:p="http://schemas.openxmlformats.org/presentationml/2006/main">
+  <p:cSld>
+    <p:spTree>
+      <p:nvGrpSpPr>
+        <p:cNvPr id="1" name=""/>
+        <p:cNvGrpSpPr/>
+        <p:nvPr/>
+      </p:nvGrpSpPr>
+      <p:grpSpPr>
+        <a:xfrm>
+          <a:off x="0" y="0"/>
+          <a:ext cx="0" cy="0"/>
+          <a:chOff x="0" y="0"/>
+          <a:chExt cx="0" cy="0"/>
+        </a:xfrm>
+      </p:grpSpPr>
+      <p:sp>
+        <p:nvSpPr>
+          <p:cNvPr id="5" name="TextBox 4"/>
+          <p:cNvSpPr txBox="1"/>
+          <p:nvPr/>
+        </p:nvSpPr>
+        <p:spPr>
+          <a:xfrm>
+            <a:off x="449179" y="465221"/>
+            <a:ext cx="4977645" cy="707886"/>
+          </a:xfrm>
+          <a:prstGeom prst="rect">
+            <a:avLst/>
+          </a:prstGeom>
+          <a:noFill/>
+        </p:spPr>
+        <p:txBody>
+          <a:bodyPr wrap="none" rtlCol="0">
+            <a:spAutoFit/>
+          </a:bodyPr>
+          <a:lstStyle/>
+          <a:p>
+            <a:r>
+              <a:rPr lang="en-US" altLang="ko-KR" sz="4000" b="1" dirty="0" err="1" smtClean="0">
+                <a:solidFill>
+                  <a:schemeClr val="accent1"/>
+                </a:solidFill>
+                <a:latin typeface="Arial" panose="020B0604020202020204" pitchFamily="34" charset="0"/>
+                <a:cs typeface="Arial" panose="020B0604020202020204" pitchFamily="34" charset="0"/>
+              </a:rPr>
+              <a:t>CallerMemberName</a:t>
+            </a:r>
+            <a:endParaRPr lang="ko-KR" altLang="en-US" sz="4000" b="1" dirty="0">
+              <a:solidFill>
+                <a:schemeClr val="accent1"/>
+              </a:solidFill>
+              <a:latin typeface="Arial" panose="020B0604020202020204" pitchFamily="34" charset="0"/>
+              <a:cs typeface="Arial" panose="020B0604020202020204" pitchFamily="34" charset="0"/>
+            </a:endParaRPr>
+          </a:p>
+        </p:txBody>
+      </p:sp>
+      <p:sp>
+        <p:nvSpPr>
+          <p:cNvPr id="6" name="TextBox 5"/>
+          <p:cNvSpPr txBox="1"/>
+          <p:nvPr/>
+        </p:nvSpPr>
+        <p:spPr>
+          <a:xfrm>
+            <a:off x="987711" y="1620836"/>
+            <a:ext cx="5604419" cy="369332"/>
+          </a:xfrm>
+          <a:prstGeom prst="rect">
+            <a:avLst/>
+          </a:prstGeom>
+          <a:noFill/>
+        </p:spPr>
+        <p:txBody>
+          <a:bodyPr wrap="none" rtlCol="0">
+            <a:spAutoFit/>
+          </a:bodyPr>
+          <a:lstStyle/>
+          <a:p>
+            <a:r>
+              <a:rPr lang="ko-KR" altLang="en-US" dirty="0" smtClean="0"/>
+              <a:t>이 속성은 호출한 </a:t>
+            </a:r>
+            <a:r>
+              <a:rPr lang="ko-KR" altLang="en-US" dirty="0" err="1" smtClean="0"/>
+              <a:t>메소드</a:t>
+            </a:r>
+            <a:r>
+              <a:rPr lang="ko-KR" altLang="en-US" dirty="0" smtClean="0"/>
+              <a:t> 이름을 사용 하는 속성이다</a:t>
+            </a:r>
+            <a:r>
+              <a:rPr lang="en-US" altLang="ko-KR" dirty="0" smtClean="0"/>
+              <a:t>.</a:t>
+            </a:r>
+          </a:p>
+        </p:txBody>
+      </p:sp>
+      <p:pic>
+        <p:nvPicPr>
+          <p:cNvPr id="3" name="그림 2"/>
+          <p:cNvPicPr>
+            <a:picLocks noChangeAspect="1"/>
+          </p:cNvPicPr>
+          <p:nvPr/>
+        </p:nvPicPr>
+        <p:blipFill>
+          <a:blip r:embed="rId2"/>
+          <a:stretch>
+            <a:fillRect/>
+          </a:stretch>
+        </p:blipFill>
+        <p:spPr>
+          <a:xfrm>
+            <a:off x="2405062" y="2545038"/>
+            <a:ext cx="7381875" cy="3305175"/>
+          </a:xfrm>
+          <a:prstGeom prst="rect">
+            <a:avLst/>
+          </a:prstGeom>
+        </p:spPr>
+      </p:pic>
+    </p:spTree>
+    <p:extLst>
+      <p:ext uri="{BB962C8B-B14F-4D97-AF65-F5344CB8AC3E}">
+        <p14:creationId xmlns:p14="http://schemas.microsoft.com/office/powerpoint/2010/main" val="2492926104"/>
+      </p:ext>
+    </p:extLst>
+  </p:cSld>
+  <p:clrMapOvr>
+    <a:masterClrMapping/>
+  </p:clrMapOvr>
+  <p:timing>
+    <p:tnLst>
+      <p:par>
+        <p:cTn id="1" dur="indefinite" restart="never" nodeType="tmRoot"/>
+      </p:par>
+    </p:tnLst>
+  </p:timing>
+</p:sld>
+</file>
+
+<file path=ppt/slides/slide9.xml><?xml version="1.0" encoding="utf-8"?>
+<p:sld xmlns:a="http://schemas.openxmlformats.org/drawingml/2006/main" xmlns:r="http://schemas.openxmlformats.org/officeDocument/2006/relationships" xmlns:p="http://schemas.openxmlformats.org/presentationml/2006/main">
+  <p:cSld>
+    <p:spTree>
+      <p:nvGrpSpPr>
+        <p:cNvPr id="1" name=""/>
+        <p:cNvGrpSpPr/>
+        <p:nvPr/>
+      </p:nvGrpSpPr>
+      <p:grpSpPr>
+        <a:xfrm>
+          <a:off x="0" y="0"/>
+          <a:ext cx="0" cy="0"/>
+          <a:chOff x="0" y="0"/>
+          <a:chExt cx="0" cy="0"/>
+        </a:xfrm>
+      </p:grpSpPr>
+      <p:sp>
+        <p:nvSpPr>
+          <p:cNvPr id="5" name="TextBox 4"/>
+          <p:cNvSpPr txBox="1"/>
+          <p:nvPr/>
+        </p:nvSpPr>
+        <p:spPr>
+          <a:xfrm>
+            <a:off x="449179" y="465221"/>
+            <a:ext cx="3575018" cy="707886"/>
+          </a:xfrm>
+          <a:prstGeom prst="rect">
+            <a:avLst/>
+          </a:prstGeom>
+          <a:noFill/>
+        </p:spPr>
+        <p:txBody>
+          <a:bodyPr wrap="none" rtlCol="0">
+            <a:spAutoFit/>
+          </a:bodyPr>
+          <a:lstStyle/>
+          <a:p>
+            <a:r>
+              <a:rPr lang="en-US" altLang="ko-KR" sz="4000" b="1" dirty="0" err="1" smtClean="0">
+                <a:solidFill>
+                  <a:schemeClr val="accent1"/>
+                </a:solidFill>
+                <a:latin typeface="Arial" panose="020B0604020202020204" pitchFamily="34" charset="0"/>
+                <a:cs typeface="Arial" panose="020B0604020202020204" pitchFamily="34" charset="0"/>
+              </a:rPr>
+              <a:t>BindableBase</a:t>
+            </a:r>
+            <a:endParaRPr lang="ko-KR" altLang="en-US" sz="4000" b="1" dirty="0">
+              <a:solidFill>
+                <a:schemeClr val="accent1"/>
+              </a:solidFill>
+              <a:latin typeface="Arial" panose="020B0604020202020204" pitchFamily="34" charset="0"/>
+              <a:cs typeface="Arial" panose="020B0604020202020204" pitchFamily="34" charset="0"/>
+            </a:endParaRPr>
+          </a:p>
+        </p:txBody>
+      </p:sp>
+      <p:pic>
+        <p:nvPicPr>
+          <p:cNvPr id="6" name="그림 5"/>
+          <p:cNvPicPr>
+            <a:picLocks noChangeAspect="1"/>
+          </p:cNvPicPr>
+          <p:nvPr/>
+        </p:nvPicPr>
+        <p:blipFill>
+          <a:blip r:embed="rId2"/>
+          <a:stretch>
+            <a:fillRect/>
+          </a:stretch>
+        </p:blipFill>
+        <p:spPr>
+          <a:xfrm>
+            <a:off x="1606550" y="1885950"/>
+            <a:ext cx="8978900" cy="3836690"/>
+          </a:xfrm>
+          <a:prstGeom prst="rect">
+            <a:avLst/>
+          </a:prstGeom>
+        </p:spPr>
+      </p:pic>
+    </p:spTree>
+    <p:extLst>
+      <p:ext uri="{BB962C8B-B14F-4D97-AF65-F5344CB8AC3E}">
+        <p14:creationId xmlns:p14="http://schemas.microsoft.com/office/powerpoint/2010/main" val="1743315741"/>
       </p:ext>
     </p:extLst>
   </p:cSld>

--- a/Prism.pptx
+++ b/Prism.pptx
@@ -5,26 +5,19 @@
     <p:sldMasterId id="2147483648" r:id="rId1"/>
   </p:sldMasterIdLst>
   <p:sldIdLst>
-    <p:sldId id="269" r:id="rId2"/>
-    <p:sldId id="270" r:id="rId3"/>
-    <p:sldId id="271" r:id="rId4"/>
-    <p:sldId id="275" r:id="rId5"/>
-    <p:sldId id="276" r:id="rId6"/>
-    <p:sldId id="277" r:id="rId7"/>
-    <p:sldId id="278" r:id="rId8"/>
-    <p:sldId id="272" r:id="rId9"/>
-    <p:sldId id="273" r:id="rId10"/>
-    <p:sldId id="274" r:id="rId11"/>
-    <p:sldId id="265" r:id="rId12"/>
-    <p:sldId id="267" r:id="rId13"/>
-    <p:sldId id="259" r:id="rId14"/>
-    <p:sldId id="260" r:id="rId15"/>
-    <p:sldId id="261" r:id="rId16"/>
-    <p:sldId id="256" r:id="rId17"/>
-    <p:sldId id="264" r:id="rId18"/>
-    <p:sldId id="258" r:id="rId19"/>
-    <p:sldId id="263" r:id="rId20"/>
-    <p:sldId id="266" r:id="rId21"/>
+    <p:sldId id="279" r:id="rId2"/>
+    <p:sldId id="273" r:id="rId3"/>
+    <p:sldId id="274" r:id="rId4"/>
+    <p:sldId id="265" r:id="rId5"/>
+    <p:sldId id="267" r:id="rId6"/>
+    <p:sldId id="259" r:id="rId7"/>
+    <p:sldId id="260" r:id="rId8"/>
+    <p:sldId id="261" r:id="rId9"/>
+    <p:sldId id="256" r:id="rId10"/>
+    <p:sldId id="264" r:id="rId11"/>
+    <p:sldId id="258" r:id="rId12"/>
+    <p:sldId id="263" r:id="rId13"/>
+    <p:sldId id="266" r:id="rId14"/>
   </p:sldIdLst>
   <p:sldSz cx="12192000" cy="6858000"/>
   <p:notesSz cx="6858000" cy="9144000"/>
@@ -2997,7 +2990,7 @@
         <p:spPr>
           <a:xfrm>
             <a:off x="449179" y="465221"/>
-            <a:ext cx="6082114" cy="707886"/>
+            <a:ext cx="3575018" cy="707886"/>
           </a:xfrm>
           <a:prstGeom prst="rect">
             <a:avLst/>
@@ -3018,7 +3011,7 @@
                 <a:latin typeface="Arial" panose="020B0604020202020204" pitchFamily="34" charset="0"/>
                 <a:cs typeface="Arial" panose="020B0604020202020204" pitchFamily="34" charset="0"/>
               </a:rPr>
-              <a:t>INotifyPropertyChanged</a:t>
+              <a:t>BindableBase</a:t>
             </a:r>
             <a:endParaRPr lang="ko-KR" altLang="en-US" sz="4000" b="1" dirty="0">
               <a:solidFill>
@@ -3032,14 +3025,14 @@
       </p:sp>
       <p:sp>
         <p:nvSpPr>
-          <p:cNvPr id="6" name="TextBox 5"/>
+          <p:cNvPr id="2" name="TextBox 1"/>
           <p:cNvSpPr txBox="1"/>
           <p:nvPr/>
         </p:nvSpPr>
         <p:spPr>
           <a:xfrm>
-            <a:off x="987711" y="1933986"/>
-            <a:ext cx="8931869" cy="1477328"/>
+            <a:off x="1022466" y="2568633"/>
+            <a:ext cx="6655989" cy="923330"/>
           </a:xfrm>
           <a:prstGeom prst="rect">
             <a:avLst/>
@@ -3053,131 +3046,51 @@
           <a:lstStyle/>
           <a:p>
             <a:r>
-              <a:rPr lang="en-US" altLang="ko-KR" dirty="0" err="1"/>
-              <a:t>ViewModel</a:t>
-            </a:r>
-            <a:r>
-              <a:rPr lang="ko-KR" altLang="en-US" dirty="0"/>
-              <a:t>에서 </a:t>
-            </a:r>
-            <a:r>
-              <a:rPr lang="en-US" altLang="ko-KR" dirty="0"/>
+              <a:rPr lang="en-US" altLang="ko-KR" dirty="0" err="1" smtClean="0"/>
+              <a:t>INotifyPropertyChanged</a:t>
+            </a:r>
+            <a:r>
+              <a:rPr lang="ko-KR" altLang="en-US" dirty="0" smtClean="0"/>
+              <a:t>를 구현한 클래스</a:t>
+            </a:r>
+            <a:endParaRPr lang="en-US" altLang="ko-KR" dirty="0" smtClean="0"/>
+          </a:p>
+          <a:p>
+            <a:endParaRPr lang="en-US" altLang="ko-KR" dirty="0" smtClean="0"/>
+          </a:p>
+          <a:p>
+            <a:r>
+              <a:rPr lang="ko-KR" altLang="en-US" dirty="0" smtClean="0"/>
+              <a:t>모든 </a:t>
+            </a:r>
+            <a:r>
+              <a:rPr lang="en-US" altLang="ko-KR" dirty="0" smtClean="0"/>
               <a:t>Property</a:t>
-            </a:r>
-            <a:r>
-              <a:rPr lang="ko-KR" altLang="en-US" dirty="0"/>
-              <a:t>가 변경 </a:t>
-            </a:r>
-            <a:r>
-              <a:rPr lang="ko-KR" altLang="en-US" dirty="0" smtClean="0"/>
-              <a:t>되었을 때</a:t>
-            </a:r>
-            <a:r>
-              <a:rPr lang="en-US" altLang="ko-KR" dirty="0" smtClean="0"/>
-              <a:t>View(XAML)</a:t>
-            </a:r>
-            <a:r>
-              <a:rPr lang="ko-KR" altLang="en-US" dirty="0" smtClean="0"/>
-              <a:t>에 알려주기 위해 사용한다</a:t>
-            </a:r>
-            <a:r>
-              <a:rPr lang="en-US" altLang="ko-KR" dirty="0" smtClean="0"/>
-              <a:t>.</a:t>
-            </a:r>
-            <a:endParaRPr lang="en-US" altLang="ko-KR" dirty="0" smtClean="0"/>
-          </a:p>
-          <a:p>
-            <a:endParaRPr lang="en-US" altLang="ko-KR" dirty="0"/>
-          </a:p>
-          <a:p>
-            <a:r>
-              <a:rPr lang="en-US" altLang="ko-KR" dirty="0" err="1" smtClean="0"/>
-              <a:t>PropertyChanged</a:t>
-            </a:r>
-            <a:r>
-              <a:rPr lang="ko-KR" altLang="en-US" dirty="0" smtClean="0"/>
-              <a:t>라는 </a:t>
-            </a:r>
-            <a:r>
-              <a:rPr lang="en-US" altLang="ko-KR" dirty="0" smtClean="0"/>
-              <a:t>delegate </a:t>
-            </a:r>
-            <a:r>
-              <a:rPr lang="ko-KR" altLang="en-US" dirty="0" smtClean="0"/>
-              <a:t>함수 객체를 통하여 </a:t>
-            </a:r>
-            <a:r>
-              <a:rPr lang="en-US" altLang="ko-KR" dirty="0" smtClean="0"/>
-              <a:t>Property </a:t>
-            </a:r>
-            <a:r>
-              <a:rPr lang="ko-KR" altLang="en-US" dirty="0" smtClean="0"/>
-              <a:t>값을 </a:t>
-            </a:r>
-            <a:r>
-              <a:rPr lang="en-US" altLang="ko-KR" dirty="0" smtClean="0"/>
-              <a:t>View</a:t>
-            </a:r>
-            <a:r>
-              <a:rPr lang="ko-KR" altLang="en-US" dirty="0" smtClean="0"/>
-              <a:t>에 알려준다</a:t>
-            </a:r>
-            <a:r>
-              <a:rPr lang="en-US" altLang="ko-KR" dirty="0" smtClean="0"/>
-              <a:t>.</a:t>
-            </a:r>
-          </a:p>
-          <a:p>
-            <a:endParaRPr lang="en-US" altLang="ko-KR" dirty="0"/>
-          </a:p>
-          <a:p>
-            <a:r>
-              <a:rPr lang="ko-KR" altLang="en-US" dirty="0" smtClean="0"/>
-              <a:t>이때 </a:t>
-            </a:r>
-            <a:r>
-              <a:rPr lang="en-US" altLang="ko-KR" dirty="0" smtClean="0"/>
-              <a:t>View</a:t>
-            </a:r>
-            <a:r>
-              <a:rPr lang="ko-KR" altLang="en-US" dirty="0" smtClean="0"/>
-              <a:t>는 </a:t>
-            </a:r>
-            <a:r>
-              <a:rPr lang="en-US" altLang="ko-KR" dirty="0" smtClean="0"/>
-              <a:t>Control</a:t>
             </a:r>
             <a:r>
               <a:rPr lang="ko-KR" altLang="en-US" dirty="0" smtClean="0"/>
               <a:t>에 </a:t>
             </a:r>
             <a:r>
+              <a:rPr lang="en-US" altLang="ko-KR" dirty="0" err="1" smtClean="0"/>
+              <a:t>PropertyChangedEventArgs</a:t>
+            </a:r>
+            <a:r>
               <a:rPr lang="en-US" altLang="ko-KR" dirty="0" smtClean="0"/>
-              <a:t>Binding</a:t>
+              <a:t> </a:t>
             </a:r>
             <a:r>
               <a:rPr lang="ko-KR" altLang="en-US" dirty="0" smtClean="0"/>
-              <a:t>을 통하여 </a:t>
-            </a:r>
-            <a:r>
-              <a:rPr lang="en-US" altLang="ko-KR" dirty="0" smtClean="0"/>
-              <a:t>Property</a:t>
-            </a:r>
-            <a:r>
-              <a:rPr lang="ko-KR" altLang="en-US" dirty="0" smtClean="0"/>
-              <a:t>를 사용할 수 있게 한다</a:t>
-            </a:r>
-            <a:r>
-              <a:rPr lang="en-US" altLang="ko-KR" dirty="0" smtClean="0"/>
-              <a:t>.</a:t>
-            </a:r>
+              <a:t>이벤트 작성 생략</a:t>
+            </a:r>
+            <a:endParaRPr lang="ko-KR" altLang="en-US" dirty="0"/>
           </a:p>
         </p:txBody>
       </p:sp>
     </p:spTree>
     <p:extLst>
       <p:ext uri="{BB962C8B-B14F-4D97-AF65-F5344CB8AC3E}">
-        <p14:creationId xmlns:p14="http://schemas.microsoft.com/office/powerpoint/2010/main" val="2071985831"/>
+        <p14:creationId xmlns:p14="http://schemas.microsoft.com/office/powerpoint/2010/main" val="1552849327"/>
       </p:ext>
     </p:extLst>
   </p:cSld>
@@ -3195,6 +3108,672 @@
 </file>
 
 <file path=ppt/slides/slide10.xml><?xml version="1.0" encoding="utf-8"?>
+<p:sld xmlns:a="http://schemas.openxmlformats.org/drawingml/2006/main" xmlns:r="http://schemas.openxmlformats.org/officeDocument/2006/relationships" xmlns:p="http://schemas.openxmlformats.org/presentationml/2006/main">
+  <p:cSld>
+    <p:spTree>
+      <p:nvGrpSpPr>
+        <p:cNvPr id="1" name=""/>
+        <p:cNvGrpSpPr/>
+        <p:nvPr/>
+      </p:nvGrpSpPr>
+      <p:grpSpPr>
+        <a:xfrm>
+          <a:off x="0" y="0"/>
+          <a:ext cx="0" cy="0"/>
+          <a:chOff x="0" y="0"/>
+          <a:chExt cx="0" cy="0"/>
+        </a:xfrm>
+      </p:grpSpPr>
+      <p:sp>
+        <p:nvSpPr>
+          <p:cNvPr id="5" name="TextBox 4"/>
+          <p:cNvSpPr txBox="1"/>
+          <p:nvPr/>
+        </p:nvSpPr>
+        <p:spPr>
+          <a:xfrm>
+            <a:off x="449179" y="465221"/>
+            <a:ext cx="4115229" cy="707886"/>
+          </a:xfrm>
+          <a:prstGeom prst="rect">
+            <a:avLst/>
+          </a:prstGeom>
+          <a:noFill/>
+        </p:spPr>
+        <p:txBody>
+          <a:bodyPr wrap="none" rtlCol="0">
+            <a:spAutoFit/>
+          </a:bodyPr>
+          <a:lstStyle/>
+          <a:p>
+            <a:r>
+              <a:rPr lang="en-US" altLang="ko-KR" sz="4000" b="1" dirty="0" err="1" smtClean="0">
+                <a:solidFill>
+                  <a:schemeClr val="accent1"/>
+                </a:solidFill>
+                <a:latin typeface="Arial" panose="020B0604020202020204" pitchFamily="34" charset="0"/>
+                <a:cs typeface="Arial" panose="020B0604020202020204" pitchFamily="34" charset="0"/>
+              </a:rPr>
+              <a:t>RegionBehavior</a:t>
+            </a:r>
+            <a:endParaRPr lang="ko-KR" altLang="en-US" sz="4000" b="1" dirty="0">
+              <a:solidFill>
+                <a:schemeClr val="accent1"/>
+              </a:solidFill>
+              <a:latin typeface="Arial" panose="020B0604020202020204" pitchFamily="34" charset="0"/>
+              <a:cs typeface="Arial" panose="020B0604020202020204" pitchFamily="34" charset="0"/>
+            </a:endParaRPr>
+          </a:p>
+        </p:txBody>
+      </p:sp>
+      <p:pic>
+        <p:nvPicPr>
+          <p:cNvPr id="2" name="그림 1"/>
+          <p:cNvPicPr>
+            <a:picLocks noChangeAspect="1"/>
+          </p:cNvPicPr>
+          <p:nvPr/>
+        </p:nvPicPr>
+        <p:blipFill>
+          <a:blip r:embed="rId2"/>
+          <a:stretch>
+            <a:fillRect/>
+          </a:stretch>
+        </p:blipFill>
+        <p:spPr>
+          <a:xfrm>
+            <a:off x="2834877" y="1173107"/>
+            <a:ext cx="5912646" cy="5506278"/>
+          </a:xfrm>
+          <a:prstGeom prst="rect">
+            <a:avLst/>
+          </a:prstGeom>
+        </p:spPr>
+      </p:pic>
+    </p:spTree>
+    <p:extLst>
+      <p:ext uri="{BB962C8B-B14F-4D97-AF65-F5344CB8AC3E}">
+        <p14:creationId xmlns:p14="http://schemas.microsoft.com/office/powerpoint/2010/main" val="1924594116"/>
+      </p:ext>
+    </p:extLst>
+  </p:cSld>
+  <p:clrMapOvr>
+    <a:masterClrMapping/>
+  </p:clrMapOvr>
+  <p:timing>
+    <p:tnLst>
+      <p:par>
+        <p:cTn id="1" dur="indefinite" restart="never" nodeType="tmRoot"/>
+      </p:par>
+    </p:tnLst>
+  </p:timing>
+</p:sld>
+</file>
+
+<file path=ppt/slides/slide11.xml><?xml version="1.0" encoding="utf-8"?>
+<p:sld xmlns:a="http://schemas.openxmlformats.org/drawingml/2006/main" xmlns:r="http://schemas.openxmlformats.org/officeDocument/2006/relationships" xmlns:p="http://schemas.openxmlformats.org/presentationml/2006/main">
+  <p:cSld>
+    <p:spTree>
+      <p:nvGrpSpPr>
+        <p:cNvPr id="1" name=""/>
+        <p:cNvGrpSpPr/>
+        <p:nvPr/>
+      </p:nvGrpSpPr>
+      <p:grpSpPr>
+        <a:xfrm>
+          <a:off x="0" y="0"/>
+          <a:ext cx="0" cy="0"/>
+          <a:chOff x="0" y="0"/>
+          <a:chExt cx="0" cy="0"/>
+        </a:xfrm>
+      </p:grpSpPr>
+      <p:sp>
+        <p:nvSpPr>
+          <p:cNvPr id="5" name="TextBox 4"/>
+          <p:cNvSpPr txBox="1"/>
+          <p:nvPr/>
+        </p:nvSpPr>
+        <p:spPr>
+          <a:xfrm>
+            <a:off x="449179" y="465221"/>
+            <a:ext cx="4115229" cy="707886"/>
+          </a:xfrm>
+          <a:prstGeom prst="rect">
+            <a:avLst/>
+          </a:prstGeom>
+          <a:noFill/>
+        </p:spPr>
+        <p:txBody>
+          <a:bodyPr wrap="none" rtlCol="0">
+            <a:spAutoFit/>
+          </a:bodyPr>
+          <a:lstStyle/>
+          <a:p>
+            <a:r>
+              <a:rPr lang="en-US" altLang="ko-KR" sz="4000" b="1" dirty="0" err="1" smtClean="0">
+                <a:solidFill>
+                  <a:schemeClr val="accent1"/>
+                </a:solidFill>
+                <a:latin typeface="Arial" panose="020B0604020202020204" pitchFamily="34" charset="0"/>
+                <a:cs typeface="Arial" panose="020B0604020202020204" pitchFamily="34" charset="0"/>
+              </a:rPr>
+              <a:t>RegionBehavior</a:t>
+            </a:r>
+            <a:endParaRPr lang="ko-KR" altLang="en-US" sz="4000" b="1" dirty="0">
+              <a:solidFill>
+                <a:schemeClr val="accent1"/>
+              </a:solidFill>
+              <a:latin typeface="Arial" panose="020B0604020202020204" pitchFamily="34" charset="0"/>
+              <a:cs typeface="Arial" panose="020B0604020202020204" pitchFamily="34" charset="0"/>
+            </a:endParaRPr>
+          </a:p>
+        </p:txBody>
+      </p:sp>
+      <p:pic>
+        <p:nvPicPr>
+          <p:cNvPr id="8" name="그림 7"/>
+          <p:cNvPicPr>
+            <a:picLocks noChangeAspect="1"/>
+          </p:cNvPicPr>
+          <p:nvPr/>
+        </p:nvPicPr>
+        <p:blipFill>
+          <a:blip r:embed="rId2"/>
+          <a:stretch>
+            <a:fillRect/>
+          </a:stretch>
+        </p:blipFill>
+        <p:spPr>
+          <a:xfrm>
+            <a:off x="2260577" y="1398394"/>
+            <a:ext cx="8055858" cy="5141494"/>
+          </a:xfrm>
+          <a:prstGeom prst="rect">
+            <a:avLst/>
+          </a:prstGeom>
+        </p:spPr>
+      </p:pic>
+    </p:spTree>
+    <p:extLst>
+      <p:ext uri="{BB962C8B-B14F-4D97-AF65-F5344CB8AC3E}">
+        <p14:creationId xmlns:p14="http://schemas.microsoft.com/office/powerpoint/2010/main" val="385659086"/>
+      </p:ext>
+    </p:extLst>
+  </p:cSld>
+  <p:clrMapOvr>
+    <a:masterClrMapping/>
+  </p:clrMapOvr>
+  <p:timing>
+    <p:tnLst>
+      <p:par>
+        <p:cTn id="1" dur="indefinite" restart="never" nodeType="tmRoot"/>
+      </p:par>
+    </p:tnLst>
+  </p:timing>
+</p:sld>
+</file>
+
+<file path=ppt/slides/slide12.xml><?xml version="1.0" encoding="utf-8"?>
+<p:sld xmlns:a="http://schemas.openxmlformats.org/drawingml/2006/main" xmlns:r="http://schemas.openxmlformats.org/officeDocument/2006/relationships" xmlns:p="http://schemas.openxmlformats.org/presentationml/2006/main">
+  <p:cSld>
+    <p:spTree>
+      <p:nvGrpSpPr>
+        <p:cNvPr id="1" name=""/>
+        <p:cNvGrpSpPr/>
+        <p:nvPr/>
+      </p:nvGrpSpPr>
+      <p:grpSpPr>
+        <a:xfrm>
+          <a:off x="0" y="0"/>
+          <a:ext cx="0" cy="0"/>
+          <a:chOff x="0" y="0"/>
+          <a:chExt cx="0" cy="0"/>
+        </a:xfrm>
+      </p:grpSpPr>
+      <p:sp>
+        <p:nvSpPr>
+          <p:cNvPr id="5" name="TextBox 4"/>
+          <p:cNvSpPr txBox="1"/>
+          <p:nvPr/>
+        </p:nvSpPr>
+        <p:spPr>
+          <a:xfrm>
+            <a:off x="449179" y="465221"/>
+            <a:ext cx="4115229" cy="707886"/>
+          </a:xfrm>
+          <a:prstGeom prst="rect">
+            <a:avLst/>
+          </a:prstGeom>
+          <a:noFill/>
+        </p:spPr>
+        <p:txBody>
+          <a:bodyPr wrap="none" rtlCol="0">
+            <a:spAutoFit/>
+          </a:bodyPr>
+          <a:lstStyle/>
+          <a:p>
+            <a:r>
+              <a:rPr lang="en-US" altLang="ko-KR" sz="4000" b="1" dirty="0" err="1" smtClean="0">
+                <a:solidFill>
+                  <a:schemeClr val="accent1"/>
+                </a:solidFill>
+                <a:latin typeface="Arial" panose="020B0604020202020204" pitchFamily="34" charset="0"/>
+                <a:cs typeface="Arial" panose="020B0604020202020204" pitchFamily="34" charset="0"/>
+              </a:rPr>
+              <a:t>RegionBehavior</a:t>
+            </a:r>
+            <a:endParaRPr lang="ko-KR" altLang="en-US" sz="4000" b="1" dirty="0">
+              <a:solidFill>
+                <a:schemeClr val="accent1"/>
+              </a:solidFill>
+              <a:latin typeface="Arial" panose="020B0604020202020204" pitchFamily="34" charset="0"/>
+              <a:cs typeface="Arial" panose="020B0604020202020204" pitchFamily="34" charset="0"/>
+            </a:endParaRPr>
+          </a:p>
+        </p:txBody>
+      </p:sp>
+      <p:pic>
+        <p:nvPicPr>
+          <p:cNvPr id="2" name="그림 1"/>
+          <p:cNvPicPr>
+            <a:picLocks noChangeAspect="1"/>
+          </p:cNvPicPr>
+          <p:nvPr/>
+        </p:nvPicPr>
+        <p:blipFill>
+          <a:blip r:embed="rId2"/>
+          <a:stretch>
+            <a:fillRect/>
+          </a:stretch>
+        </p:blipFill>
+        <p:spPr>
+          <a:xfrm>
+            <a:off x="2663688" y="1378619"/>
+            <a:ext cx="6944138" cy="5127978"/>
+          </a:xfrm>
+          <a:prstGeom prst="rect">
+            <a:avLst/>
+          </a:prstGeom>
+        </p:spPr>
+      </p:pic>
+      <p:sp>
+        <p:nvSpPr>
+          <p:cNvPr id="3" name="직사각형 2"/>
+          <p:cNvSpPr/>
+          <p:nvPr/>
+        </p:nvSpPr>
+        <p:spPr>
+          <a:xfrm>
+            <a:off x="2968487" y="4982817"/>
+            <a:ext cx="6493565" cy="1219200"/>
+          </a:xfrm>
+          <a:prstGeom prst="rect">
+            <a:avLst/>
+          </a:prstGeom>
+          <a:noFill/>
+          <a:ln w="50800">
+            <a:solidFill>
+              <a:srgbClr val="FF0000"/>
+            </a:solidFill>
+          </a:ln>
+        </p:spPr>
+        <p:style>
+          <a:lnRef idx="2">
+            <a:schemeClr val="accent1">
+              <a:shade val="50000"/>
+            </a:schemeClr>
+          </a:lnRef>
+          <a:fillRef idx="1">
+            <a:schemeClr val="accent1"/>
+          </a:fillRef>
+          <a:effectRef idx="0">
+            <a:schemeClr val="accent1"/>
+          </a:effectRef>
+          <a:fontRef idx="minor">
+            <a:schemeClr val="lt1"/>
+          </a:fontRef>
+        </p:style>
+        <p:txBody>
+          <a:bodyPr rtlCol="0" anchor="ctr"/>
+          <a:lstStyle/>
+          <a:p>
+            <a:pPr algn="ctr"/>
+            <a:endParaRPr lang="ko-KR" altLang="en-US"/>
+          </a:p>
+        </p:txBody>
+      </p:sp>
+    </p:spTree>
+    <p:extLst>
+      <p:ext uri="{BB962C8B-B14F-4D97-AF65-F5344CB8AC3E}">
+        <p14:creationId xmlns:p14="http://schemas.microsoft.com/office/powerpoint/2010/main" val="3874720455"/>
+      </p:ext>
+    </p:extLst>
+  </p:cSld>
+  <p:clrMapOvr>
+    <a:masterClrMapping/>
+  </p:clrMapOvr>
+  <p:timing>
+    <p:tnLst>
+      <p:par>
+        <p:cTn id="1" dur="indefinite" restart="never" nodeType="tmRoot"/>
+      </p:par>
+    </p:tnLst>
+  </p:timing>
+</p:sld>
+</file>
+
+<file path=ppt/slides/slide13.xml><?xml version="1.0" encoding="utf-8"?>
+<p:sld xmlns:a="http://schemas.openxmlformats.org/drawingml/2006/main" xmlns:r="http://schemas.openxmlformats.org/officeDocument/2006/relationships" xmlns:p="http://schemas.openxmlformats.org/presentationml/2006/main">
+  <p:cSld>
+    <p:spTree>
+      <p:nvGrpSpPr>
+        <p:cNvPr id="1" name=""/>
+        <p:cNvGrpSpPr/>
+        <p:nvPr/>
+      </p:nvGrpSpPr>
+      <p:grpSpPr>
+        <a:xfrm>
+          <a:off x="0" y="0"/>
+          <a:ext cx="0" cy="0"/>
+          <a:chOff x="0" y="0"/>
+          <a:chExt cx="0" cy="0"/>
+        </a:xfrm>
+      </p:grpSpPr>
+      <p:sp>
+        <p:nvSpPr>
+          <p:cNvPr id="5" name="TextBox 4"/>
+          <p:cNvSpPr txBox="1"/>
+          <p:nvPr/>
+        </p:nvSpPr>
+        <p:spPr>
+          <a:xfrm>
+            <a:off x="449179" y="465221"/>
+            <a:ext cx="2236510" cy="707886"/>
+          </a:xfrm>
+          <a:prstGeom prst="rect">
+            <a:avLst/>
+          </a:prstGeom>
+          <a:noFill/>
+        </p:spPr>
+        <p:txBody>
+          <a:bodyPr wrap="none" rtlCol="0">
+            <a:spAutoFit/>
+          </a:bodyPr>
+          <a:lstStyle/>
+          <a:p>
+            <a:r>
+              <a:rPr lang="ko-KR" altLang="en-US" sz="4000" b="1" dirty="0" smtClean="0">
+                <a:solidFill>
+                  <a:schemeClr val="accent1"/>
+                </a:solidFill>
+                <a:latin typeface="Arial" panose="020B0604020202020204" pitchFamily="34" charset="0"/>
+                <a:cs typeface="Arial" panose="020B0604020202020204" pitchFamily="34" charset="0"/>
+              </a:rPr>
+              <a:t>참고자료</a:t>
+            </a:r>
+            <a:endParaRPr lang="ko-KR" altLang="en-US" sz="4000" b="1" dirty="0">
+              <a:solidFill>
+                <a:schemeClr val="accent1"/>
+              </a:solidFill>
+              <a:latin typeface="Arial" panose="020B0604020202020204" pitchFamily="34" charset="0"/>
+              <a:cs typeface="Arial" panose="020B0604020202020204" pitchFamily="34" charset="0"/>
+            </a:endParaRPr>
+          </a:p>
+        </p:txBody>
+      </p:sp>
+      <p:sp>
+        <p:nvSpPr>
+          <p:cNvPr id="6" name="TextBox 5"/>
+          <p:cNvSpPr txBox="1"/>
+          <p:nvPr/>
+        </p:nvSpPr>
+        <p:spPr>
+          <a:xfrm>
+            <a:off x="378634" y="2000250"/>
+            <a:ext cx="11434733" cy="3693319"/>
+          </a:xfrm>
+          <a:prstGeom prst="rect">
+            <a:avLst/>
+          </a:prstGeom>
+          <a:noFill/>
+        </p:spPr>
+        <p:txBody>
+          <a:bodyPr wrap="none" rtlCol="0">
+            <a:spAutoFit/>
+          </a:bodyPr>
+          <a:lstStyle/>
+          <a:p>
+            <a:r>
+              <a:rPr lang="en-US" altLang="ko-KR" dirty="0"/>
+              <a:t>Using </a:t>
+            </a:r>
+            <a:r>
+              <a:rPr lang="en-US" altLang="ko-KR" dirty="0" err="1"/>
+              <a:t>CallerMemberName</a:t>
+            </a:r>
+            <a:r>
+              <a:rPr lang="en-US" altLang="ko-KR" dirty="0"/>
+              <a:t> for property change notification in XAML apps</a:t>
+            </a:r>
+          </a:p>
+          <a:p>
+            <a:r>
+              <a:rPr lang="en-US" altLang="ko-KR" dirty="0">
+                <a:hlinkClick r:id="rId2"/>
+              </a:rPr>
+              <a:t>http://10rem.net/blog/2013/02/25/using-callermembername-for-property-change-notification-in-xaml-apps</a:t>
+            </a:r>
+            <a:endParaRPr lang="en-US" altLang="ko-KR" dirty="0"/>
+          </a:p>
+          <a:p>
+            <a:endParaRPr lang="en-US" altLang="ko-KR" dirty="0"/>
+          </a:p>
+          <a:p>
+            <a:r>
+              <a:rPr lang="en-US" altLang="ko-KR" dirty="0" smtClean="0"/>
+              <a:t>Introduction to PRISM</a:t>
+            </a:r>
+          </a:p>
+          <a:p>
+            <a:r>
+              <a:rPr lang="en-US" altLang="ko-KR" dirty="0">
+                <a:hlinkClick r:id="rId3"/>
+              </a:rPr>
+              <a:t>https://</a:t>
+            </a:r>
+            <a:r>
+              <a:rPr lang="en-US" altLang="ko-KR" dirty="0" smtClean="0">
+                <a:hlinkClick r:id="rId3"/>
+              </a:rPr>
+              <a:t>app.pluralsight.com/library/courses/prism-introduction/table-of-contents</a:t>
+            </a:r>
+            <a:endParaRPr lang="en-US" altLang="ko-KR" dirty="0" smtClean="0"/>
+          </a:p>
+          <a:p>
+            <a:endParaRPr lang="en-US" altLang="ko-KR" dirty="0"/>
+          </a:p>
+          <a:p>
+            <a:r>
+              <a:rPr lang="en-US" altLang="ko-KR" dirty="0" err="1" smtClean="0"/>
+              <a:t>PrismEdu</a:t>
+            </a:r>
+            <a:endParaRPr lang="en-US" altLang="ko-KR" dirty="0" smtClean="0"/>
+          </a:p>
+          <a:p>
+            <a:r>
+              <a:rPr lang="en-US" altLang="ko-KR" dirty="0">
+                <a:hlinkClick r:id="rId4"/>
+              </a:rPr>
+              <a:t>https://</a:t>
+            </a:r>
+            <a:r>
+              <a:rPr lang="en-US" altLang="ko-KR" dirty="0" smtClean="0">
+                <a:hlinkClick r:id="rId4"/>
+              </a:rPr>
+              <a:t>github.com/runceel/PrismEdu</a:t>
+            </a:r>
+            <a:endParaRPr lang="en-US" altLang="ko-KR" dirty="0" smtClean="0"/>
+          </a:p>
+          <a:p>
+            <a:endParaRPr lang="en-US" altLang="ko-KR" dirty="0"/>
+          </a:p>
+          <a:p>
+            <a:r>
+              <a:rPr lang="en-US" altLang="ko-KR" dirty="0"/>
+              <a:t>Prism Problems &amp; </a:t>
+            </a:r>
+            <a:r>
+              <a:rPr lang="en-US" altLang="ko-KR" dirty="0" smtClean="0"/>
+              <a:t>Solutions Series</a:t>
+            </a:r>
+          </a:p>
+          <a:p>
+            <a:r>
+              <a:rPr lang="en-US" altLang="ko-KR" dirty="0">
+                <a:hlinkClick r:id="rId5"/>
+              </a:rPr>
+              <a:t>https://</a:t>
+            </a:r>
+            <a:r>
+              <a:rPr lang="en-US" altLang="ko-KR" dirty="0" smtClean="0">
+                <a:hlinkClick r:id="rId5"/>
+              </a:rPr>
+              <a:t>app.pluralsight.com/profile/author/brian-lagunas</a:t>
+            </a:r>
+            <a:endParaRPr lang="en-US" altLang="ko-KR" dirty="0" smtClean="0"/>
+          </a:p>
+          <a:p>
+            <a:endParaRPr lang="en-US" altLang="ko-KR" dirty="0"/>
+          </a:p>
+          <a:p>
+            <a:endParaRPr lang="ko-KR" altLang="en-US" dirty="0"/>
+          </a:p>
+        </p:txBody>
+      </p:sp>
+    </p:spTree>
+    <p:extLst>
+      <p:ext uri="{BB962C8B-B14F-4D97-AF65-F5344CB8AC3E}">
+        <p14:creationId xmlns:p14="http://schemas.microsoft.com/office/powerpoint/2010/main" val="3746847513"/>
+      </p:ext>
+    </p:extLst>
+  </p:cSld>
+  <p:clrMapOvr>
+    <a:masterClrMapping/>
+  </p:clrMapOvr>
+  <p:timing>
+    <p:tnLst>
+      <p:par>
+        <p:cTn id="1" dur="indefinite" restart="never" nodeType="tmRoot"/>
+      </p:par>
+    </p:tnLst>
+  </p:timing>
+</p:sld>
+</file>
+
+<file path=ppt/slides/slide2.xml><?xml version="1.0" encoding="utf-8"?>
+<p:sld xmlns:a="http://schemas.openxmlformats.org/drawingml/2006/main" xmlns:r="http://schemas.openxmlformats.org/officeDocument/2006/relationships" xmlns:p="http://schemas.openxmlformats.org/presentationml/2006/main">
+  <p:cSld>
+    <p:spTree>
+      <p:nvGrpSpPr>
+        <p:cNvPr id="1" name=""/>
+        <p:cNvGrpSpPr/>
+        <p:nvPr/>
+      </p:nvGrpSpPr>
+      <p:grpSpPr>
+        <a:xfrm>
+          <a:off x="0" y="0"/>
+          <a:ext cx="0" cy="0"/>
+          <a:chOff x="0" y="0"/>
+          <a:chExt cx="0" cy="0"/>
+        </a:xfrm>
+      </p:grpSpPr>
+      <p:sp>
+        <p:nvSpPr>
+          <p:cNvPr id="5" name="TextBox 4"/>
+          <p:cNvSpPr txBox="1"/>
+          <p:nvPr/>
+        </p:nvSpPr>
+        <p:spPr>
+          <a:xfrm>
+            <a:off x="449179" y="465221"/>
+            <a:ext cx="3575018" cy="707886"/>
+          </a:xfrm>
+          <a:prstGeom prst="rect">
+            <a:avLst/>
+          </a:prstGeom>
+          <a:noFill/>
+        </p:spPr>
+        <p:txBody>
+          <a:bodyPr wrap="none" rtlCol="0">
+            <a:spAutoFit/>
+          </a:bodyPr>
+          <a:lstStyle/>
+          <a:p>
+            <a:r>
+              <a:rPr lang="en-US" altLang="ko-KR" sz="4000" b="1" dirty="0" err="1" smtClean="0">
+                <a:solidFill>
+                  <a:schemeClr val="accent1"/>
+                </a:solidFill>
+                <a:latin typeface="Arial" panose="020B0604020202020204" pitchFamily="34" charset="0"/>
+                <a:cs typeface="Arial" panose="020B0604020202020204" pitchFamily="34" charset="0"/>
+              </a:rPr>
+              <a:t>BindableBase</a:t>
+            </a:r>
+            <a:endParaRPr lang="ko-KR" altLang="en-US" sz="4000" b="1" dirty="0">
+              <a:solidFill>
+                <a:schemeClr val="accent1"/>
+              </a:solidFill>
+              <a:latin typeface="Arial" panose="020B0604020202020204" pitchFamily="34" charset="0"/>
+              <a:cs typeface="Arial" panose="020B0604020202020204" pitchFamily="34" charset="0"/>
+            </a:endParaRPr>
+          </a:p>
+        </p:txBody>
+      </p:sp>
+      <p:pic>
+        <p:nvPicPr>
+          <p:cNvPr id="6" name="그림 5"/>
+          <p:cNvPicPr>
+            <a:picLocks noChangeAspect="1"/>
+          </p:cNvPicPr>
+          <p:nvPr/>
+        </p:nvPicPr>
+        <p:blipFill>
+          <a:blip r:embed="rId2"/>
+          <a:stretch>
+            <a:fillRect/>
+          </a:stretch>
+        </p:blipFill>
+        <p:spPr>
+          <a:xfrm>
+            <a:off x="1606550" y="1885950"/>
+            <a:ext cx="8978900" cy="3836690"/>
+          </a:xfrm>
+          <a:prstGeom prst="rect">
+            <a:avLst/>
+          </a:prstGeom>
+        </p:spPr>
+      </p:pic>
+    </p:spTree>
+    <p:extLst>
+      <p:ext uri="{BB962C8B-B14F-4D97-AF65-F5344CB8AC3E}">
+        <p14:creationId xmlns:p14="http://schemas.microsoft.com/office/powerpoint/2010/main" val="1743315741"/>
+      </p:ext>
+    </p:extLst>
+  </p:cSld>
+  <p:clrMapOvr>
+    <a:masterClrMapping/>
+  </p:clrMapOvr>
+  <p:timing>
+    <p:tnLst>
+      <p:par>
+        <p:cTn id="1" dur="indefinite" restart="never" nodeType="tmRoot"/>
+      </p:par>
+    </p:tnLst>
+  </p:timing>
+</p:sld>
+</file>
+
+<file path=ppt/slides/slide3.xml><?xml version="1.0" encoding="utf-8"?>
 <p:sld xmlns:a="http://schemas.openxmlformats.org/drawingml/2006/main" xmlns:r="http://schemas.openxmlformats.org/officeDocument/2006/relationships" xmlns:p="http://schemas.openxmlformats.org/presentationml/2006/main">
   <p:cSld>
     <p:spTree>
@@ -3297,7 +3876,7 @@
 </p:sld>
 </file>
 
-<file path=ppt/slides/slide11.xml><?xml version="1.0" encoding="utf-8"?>
+<file path=ppt/slides/slide4.xml><?xml version="1.0" encoding="utf-8"?>
 <p:sld xmlns:a="http://schemas.openxmlformats.org/drawingml/2006/main" xmlns:r="http://schemas.openxmlformats.org/officeDocument/2006/relationships" xmlns:p="http://schemas.openxmlformats.org/presentationml/2006/main">
   <p:cSld>
     <p:spTree>
@@ -3517,7 +4096,7 @@
 </p:sld>
 </file>
 
-<file path=ppt/slides/slide12.xml><?xml version="1.0" encoding="utf-8"?>
+<file path=ppt/slides/slide5.xml><?xml version="1.0" encoding="utf-8"?>
 <p:sld xmlns:a="http://schemas.openxmlformats.org/drawingml/2006/main" xmlns:r="http://schemas.openxmlformats.org/officeDocument/2006/relationships" xmlns:p="http://schemas.openxmlformats.org/presentationml/2006/main">
   <p:cSld>
     <p:spTree>
@@ -3730,7 +4309,7 @@
 </p:sld>
 </file>
 
-<file path=ppt/slides/slide13.xml><?xml version="1.0" encoding="utf-8"?>
+<file path=ppt/slides/slide6.xml><?xml version="1.0" encoding="utf-8"?>
 <p:sld xmlns:a="http://schemas.openxmlformats.org/drawingml/2006/main" xmlns:r="http://schemas.openxmlformats.org/officeDocument/2006/relationships" xmlns:p="http://schemas.openxmlformats.org/presentationml/2006/main">
   <p:cSld>
     <p:spTree>
@@ -4117,7 +4696,7 @@
 </p:sld>
 </file>
 
-<file path=ppt/slides/slide14.xml><?xml version="1.0" encoding="utf-8"?>
+<file path=ppt/slides/slide7.xml><?xml version="1.0" encoding="utf-8"?>
 <p:sld xmlns:a="http://schemas.openxmlformats.org/drawingml/2006/main" xmlns:r="http://schemas.openxmlformats.org/officeDocument/2006/relationships" xmlns:p="http://schemas.openxmlformats.org/presentationml/2006/main">
   <p:cSld>
     <p:spTree>
@@ -4230,7 +4809,7 @@
 </p:sld>
 </file>
 
-<file path=ppt/slides/slide15.xml><?xml version="1.0" encoding="utf-8"?>
+<file path=ppt/slides/slide8.xml><?xml version="1.0" encoding="utf-8"?>
 <p:sld xmlns:a="http://schemas.openxmlformats.org/drawingml/2006/main" xmlns:r="http://schemas.openxmlformats.org/officeDocument/2006/relationships" xmlns:p="http://schemas.openxmlformats.org/presentationml/2006/main">
   <p:cSld>
     <p:spTree>
@@ -4373,1990 +4952,6 @@
     <p:extLst>
       <p:ext uri="{BB962C8B-B14F-4D97-AF65-F5344CB8AC3E}">
         <p14:creationId xmlns:p14="http://schemas.microsoft.com/office/powerpoint/2010/main" val="4037181629"/>
-      </p:ext>
-    </p:extLst>
-  </p:cSld>
-  <p:clrMapOvr>
-    <a:masterClrMapping/>
-  </p:clrMapOvr>
-  <p:timing>
-    <p:tnLst>
-      <p:par>
-        <p:cTn id="1" dur="indefinite" restart="never" nodeType="tmRoot"/>
-      </p:par>
-    </p:tnLst>
-  </p:timing>
-</p:sld>
-</file>
-
-<file path=ppt/slides/slide16.xml><?xml version="1.0" encoding="utf-8"?>
-<p:sld xmlns:a="http://schemas.openxmlformats.org/drawingml/2006/main" xmlns:r="http://schemas.openxmlformats.org/officeDocument/2006/relationships" xmlns:p="http://schemas.openxmlformats.org/presentationml/2006/main">
-  <p:cSld>
-    <p:spTree>
-      <p:nvGrpSpPr>
-        <p:cNvPr id="1" name=""/>
-        <p:cNvGrpSpPr/>
-        <p:nvPr/>
-      </p:nvGrpSpPr>
-      <p:grpSpPr>
-        <a:xfrm>
-          <a:off x="0" y="0"/>
-          <a:ext cx="0" cy="0"/>
-          <a:chOff x="0" y="0"/>
-          <a:chExt cx="0" cy="0"/>
-        </a:xfrm>
-      </p:grpSpPr>
-      <p:sp>
-        <p:nvSpPr>
-          <p:cNvPr id="4" name="TextBox 3"/>
-          <p:cNvSpPr txBox="1"/>
-          <p:nvPr/>
-        </p:nvSpPr>
-        <p:spPr>
-          <a:xfrm>
-            <a:off x="449179" y="2177427"/>
-            <a:ext cx="10446514" cy="1754326"/>
-          </a:xfrm>
-          <a:prstGeom prst="rect">
-            <a:avLst/>
-          </a:prstGeom>
-          <a:noFill/>
-        </p:spPr>
-        <p:txBody>
-          <a:bodyPr wrap="none" rtlCol="0">
-            <a:spAutoFit/>
-          </a:bodyPr>
-          <a:lstStyle/>
-          <a:p>
-            <a:r>
-              <a:rPr lang="en-US" altLang="ko-KR" dirty="0" smtClean="0"/>
-              <a:t>Prism</a:t>
-            </a:r>
-            <a:r>
-              <a:rPr lang="ko-KR" altLang="en-US" dirty="0" smtClean="0"/>
-              <a:t>의 </a:t>
-            </a:r>
-            <a:r>
-              <a:rPr lang="en-US" altLang="ko-KR" dirty="0" smtClean="0"/>
-              <a:t>Region</a:t>
-            </a:r>
-            <a:r>
-              <a:rPr lang="ko-KR" altLang="en-US" dirty="0" smtClean="0"/>
-              <a:t>에서 제공하는 기능으로 </a:t>
-            </a:r>
-            <a:r>
-              <a:rPr lang="en-US" altLang="ko-KR" dirty="0" smtClean="0"/>
-              <a:t>WPF</a:t>
-            </a:r>
-            <a:r>
-              <a:rPr lang="ko-KR" altLang="en-US" dirty="0" smtClean="0"/>
-              <a:t>에 있는 </a:t>
-            </a:r>
-            <a:r>
-              <a:rPr lang="en-US" altLang="ko-KR" b="1" dirty="0" smtClean="0">
-                <a:solidFill>
-                  <a:schemeClr val="accent1"/>
-                </a:solidFill>
-                <a:latin typeface="Arial" panose="020B0604020202020204" pitchFamily="34" charset="0"/>
-                <a:cs typeface="Arial" panose="020B0604020202020204" pitchFamily="34" charset="0"/>
-              </a:rPr>
-              <a:t>Behavior&lt;T&gt;</a:t>
-            </a:r>
-            <a:r>
-              <a:rPr lang="en-US" altLang="ko-KR" dirty="0" smtClean="0"/>
-              <a:t> </a:t>
-            </a:r>
-            <a:r>
-              <a:rPr lang="ko-KR" altLang="en-US" dirty="0" smtClean="0"/>
-              <a:t>클래스와 같은 기능을 제공한다</a:t>
-            </a:r>
-            <a:r>
-              <a:rPr lang="en-US" altLang="ko-KR" dirty="0" smtClean="0"/>
-              <a:t>.</a:t>
-            </a:r>
-          </a:p>
-          <a:p>
-            <a:endParaRPr lang="en-US" altLang="ko-KR" dirty="0"/>
-          </a:p>
-          <a:p>
-            <a:pPr algn="just"/>
-            <a:r>
-              <a:rPr lang="en-US" altLang="ko-KR" b="1" dirty="0" smtClean="0">
-                <a:solidFill>
-                  <a:schemeClr val="accent1"/>
-                </a:solidFill>
-                <a:latin typeface="Arial" panose="020B0604020202020204" pitchFamily="34" charset="0"/>
-                <a:cs typeface="Arial" panose="020B0604020202020204" pitchFamily="34" charset="0"/>
-              </a:rPr>
-              <a:t>Behavior&lt;T&gt; </a:t>
-            </a:r>
-            <a:r>
-              <a:rPr lang="ko-KR" altLang="en-US" dirty="0" smtClean="0"/>
-              <a:t>클래스는</a:t>
-            </a:r>
-            <a:r>
-              <a:rPr lang="en-US" altLang="ko-KR" dirty="0" smtClean="0"/>
-              <a:t> </a:t>
-            </a:r>
-            <a:r>
-              <a:rPr lang="ko-KR" altLang="en-US" dirty="0" smtClean="0"/>
-              <a:t>트리거 객체에 추가 상태</a:t>
-            </a:r>
-            <a:r>
-              <a:rPr lang="en-US" altLang="ko-KR" dirty="0" smtClean="0"/>
-              <a:t>(?)</a:t>
-            </a:r>
-            <a:r>
-              <a:rPr lang="ko-KR" altLang="en-US" dirty="0" smtClean="0"/>
-              <a:t>와 명령어를 제공하기 위한 클래스 이다</a:t>
-            </a:r>
-            <a:r>
-              <a:rPr lang="en-US" altLang="ko-KR" dirty="0" smtClean="0"/>
-              <a:t>.</a:t>
-            </a:r>
-          </a:p>
-          <a:p>
-            <a:endParaRPr lang="en-US" altLang="ko-KR" dirty="0"/>
-          </a:p>
-          <a:p>
-            <a:r>
-              <a:rPr lang="ko-KR" altLang="en-US" dirty="0" smtClean="0"/>
-              <a:t>직접 구현할 필요는 없지만 </a:t>
-            </a:r>
-            <a:r>
-              <a:rPr lang="en-US" altLang="ko-KR" dirty="0" smtClean="0"/>
-              <a:t>Region</a:t>
-            </a:r>
-            <a:r>
-              <a:rPr lang="ko-KR" altLang="en-US" dirty="0" smtClean="0"/>
-              <a:t>에 </a:t>
-            </a:r>
-            <a:r>
-              <a:rPr lang="en-US" altLang="ko-KR" dirty="0" smtClean="0"/>
-              <a:t>Attach</a:t>
-            </a:r>
-            <a:r>
-              <a:rPr lang="ko-KR" altLang="en-US" dirty="0" smtClean="0"/>
-              <a:t>가 되었을 때 </a:t>
-            </a:r>
-            <a:r>
-              <a:rPr lang="en-US" altLang="ko-KR" dirty="0" smtClean="0"/>
-              <a:t>View </a:t>
-            </a:r>
-            <a:r>
-              <a:rPr lang="ko-KR" altLang="en-US" dirty="0" smtClean="0"/>
-              <a:t>혹은 </a:t>
-            </a:r>
-            <a:r>
-              <a:rPr lang="en-US" altLang="ko-KR" dirty="0" err="1" smtClean="0"/>
-              <a:t>ViewModel</a:t>
-            </a:r>
-            <a:r>
-              <a:rPr lang="ko-KR" altLang="en-US" dirty="0" smtClean="0"/>
-              <a:t>에서 </a:t>
-            </a:r>
-            <a:endParaRPr lang="en-US" altLang="ko-KR" dirty="0" smtClean="0"/>
-          </a:p>
-          <a:p>
-            <a:r>
-              <a:rPr lang="ko-KR" altLang="en-US" dirty="0" smtClean="0"/>
-              <a:t>이벤트가 발생하여 </a:t>
-            </a:r>
-            <a:r>
-              <a:rPr lang="en-US" altLang="ko-KR" dirty="0" smtClean="0"/>
-              <a:t>Region</a:t>
-            </a:r>
-            <a:r>
-              <a:rPr lang="ko-KR" altLang="en-US" dirty="0" smtClean="0"/>
-              <a:t>을 변경할 때 필요하다</a:t>
-            </a:r>
-            <a:r>
-              <a:rPr lang="en-US" altLang="ko-KR" dirty="0" smtClean="0"/>
-              <a:t>.</a:t>
-            </a:r>
-            <a:endParaRPr lang="en-US" altLang="ko-KR" dirty="0"/>
-          </a:p>
-        </p:txBody>
-      </p:sp>
-      <p:sp>
-        <p:nvSpPr>
-          <p:cNvPr id="5" name="TextBox 4"/>
-          <p:cNvSpPr txBox="1"/>
-          <p:nvPr/>
-        </p:nvSpPr>
-        <p:spPr>
-          <a:xfrm>
-            <a:off x="449179" y="465221"/>
-            <a:ext cx="4115229" cy="707886"/>
-          </a:xfrm>
-          <a:prstGeom prst="rect">
-            <a:avLst/>
-          </a:prstGeom>
-          <a:noFill/>
-        </p:spPr>
-        <p:txBody>
-          <a:bodyPr wrap="none" rtlCol="0">
-            <a:spAutoFit/>
-          </a:bodyPr>
-          <a:lstStyle/>
-          <a:p>
-            <a:r>
-              <a:rPr lang="en-US" altLang="ko-KR" sz="4000" b="1" dirty="0" err="1" smtClean="0">
-                <a:solidFill>
-                  <a:schemeClr val="accent1"/>
-                </a:solidFill>
-                <a:latin typeface="Arial" panose="020B0604020202020204" pitchFamily="34" charset="0"/>
-                <a:cs typeface="Arial" panose="020B0604020202020204" pitchFamily="34" charset="0"/>
-              </a:rPr>
-              <a:t>RegionBehavior</a:t>
-            </a:r>
-            <a:endParaRPr lang="ko-KR" altLang="en-US" sz="4000" b="1" dirty="0">
-              <a:solidFill>
-                <a:schemeClr val="accent1"/>
-              </a:solidFill>
-              <a:latin typeface="Arial" panose="020B0604020202020204" pitchFamily="34" charset="0"/>
-              <a:cs typeface="Arial" panose="020B0604020202020204" pitchFamily="34" charset="0"/>
-            </a:endParaRPr>
-          </a:p>
-        </p:txBody>
-      </p:sp>
-    </p:spTree>
-    <p:extLst>
-      <p:ext uri="{BB962C8B-B14F-4D97-AF65-F5344CB8AC3E}">
-        <p14:creationId xmlns:p14="http://schemas.microsoft.com/office/powerpoint/2010/main" val="4286949109"/>
-      </p:ext>
-    </p:extLst>
-  </p:cSld>
-  <p:clrMapOvr>
-    <a:masterClrMapping/>
-  </p:clrMapOvr>
-  <p:timing>
-    <p:tnLst>
-      <p:par>
-        <p:cTn id="1" dur="indefinite" restart="never" nodeType="tmRoot"/>
-      </p:par>
-    </p:tnLst>
-  </p:timing>
-</p:sld>
-</file>
-
-<file path=ppt/slides/slide17.xml><?xml version="1.0" encoding="utf-8"?>
-<p:sld xmlns:a="http://schemas.openxmlformats.org/drawingml/2006/main" xmlns:r="http://schemas.openxmlformats.org/officeDocument/2006/relationships" xmlns:p="http://schemas.openxmlformats.org/presentationml/2006/main">
-  <p:cSld>
-    <p:spTree>
-      <p:nvGrpSpPr>
-        <p:cNvPr id="1" name=""/>
-        <p:cNvGrpSpPr/>
-        <p:nvPr/>
-      </p:nvGrpSpPr>
-      <p:grpSpPr>
-        <a:xfrm>
-          <a:off x="0" y="0"/>
-          <a:ext cx="0" cy="0"/>
-          <a:chOff x="0" y="0"/>
-          <a:chExt cx="0" cy="0"/>
-        </a:xfrm>
-      </p:grpSpPr>
-      <p:sp>
-        <p:nvSpPr>
-          <p:cNvPr id="5" name="TextBox 4"/>
-          <p:cNvSpPr txBox="1"/>
-          <p:nvPr/>
-        </p:nvSpPr>
-        <p:spPr>
-          <a:xfrm>
-            <a:off x="449179" y="465221"/>
-            <a:ext cx="4115229" cy="707886"/>
-          </a:xfrm>
-          <a:prstGeom prst="rect">
-            <a:avLst/>
-          </a:prstGeom>
-          <a:noFill/>
-        </p:spPr>
-        <p:txBody>
-          <a:bodyPr wrap="none" rtlCol="0">
-            <a:spAutoFit/>
-          </a:bodyPr>
-          <a:lstStyle/>
-          <a:p>
-            <a:r>
-              <a:rPr lang="en-US" altLang="ko-KR" sz="4000" b="1" dirty="0" err="1" smtClean="0">
-                <a:solidFill>
-                  <a:schemeClr val="accent1"/>
-                </a:solidFill>
-                <a:latin typeface="Arial" panose="020B0604020202020204" pitchFamily="34" charset="0"/>
-                <a:cs typeface="Arial" panose="020B0604020202020204" pitchFamily="34" charset="0"/>
-              </a:rPr>
-              <a:t>RegionBehavior</a:t>
-            </a:r>
-            <a:endParaRPr lang="ko-KR" altLang="en-US" sz="4000" b="1" dirty="0">
-              <a:solidFill>
-                <a:schemeClr val="accent1"/>
-              </a:solidFill>
-              <a:latin typeface="Arial" panose="020B0604020202020204" pitchFamily="34" charset="0"/>
-              <a:cs typeface="Arial" panose="020B0604020202020204" pitchFamily="34" charset="0"/>
-            </a:endParaRPr>
-          </a:p>
-        </p:txBody>
-      </p:sp>
-      <p:pic>
-        <p:nvPicPr>
-          <p:cNvPr id="2" name="그림 1"/>
-          <p:cNvPicPr>
-            <a:picLocks noChangeAspect="1"/>
-          </p:cNvPicPr>
-          <p:nvPr/>
-        </p:nvPicPr>
-        <p:blipFill>
-          <a:blip r:embed="rId2"/>
-          <a:stretch>
-            <a:fillRect/>
-          </a:stretch>
-        </p:blipFill>
-        <p:spPr>
-          <a:xfrm>
-            <a:off x="2834877" y="1173107"/>
-            <a:ext cx="5912646" cy="5506278"/>
-          </a:xfrm>
-          <a:prstGeom prst="rect">
-            <a:avLst/>
-          </a:prstGeom>
-        </p:spPr>
-      </p:pic>
-    </p:spTree>
-    <p:extLst>
-      <p:ext uri="{BB962C8B-B14F-4D97-AF65-F5344CB8AC3E}">
-        <p14:creationId xmlns:p14="http://schemas.microsoft.com/office/powerpoint/2010/main" val="1924594116"/>
-      </p:ext>
-    </p:extLst>
-  </p:cSld>
-  <p:clrMapOvr>
-    <a:masterClrMapping/>
-  </p:clrMapOvr>
-  <p:timing>
-    <p:tnLst>
-      <p:par>
-        <p:cTn id="1" dur="indefinite" restart="never" nodeType="tmRoot"/>
-      </p:par>
-    </p:tnLst>
-  </p:timing>
-</p:sld>
-</file>
-
-<file path=ppt/slides/slide18.xml><?xml version="1.0" encoding="utf-8"?>
-<p:sld xmlns:a="http://schemas.openxmlformats.org/drawingml/2006/main" xmlns:r="http://schemas.openxmlformats.org/officeDocument/2006/relationships" xmlns:p="http://schemas.openxmlformats.org/presentationml/2006/main">
-  <p:cSld>
-    <p:spTree>
-      <p:nvGrpSpPr>
-        <p:cNvPr id="1" name=""/>
-        <p:cNvGrpSpPr/>
-        <p:nvPr/>
-      </p:nvGrpSpPr>
-      <p:grpSpPr>
-        <a:xfrm>
-          <a:off x="0" y="0"/>
-          <a:ext cx="0" cy="0"/>
-          <a:chOff x="0" y="0"/>
-          <a:chExt cx="0" cy="0"/>
-        </a:xfrm>
-      </p:grpSpPr>
-      <p:sp>
-        <p:nvSpPr>
-          <p:cNvPr id="5" name="TextBox 4"/>
-          <p:cNvSpPr txBox="1"/>
-          <p:nvPr/>
-        </p:nvSpPr>
-        <p:spPr>
-          <a:xfrm>
-            <a:off x="449179" y="465221"/>
-            <a:ext cx="4115229" cy="707886"/>
-          </a:xfrm>
-          <a:prstGeom prst="rect">
-            <a:avLst/>
-          </a:prstGeom>
-          <a:noFill/>
-        </p:spPr>
-        <p:txBody>
-          <a:bodyPr wrap="none" rtlCol="0">
-            <a:spAutoFit/>
-          </a:bodyPr>
-          <a:lstStyle/>
-          <a:p>
-            <a:r>
-              <a:rPr lang="en-US" altLang="ko-KR" sz="4000" b="1" dirty="0" err="1" smtClean="0">
-                <a:solidFill>
-                  <a:schemeClr val="accent1"/>
-                </a:solidFill>
-                <a:latin typeface="Arial" panose="020B0604020202020204" pitchFamily="34" charset="0"/>
-                <a:cs typeface="Arial" panose="020B0604020202020204" pitchFamily="34" charset="0"/>
-              </a:rPr>
-              <a:t>RegionBehavior</a:t>
-            </a:r>
-            <a:endParaRPr lang="ko-KR" altLang="en-US" sz="4000" b="1" dirty="0">
-              <a:solidFill>
-                <a:schemeClr val="accent1"/>
-              </a:solidFill>
-              <a:latin typeface="Arial" panose="020B0604020202020204" pitchFamily="34" charset="0"/>
-              <a:cs typeface="Arial" panose="020B0604020202020204" pitchFamily="34" charset="0"/>
-            </a:endParaRPr>
-          </a:p>
-        </p:txBody>
-      </p:sp>
-      <p:pic>
-        <p:nvPicPr>
-          <p:cNvPr id="8" name="그림 7"/>
-          <p:cNvPicPr>
-            <a:picLocks noChangeAspect="1"/>
-          </p:cNvPicPr>
-          <p:nvPr/>
-        </p:nvPicPr>
-        <p:blipFill>
-          <a:blip r:embed="rId2"/>
-          <a:stretch>
-            <a:fillRect/>
-          </a:stretch>
-        </p:blipFill>
-        <p:spPr>
-          <a:xfrm>
-            <a:off x="2260577" y="1398394"/>
-            <a:ext cx="8055858" cy="5141494"/>
-          </a:xfrm>
-          <a:prstGeom prst="rect">
-            <a:avLst/>
-          </a:prstGeom>
-        </p:spPr>
-      </p:pic>
-    </p:spTree>
-    <p:extLst>
-      <p:ext uri="{BB962C8B-B14F-4D97-AF65-F5344CB8AC3E}">
-        <p14:creationId xmlns:p14="http://schemas.microsoft.com/office/powerpoint/2010/main" val="385659086"/>
-      </p:ext>
-    </p:extLst>
-  </p:cSld>
-  <p:clrMapOvr>
-    <a:masterClrMapping/>
-  </p:clrMapOvr>
-  <p:timing>
-    <p:tnLst>
-      <p:par>
-        <p:cTn id="1" dur="indefinite" restart="never" nodeType="tmRoot"/>
-      </p:par>
-    </p:tnLst>
-  </p:timing>
-</p:sld>
-</file>
-
-<file path=ppt/slides/slide19.xml><?xml version="1.0" encoding="utf-8"?>
-<p:sld xmlns:a="http://schemas.openxmlformats.org/drawingml/2006/main" xmlns:r="http://schemas.openxmlformats.org/officeDocument/2006/relationships" xmlns:p="http://schemas.openxmlformats.org/presentationml/2006/main">
-  <p:cSld>
-    <p:spTree>
-      <p:nvGrpSpPr>
-        <p:cNvPr id="1" name=""/>
-        <p:cNvGrpSpPr/>
-        <p:nvPr/>
-      </p:nvGrpSpPr>
-      <p:grpSpPr>
-        <a:xfrm>
-          <a:off x="0" y="0"/>
-          <a:ext cx="0" cy="0"/>
-          <a:chOff x="0" y="0"/>
-          <a:chExt cx="0" cy="0"/>
-        </a:xfrm>
-      </p:grpSpPr>
-      <p:sp>
-        <p:nvSpPr>
-          <p:cNvPr id="5" name="TextBox 4"/>
-          <p:cNvSpPr txBox="1"/>
-          <p:nvPr/>
-        </p:nvSpPr>
-        <p:spPr>
-          <a:xfrm>
-            <a:off x="449179" y="465221"/>
-            <a:ext cx="4115229" cy="707886"/>
-          </a:xfrm>
-          <a:prstGeom prst="rect">
-            <a:avLst/>
-          </a:prstGeom>
-          <a:noFill/>
-        </p:spPr>
-        <p:txBody>
-          <a:bodyPr wrap="none" rtlCol="0">
-            <a:spAutoFit/>
-          </a:bodyPr>
-          <a:lstStyle/>
-          <a:p>
-            <a:r>
-              <a:rPr lang="en-US" altLang="ko-KR" sz="4000" b="1" dirty="0" err="1" smtClean="0">
-                <a:solidFill>
-                  <a:schemeClr val="accent1"/>
-                </a:solidFill>
-                <a:latin typeface="Arial" panose="020B0604020202020204" pitchFamily="34" charset="0"/>
-                <a:cs typeface="Arial" panose="020B0604020202020204" pitchFamily="34" charset="0"/>
-              </a:rPr>
-              <a:t>RegionBehavior</a:t>
-            </a:r>
-            <a:endParaRPr lang="ko-KR" altLang="en-US" sz="4000" b="1" dirty="0">
-              <a:solidFill>
-                <a:schemeClr val="accent1"/>
-              </a:solidFill>
-              <a:latin typeface="Arial" panose="020B0604020202020204" pitchFamily="34" charset="0"/>
-              <a:cs typeface="Arial" panose="020B0604020202020204" pitchFamily="34" charset="0"/>
-            </a:endParaRPr>
-          </a:p>
-        </p:txBody>
-      </p:sp>
-      <p:pic>
-        <p:nvPicPr>
-          <p:cNvPr id="2" name="그림 1"/>
-          <p:cNvPicPr>
-            <a:picLocks noChangeAspect="1"/>
-          </p:cNvPicPr>
-          <p:nvPr/>
-        </p:nvPicPr>
-        <p:blipFill>
-          <a:blip r:embed="rId2"/>
-          <a:stretch>
-            <a:fillRect/>
-          </a:stretch>
-        </p:blipFill>
-        <p:spPr>
-          <a:xfrm>
-            <a:off x="2663688" y="1378619"/>
-            <a:ext cx="6944138" cy="5127978"/>
-          </a:xfrm>
-          <a:prstGeom prst="rect">
-            <a:avLst/>
-          </a:prstGeom>
-        </p:spPr>
-      </p:pic>
-      <p:sp>
-        <p:nvSpPr>
-          <p:cNvPr id="3" name="직사각형 2"/>
-          <p:cNvSpPr/>
-          <p:nvPr/>
-        </p:nvSpPr>
-        <p:spPr>
-          <a:xfrm>
-            <a:off x="2968487" y="4982817"/>
-            <a:ext cx="6493565" cy="1219200"/>
-          </a:xfrm>
-          <a:prstGeom prst="rect">
-            <a:avLst/>
-          </a:prstGeom>
-          <a:noFill/>
-          <a:ln w="50800">
-            <a:solidFill>
-              <a:srgbClr val="FF0000"/>
-            </a:solidFill>
-          </a:ln>
-        </p:spPr>
-        <p:style>
-          <a:lnRef idx="2">
-            <a:schemeClr val="accent1">
-              <a:shade val="50000"/>
-            </a:schemeClr>
-          </a:lnRef>
-          <a:fillRef idx="1">
-            <a:schemeClr val="accent1"/>
-          </a:fillRef>
-          <a:effectRef idx="0">
-            <a:schemeClr val="accent1"/>
-          </a:effectRef>
-          <a:fontRef idx="minor">
-            <a:schemeClr val="lt1"/>
-          </a:fontRef>
-        </p:style>
-        <p:txBody>
-          <a:bodyPr rtlCol="0" anchor="ctr"/>
-          <a:lstStyle/>
-          <a:p>
-            <a:pPr algn="ctr"/>
-            <a:endParaRPr lang="ko-KR" altLang="en-US"/>
-          </a:p>
-        </p:txBody>
-      </p:sp>
-    </p:spTree>
-    <p:extLst>
-      <p:ext uri="{BB962C8B-B14F-4D97-AF65-F5344CB8AC3E}">
-        <p14:creationId xmlns:p14="http://schemas.microsoft.com/office/powerpoint/2010/main" val="3874720455"/>
-      </p:ext>
-    </p:extLst>
-  </p:cSld>
-  <p:clrMapOvr>
-    <a:masterClrMapping/>
-  </p:clrMapOvr>
-  <p:timing>
-    <p:tnLst>
-      <p:par>
-        <p:cTn id="1" dur="indefinite" restart="never" nodeType="tmRoot"/>
-      </p:par>
-    </p:tnLst>
-  </p:timing>
-</p:sld>
-</file>
-
-<file path=ppt/slides/slide2.xml><?xml version="1.0" encoding="utf-8"?>
-<p:sld xmlns:a="http://schemas.openxmlformats.org/drawingml/2006/main" xmlns:r="http://schemas.openxmlformats.org/officeDocument/2006/relationships" xmlns:p="http://schemas.openxmlformats.org/presentationml/2006/main">
-  <p:cSld>
-    <p:spTree>
-      <p:nvGrpSpPr>
-        <p:cNvPr id="1" name=""/>
-        <p:cNvGrpSpPr/>
-        <p:nvPr/>
-      </p:nvGrpSpPr>
-      <p:grpSpPr>
-        <a:xfrm>
-          <a:off x="0" y="0"/>
-          <a:ext cx="0" cy="0"/>
-          <a:chOff x="0" y="0"/>
-          <a:chExt cx="0" cy="0"/>
-        </a:xfrm>
-      </p:grpSpPr>
-      <p:sp>
-        <p:nvSpPr>
-          <p:cNvPr id="5" name="TextBox 4"/>
-          <p:cNvSpPr txBox="1"/>
-          <p:nvPr/>
-        </p:nvSpPr>
-        <p:spPr>
-          <a:xfrm>
-            <a:off x="449179" y="465221"/>
-            <a:ext cx="6082114" cy="707886"/>
-          </a:xfrm>
-          <a:prstGeom prst="rect">
-            <a:avLst/>
-          </a:prstGeom>
-          <a:noFill/>
-        </p:spPr>
-        <p:txBody>
-          <a:bodyPr wrap="none" rtlCol="0">
-            <a:spAutoFit/>
-          </a:bodyPr>
-          <a:lstStyle/>
-          <a:p>
-            <a:r>
-              <a:rPr lang="en-US" altLang="ko-KR" sz="4000" b="1" dirty="0" err="1" smtClean="0">
-                <a:solidFill>
-                  <a:schemeClr val="accent1"/>
-                </a:solidFill>
-                <a:latin typeface="Arial" panose="020B0604020202020204" pitchFamily="34" charset="0"/>
-                <a:cs typeface="Arial" panose="020B0604020202020204" pitchFamily="34" charset="0"/>
-              </a:rPr>
-              <a:t>INotifyPropertyChanged</a:t>
-            </a:r>
-            <a:endParaRPr lang="ko-KR" altLang="en-US" sz="4000" b="1" dirty="0">
-              <a:solidFill>
-                <a:schemeClr val="accent1"/>
-              </a:solidFill>
-              <a:latin typeface="Arial" panose="020B0604020202020204" pitchFamily="34" charset="0"/>
-              <a:cs typeface="Arial" panose="020B0604020202020204" pitchFamily="34" charset="0"/>
-            </a:endParaRPr>
-          </a:p>
-        </p:txBody>
-      </p:sp>
-      <p:pic>
-        <p:nvPicPr>
-          <p:cNvPr id="2" name="그림 1"/>
-          <p:cNvPicPr>
-            <a:picLocks noChangeAspect="1"/>
-          </p:cNvPicPr>
-          <p:nvPr/>
-        </p:nvPicPr>
-        <p:blipFill>
-          <a:blip r:embed="rId2"/>
-          <a:stretch>
-            <a:fillRect/>
-          </a:stretch>
-        </p:blipFill>
-        <p:spPr>
-          <a:xfrm>
-            <a:off x="1117296" y="2148214"/>
-            <a:ext cx="9957408" cy="3463446"/>
-          </a:xfrm>
-          <a:prstGeom prst="rect">
-            <a:avLst/>
-          </a:prstGeom>
-        </p:spPr>
-      </p:pic>
-    </p:spTree>
-    <p:extLst>
-      <p:ext uri="{BB962C8B-B14F-4D97-AF65-F5344CB8AC3E}">
-        <p14:creationId xmlns:p14="http://schemas.microsoft.com/office/powerpoint/2010/main" val="1172427522"/>
-      </p:ext>
-    </p:extLst>
-  </p:cSld>
-  <p:clrMapOvr>
-    <a:masterClrMapping/>
-  </p:clrMapOvr>
-  <p:timing>
-    <p:tnLst>
-      <p:par>
-        <p:cTn id="1" dur="indefinite" restart="never" nodeType="tmRoot"/>
-      </p:par>
-    </p:tnLst>
-  </p:timing>
-</p:sld>
-</file>
-
-<file path=ppt/slides/slide20.xml><?xml version="1.0" encoding="utf-8"?>
-<p:sld xmlns:a="http://schemas.openxmlformats.org/drawingml/2006/main" xmlns:r="http://schemas.openxmlformats.org/officeDocument/2006/relationships" xmlns:p="http://schemas.openxmlformats.org/presentationml/2006/main">
-  <p:cSld>
-    <p:spTree>
-      <p:nvGrpSpPr>
-        <p:cNvPr id="1" name=""/>
-        <p:cNvGrpSpPr/>
-        <p:nvPr/>
-      </p:nvGrpSpPr>
-      <p:grpSpPr>
-        <a:xfrm>
-          <a:off x="0" y="0"/>
-          <a:ext cx="0" cy="0"/>
-          <a:chOff x="0" y="0"/>
-          <a:chExt cx="0" cy="0"/>
-        </a:xfrm>
-      </p:grpSpPr>
-      <p:sp>
-        <p:nvSpPr>
-          <p:cNvPr id="5" name="TextBox 4"/>
-          <p:cNvSpPr txBox="1"/>
-          <p:nvPr/>
-        </p:nvSpPr>
-        <p:spPr>
-          <a:xfrm>
-            <a:off x="449179" y="465221"/>
-            <a:ext cx="2236510" cy="707886"/>
-          </a:xfrm>
-          <a:prstGeom prst="rect">
-            <a:avLst/>
-          </a:prstGeom>
-          <a:noFill/>
-        </p:spPr>
-        <p:txBody>
-          <a:bodyPr wrap="none" rtlCol="0">
-            <a:spAutoFit/>
-          </a:bodyPr>
-          <a:lstStyle/>
-          <a:p>
-            <a:r>
-              <a:rPr lang="ko-KR" altLang="en-US" sz="4000" b="1" dirty="0" smtClean="0">
-                <a:solidFill>
-                  <a:schemeClr val="accent1"/>
-                </a:solidFill>
-                <a:latin typeface="Arial" panose="020B0604020202020204" pitchFamily="34" charset="0"/>
-                <a:cs typeface="Arial" panose="020B0604020202020204" pitchFamily="34" charset="0"/>
-              </a:rPr>
-              <a:t>참고자료</a:t>
-            </a:r>
-            <a:endParaRPr lang="ko-KR" altLang="en-US" sz="4000" b="1" dirty="0">
-              <a:solidFill>
-                <a:schemeClr val="accent1"/>
-              </a:solidFill>
-              <a:latin typeface="Arial" panose="020B0604020202020204" pitchFamily="34" charset="0"/>
-              <a:cs typeface="Arial" panose="020B0604020202020204" pitchFamily="34" charset="0"/>
-            </a:endParaRPr>
-          </a:p>
-        </p:txBody>
-      </p:sp>
-      <p:sp>
-        <p:nvSpPr>
-          <p:cNvPr id="6" name="TextBox 5"/>
-          <p:cNvSpPr txBox="1"/>
-          <p:nvPr/>
-        </p:nvSpPr>
-        <p:spPr>
-          <a:xfrm>
-            <a:off x="378634" y="2000250"/>
-            <a:ext cx="11434733" cy="3693319"/>
-          </a:xfrm>
-          <a:prstGeom prst="rect">
-            <a:avLst/>
-          </a:prstGeom>
-          <a:noFill/>
-        </p:spPr>
-        <p:txBody>
-          <a:bodyPr wrap="none" rtlCol="0">
-            <a:spAutoFit/>
-          </a:bodyPr>
-          <a:lstStyle/>
-          <a:p>
-            <a:r>
-              <a:rPr lang="en-US" altLang="ko-KR" dirty="0"/>
-              <a:t>Using </a:t>
-            </a:r>
-            <a:r>
-              <a:rPr lang="en-US" altLang="ko-KR" dirty="0" err="1"/>
-              <a:t>CallerMemberName</a:t>
-            </a:r>
-            <a:r>
-              <a:rPr lang="en-US" altLang="ko-KR" dirty="0"/>
-              <a:t> for property change notification in XAML apps</a:t>
-            </a:r>
-          </a:p>
-          <a:p>
-            <a:r>
-              <a:rPr lang="en-US" altLang="ko-KR" dirty="0">
-                <a:hlinkClick r:id="rId2"/>
-              </a:rPr>
-              <a:t>http://10rem.net/blog/2013/02/25/using-callermembername-for-property-change-notification-in-xaml-apps</a:t>
-            </a:r>
-            <a:endParaRPr lang="en-US" altLang="ko-KR" dirty="0"/>
-          </a:p>
-          <a:p>
-            <a:endParaRPr lang="en-US" altLang="ko-KR" dirty="0"/>
-          </a:p>
-          <a:p>
-            <a:r>
-              <a:rPr lang="en-US" altLang="ko-KR" dirty="0" smtClean="0"/>
-              <a:t>Introduction to PRISM</a:t>
-            </a:r>
-          </a:p>
-          <a:p>
-            <a:r>
-              <a:rPr lang="en-US" altLang="ko-KR" dirty="0">
-                <a:hlinkClick r:id="rId3"/>
-              </a:rPr>
-              <a:t>https://</a:t>
-            </a:r>
-            <a:r>
-              <a:rPr lang="en-US" altLang="ko-KR" dirty="0" smtClean="0">
-                <a:hlinkClick r:id="rId3"/>
-              </a:rPr>
-              <a:t>app.pluralsight.com/library/courses/prism-introduction/table-of-contents</a:t>
-            </a:r>
-            <a:endParaRPr lang="en-US" altLang="ko-KR" dirty="0" smtClean="0"/>
-          </a:p>
-          <a:p>
-            <a:endParaRPr lang="en-US" altLang="ko-KR" dirty="0"/>
-          </a:p>
-          <a:p>
-            <a:r>
-              <a:rPr lang="en-US" altLang="ko-KR" dirty="0" err="1" smtClean="0"/>
-              <a:t>PrismEdu</a:t>
-            </a:r>
-            <a:endParaRPr lang="en-US" altLang="ko-KR" dirty="0" smtClean="0"/>
-          </a:p>
-          <a:p>
-            <a:r>
-              <a:rPr lang="en-US" altLang="ko-KR" dirty="0">
-                <a:hlinkClick r:id="rId4"/>
-              </a:rPr>
-              <a:t>https://</a:t>
-            </a:r>
-            <a:r>
-              <a:rPr lang="en-US" altLang="ko-KR" dirty="0" smtClean="0">
-                <a:hlinkClick r:id="rId4"/>
-              </a:rPr>
-              <a:t>github.com/runceel/PrismEdu</a:t>
-            </a:r>
-            <a:endParaRPr lang="en-US" altLang="ko-KR" dirty="0" smtClean="0"/>
-          </a:p>
-          <a:p>
-            <a:endParaRPr lang="en-US" altLang="ko-KR" dirty="0"/>
-          </a:p>
-          <a:p>
-            <a:r>
-              <a:rPr lang="en-US" altLang="ko-KR" dirty="0"/>
-              <a:t>Prism Problems &amp; </a:t>
-            </a:r>
-            <a:r>
-              <a:rPr lang="en-US" altLang="ko-KR" dirty="0" smtClean="0"/>
-              <a:t>Solutions Series</a:t>
-            </a:r>
-          </a:p>
-          <a:p>
-            <a:r>
-              <a:rPr lang="en-US" altLang="ko-KR" dirty="0">
-                <a:hlinkClick r:id="rId5"/>
-              </a:rPr>
-              <a:t>https://</a:t>
-            </a:r>
-            <a:r>
-              <a:rPr lang="en-US" altLang="ko-KR" dirty="0" smtClean="0">
-                <a:hlinkClick r:id="rId5"/>
-              </a:rPr>
-              <a:t>app.pluralsight.com/profile/author/brian-lagunas</a:t>
-            </a:r>
-            <a:endParaRPr lang="en-US" altLang="ko-KR" dirty="0" smtClean="0"/>
-          </a:p>
-          <a:p>
-            <a:endParaRPr lang="en-US" altLang="ko-KR" dirty="0"/>
-          </a:p>
-          <a:p>
-            <a:endParaRPr lang="ko-KR" altLang="en-US" dirty="0"/>
-          </a:p>
-        </p:txBody>
-      </p:sp>
-    </p:spTree>
-    <p:extLst>
-      <p:ext uri="{BB962C8B-B14F-4D97-AF65-F5344CB8AC3E}">
-        <p14:creationId xmlns:p14="http://schemas.microsoft.com/office/powerpoint/2010/main" val="3746847513"/>
-      </p:ext>
-    </p:extLst>
-  </p:cSld>
-  <p:clrMapOvr>
-    <a:masterClrMapping/>
-  </p:clrMapOvr>
-  <p:timing>
-    <p:tnLst>
-      <p:par>
-        <p:cTn id="1" dur="indefinite" restart="never" nodeType="tmRoot"/>
-      </p:par>
-    </p:tnLst>
-  </p:timing>
-</p:sld>
-</file>
-
-<file path=ppt/slides/slide3.xml><?xml version="1.0" encoding="utf-8"?>
-<p:sld xmlns:a="http://schemas.openxmlformats.org/drawingml/2006/main" xmlns:r="http://schemas.openxmlformats.org/officeDocument/2006/relationships" xmlns:p="http://schemas.openxmlformats.org/presentationml/2006/main">
-  <p:cSld>
-    <p:spTree>
-      <p:nvGrpSpPr>
-        <p:cNvPr id="1" name=""/>
-        <p:cNvGrpSpPr/>
-        <p:nvPr/>
-      </p:nvGrpSpPr>
-      <p:grpSpPr>
-        <a:xfrm>
-          <a:off x="0" y="0"/>
-          <a:ext cx="0" cy="0"/>
-          <a:chOff x="0" y="0"/>
-          <a:chExt cx="0" cy="0"/>
-        </a:xfrm>
-      </p:grpSpPr>
-      <p:sp>
-        <p:nvSpPr>
-          <p:cNvPr id="5" name="TextBox 4"/>
-          <p:cNvSpPr txBox="1"/>
-          <p:nvPr/>
-        </p:nvSpPr>
-        <p:spPr>
-          <a:xfrm>
-            <a:off x="449179" y="465221"/>
-            <a:ext cx="6082114" cy="707886"/>
-          </a:xfrm>
-          <a:prstGeom prst="rect">
-            <a:avLst/>
-          </a:prstGeom>
-          <a:noFill/>
-        </p:spPr>
-        <p:txBody>
-          <a:bodyPr wrap="none" rtlCol="0">
-            <a:spAutoFit/>
-          </a:bodyPr>
-          <a:lstStyle/>
-          <a:p>
-            <a:r>
-              <a:rPr lang="en-US" altLang="ko-KR" sz="4000" b="1" dirty="0" err="1" smtClean="0">
-                <a:solidFill>
-                  <a:schemeClr val="accent1"/>
-                </a:solidFill>
-                <a:latin typeface="Arial" panose="020B0604020202020204" pitchFamily="34" charset="0"/>
-                <a:cs typeface="Arial" panose="020B0604020202020204" pitchFamily="34" charset="0"/>
-              </a:rPr>
-              <a:t>INotifyPropertyChanged</a:t>
-            </a:r>
-            <a:endParaRPr lang="ko-KR" altLang="en-US" sz="4000" b="1" dirty="0">
-              <a:solidFill>
-                <a:schemeClr val="accent1"/>
-              </a:solidFill>
-              <a:latin typeface="Arial" panose="020B0604020202020204" pitchFamily="34" charset="0"/>
-              <a:cs typeface="Arial" panose="020B0604020202020204" pitchFamily="34" charset="0"/>
-            </a:endParaRPr>
-          </a:p>
-        </p:txBody>
-      </p:sp>
-      <p:pic>
-        <p:nvPicPr>
-          <p:cNvPr id="2" name="그림 1"/>
-          <p:cNvPicPr>
-            <a:picLocks noChangeAspect="1"/>
-          </p:cNvPicPr>
-          <p:nvPr/>
-        </p:nvPicPr>
-        <p:blipFill>
-          <a:blip r:embed="rId2"/>
-          <a:stretch>
-            <a:fillRect/>
-          </a:stretch>
-        </p:blipFill>
-        <p:spPr>
-          <a:xfrm>
-            <a:off x="2897688" y="1553362"/>
-            <a:ext cx="6396624" cy="4953776"/>
-          </a:xfrm>
-          <a:prstGeom prst="rect">
-            <a:avLst/>
-          </a:prstGeom>
-        </p:spPr>
-      </p:pic>
-    </p:spTree>
-    <p:extLst>
-      <p:ext uri="{BB962C8B-B14F-4D97-AF65-F5344CB8AC3E}">
-        <p14:creationId xmlns:p14="http://schemas.microsoft.com/office/powerpoint/2010/main" val="550331906"/>
-      </p:ext>
-    </p:extLst>
-  </p:cSld>
-  <p:clrMapOvr>
-    <a:masterClrMapping/>
-  </p:clrMapOvr>
-  <p:timing>
-    <p:tnLst>
-      <p:par>
-        <p:cTn id="1" dur="indefinite" restart="never" nodeType="tmRoot"/>
-      </p:par>
-    </p:tnLst>
-  </p:timing>
-</p:sld>
-</file>
-
-<file path=ppt/slides/slide4.xml><?xml version="1.0" encoding="utf-8"?>
-<p:sld xmlns:a="http://schemas.openxmlformats.org/drawingml/2006/main" xmlns:r="http://schemas.openxmlformats.org/officeDocument/2006/relationships" xmlns:p="http://schemas.openxmlformats.org/presentationml/2006/main">
-  <p:cSld>
-    <p:spTree>
-      <p:nvGrpSpPr>
-        <p:cNvPr id="1" name=""/>
-        <p:cNvGrpSpPr/>
-        <p:nvPr/>
-      </p:nvGrpSpPr>
-      <p:grpSpPr>
-        <a:xfrm>
-          <a:off x="0" y="0"/>
-          <a:ext cx="0" cy="0"/>
-          <a:chOff x="0" y="0"/>
-          <a:chExt cx="0" cy="0"/>
-        </a:xfrm>
-      </p:grpSpPr>
-      <p:sp>
-        <p:nvSpPr>
-          <p:cNvPr id="5" name="TextBox 4"/>
-          <p:cNvSpPr txBox="1"/>
-          <p:nvPr/>
-        </p:nvSpPr>
-        <p:spPr>
-          <a:xfrm>
-            <a:off x="449179" y="465221"/>
-            <a:ext cx="6082114" cy="707886"/>
-          </a:xfrm>
-          <a:prstGeom prst="rect">
-            <a:avLst/>
-          </a:prstGeom>
-          <a:noFill/>
-        </p:spPr>
-        <p:txBody>
-          <a:bodyPr wrap="none" rtlCol="0">
-            <a:spAutoFit/>
-          </a:bodyPr>
-          <a:lstStyle/>
-          <a:p>
-            <a:r>
-              <a:rPr lang="en-US" altLang="ko-KR" sz="4000" b="1" dirty="0" err="1" smtClean="0">
-                <a:solidFill>
-                  <a:schemeClr val="accent1"/>
-                </a:solidFill>
-                <a:latin typeface="Arial" panose="020B0604020202020204" pitchFamily="34" charset="0"/>
-                <a:cs typeface="Arial" panose="020B0604020202020204" pitchFamily="34" charset="0"/>
-              </a:rPr>
-              <a:t>INotifyPropertyChanged</a:t>
-            </a:r>
-            <a:endParaRPr lang="ko-KR" altLang="en-US" sz="4000" b="1" dirty="0">
-              <a:solidFill>
-                <a:schemeClr val="accent1"/>
-              </a:solidFill>
-              <a:latin typeface="Arial" panose="020B0604020202020204" pitchFamily="34" charset="0"/>
-              <a:cs typeface="Arial" panose="020B0604020202020204" pitchFamily="34" charset="0"/>
-            </a:endParaRPr>
-          </a:p>
-        </p:txBody>
-      </p:sp>
-      <p:sp>
-        <p:nvSpPr>
-          <p:cNvPr id="6" name="TextBox 5"/>
-          <p:cNvSpPr txBox="1"/>
-          <p:nvPr/>
-        </p:nvSpPr>
-        <p:spPr>
-          <a:xfrm>
-            <a:off x="987711" y="1933986"/>
-            <a:ext cx="8482579" cy="646331"/>
-          </a:xfrm>
-          <a:prstGeom prst="rect">
-            <a:avLst/>
-          </a:prstGeom>
-          <a:noFill/>
-        </p:spPr>
-        <p:txBody>
-          <a:bodyPr wrap="none" rtlCol="0">
-            <a:spAutoFit/>
-          </a:bodyPr>
-          <a:lstStyle/>
-          <a:p>
-            <a:r>
-              <a:rPr lang="ko-KR" altLang="en-US" dirty="0" smtClean="0"/>
-              <a:t>개발 중 팀장님이 </a:t>
-            </a:r>
-            <a:r>
-              <a:rPr lang="en-US" altLang="ko-KR" dirty="0" smtClean="0"/>
-              <a:t>Property</a:t>
-            </a:r>
-            <a:r>
-              <a:rPr lang="ko-KR" altLang="en-US" dirty="0" smtClean="0"/>
-              <a:t>명을 </a:t>
-            </a:r>
-            <a:r>
-              <a:rPr lang="en-US" altLang="ko-KR" dirty="0" smtClean="0"/>
-              <a:t>‘Name’</a:t>
-            </a:r>
-            <a:r>
-              <a:rPr lang="ko-KR" altLang="en-US" dirty="0" smtClean="0"/>
-              <a:t>에서 </a:t>
-            </a:r>
-            <a:r>
-              <a:rPr lang="en-US" altLang="ko-KR" dirty="0" smtClean="0"/>
-              <a:t>‘</a:t>
-            </a:r>
-            <a:r>
-              <a:rPr lang="en-US" altLang="ko-KR" dirty="0" err="1" smtClean="0"/>
-              <a:t>ClickName</a:t>
-            </a:r>
-            <a:r>
-              <a:rPr lang="en-US" altLang="ko-KR" dirty="0" smtClean="0"/>
-              <a:t>’</a:t>
-            </a:r>
-            <a:r>
-              <a:rPr lang="ko-KR" altLang="en-US" dirty="0" smtClean="0"/>
-              <a:t>으로 변경하라고 하셨다</a:t>
-            </a:r>
-            <a:r>
-              <a:rPr lang="en-US" altLang="ko-KR" dirty="0" smtClean="0"/>
-              <a:t>.</a:t>
-            </a:r>
-          </a:p>
-          <a:p>
-            <a:r>
-              <a:rPr lang="ko-KR" altLang="en-US" dirty="0" smtClean="0"/>
-              <a:t>그냥 </a:t>
-            </a:r>
-            <a:r>
-              <a:rPr lang="en-US" altLang="ko-KR" dirty="0" smtClean="0"/>
-              <a:t>Property </a:t>
-            </a:r>
-            <a:r>
-              <a:rPr lang="ko-KR" altLang="en-US" dirty="0" smtClean="0"/>
-              <a:t>명만 </a:t>
-            </a:r>
-            <a:r>
-              <a:rPr lang="ko-KR" altLang="en-US" dirty="0" err="1" smtClean="0"/>
-              <a:t>되는건데</a:t>
-            </a:r>
-            <a:r>
-              <a:rPr lang="ko-KR" altLang="en-US" dirty="0" smtClean="0"/>
-              <a:t> 어렵지 않지</a:t>
-            </a:r>
-            <a:r>
-              <a:rPr lang="en-US" altLang="ko-KR" dirty="0" smtClean="0"/>
-              <a:t>!</a:t>
-            </a:r>
-          </a:p>
-        </p:txBody>
-      </p:sp>
-      <p:pic>
-        <p:nvPicPr>
-          <p:cNvPr id="2" name="그림 1"/>
-          <p:cNvPicPr>
-            <a:picLocks noChangeAspect="1"/>
-          </p:cNvPicPr>
-          <p:nvPr/>
-        </p:nvPicPr>
-        <p:blipFill>
-          <a:blip r:embed="rId2"/>
-          <a:stretch>
-            <a:fillRect/>
-          </a:stretch>
-        </p:blipFill>
-        <p:spPr>
-          <a:xfrm>
-            <a:off x="1970622" y="3064197"/>
-            <a:ext cx="8250756" cy="2724410"/>
-          </a:xfrm>
-          <a:prstGeom prst="rect">
-            <a:avLst/>
-          </a:prstGeom>
-        </p:spPr>
-      </p:pic>
-    </p:spTree>
-    <p:extLst>
-      <p:ext uri="{BB962C8B-B14F-4D97-AF65-F5344CB8AC3E}">
-        <p14:creationId xmlns:p14="http://schemas.microsoft.com/office/powerpoint/2010/main" val="2372413536"/>
-      </p:ext>
-    </p:extLst>
-  </p:cSld>
-  <p:clrMapOvr>
-    <a:masterClrMapping/>
-  </p:clrMapOvr>
-  <p:timing>
-    <p:tnLst>
-      <p:par>
-        <p:cTn id="1" dur="indefinite" restart="never" nodeType="tmRoot"/>
-      </p:par>
-    </p:tnLst>
-  </p:timing>
-</p:sld>
-</file>
-
-<file path=ppt/slides/slide5.xml><?xml version="1.0" encoding="utf-8"?>
-<p:sld xmlns:a="http://schemas.openxmlformats.org/drawingml/2006/main" xmlns:r="http://schemas.openxmlformats.org/officeDocument/2006/relationships" xmlns:p="http://schemas.openxmlformats.org/presentationml/2006/main">
-  <p:cSld>
-    <p:spTree>
-      <p:nvGrpSpPr>
-        <p:cNvPr id="1" name=""/>
-        <p:cNvGrpSpPr/>
-        <p:nvPr/>
-      </p:nvGrpSpPr>
-      <p:grpSpPr>
-        <a:xfrm>
-          <a:off x="0" y="0"/>
-          <a:ext cx="0" cy="0"/>
-          <a:chOff x="0" y="0"/>
-          <a:chExt cx="0" cy="0"/>
-        </a:xfrm>
-      </p:grpSpPr>
-      <p:sp>
-        <p:nvSpPr>
-          <p:cNvPr id="5" name="TextBox 4"/>
-          <p:cNvSpPr txBox="1"/>
-          <p:nvPr/>
-        </p:nvSpPr>
-        <p:spPr>
-          <a:xfrm>
-            <a:off x="449179" y="465221"/>
-            <a:ext cx="6082114" cy="707886"/>
-          </a:xfrm>
-          <a:prstGeom prst="rect">
-            <a:avLst/>
-          </a:prstGeom>
-          <a:noFill/>
-        </p:spPr>
-        <p:txBody>
-          <a:bodyPr wrap="none" rtlCol="0">
-            <a:spAutoFit/>
-          </a:bodyPr>
-          <a:lstStyle/>
-          <a:p>
-            <a:r>
-              <a:rPr lang="en-US" altLang="ko-KR" sz="4000" b="1" dirty="0" err="1" smtClean="0">
-                <a:solidFill>
-                  <a:schemeClr val="accent1"/>
-                </a:solidFill>
-                <a:latin typeface="Arial" panose="020B0604020202020204" pitchFamily="34" charset="0"/>
-                <a:cs typeface="Arial" panose="020B0604020202020204" pitchFamily="34" charset="0"/>
-              </a:rPr>
-              <a:t>INotifyPropertyChanged</a:t>
-            </a:r>
-            <a:endParaRPr lang="ko-KR" altLang="en-US" sz="4000" b="1" dirty="0">
-              <a:solidFill>
-                <a:schemeClr val="accent1"/>
-              </a:solidFill>
-              <a:latin typeface="Arial" panose="020B0604020202020204" pitchFamily="34" charset="0"/>
-              <a:cs typeface="Arial" panose="020B0604020202020204" pitchFamily="34" charset="0"/>
-            </a:endParaRPr>
-          </a:p>
-        </p:txBody>
-      </p:sp>
-      <p:pic>
-        <p:nvPicPr>
-          <p:cNvPr id="3" name="그림 2"/>
-          <p:cNvPicPr>
-            <a:picLocks noChangeAspect="1"/>
-          </p:cNvPicPr>
-          <p:nvPr/>
-        </p:nvPicPr>
-        <p:blipFill>
-          <a:blip r:embed="rId2"/>
-          <a:stretch>
-            <a:fillRect/>
-          </a:stretch>
-        </p:blipFill>
-        <p:spPr>
-          <a:xfrm>
-            <a:off x="3285994" y="1559155"/>
-            <a:ext cx="5620012" cy="4892084"/>
-          </a:xfrm>
-          <a:prstGeom prst="rect">
-            <a:avLst/>
-          </a:prstGeom>
-        </p:spPr>
-      </p:pic>
-    </p:spTree>
-    <p:extLst>
-      <p:ext uri="{BB962C8B-B14F-4D97-AF65-F5344CB8AC3E}">
-        <p14:creationId xmlns:p14="http://schemas.microsoft.com/office/powerpoint/2010/main" val="3622345444"/>
-      </p:ext>
-    </p:extLst>
-  </p:cSld>
-  <p:clrMapOvr>
-    <a:masterClrMapping/>
-  </p:clrMapOvr>
-  <p:timing>
-    <p:tnLst>
-      <p:par>
-        <p:cTn id="1" dur="indefinite" restart="never" nodeType="tmRoot"/>
-      </p:par>
-    </p:tnLst>
-  </p:timing>
-</p:sld>
-</file>
-
-<file path=ppt/slides/slide6.xml><?xml version="1.0" encoding="utf-8"?>
-<p:sld xmlns:a="http://schemas.openxmlformats.org/drawingml/2006/main" xmlns:r="http://schemas.openxmlformats.org/officeDocument/2006/relationships" xmlns:p="http://schemas.openxmlformats.org/presentationml/2006/main">
-  <p:cSld>
-    <p:spTree>
-      <p:nvGrpSpPr>
-        <p:cNvPr id="1" name=""/>
-        <p:cNvGrpSpPr/>
-        <p:nvPr/>
-      </p:nvGrpSpPr>
-      <p:grpSpPr>
-        <a:xfrm>
-          <a:off x="0" y="0"/>
-          <a:ext cx="0" cy="0"/>
-          <a:chOff x="0" y="0"/>
-          <a:chExt cx="0" cy="0"/>
-        </a:xfrm>
-      </p:grpSpPr>
-      <p:sp>
-        <p:nvSpPr>
-          <p:cNvPr id="5" name="TextBox 4"/>
-          <p:cNvSpPr txBox="1"/>
-          <p:nvPr/>
-        </p:nvSpPr>
-        <p:spPr>
-          <a:xfrm>
-            <a:off x="449179" y="465221"/>
-            <a:ext cx="6082114" cy="707886"/>
-          </a:xfrm>
-          <a:prstGeom prst="rect">
-            <a:avLst/>
-          </a:prstGeom>
-          <a:noFill/>
-        </p:spPr>
-        <p:txBody>
-          <a:bodyPr wrap="none" rtlCol="0">
-            <a:spAutoFit/>
-          </a:bodyPr>
-          <a:lstStyle/>
-          <a:p>
-            <a:r>
-              <a:rPr lang="en-US" altLang="ko-KR" sz="4000" b="1" dirty="0" err="1" smtClean="0">
-                <a:solidFill>
-                  <a:schemeClr val="accent1"/>
-                </a:solidFill>
-                <a:latin typeface="Arial" panose="020B0604020202020204" pitchFamily="34" charset="0"/>
-                <a:cs typeface="Arial" panose="020B0604020202020204" pitchFamily="34" charset="0"/>
-              </a:rPr>
-              <a:t>INotifyPropertyChanged</a:t>
-            </a:r>
-            <a:endParaRPr lang="ko-KR" altLang="en-US" sz="4000" b="1" dirty="0">
-              <a:solidFill>
-                <a:schemeClr val="accent1"/>
-              </a:solidFill>
-              <a:latin typeface="Arial" panose="020B0604020202020204" pitchFamily="34" charset="0"/>
-              <a:cs typeface="Arial" panose="020B0604020202020204" pitchFamily="34" charset="0"/>
-            </a:endParaRPr>
-          </a:p>
-        </p:txBody>
-      </p:sp>
-      <p:sp>
-        <p:nvSpPr>
-          <p:cNvPr id="6" name="TextBox 5"/>
-          <p:cNvSpPr txBox="1"/>
-          <p:nvPr/>
-        </p:nvSpPr>
-        <p:spPr>
-          <a:xfrm>
-            <a:off x="680588" y="1620836"/>
-            <a:ext cx="5353581" cy="1754326"/>
-          </a:xfrm>
-          <a:prstGeom prst="rect">
-            <a:avLst/>
-          </a:prstGeom>
-          <a:noFill/>
-        </p:spPr>
-        <p:txBody>
-          <a:bodyPr wrap="none" rtlCol="0">
-            <a:spAutoFit/>
-          </a:bodyPr>
-          <a:lstStyle/>
-          <a:p>
-            <a:r>
-              <a:rPr lang="ko-KR" altLang="en-US" dirty="0" smtClean="0"/>
-              <a:t>변경 후 테스트에서 </a:t>
-            </a:r>
-            <a:r>
-              <a:rPr lang="en-US" altLang="ko-KR" dirty="0" smtClean="0"/>
-              <a:t>View</a:t>
-            </a:r>
-            <a:r>
-              <a:rPr lang="ko-KR" altLang="en-US" dirty="0" smtClean="0"/>
-              <a:t>에서 </a:t>
-            </a:r>
-            <a:r>
-              <a:rPr lang="en-US" altLang="ko-KR" dirty="0" smtClean="0"/>
-              <a:t>Button Click</a:t>
-            </a:r>
-            <a:r>
-              <a:rPr lang="ko-KR" altLang="en-US" dirty="0" smtClean="0"/>
-              <a:t>시 </a:t>
-            </a:r>
-            <a:endParaRPr lang="en-US" altLang="ko-KR" dirty="0" smtClean="0"/>
-          </a:p>
-          <a:p>
-            <a:r>
-              <a:rPr lang="en-US" altLang="ko-KR" dirty="0" smtClean="0"/>
-              <a:t>View</a:t>
-            </a:r>
-            <a:r>
-              <a:rPr lang="ko-KR" altLang="en-US" dirty="0" smtClean="0"/>
-              <a:t>에 </a:t>
-            </a:r>
-            <a:r>
-              <a:rPr lang="en-US" altLang="ko-KR" dirty="0" smtClean="0"/>
-              <a:t>Property </a:t>
-            </a:r>
-            <a:r>
-              <a:rPr lang="ko-KR" altLang="en-US" dirty="0" smtClean="0"/>
-              <a:t>값이 적용이 안되었다</a:t>
-            </a:r>
-            <a:r>
-              <a:rPr lang="en-US" altLang="ko-KR" dirty="0" smtClean="0"/>
-              <a:t>.</a:t>
-            </a:r>
-          </a:p>
-          <a:p>
-            <a:endParaRPr lang="en-US" altLang="ko-KR" dirty="0" smtClean="0"/>
-          </a:p>
-          <a:p>
-            <a:r>
-              <a:rPr lang="ko-KR" altLang="en-US" dirty="0" smtClean="0"/>
-              <a:t>원인은 </a:t>
-            </a:r>
-            <a:r>
-              <a:rPr lang="en-US" altLang="ko-KR" dirty="0" err="1" smtClean="0"/>
-              <a:t>PropertyChanged</a:t>
-            </a:r>
-            <a:r>
-              <a:rPr lang="ko-KR" altLang="en-US" dirty="0" smtClean="0"/>
-              <a:t>에 </a:t>
-            </a:r>
-            <a:r>
-              <a:rPr lang="ko-KR" altLang="en-US" dirty="0" err="1" smtClean="0"/>
-              <a:t>인자값</a:t>
-            </a:r>
-            <a:r>
-              <a:rPr lang="ko-KR" altLang="en-US" dirty="0" smtClean="0"/>
-              <a:t> 중 하나인</a:t>
-            </a:r>
-            <a:endParaRPr lang="en-US" altLang="ko-KR" dirty="0" smtClean="0"/>
-          </a:p>
-          <a:p>
-            <a:r>
-              <a:rPr lang="en-US" altLang="ko-KR" dirty="0" err="1" smtClean="0"/>
-              <a:t>PropertyChangedEventArgs</a:t>
-            </a:r>
-            <a:r>
-              <a:rPr lang="ko-KR" altLang="en-US" dirty="0" smtClean="0"/>
-              <a:t>의 </a:t>
-            </a:r>
-            <a:r>
-              <a:rPr lang="en-US" altLang="ko-KR" dirty="0" smtClean="0"/>
-              <a:t>View</a:t>
-            </a:r>
-            <a:r>
-              <a:rPr lang="ko-KR" altLang="en-US" dirty="0" smtClean="0"/>
-              <a:t>에</a:t>
-            </a:r>
-            <a:r>
-              <a:rPr lang="en-US" altLang="ko-KR" dirty="0" smtClean="0"/>
-              <a:t> Binding </a:t>
-            </a:r>
-            <a:r>
-              <a:rPr lang="ko-KR" altLang="en-US" dirty="0" smtClean="0"/>
-              <a:t>된 </a:t>
-            </a:r>
-            <a:endParaRPr lang="en-US" altLang="ko-KR" dirty="0" smtClean="0"/>
-          </a:p>
-          <a:p>
-            <a:r>
-              <a:rPr lang="en-US" altLang="ko-KR" dirty="0" smtClean="0"/>
-              <a:t>Property</a:t>
-            </a:r>
-            <a:r>
-              <a:rPr lang="ko-KR" altLang="en-US" dirty="0" smtClean="0"/>
-              <a:t>가 없기 때문이다</a:t>
-            </a:r>
-            <a:r>
-              <a:rPr lang="en-US" altLang="ko-KR" dirty="0" smtClean="0"/>
-              <a:t>.</a:t>
-            </a:r>
-            <a:endParaRPr lang="en-US" altLang="ko-KR" dirty="0" smtClean="0"/>
-          </a:p>
-        </p:txBody>
-      </p:sp>
-      <p:pic>
-        <p:nvPicPr>
-          <p:cNvPr id="7" name="그림 6"/>
-          <p:cNvPicPr>
-            <a:picLocks noChangeAspect="1"/>
-          </p:cNvPicPr>
-          <p:nvPr/>
-        </p:nvPicPr>
-        <p:blipFill>
-          <a:blip r:embed="rId2"/>
-          <a:stretch>
-            <a:fillRect/>
-          </a:stretch>
-        </p:blipFill>
-        <p:spPr>
-          <a:xfrm>
-            <a:off x="6367396" y="1559155"/>
-            <a:ext cx="5620012" cy="4892084"/>
-          </a:xfrm>
-          <a:prstGeom prst="rect">
-            <a:avLst/>
-          </a:prstGeom>
-        </p:spPr>
-      </p:pic>
-      <p:pic>
-        <p:nvPicPr>
-          <p:cNvPr id="8" name="그림 7"/>
-          <p:cNvPicPr>
-            <a:picLocks noChangeAspect="1"/>
-          </p:cNvPicPr>
-          <p:nvPr/>
-        </p:nvPicPr>
-        <p:blipFill rotWithShape="1">
-          <a:blip r:embed="rId3"/>
-          <a:srcRect r="40286" b="472"/>
-          <a:stretch/>
-        </p:blipFill>
-        <p:spPr>
-          <a:xfrm>
-            <a:off x="697288" y="3726829"/>
-            <a:ext cx="4926898" cy="2711549"/>
-          </a:xfrm>
-          <a:prstGeom prst="rect">
-            <a:avLst/>
-          </a:prstGeom>
-        </p:spPr>
-      </p:pic>
-      <p:sp>
-        <p:nvSpPr>
-          <p:cNvPr id="3" name="직사각형 2"/>
-          <p:cNvSpPr/>
-          <p:nvPr/>
-        </p:nvSpPr>
-        <p:spPr>
-          <a:xfrm>
-            <a:off x="7553195" y="3948830"/>
-            <a:ext cx="4221271" cy="237994"/>
-          </a:xfrm>
-          <a:prstGeom prst="rect">
-            <a:avLst/>
-          </a:prstGeom>
-          <a:noFill/>
-          <a:ln w="25400">
-            <a:solidFill>
-              <a:srgbClr val="FF0000"/>
-            </a:solidFill>
-          </a:ln>
-        </p:spPr>
-        <p:style>
-          <a:lnRef idx="2">
-            <a:schemeClr val="accent1">
-              <a:shade val="50000"/>
-            </a:schemeClr>
-          </a:lnRef>
-          <a:fillRef idx="1">
-            <a:schemeClr val="accent1"/>
-          </a:fillRef>
-          <a:effectRef idx="0">
-            <a:schemeClr val="accent1"/>
-          </a:effectRef>
-          <a:fontRef idx="minor">
-            <a:schemeClr val="lt1"/>
-          </a:fontRef>
-        </p:style>
-        <p:txBody>
-          <a:bodyPr rtlCol="0" anchor="ctr"/>
-          <a:lstStyle/>
-          <a:p>
-            <a:pPr algn="ctr"/>
-            <a:endParaRPr lang="ko-KR" altLang="en-US"/>
-          </a:p>
-        </p:txBody>
-      </p:sp>
-      <p:sp>
-        <p:nvSpPr>
-          <p:cNvPr id="11" name="직사각형 10"/>
-          <p:cNvSpPr/>
-          <p:nvPr/>
-        </p:nvSpPr>
-        <p:spPr>
-          <a:xfrm>
-            <a:off x="1774520" y="5082603"/>
-            <a:ext cx="2996263" cy="231519"/>
-          </a:xfrm>
-          <a:prstGeom prst="rect">
-            <a:avLst/>
-          </a:prstGeom>
-          <a:noFill/>
-          <a:ln w="25400">
-            <a:solidFill>
-              <a:srgbClr val="FF0000"/>
-            </a:solidFill>
-          </a:ln>
-        </p:spPr>
-        <p:style>
-          <a:lnRef idx="2">
-            <a:schemeClr val="accent1">
-              <a:shade val="50000"/>
-            </a:schemeClr>
-          </a:lnRef>
-          <a:fillRef idx="1">
-            <a:schemeClr val="accent1"/>
-          </a:fillRef>
-          <a:effectRef idx="0">
-            <a:schemeClr val="accent1"/>
-          </a:effectRef>
-          <a:fontRef idx="minor">
-            <a:schemeClr val="lt1"/>
-          </a:fontRef>
-        </p:style>
-        <p:txBody>
-          <a:bodyPr rtlCol="0" anchor="ctr"/>
-          <a:lstStyle/>
-          <a:p>
-            <a:pPr algn="ctr"/>
-            <a:endParaRPr lang="ko-KR" altLang="en-US"/>
-          </a:p>
-        </p:txBody>
-      </p:sp>
-    </p:spTree>
-    <p:extLst>
-      <p:ext uri="{BB962C8B-B14F-4D97-AF65-F5344CB8AC3E}">
-        <p14:creationId xmlns:p14="http://schemas.microsoft.com/office/powerpoint/2010/main" val="194081441"/>
-      </p:ext>
-    </p:extLst>
-  </p:cSld>
-  <p:clrMapOvr>
-    <a:masterClrMapping/>
-  </p:clrMapOvr>
-  <p:timing>
-    <p:tnLst>
-      <p:par>
-        <p:cTn id="1" dur="indefinite" restart="never" nodeType="tmRoot"/>
-      </p:par>
-    </p:tnLst>
-  </p:timing>
-</p:sld>
-</file>
-
-<file path=ppt/slides/slide7.xml><?xml version="1.0" encoding="utf-8"?>
-<p:sld xmlns:a="http://schemas.openxmlformats.org/drawingml/2006/main" xmlns:r="http://schemas.openxmlformats.org/officeDocument/2006/relationships" xmlns:p="http://schemas.openxmlformats.org/presentationml/2006/main">
-  <p:cSld>
-    <p:spTree>
-      <p:nvGrpSpPr>
-        <p:cNvPr id="1" name=""/>
-        <p:cNvGrpSpPr/>
-        <p:nvPr/>
-      </p:nvGrpSpPr>
-      <p:grpSpPr>
-        <a:xfrm>
-          <a:off x="0" y="0"/>
-          <a:ext cx="0" cy="0"/>
-          <a:chOff x="0" y="0"/>
-          <a:chExt cx="0" cy="0"/>
-        </a:xfrm>
-      </p:grpSpPr>
-      <p:sp>
-        <p:nvSpPr>
-          <p:cNvPr id="5" name="TextBox 4"/>
-          <p:cNvSpPr txBox="1"/>
-          <p:nvPr/>
-        </p:nvSpPr>
-        <p:spPr>
-          <a:xfrm>
-            <a:off x="449179" y="465221"/>
-            <a:ext cx="6082114" cy="707886"/>
-          </a:xfrm>
-          <a:prstGeom prst="rect">
-            <a:avLst/>
-          </a:prstGeom>
-          <a:noFill/>
-        </p:spPr>
-        <p:txBody>
-          <a:bodyPr wrap="none" rtlCol="0">
-            <a:spAutoFit/>
-          </a:bodyPr>
-          <a:lstStyle/>
-          <a:p>
-            <a:r>
-              <a:rPr lang="en-US" altLang="ko-KR" sz="4000" b="1" dirty="0" err="1" smtClean="0">
-                <a:solidFill>
-                  <a:schemeClr val="accent1"/>
-                </a:solidFill>
-                <a:latin typeface="Arial" panose="020B0604020202020204" pitchFamily="34" charset="0"/>
-                <a:cs typeface="Arial" panose="020B0604020202020204" pitchFamily="34" charset="0"/>
-              </a:rPr>
-              <a:t>INotifyPropertyChanged</a:t>
-            </a:r>
-            <a:endParaRPr lang="ko-KR" altLang="en-US" sz="4000" b="1" dirty="0">
-              <a:solidFill>
-                <a:schemeClr val="accent1"/>
-              </a:solidFill>
-              <a:latin typeface="Arial" panose="020B0604020202020204" pitchFamily="34" charset="0"/>
-              <a:cs typeface="Arial" panose="020B0604020202020204" pitchFamily="34" charset="0"/>
-            </a:endParaRPr>
-          </a:p>
-        </p:txBody>
-      </p:sp>
-      <p:sp>
-        <p:nvSpPr>
-          <p:cNvPr id="6" name="TextBox 5"/>
-          <p:cNvSpPr txBox="1"/>
-          <p:nvPr/>
-        </p:nvSpPr>
-        <p:spPr>
-          <a:xfrm>
-            <a:off x="2568432" y="1620836"/>
-            <a:ext cx="7055136" cy="2400657"/>
-          </a:xfrm>
-          <a:prstGeom prst="rect">
-            <a:avLst/>
-          </a:prstGeom>
-          <a:noFill/>
-        </p:spPr>
-        <p:txBody>
-          <a:bodyPr wrap="none" rtlCol="0">
-            <a:spAutoFit/>
-          </a:bodyPr>
-          <a:lstStyle/>
-          <a:p>
-            <a:r>
-              <a:rPr lang="ko-KR" altLang="en-US" dirty="0" smtClean="0"/>
-              <a:t>찾아보니 이런 실수로 변경 해야 될 부분이 </a:t>
-            </a:r>
-            <a:r>
-              <a:rPr lang="ko-KR" altLang="en-US" dirty="0" smtClean="0"/>
-              <a:t>여러 곳을 발견 하였다</a:t>
-            </a:r>
-            <a:r>
-              <a:rPr lang="en-US" altLang="ko-KR" dirty="0" smtClean="0"/>
-              <a:t>.</a:t>
-            </a:r>
-            <a:endParaRPr lang="en-US" altLang="ko-KR" dirty="0"/>
-          </a:p>
-          <a:p>
-            <a:r>
-              <a:rPr lang="ko-KR" altLang="en-US" dirty="0" smtClean="0"/>
-              <a:t>이러한 문제점을 쉽고 간편하게 해결할 수 있는 방법이 없을까</a:t>
-            </a:r>
-            <a:r>
-              <a:rPr lang="en-US" altLang="ko-KR" dirty="0" smtClean="0"/>
-              <a:t>?</a:t>
-            </a:r>
-          </a:p>
-          <a:p>
-            <a:endParaRPr lang="en-US" altLang="ko-KR" dirty="0"/>
-          </a:p>
-          <a:p>
-            <a:endParaRPr lang="en-US" altLang="ko-KR" dirty="0" smtClean="0"/>
-          </a:p>
-          <a:p>
-            <a:endParaRPr lang="en-US" altLang="ko-KR" dirty="0"/>
-          </a:p>
-          <a:p>
-            <a:endParaRPr lang="en-US" altLang="ko-KR" dirty="0" smtClean="0"/>
-          </a:p>
-          <a:p>
-            <a:r>
-              <a:rPr lang="ko-KR" altLang="en-US" dirty="0" smtClean="0"/>
-              <a:t>다양한 방법이 있지만 그 중에서 제일 괜찮은 방법은</a:t>
-            </a:r>
-            <a:endParaRPr lang="en-US" altLang="ko-KR" dirty="0" smtClean="0"/>
-          </a:p>
-          <a:p>
-            <a:r>
-              <a:rPr lang="en-US" altLang="ko-KR" sz="2400" b="1" dirty="0" err="1" smtClean="0">
-                <a:solidFill>
-                  <a:srgbClr val="00B0F0"/>
-                </a:solidFill>
-              </a:rPr>
-              <a:t>CallerMemberName</a:t>
-            </a:r>
-            <a:r>
-              <a:rPr lang="en-US" altLang="ko-KR" dirty="0" smtClean="0"/>
-              <a:t> </a:t>
-            </a:r>
-            <a:r>
-              <a:rPr lang="ko-KR" altLang="en-US" dirty="0" smtClean="0"/>
-              <a:t>속성을 이용하는 것이다</a:t>
-            </a:r>
-            <a:r>
-              <a:rPr lang="en-US" altLang="ko-KR" dirty="0" smtClean="0"/>
-              <a:t>.</a:t>
-            </a:r>
-            <a:endParaRPr lang="en-US" altLang="ko-KR" dirty="0"/>
-          </a:p>
-        </p:txBody>
-      </p:sp>
-    </p:spTree>
-    <p:extLst>
-      <p:ext uri="{BB962C8B-B14F-4D97-AF65-F5344CB8AC3E}">
-        <p14:creationId xmlns:p14="http://schemas.microsoft.com/office/powerpoint/2010/main" val="2543459136"/>
-      </p:ext>
-    </p:extLst>
-  </p:cSld>
-  <p:clrMapOvr>
-    <a:masterClrMapping/>
-  </p:clrMapOvr>
-  <p:timing>
-    <p:tnLst>
-      <p:par>
-        <p:cTn id="1" dur="indefinite" restart="never" nodeType="tmRoot"/>
-      </p:par>
-    </p:tnLst>
-  </p:timing>
-</p:sld>
-</file>
-
-<file path=ppt/slides/slide8.xml><?xml version="1.0" encoding="utf-8"?>
-<p:sld xmlns:a="http://schemas.openxmlformats.org/drawingml/2006/main" xmlns:r="http://schemas.openxmlformats.org/officeDocument/2006/relationships" xmlns:p="http://schemas.openxmlformats.org/presentationml/2006/main">
-  <p:cSld>
-    <p:spTree>
-      <p:nvGrpSpPr>
-        <p:cNvPr id="1" name=""/>
-        <p:cNvGrpSpPr/>
-        <p:nvPr/>
-      </p:nvGrpSpPr>
-      <p:grpSpPr>
-        <a:xfrm>
-          <a:off x="0" y="0"/>
-          <a:ext cx="0" cy="0"/>
-          <a:chOff x="0" y="0"/>
-          <a:chExt cx="0" cy="0"/>
-        </a:xfrm>
-      </p:grpSpPr>
-      <p:sp>
-        <p:nvSpPr>
-          <p:cNvPr id="5" name="TextBox 4"/>
-          <p:cNvSpPr txBox="1"/>
-          <p:nvPr/>
-        </p:nvSpPr>
-        <p:spPr>
-          <a:xfrm>
-            <a:off x="449179" y="465221"/>
-            <a:ext cx="4977645" cy="707886"/>
-          </a:xfrm>
-          <a:prstGeom prst="rect">
-            <a:avLst/>
-          </a:prstGeom>
-          <a:noFill/>
-        </p:spPr>
-        <p:txBody>
-          <a:bodyPr wrap="none" rtlCol="0">
-            <a:spAutoFit/>
-          </a:bodyPr>
-          <a:lstStyle/>
-          <a:p>
-            <a:r>
-              <a:rPr lang="en-US" altLang="ko-KR" sz="4000" b="1" dirty="0" err="1" smtClean="0">
-                <a:solidFill>
-                  <a:schemeClr val="accent1"/>
-                </a:solidFill>
-                <a:latin typeface="Arial" panose="020B0604020202020204" pitchFamily="34" charset="0"/>
-                <a:cs typeface="Arial" panose="020B0604020202020204" pitchFamily="34" charset="0"/>
-              </a:rPr>
-              <a:t>CallerMemberName</a:t>
-            </a:r>
-            <a:endParaRPr lang="ko-KR" altLang="en-US" sz="4000" b="1" dirty="0">
-              <a:solidFill>
-                <a:schemeClr val="accent1"/>
-              </a:solidFill>
-              <a:latin typeface="Arial" panose="020B0604020202020204" pitchFamily="34" charset="0"/>
-              <a:cs typeface="Arial" panose="020B0604020202020204" pitchFamily="34" charset="0"/>
-            </a:endParaRPr>
-          </a:p>
-        </p:txBody>
-      </p:sp>
-      <p:sp>
-        <p:nvSpPr>
-          <p:cNvPr id="6" name="TextBox 5"/>
-          <p:cNvSpPr txBox="1"/>
-          <p:nvPr/>
-        </p:nvSpPr>
-        <p:spPr>
-          <a:xfrm>
-            <a:off x="987711" y="1620836"/>
-            <a:ext cx="5604419" cy="369332"/>
-          </a:xfrm>
-          <a:prstGeom prst="rect">
-            <a:avLst/>
-          </a:prstGeom>
-          <a:noFill/>
-        </p:spPr>
-        <p:txBody>
-          <a:bodyPr wrap="none" rtlCol="0">
-            <a:spAutoFit/>
-          </a:bodyPr>
-          <a:lstStyle/>
-          <a:p>
-            <a:r>
-              <a:rPr lang="ko-KR" altLang="en-US" dirty="0" smtClean="0"/>
-              <a:t>이 속성은 호출한 </a:t>
-            </a:r>
-            <a:r>
-              <a:rPr lang="ko-KR" altLang="en-US" dirty="0" err="1" smtClean="0"/>
-              <a:t>메소드</a:t>
-            </a:r>
-            <a:r>
-              <a:rPr lang="ko-KR" altLang="en-US" dirty="0" smtClean="0"/>
-              <a:t> 이름을 사용 하는 속성이다</a:t>
-            </a:r>
-            <a:r>
-              <a:rPr lang="en-US" altLang="ko-KR" dirty="0" smtClean="0"/>
-              <a:t>.</a:t>
-            </a:r>
-          </a:p>
-        </p:txBody>
-      </p:sp>
-      <p:pic>
-        <p:nvPicPr>
-          <p:cNvPr id="3" name="그림 2"/>
-          <p:cNvPicPr>
-            <a:picLocks noChangeAspect="1"/>
-          </p:cNvPicPr>
-          <p:nvPr/>
-        </p:nvPicPr>
-        <p:blipFill>
-          <a:blip r:embed="rId2"/>
-          <a:stretch>
-            <a:fillRect/>
-          </a:stretch>
-        </p:blipFill>
-        <p:spPr>
-          <a:xfrm>
-            <a:off x="2405062" y="2545038"/>
-            <a:ext cx="7381875" cy="3305175"/>
-          </a:xfrm>
-          <a:prstGeom prst="rect">
-            <a:avLst/>
-          </a:prstGeom>
-        </p:spPr>
-      </p:pic>
-    </p:spTree>
-    <p:extLst>
-      <p:ext uri="{BB962C8B-B14F-4D97-AF65-F5344CB8AC3E}">
-        <p14:creationId xmlns:p14="http://schemas.microsoft.com/office/powerpoint/2010/main" val="2492926104"/>
       </p:ext>
     </p:extLst>
   </p:cSld>
@@ -6392,6 +4987,178 @@
       </p:grpSpPr>
       <p:sp>
         <p:nvSpPr>
+          <p:cNvPr id="4" name="TextBox 3"/>
+          <p:cNvSpPr txBox="1"/>
+          <p:nvPr/>
+        </p:nvSpPr>
+        <p:spPr>
+          <a:xfrm>
+            <a:off x="449179" y="2177427"/>
+            <a:ext cx="10446514" cy="1754326"/>
+          </a:xfrm>
+          <a:prstGeom prst="rect">
+            <a:avLst/>
+          </a:prstGeom>
+          <a:noFill/>
+        </p:spPr>
+        <p:txBody>
+          <a:bodyPr wrap="none" rtlCol="0">
+            <a:spAutoFit/>
+          </a:bodyPr>
+          <a:lstStyle/>
+          <a:p>
+            <a:r>
+              <a:rPr lang="en-US" altLang="ko-KR" dirty="0" smtClean="0"/>
+              <a:t>Prism</a:t>
+            </a:r>
+            <a:r>
+              <a:rPr lang="ko-KR" altLang="en-US" dirty="0" smtClean="0"/>
+              <a:t>의 </a:t>
+            </a:r>
+            <a:r>
+              <a:rPr lang="en-US" altLang="ko-KR" dirty="0" smtClean="0"/>
+              <a:t>Region</a:t>
+            </a:r>
+            <a:r>
+              <a:rPr lang="ko-KR" altLang="en-US" dirty="0" smtClean="0"/>
+              <a:t>에서 제공하는 기능으로 </a:t>
+            </a:r>
+            <a:r>
+              <a:rPr lang="en-US" altLang="ko-KR" dirty="0" smtClean="0"/>
+              <a:t>WPF</a:t>
+            </a:r>
+            <a:r>
+              <a:rPr lang="ko-KR" altLang="en-US" dirty="0" smtClean="0"/>
+              <a:t>에 있는 </a:t>
+            </a:r>
+            <a:r>
+              <a:rPr lang="en-US" altLang="ko-KR" b="1" dirty="0" smtClean="0">
+                <a:solidFill>
+                  <a:schemeClr val="accent1"/>
+                </a:solidFill>
+                <a:latin typeface="Arial" panose="020B0604020202020204" pitchFamily="34" charset="0"/>
+                <a:cs typeface="Arial" panose="020B0604020202020204" pitchFamily="34" charset="0"/>
+              </a:rPr>
+              <a:t>Behavior&lt;T&gt;</a:t>
+            </a:r>
+            <a:r>
+              <a:rPr lang="en-US" altLang="ko-KR" dirty="0" smtClean="0"/>
+              <a:t> </a:t>
+            </a:r>
+            <a:r>
+              <a:rPr lang="ko-KR" altLang="en-US" dirty="0" smtClean="0"/>
+              <a:t>클래스와 같은 기능을 제공한다</a:t>
+            </a:r>
+            <a:r>
+              <a:rPr lang="en-US" altLang="ko-KR" dirty="0" smtClean="0"/>
+              <a:t>.</a:t>
+            </a:r>
+          </a:p>
+          <a:p>
+            <a:endParaRPr lang="en-US" altLang="ko-KR" dirty="0"/>
+          </a:p>
+          <a:p>
+            <a:pPr algn="just"/>
+            <a:r>
+              <a:rPr lang="en-US" altLang="ko-KR" b="1" dirty="0" smtClean="0">
+                <a:solidFill>
+                  <a:schemeClr val="accent1"/>
+                </a:solidFill>
+                <a:latin typeface="Arial" panose="020B0604020202020204" pitchFamily="34" charset="0"/>
+                <a:cs typeface="Arial" panose="020B0604020202020204" pitchFamily="34" charset="0"/>
+              </a:rPr>
+              <a:t>Behavior&lt;T&gt; </a:t>
+            </a:r>
+            <a:r>
+              <a:rPr lang="ko-KR" altLang="en-US" dirty="0" smtClean="0"/>
+              <a:t>클래스는</a:t>
+            </a:r>
+            <a:r>
+              <a:rPr lang="en-US" altLang="ko-KR" dirty="0" smtClean="0"/>
+              <a:t> </a:t>
+            </a:r>
+            <a:r>
+              <a:rPr lang="ko-KR" altLang="en-US" dirty="0" smtClean="0"/>
+              <a:t>트리거 객체에 추가 상태</a:t>
+            </a:r>
+            <a:r>
+              <a:rPr lang="en-US" altLang="ko-KR" dirty="0" smtClean="0"/>
+              <a:t>(?)</a:t>
+            </a:r>
+            <a:r>
+              <a:rPr lang="ko-KR" altLang="en-US" dirty="0" smtClean="0"/>
+              <a:t>와 명령어를 제공하기 위한 클래스 이다</a:t>
+            </a:r>
+            <a:r>
+              <a:rPr lang="en-US" altLang="ko-KR" dirty="0" smtClean="0"/>
+              <a:t>.</a:t>
+            </a:r>
+          </a:p>
+          <a:p>
+            <a:endParaRPr lang="en-US" altLang="ko-KR" dirty="0"/>
+          </a:p>
+          <a:p>
+            <a:r>
+              <a:rPr lang="ko-KR" altLang="en-US" dirty="0" smtClean="0"/>
+              <a:t>직접 구현할 필요는 없지만 </a:t>
+            </a:r>
+            <a:r>
+              <a:rPr lang="en-US" altLang="ko-KR" dirty="0" smtClean="0"/>
+              <a:t>Region</a:t>
+            </a:r>
+            <a:r>
+              <a:rPr lang="ko-KR" altLang="en-US" dirty="0" smtClean="0"/>
+              <a:t>에 </a:t>
+            </a:r>
+            <a:r>
+              <a:rPr lang="en-US" altLang="ko-KR" dirty="0" smtClean="0"/>
+              <a:t>Attach</a:t>
+            </a:r>
+            <a:r>
+              <a:rPr lang="ko-KR" altLang="en-US" dirty="0" smtClean="0"/>
+              <a:t>가 되었을 때 </a:t>
+            </a:r>
+            <a:r>
+              <a:rPr lang="en-US" altLang="ko-KR" dirty="0" smtClean="0"/>
+              <a:t>View </a:t>
+            </a:r>
+            <a:r>
+              <a:rPr lang="ko-KR" altLang="en-US" dirty="0" smtClean="0"/>
+              <a:t>혹은 </a:t>
+            </a:r>
+            <a:r>
+              <a:rPr lang="en-US" altLang="ko-KR" dirty="0" err="1" smtClean="0"/>
+              <a:t>ViewModel</a:t>
+            </a:r>
+            <a:r>
+              <a:rPr lang="ko-KR" altLang="en-US" dirty="0" smtClean="0"/>
+              <a:t>에서 </a:t>
+            </a:r>
+            <a:endParaRPr lang="en-US" altLang="ko-KR" dirty="0" smtClean="0"/>
+          </a:p>
+          <a:p>
+            <a:r>
+              <a:rPr lang="ko-KR" altLang="en-US" dirty="0" smtClean="0"/>
+              <a:t>이벤트가 발생하여 </a:t>
+            </a:r>
+            <a:r>
+              <a:rPr lang="en-US" altLang="ko-KR" dirty="0" smtClean="0"/>
+              <a:t>Region</a:t>
+            </a:r>
+            <a:r>
+              <a:rPr lang="ko-KR" altLang="en-US" dirty="0" smtClean="0"/>
+              <a:t>을 변경할 때 필요하다</a:t>
+            </a:r>
+            <a:r>
+              <a:rPr lang="en-US" altLang="ko-KR" dirty="0" smtClean="0"/>
+              <a:t>.</a:t>
+            </a:r>
+            <a:endParaRPr lang="en-US" altLang="ko-KR" dirty="0"/>
+          </a:p>
+        </p:txBody>
+      </p:sp>
+      <p:sp>
+        <p:nvSpPr>
           <p:cNvPr id="5" name="TextBox 4"/>
           <p:cNvSpPr txBox="1"/>
           <p:nvPr/>
@@ -6399,7 +5166,7 @@
         <p:spPr>
           <a:xfrm>
             <a:off x="449179" y="465221"/>
-            <a:ext cx="3575018" cy="707886"/>
+            <a:ext cx="4115229" cy="707886"/>
           </a:xfrm>
           <a:prstGeom prst="rect">
             <a:avLst/>
@@ -6420,7 +5187,7 @@
                 <a:latin typeface="Arial" panose="020B0604020202020204" pitchFamily="34" charset="0"/>
                 <a:cs typeface="Arial" panose="020B0604020202020204" pitchFamily="34" charset="0"/>
               </a:rPr>
-              <a:t>BindableBase</a:t>
+              <a:t>RegionBehavior</a:t>
             </a:r>
             <a:endParaRPr lang="ko-KR" altLang="en-US" sz="4000" b="1" dirty="0">
               <a:solidFill>
@@ -6432,34 +5199,10 @@
           </a:p>
         </p:txBody>
       </p:sp>
-      <p:pic>
-        <p:nvPicPr>
-          <p:cNvPr id="6" name="그림 5"/>
-          <p:cNvPicPr>
-            <a:picLocks noChangeAspect="1"/>
-          </p:cNvPicPr>
-          <p:nvPr/>
-        </p:nvPicPr>
-        <p:blipFill>
-          <a:blip r:embed="rId2"/>
-          <a:stretch>
-            <a:fillRect/>
-          </a:stretch>
-        </p:blipFill>
-        <p:spPr>
-          <a:xfrm>
-            <a:off x="1606550" y="1885950"/>
-            <a:ext cx="8978900" cy="3836690"/>
-          </a:xfrm>
-          <a:prstGeom prst="rect">
-            <a:avLst/>
-          </a:prstGeom>
-        </p:spPr>
-      </p:pic>
     </p:spTree>
     <p:extLst>
       <p:ext uri="{BB962C8B-B14F-4D97-AF65-F5344CB8AC3E}">
-        <p14:creationId xmlns:p14="http://schemas.microsoft.com/office/powerpoint/2010/main" val="1743315741"/>
+        <p14:creationId xmlns:p14="http://schemas.microsoft.com/office/powerpoint/2010/main" val="4286949109"/>
       </p:ext>
     </p:extLst>
   </p:cSld>

--- a/Prism.pptx
+++ b/Prism.pptx
@@ -5,19 +5,26 @@
     <p:sldMasterId id="2147483648" r:id="rId1"/>
   </p:sldMasterIdLst>
   <p:sldIdLst>
-    <p:sldId id="279" r:id="rId2"/>
-    <p:sldId id="273" r:id="rId3"/>
-    <p:sldId id="274" r:id="rId4"/>
-    <p:sldId id="265" r:id="rId5"/>
-    <p:sldId id="267" r:id="rId6"/>
-    <p:sldId id="259" r:id="rId7"/>
-    <p:sldId id="260" r:id="rId8"/>
-    <p:sldId id="261" r:id="rId9"/>
-    <p:sldId id="256" r:id="rId10"/>
-    <p:sldId id="264" r:id="rId11"/>
-    <p:sldId id="258" r:id="rId12"/>
-    <p:sldId id="263" r:id="rId13"/>
-    <p:sldId id="266" r:id="rId14"/>
+    <p:sldId id="269" r:id="rId2"/>
+    <p:sldId id="270" r:id="rId3"/>
+    <p:sldId id="271" r:id="rId4"/>
+    <p:sldId id="275" r:id="rId5"/>
+    <p:sldId id="276" r:id="rId6"/>
+    <p:sldId id="277" r:id="rId7"/>
+    <p:sldId id="278" r:id="rId8"/>
+    <p:sldId id="272" r:id="rId9"/>
+    <p:sldId id="273" r:id="rId10"/>
+    <p:sldId id="274" r:id="rId11"/>
+    <p:sldId id="265" r:id="rId12"/>
+    <p:sldId id="267" r:id="rId13"/>
+    <p:sldId id="259" r:id="rId14"/>
+    <p:sldId id="260" r:id="rId15"/>
+    <p:sldId id="261" r:id="rId16"/>
+    <p:sldId id="256" r:id="rId17"/>
+    <p:sldId id="264" r:id="rId18"/>
+    <p:sldId id="258" r:id="rId19"/>
+    <p:sldId id="263" r:id="rId20"/>
+    <p:sldId id="266" r:id="rId21"/>
   </p:sldIdLst>
   <p:sldSz cx="12192000" cy="6858000"/>
   <p:notesSz cx="6858000" cy="9144000"/>
@@ -2990,7 +2997,7 @@
         <p:spPr>
           <a:xfrm>
             <a:off x="449179" y="465221"/>
-            <a:ext cx="3575018" cy="707886"/>
+            <a:ext cx="6082114" cy="707886"/>
           </a:xfrm>
           <a:prstGeom prst="rect">
             <a:avLst/>
@@ -3011,7 +3018,7 @@
                 <a:latin typeface="Arial" panose="020B0604020202020204" pitchFamily="34" charset="0"/>
                 <a:cs typeface="Arial" panose="020B0604020202020204" pitchFamily="34" charset="0"/>
               </a:rPr>
-              <a:t>BindableBase</a:t>
+              <a:t>INotifyPropertyChanged</a:t>
             </a:r>
             <a:endParaRPr lang="ko-KR" altLang="en-US" sz="4000" b="1" dirty="0">
               <a:solidFill>
@@ -3025,14 +3032,14 @@
       </p:sp>
       <p:sp>
         <p:nvSpPr>
-          <p:cNvPr id="2" name="TextBox 1"/>
+          <p:cNvPr id="6" name="TextBox 5"/>
           <p:cNvSpPr txBox="1"/>
           <p:nvPr/>
         </p:nvSpPr>
         <p:spPr>
           <a:xfrm>
-            <a:off x="1022466" y="2568633"/>
-            <a:ext cx="6655989" cy="923330"/>
+            <a:off x="987711" y="1933986"/>
+            <a:ext cx="8931869" cy="1477328"/>
           </a:xfrm>
           <a:prstGeom prst="rect">
             <a:avLst/>
@@ -3046,22 +3053,111 @@
           <a:lstStyle/>
           <a:p>
             <a:r>
+              <a:rPr lang="en-US" altLang="ko-KR" dirty="0" err="1"/>
+              <a:t>ViewModel</a:t>
+            </a:r>
+            <a:r>
+              <a:rPr lang="ko-KR" altLang="en-US" dirty="0"/>
+              <a:t>에서 </a:t>
+            </a:r>
+            <a:r>
+              <a:rPr lang="en-US" altLang="ko-KR" dirty="0"/>
+              <a:t>Property</a:t>
+            </a:r>
+            <a:r>
+              <a:rPr lang="ko-KR" altLang="en-US" dirty="0"/>
+              <a:t>가 변경 </a:t>
+            </a:r>
+            <a:r>
+              <a:rPr lang="ko-KR" altLang="en-US" dirty="0" smtClean="0"/>
+              <a:t>되었을 때</a:t>
+            </a:r>
+            <a:r>
+              <a:rPr lang="en-US" altLang="ko-KR" dirty="0" smtClean="0"/>
+              <a:t>View(XAML)</a:t>
+            </a:r>
+            <a:r>
+              <a:rPr lang="ko-KR" altLang="en-US" dirty="0" smtClean="0"/>
+              <a:t>에 알려주기 위해 사용한다</a:t>
+            </a:r>
+            <a:r>
+              <a:rPr lang="en-US" altLang="ko-KR" dirty="0" smtClean="0"/>
+              <a:t>.</a:t>
+            </a:r>
+            <a:endParaRPr lang="en-US" altLang="ko-KR" dirty="0" smtClean="0"/>
+          </a:p>
+          <a:p>
+            <a:endParaRPr lang="en-US" altLang="ko-KR" dirty="0"/>
+          </a:p>
+          <a:p>
+            <a:r>
               <a:rPr lang="en-US" altLang="ko-KR" dirty="0" err="1" smtClean="0"/>
-              <a:t>INotifyPropertyChanged</a:t>
+              <a:t>PropertyChanged</a:t>
             </a:r>
             <a:r>
               <a:rPr lang="ko-KR" altLang="en-US" dirty="0" smtClean="0"/>
-              <a:t>를 구현한 클래스</a:t>
-            </a:r>
-            <a:endParaRPr lang="en-US" altLang="ko-KR" dirty="0" smtClean="0"/>
-          </a:p>
-          <a:p>
-            <a:endParaRPr lang="en-US" altLang="ko-KR" dirty="0" smtClean="0"/>
-          </a:p>
-          <a:p>
+              <a:t>라는 </a:t>
+            </a:r>
+            <a:r>
+              <a:rPr lang="en-US" altLang="ko-KR" dirty="0" smtClean="0"/>
+              <a:t>delegate </a:t>
+            </a:r>
             <a:r>
               <a:rPr lang="ko-KR" altLang="en-US" dirty="0" smtClean="0"/>
-              <a:t>모든 </a:t>
+              <a:t>함수 객체를 통하여 </a:t>
+            </a:r>
+            <a:r>
+              <a:rPr lang="en-US" altLang="ko-KR" dirty="0" smtClean="0"/>
+              <a:t>Property </a:t>
+            </a:r>
+            <a:r>
+              <a:rPr lang="ko-KR" altLang="en-US" dirty="0" smtClean="0"/>
+              <a:t>값을 </a:t>
+            </a:r>
+            <a:r>
+              <a:rPr lang="en-US" altLang="ko-KR" dirty="0" smtClean="0"/>
+              <a:t>View</a:t>
+            </a:r>
+            <a:r>
+              <a:rPr lang="ko-KR" altLang="en-US" dirty="0" smtClean="0"/>
+              <a:t>에 알려준다</a:t>
+            </a:r>
+            <a:r>
+              <a:rPr lang="en-US" altLang="ko-KR" dirty="0" smtClean="0"/>
+              <a:t>.</a:t>
+            </a:r>
+          </a:p>
+          <a:p>
+            <a:endParaRPr lang="en-US" altLang="ko-KR" dirty="0"/>
+          </a:p>
+          <a:p>
+            <a:r>
+              <a:rPr lang="ko-KR" altLang="en-US" dirty="0" smtClean="0"/>
+              <a:t>이때 </a:t>
+            </a:r>
+            <a:r>
+              <a:rPr lang="en-US" altLang="ko-KR" dirty="0" smtClean="0"/>
+              <a:t>View</a:t>
+            </a:r>
+            <a:r>
+              <a:rPr lang="ko-KR" altLang="en-US" dirty="0" smtClean="0"/>
+              <a:t>는 </a:t>
+            </a:r>
+            <a:r>
+              <a:rPr lang="en-US" altLang="ko-KR" dirty="0" smtClean="0"/>
+              <a:t>Control</a:t>
+            </a:r>
+            <a:r>
+              <a:rPr lang="ko-KR" altLang="en-US" dirty="0" smtClean="0"/>
+              <a:t>에 </a:t>
+            </a:r>
+            <a:r>
+              <a:rPr lang="en-US" altLang="ko-KR" dirty="0" smtClean="0"/>
+              <a:t>Binding</a:t>
+            </a:r>
+            <a:r>
+              <a:rPr lang="ko-KR" altLang="en-US" dirty="0" smtClean="0"/>
+              <a:t>을 통하여 </a:t>
             </a:r>
             <a:r>
               <a:rPr lang="en-US" altLang="ko-KR" dirty="0" smtClean="0"/>
@@ -3069,28 +3165,19 @@
             </a:r>
             <a:r>
               <a:rPr lang="ko-KR" altLang="en-US" dirty="0" smtClean="0"/>
-              <a:t>에 </a:t>
-            </a:r>
-            <a:r>
-              <a:rPr lang="en-US" altLang="ko-KR" dirty="0" err="1" smtClean="0"/>
-              <a:t>PropertyChangedEventArgs</a:t>
+              <a:t>를 사용할 수 있게 한다</a:t>
             </a:r>
             <a:r>
               <a:rPr lang="en-US" altLang="ko-KR" dirty="0" smtClean="0"/>
-              <a:t> </a:t>
-            </a:r>
-            <a:r>
-              <a:rPr lang="ko-KR" altLang="en-US" dirty="0" smtClean="0"/>
-              <a:t>이벤트 작성 생략</a:t>
-            </a:r>
-            <a:endParaRPr lang="ko-KR" altLang="en-US" dirty="0"/>
+              <a:t>.</a:t>
+            </a:r>
           </a:p>
         </p:txBody>
       </p:sp>
     </p:spTree>
     <p:extLst>
       <p:ext uri="{BB962C8B-B14F-4D97-AF65-F5344CB8AC3E}">
-        <p14:creationId xmlns:p14="http://schemas.microsoft.com/office/powerpoint/2010/main" val="1552849327"/>
+        <p14:creationId xmlns:p14="http://schemas.microsoft.com/office/powerpoint/2010/main" val="2071985831"/>
       </p:ext>
     </p:extLst>
   </p:cSld>
@@ -3133,7 +3220,7 @@
         <p:spPr>
           <a:xfrm>
             <a:off x="449179" y="465221"/>
-            <a:ext cx="4115229" cy="707886"/>
+            <a:ext cx="3575018" cy="707886"/>
           </a:xfrm>
           <a:prstGeom prst="rect">
             <a:avLst/>
@@ -3154,7 +3241,7 @@
                 <a:latin typeface="Arial" panose="020B0604020202020204" pitchFamily="34" charset="0"/>
                 <a:cs typeface="Arial" panose="020B0604020202020204" pitchFamily="34" charset="0"/>
               </a:rPr>
-              <a:t>RegionBehavior</a:t>
+              <a:t>BindableBase</a:t>
             </a:r>
             <a:endParaRPr lang="ko-KR" altLang="en-US" sz="4000" b="1" dirty="0">
               <a:solidFill>
@@ -3168,7 +3255,7 @@
       </p:sp>
       <p:pic>
         <p:nvPicPr>
-          <p:cNvPr id="2" name="그림 1"/>
+          <p:cNvPr id="4" name="그림 3"/>
           <p:cNvPicPr>
             <a:picLocks noChangeAspect="1"/>
           </p:cNvPicPr>
@@ -3182,8 +3269,8 @@
         </p:blipFill>
         <p:spPr>
           <a:xfrm>
-            <a:off x="2834877" y="1173107"/>
-            <a:ext cx="5912646" cy="5506278"/>
+            <a:off x="3737263" y="1315941"/>
+            <a:ext cx="4717474" cy="5377432"/>
           </a:xfrm>
           <a:prstGeom prst="rect">
             <a:avLst/>
@@ -3193,7 +3280,7 @@
     </p:spTree>
     <p:extLst>
       <p:ext uri="{BB962C8B-B14F-4D97-AF65-F5344CB8AC3E}">
-        <p14:creationId xmlns:p14="http://schemas.microsoft.com/office/powerpoint/2010/main" val="1924594116"/>
+        <p14:creationId xmlns:p14="http://schemas.microsoft.com/office/powerpoint/2010/main" val="4209345394"/>
       </p:ext>
     </p:extLst>
   </p:cSld>
@@ -3236,7 +3323,7 @@
         <p:spPr>
           <a:xfrm>
             <a:off x="449179" y="465221"/>
-            <a:ext cx="4115229" cy="707886"/>
+            <a:ext cx="1920719" cy="707886"/>
           </a:xfrm>
           <a:prstGeom prst="rect">
             <a:avLst/>
@@ -3250,14 +3337,14 @@
           <a:lstStyle/>
           <a:p>
             <a:r>
-              <a:rPr lang="en-US" altLang="ko-KR" sz="4000" b="1" dirty="0" err="1" smtClean="0">
+              <a:rPr lang="en-US" altLang="ko-KR" sz="4000" b="1" dirty="0" smtClean="0">
                 <a:solidFill>
                   <a:schemeClr val="accent1"/>
                 </a:solidFill>
                 <a:latin typeface="Arial" panose="020B0604020202020204" pitchFamily="34" charset="0"/>
                 <a:cs typeface="Arial" panose="020B0604020202020204" pitchFamily="34" charset="0"/>
               </a:rPr>
-              <a:t>RegionBehavior</a:t>
+              <a:t>Region</a:t>
             </a:r>
             <a:endParaRPr lang="ko-KR" altLang="en-US" sz="4000" b="1" dirty="0">
               <a:solidFill>
@@ -3271,7 +3358,7 @@
       </p:sp>
       <p:pic>
         <p:nvPicPr>
-          <p:cNvPr id="8" name="그림 7"/>
+          <p:cNvPr id="2" name="그림 1"/>
           <p:cNvPicPr>
             <a:picLocks noChangeAspect="1"/>
           </p:cNvPicPr>
@@ -3285,18 +3372,135 @@
         </p:blipFill>
         <p:spPr>
           <a:xfrm>
-            <a:off x="2260577" y="1398394"/>
-            <a:ext cx="8055858" cy="5141494"/>
+            <a:off x="3102145" y="2975741"/>
+            <a:ext cx="5644810" cy="3581398"/>
           </a:xfrm>
           <a:prstGeom prst="rect">
             <a:avLst/>
           </a:prstGeom>
         </p:spPr>
       </p:pic>
+      <p:sp>
+        <p:nvSpPr>
+          <p:cNvPr id="6" name="TextBox 5"/>
+          <p:cNvSpPr txBox="1"/>
+          <p:nvPr/>
+        </p:nvSpPr>
+        <p:spPr>
+          <a:xfrm>
+            <a:off x="987711" y="1620836"/>
+            <a:ext cx="8738290" cy="1477328"/>
+          </a:xfrm>
+          <a:prstGeom prst="rect">
+            <a:avLst/>
+          </a:prstGeom>
+          <a:noFill/>
+        </p:spPr>
+        <p:txBody>
+          <a:bodyPr wrap="none" rtlCol="0">
+            <a:spAutoFit/>
+          </a:bodyPr>
+          <a:lstStyle/>
+          <a:p>
+            <a:r>
+              <a:rPr lang="ko-KR" altLang="en-US" dirty="0"/>
+              <a:t>동적인 </a:t>
+            </a:r>
+            <a:r>
+              <a:rPr lang="en-US" altLang="ko-KR" dirty="0"/>
+              <a:t>View</a:t>
+            </a:r>
+            <a:r>
+              <a:rPr lang="ko-KR" altLang="en-US" dirty="0"/>
+              <a:t>의 </a:t>
+            </a:r>
+            <a:r>
+              <a:rPr lang="en-US" altLang="ko-KR" dirty="0" err="1"/>
+              <a:t>PlaceHolder</a:t>
+            </a:r>
+            <a:r>
+              <a:rPr lang="ko-KR" altLang="en-US" dirty="0"/>
+              <a:t>로 </a:t>
+            </a:r>
+            <a:r>
+              <a:rPr lang="en-US" altLang="ko-KR" dirty="0"/>
+              <a:t>UI</a:t>
+            </a:r>
+            <a:r>
+              <a:rPr lang="ko-KR" altLang="en-US" dirty="0"/>
+              <a:t>나 </a:t>
+            </a:r>
+            <a:r>
+              <a:rPr lang="en-US" altLang="ko-KR" dirty="0"/>
+              <a:t>Shell</a:t>
+            </a:r>
+            <a:r>
+              <a:rPr lang="ko-KR" altLang="en-US" dirty="0"/>
+              <a:t>로 표현 할 수 있는 것</a:t>
+            </a:r>
+            <a:endParaRPr lang="en-US" altLang="ko-KR" dirty="0"/>
+          </a:p>
+          <a:p>
+            <a:endParaRPr lang="en-US" altLang="ko-KR" dirty="0"/>
+          </a:p>
+          <a:p>
+            <a:r>
+              <a:rPr lang="ko-KR" altLang="en-US" dirty="0"/>
+              <a:t>단순히 </a:t>
+            </a:r>
+            <a:r>
+              <a:rPr lang="en-US" altLang="ko-KR" dirty="0"/>
+              <a:t>View</a:t>
+            </a:r>
+            <a:r>
+              <a:rPr lang="ko-KR" altLang="en-US" dirty="0"/>
+              <a:t>가 표시되는 곳을 정의하기 위해 </a:t>
+            </a:r>
+            <a:r>
+              <a:rPr lang="en-US" altLang="ko-KR" dirty="0"/>
+              <a:t>View </a:t>
+            </a:r>
+            <a:r>
+              <a:rPr lang="ko-KR" altLang="en-US" dirty="0"/>
+              <a:t>붙을 위치에 이름으로 정의한다</a:t>
+            </a:r>
+            <a:r>
+              <a:rPr lang="en-US" altLang="ko-KR" dirty="0" smtClean="0"/>
+              <a:t>.</a:t>
+            </a:r>
+          </a:p>
+          <a:p>
+            <a:endParaRPr lang="en-US" altLang="ko-KR" dirty="0" smtClean="0"/>
+          </a:p>
+          <a:p>
+            <a:r>
+              <a:rPr lang="en-US" altLang="ko-KR" dirty="0" smtClean="0"/>
+              <a:t>View</a:t>
+            </a:r>
+            <a:r>
+              <a:rPr lang="ko-KR" altLang="en-US" dirty="0" smtClean="0"/>
+              <a:t>가 해당 이름의 </a:t>
+            </a:r>
+            <a:r>
+              <a:rPr lang="en-US" altLang="ko-KR" dirty="0" smtClean="0"/>
+              <a:t>Region</a:t>
+            </a:r>
+            <a:r>
+              <a:rPr lang="ko-KR" altLang="en-US" dirty="0" smtClean="0"/>
+              <a:t>에 붙는다</a:t>
+            </a:r>
+            <a:r>
+              <a:rPr lang="en-US" altLang="ko-KR" dirty="0" smtClean="0"/>
+              <a:t>.</a:t>
+            </a:r>
+            <a:endParaRPr lang="en-US" altLang="ko-KR" dirty="0"/>
+          </a:p>
+        </p:txBody>
+      </p:sp>
     </p:spTree>
     <p:extLst>
       <p:ext uri="{BB962C8B-B14F-4D97-AF65-F5344CB8AC3E}">
-        <p14:creationId xmlns:p14="http://schemas.microsoft.com/office/powerpoint/2010/main" val="385659086"/>
+        <p14:creationId xmlns:p14="http://schemas.microsoft.com/office/powerpoint/2010/main" val="1931481033"/>
       </p:ext>
     </p:extLst>
   </p:cSld>
@@ -3339,789 +3543,6 @@
         <p:spPr>
           <a:xfrm>
             <a:off x="449179" y="465221"/>
-            <a:ext cx="4115229" cy="707886"/>
-          </a:xfrm>
-          <a:prstGeom prst="rect">
-            <a:avLst/>
-          </a:prstGeom>
-          <a:noFill/>
-        </p:spPr>
-        <p:txBody>
-          <a:bodyPr wrap="none" rtlCol="0">
-            <a:spAutoFit/>
-          </a:bodyPr>
-          <a:lstStyle/>
-          <a:p>
-            <a:r>
-              <a:rPr lang="en-US" altLang="ko-KR" sz="4000" b="1" dirty="0" err="1" smtClean="0">
-                <a:solidFill>
-                  <a:schemeClr val="accent1"/>
-                </a:solidFill>
-                <a:latin typeface="Arial" panose="020B0604020202020204" pitchFamily="34" charset="0"/>
-                <a:cs typeface="Arial" panose="020B0604020202020204" pitchFamily="34" charset="0"/>
-              </a:rPr>
-              <a:t>RegionBehavior</a:t>
-            </a:r>
-            <a:endParaRPr lang="ko-KR" altLang="en-US" sz="4000" b="1" dirty="0">
-              <a:solidFill>
-                <a:schemeClr val="accent1"/>
-              </a:solidFill>
-              <a:latin typeface="Arial" panose="020B0604020202020204" pitchFamily="34" charset="0"/>
-              <a:cs typeface="Arial" panose="020B0604020202020204" pitchFamily="34" charset="0"/>
-            </a:endParaRPr>
-          </a:p>
-        </p:txBody>
-      </p:sp>
-      <p:pic>
-        <p:nvPicPr>
-          <p:cNvPr id="2" name="그림 1"/>
-          <p:cNvPicPr>
-            <a:picLocks noChangeAspect="1"/>
-          </p:cNvPicPr>
-          <p:nvPr/>
-        </p:nvPicPr>
-        <p:blipFill>
-          <a:blip r:embed="rId2"/>
-          <a:stretch>
-            <a:fillRect/>
-          </a:stretch>
-        </p:blipFill>
-        <p:spPr>
-          <a:xfrm>
-            <a:off x="2663688" y="1378619"/>
-            <a:ext cx="6944138" cy="5127978"/>
-          </a:xfrm>
-          <a:prstGeom prst="rect">
-            <a:avLst/>
-          </a:prstGeom>
-        </p:spPr>
-      </p:pic>
-      <p:sp>
-        <p:nvSpPr>
-          <p:cNvPr id="3" name="직사각형 2"/>
-          <p:cNvSpPr/>
-          <p:nvPr/>
-        </p:nvSpPr>
-        <p:spPr>
-          <a:xfrm>
-            <a:off x="2968487" y="4982817"/>
-            <a:ext cx="6493565" cy="1219200"/>
-          </a:xfrm>
-          <a:prstGeom prst="rect">
-            <a:avLst/>
-          </a:prstGeom>
-          <a:noFill/>
-          <a:ln w="50800">
-            <a:solidFill>
-              <a:srgbClr val="FF0000"/>
-            </a:solidFill>
-          </a:ln>
-        </p:spPr>
-        <p:style>
-          <a:lnRef idx="2">
-            <a:schemeClr val="accent1">
-              <a:shade val="50000"/>
-            </a:schemeClr>
-          </a:lnRef>
-          <a:fillRef idx="1">
-            <a:schemeClr val="accent1"/>
-          </a:fillRef>
-          <a:effectRef idx="0">
-            <a:schemeClr val="accent1"/>
-          </a:effectRef>
-          <a:fontRef idx="minor">
-            <a:schemeClr val="lt1"/>
-          </a:fontRef>
-        </p:style>
-        <p:txBody>
-          <a:bodyPr rtlCol="0" anchor="ctr"/>
-          <a:lstStyle/>
-          <a:p>
-            <a:pPr algn="ctr"/>
-            <a:endParaRPr lang="ko-KR" altLang="en-US"/>
-          </a:p>
-        </p:txBody>
-      </p:sp>
-    </p:spTree>
-    <p:extLst>
-      <p:ext uri="{BB962C8B-B14F-4D97-AF65-F5344CB8AC3E}">
-        <p14:creationId xmlns:p14="http://schemas.microsoft.com/office/powerpoint/2010/main" val="3874720455"/>
-      </p:ext>
-    </p:extLst>
-  </p:cSld>
-  <p:clrMapOvr>
-    <a:masterClrMapping/>
-  </p:clrMapOvr>
-  <p:timing>
-    <p:tnLst>
-      <p:par>
-        <p:cTn id="1" dur="indefinite" restart="never" nodeType="tmRoot"/>
-      </p:par>
-    </p:tnLst>
-  </p:timing>
-</p:sld>
-</file>
-
-<file path=ppt/slides/slide13.xml><?xml version="1.0" encoding="utf-8"?>
-<p:sld xmlns:a="http://schemas.openxmlformats.org/drawingml/2006/main" xmlns:r="http://schemas.openxmlformats.org/officeDocument/2006/relationships" xmlns:p="http://schemas.openxmlformats.org/presentationml/2006/main">
-  <p:cSld>
-    <p:spTree>
-      <p:nvGrpSpPr>
-        <p:cNvPr id="1" name=""/>
-        <p:cNvGrpSpPr/>
-        <p:nvPr/>
-      </p:nvGrpSpPr>
-      <p:grpSpPr>
-        <a:xfrm>
-          <a:off x="0" y="0"/>
-          <a:ext cx="0" cy="0"/>
-          <a:chOff x="0" y="0"/>
-          <a:chExt cx="0" cy="0"/>
-        </a:xfrm>
-      </p:grpSpPr>
-      <p:sp>
-        <p:nvSpPr>
-          <p:cNvPr id="5" name="TextBox 4"/>
-          <p:cNvSpPr txBox="1"/>
-          <p:nvPr/>
-        </p:nvSpPr>
-        <p:spPr>
-          <a:xfrm>
-            <a:off x="449179" y="465221"/>
-            <a:ext cx="2236510" cy="707886"/>
-          </a:xfrm>
-          <a:prstGeom prst="rect">
-            <a:avLst/>
-          </a:prstGeom>
-          <a:noFill/>
-        </p:spPr>
-        <p:txBody>
-          <a:bodyPr wrap="none" rtlCol="0">
-            <a:spAutoFit/>
-          </a:bodyPr>
-          <a:lstStyle/>
-          <a:p>
-            <a:r>
-              <a:rPr lang="ko-KR" altLang="en-US" sz="4000" b="1" dirty="0" smtClean="0">
-                <a:solidFill>
-                  <a:schemeClr val="accent1"/>
-                </a:solidFill>
-                <a:latin typeface="Arial" panose="020B0604020202020204" pitchFamily="34" charset="0"/>
-                <a:cs typeface="Arial" panose="020B0604020202020204" pitchFamily="34" charset="0"/>
-              </a:rPr>
-              <a:t>참고자료</a:t>
-            </a:r>
-            <a:endParaRPr lang="ko-KR" altLang="en-US" sz="4000" b="1" dirty="0">
-              <a:solidFill>
-                <a:schemeClr val="accent1"/>
-              </a:solidFill>
-              <a:latin typeface="Arial" panose="020B0604020202020204" pitchFamily="34" charset="0"/>
-              <a:cs typeface="Arial" panose="020B0604020202020204" pitchFamily="34" charset="0"/>
-            </a:endParaRPr>
-          </a:p>
-        </p:txBody>
-      </p:sp>
-      <p:sp>
-        <p:nvSpPr>
-          <p:cNvPr id="6" name="TextBox 5"/>
-          <p:cNvSpPr txBox="1"/>
-          <p:nvPr/>
-        </p:nvSpPr>
-        <p:spPr>
-          <a:xfrm>
-            <a:off x="378634" y="2000250"/>
-            <a:ext cx="11434733" cy="3693319"/>
-          </a:xfrm>
-          <a:prstGeom prst="rect">
-            <a:avLst/>
-          </a:prstGeom>
-          <a:noFill/>
-        </p:spPr>
-        <p:txBody>
-          <a:bodyPr wrap="none" rtlCol="0">
-            <a:spAutoFit/>
-          </a:bodyPr>
-          <a:lstStyle/>
-          <a:p>
-            <a:r>
-              <a:rPr lang="en-US" altLang="ko-KR" dirty="0"/>
-              <a:t>Using </a:t>
-            </a:r>
-            <a:r>
-              <a:rPr lang="en-US" altLang="ko-KR" dirty="0" err="1"/>
-              <a:t>CallerMemberName</a:t>
-            </a:r>
-            <a:r>
-              <a:rPr lang="en-US" altLang="ko-KR" dirty="0"/>
-              <a:t> for property change notification in XAML apps</a:t>
-            </a:r>
-          </a:p>
-          <a:p>
-            <a:r>
-              <a:rPr lang="en-US" altLang="ko-KR" dirty="0">
-                <a:hlinkClick r:id="rId2"/>
-              </a:rPr>
-              <a:t>http://10rem.net/blog/2013/02/25/using-callermembername-for-property-change-notification-in-xaml-apps</a:t>
-            </a:r>
-            <a:endParaRPr lang="en-US" altLang="ko-KR" dirty="0"/>
-          </a:p>
-          <a:p>
-            <a:endParaRPr lang="en-US" altLang="ko-KR" dirty="0"/>
-          </a:p>
-          <a:p>
-            <a:r>
-              <a:rPr lang="en-US" altLang="ko-KR" dirty="0" smtClean="0"/>
-              <a:t>Introduction to PRISM</a:t>
-            </a:r>
-          </a:p>
-          <a:p>
-            <a:r>
-              <a:rPr lang="en-US" altLang="ko-KR" dirty="0">
-                <a:hlinkClick r:id="rId3"/>
-              </a:rPr>
-              <a:t>https://</a:t>
-            </a:r>
-            <a:r>
-              <a:rPr lang="en-US" altLang="ko-KR" dirty="0" smtClean="0">
-                <a:hlinkClick r:id="rId3"/>
-              </a:rPr>
-              <a:t>app.pluralsight.com/library/courses/prism-introduction/table-of-contents</a:t>
-            </a:r>
-            <a:endParaRPr lang="en-US" altLang="ko-KR" dirty="0" smtClean="0"/>
-          </a:p>
-          <a:p>
-            <a:endParaRPr lang="en-US" altLang="ko-KR" dirty="0"/>
-          </a:p>
-          <a:p>
-            <a:r>
-              <a:rPr lang="en-US" altLang="ko-KR" dirty="0" err="1" smtClean="0"/>
-              <a:t>PrismEdu</a:t>
-            </a:r>
-            <a:endParaRPr lang="en-US" altLang="ko-KR" dirty="0" smtClean="0"/>
-          </a:p>
-          <a:p>
-            <a:r>
-              <a:rPr lang="en-US" altLang="ko-KR" dirty="0">
-                <a:hlinkClick r:id="rId4"/>
-              </a:rPr>
-              <a:t>https://</a:t>
-            </a:r>
-            <a:r>
-              <a:rPr lang="en-US" altLang="ko-KR" dirty="0" smtClean="0">
-                <a:hlinkClick r:id="rId4"/>
-              </a:rPr>
-              <a:t>github.com/runceel/PrismEdu</a:t>
-            </a:r>
-            <a:endParaRPr lang="en-US" altLang="ko-KR" dirty="0" smtClean="0"/>
-          </a:p>
-          <a:p>
-            <a:endParaRPr lang="en-US" altLang="ko-KR" dirty="0"/>
-          </a:p>
-          <a:p>
-            <a:r>
-              <a:rPr lang="en-US" altLang="ko-KR" dirty="0"/>
-              <a:t>Prism Problems &amp; </a:t>
-            </a:r>
-            <a:r>
-              <a:rPr lang="en-US" altLang="ko-KR" dirty="0" smtClean="0"/>
-              <a:t>Solutions Series</a:t>
-            </a:r>
-          </a:p>
-          <a:p>
-            <a:r>
-              <a:rPr lang="en-US" altLang="ko-KR" dirty="0">
-                <a:hlinkClick r:id="rId5"/>
-              </a:rPr>
-              <a:t>https://</a:t>
-            </a:r>
-            <a:r>
-              <a:rPr lang="en-US" altLang="ko-KR" dirty="0" smtClean="0">
-                <a:hlinkClick r:id="rId5"/>
-              </a:rPr>
-              <a:t>app.pluralsight.com/profile/author/brian-lagunas</a:t>
-            </a:r>
-            <a:endParaRPr lang="en-US" altLang="ko-KR" dirty="0" smtClean="0"/>
-          </a:p>
-          <a:p>
-            <a:endParaRPr lang="en-US" altLang="ko-KR" dirty="0"/>
-          </a:p>
-          <a:p>
-            <a:endParaRPr lang="ko-KR" altLang="en-US" dirty="0"/>
-          </a:p>
-        </p:txBody>
-      </p:sp>
-    </p:spTree>
-    <p:extLst>
-      <p:ext uri="{BB962C8B-B14F-4D97-AF65-F5344CB8AC3E}">
-        <p14:creationId xmlns:p14="http://schemas.microsoft.com/office/powerpoint/2010/main" val="3746847513"/>
-      </p:ext>
-    </p:extLst>
-  </p:cSld>
-  <p:clrMapOvr>
-    <a:masterClrMapping/>
-  </p:clrMapOvr>
-  <p:timing>
-    <p:tnLst>
-      <p:par>
-        <p:cTn id="1" dur="indefinite" restart="never" nodeType="tmRoot"/>
-      </p:par>
-    </p:tnLst>
-  </p:timing>
-</p:sld>
-</file>
-
-<file path=ppt/slides/slide2.xml><?xml version="1.0" encoding="utf-8"?>
-<p:sld xmlns:a="http://schemas.openxmlformats.org/drawingml/2006/main" xmlns:r="http://schemas.openxmlformats.org/officeDocument/2006/relationships" xmlns:p="http://schemas.openxmlformats.org/presentationml/2006/main">
-  <p:cSld>
-    <p:spTree>
-      <p:nvGrpSpPr>
-        <p:cNvPr id="1" name=""/>
-        <p:cNvGrpSpPr/>
-        <p:nvPr/>
-      </p:nvGrpSpPr>
-      <p:grpSpPr>
-        <a:xfrm>
-          <a:off x="0" y="0"/>
-          <a:ext cx="0" cy="0"/>
-          <a:chOff x="0" y="0"/>
-          <a:chExt cx="0" cy="0"/>
-        </a:xfrm>
-      </p:grpSpPr>
-      <p:sp>
-        <p:nvSpPr>
-          <p:cNvPr id="5" name="TextBox 4"/>
-          <p:cNvSpPr txBox="1"/>
-          <p:nvPr/>
-        </p:nvSpPr>
-        <p:spPr>
-          <a:xfrm>
-            <a:off x="449179" y="465221"/>
-            <a:ext cx="3575018" cy="707886"/>
-          </a:xfrm>
-          <a:prstGeom prst="rect">
-            <a:avLst/>
-          </a:prstGeom>
-          <a:noFill/>
-        </p:spPr>
-        <p:txBody>
-          <a:bodyPr wrap="none" rtlCol="0">
-            <a:spAutoFit/>
-          </a:bodyPr>
-          <a:lstStyle/>
-          <a:p>
-            <a:r>
-              <a:rPr lang="en-US" altLang="ko-KR" sz="4000" b="1" dirty="0" err="1" smtClean="0">
-                <a:solidFill>
-                  <a:schemeClr val="accent1"/>
-                </a:solidFill>
-                <a:latin typeface="Arial" panose="020B0604020202020204" pitchFamily="34" charset="0"/>
-                <a:cs typeface="Arial" panose="020B0604020202020204" pitchFamily="34" charset="0"/>
-              </a:rPr>
-              <a:t>BindableBase</a:t>
-            </a:r>
-            <a:endParaRPr lang="ko-KR" altLang="en-US" sz="4000" b="1" dirty="0">
-              <a:solidFill>
-                <a:schemeClr val="accent1"/>
-              </a:solidFill>
-              <a:latin typeface="Arial" panose="020B0604020202020204" pitchFamily="34" charset="0"/>
-              <a:cs typeface="Arial" panose="020B0604020202020204" pitchFamily="34" charset="0"/>
-            </a:endParaRPr>
-          </a:p>
-        </p:txBody>
-      </p:sp>
-      <p:pic>
-        <p:nvPicPr>
-          <p:cNvPr id="6" name="그림 5"/>
-          <p:cNvPicPr>
-            <a:picLocks noChangeAspect="1"/>
-          </p:cNvPicPr>
-          <p:nvPr/>
-        </p:nvPicPr>
-        <p:blipFill>
-          <a:blip r:embed="rId2"/>
-          <a:stretch>
-            <a:fillRect/>
-          </a:stretch>
-        </p:blipFill>
-        <p:spPr>
-          <a:xfrm>
-            <a:off x="1606550" y="1885950"/>
-            <a:ext cx="8978900" cy="3836690"/>
-          </a:xfrm>
-          <a:prstGeom prst="rect">
-            <a:avLst/>
-          </a:prstGeom>
-        </p:spPr>
-      </p:pic>
-    </p:spTree>
-    <p:extLst>
-      <p:ext uri="{BB962C8B-B14F-4D97-AF65-F5344CB8AC3E}">
-        <p14:creationId xmlns:p14="http://schemas.microsoft.com/office/powerpoint/2010/main" val="1743315741"/>
-      </p:ext>
-    </p:extLst>
-  </p:cSld>
-  <p:clrMapOvr>
-    <a:masterClrMapping/>
-  </p:clrMapOvr>
-  <p:timing>
-    <p:tnLst>
-      <p:par>
-        <p:cTn id="1" dur="indefinite" restart="never" nodeType="tmRoot"/>
-      </p:par>
-    </p:tnLst>
-  </p:timing>
-</p:sld>
-</file>
-
-<file path=ppt/slides/slide3.xml><?xml version="1.0" encoding="utf-8"?>
-<p:sld xmlns:a="http://schemas.openxmlformats.org/drawingml/2006/main" xmlns:r="http://schemas.openxmlformats.org/officeDocument/2006/relationships" xmlns:p="http://schemas.openxmlformats.org/presentationml/2006/main">
-  <p:cSld>
-    <p:spTree>
-      <p:nvGrpSpPr>
-        <p:cNvPr id="1" name=""/>
-        <p:cNvGrpSpPr/>
-        <p:nvPr/>
-      </p:nvGrpSpPr>
-      <p:grpSpPr>
-        <a:xfrm>
-          <a:off x="0" y="0"/>
-          <a:ext cx="0" cy="0"/>
-          <a:chOff x="0" y="0"/>
-          <a:chExt cx="0" cy="0"/>
-        </a:xfrm>
-      </p:grpSpPr>
-      <p:sp>
-        <p:nvSpPr>
-          <p:cNvPr id="5" name="TextBox 4"/>
-          <p:cNvSpPr txBox="1"/>
-          <p:nvPr/>
-        </p:nvSpPr>
-        <p:spPr>
-          <a:xfrm>
-            <a:off x="449179" y="465221"/>
-            <a:ext cx="3575018" cy="707886"/>
-          </a:xfrm>
-          <a:prstGeom prst="rect">
-            <a:avLst/>
-          </a:prstGeom>
-          <a:noFill/>
-        </p:spPr>
-        <p:txBody>
-          <a:bodyPr wrap="none" rtlCol="0">
-            <a:spAutoFit/>
-          </a:bodyPr>
-          <a:lstStyle/>
-          <a:p>
-            <a:r>
-              <a:rPr lang="en-US" altLang="ko-KR" sz="4000" b="1" dirty="0" err="1" smtClean="0">
-                <a:solidFill>
-                  <a:schemeClr val="accent1"/>
-                </a:solidFill>
-                <a:latin typeface="Arial" panose="020B0604020202020204" pitchFamily="34" charset="0"/>
-                <a:cs typeface="Arial" panose="020B0604020202020204" pitchFamily="34" charset="0"/>
-              </a:rPr>
-              <a:t>BindableBase</a:t>
-            </a:r>
-            <a:endParaRPr lang="ko-KR" altLang="en-US" sz="4000" b="1" dirty="0">
-              <a:solidFill>
-                <a:schemeClr val="accent1"/>
-              </a:solidFill>
-              <a:latin typeface="Arial" panose="020B0604020202020204" pitchFamily="34" charset="0"/>
-              <a:cs typeface="Arial" panose="020B0604020202020204" pitchFamily="34" charset="0"/>
-            </a:endParaRPr>
-          </a:p>
-        </p:txBody>
-      </p:sp>
-      <p:pic>
-        <p:nvPicPr>
-          <p:cNvPr id="4" name="그림 3"/>
-          <p:cNvPicPr>
-            <a:picLocks noChangeAspect="1"/>
-          </p:cNvPicPr>
-          <p:nvPr/>
-        </p:nvPicPr>
-        <p:blipFill>
-          <a:blip r:embed="rId2"/>
-          <a:stretch>
-            <a:fillRect/>
-          </a:stretch>
-        </p:blipFill>
-        <p:spPr>
-          <a:xfrm>
-            <a:off x="3737263" y="1315941"/>
-            <a:ext cx="4717474" cy="5377432"/>
-          </a:xfrm>
-          <a:prstGeom prst="rect">
-            <a:avLst/>
-          </a:prstGeom>
-        </p:spPr>
-      </p:pic>
-    </p:spTree>
-    <p:extLst>
-      <p:ext uri="{BB962C8B-B14F-4D97-AF65-F5344CB8AC3E}">
-        <p14:creationId xmlns:p14="http://schemas.microsoft.com/office/powerpoint/2010/main" val="4209345394"/>
-      </p:ext>
-    </p:extLst>
-  </p:cSld>
-  <p:clrMapOvr>
-    <a:masterClrMapping/>
-  </p:clrMapOvr>
-  <p:timing>
-    <p:tnLst>
-      <p:par>
-        <p:cTn id="1" dur="indefinite" restart="never" nodeType="tmRoot"/>
-      </p:par>
-    </p:tnLst>
-  </p:timing>
-</p:sld>
-</file>
-
-<file path=ppt/slides/slide4.xml><?xml version="1.0" encoding="utf-8"?>
-<p:sld xmlns:a="http://schemas.openxmlformats.org/drawingml/2006/main" xmlns:r="http://schemas.openxmlformats.org/officeDocument/2006/relationships" xmlns:p="http://schemas.openxmlformats.org/presentationml/2006/main">
-  <p:cSld>
-    <p:spTree>
-      <p:nvGrpSpPr>
-        <p:cNvPr id="1" name=""/>
-        <p:cNvGrpSpPr/>
-        <p:nvPr/>
-      </p:nvGrpSpPr>
-      <p:grpSpPr>
-        <a:xfrm>
-          <a:off x="0" y="0"/>
-          <a:ext cx="0" cy="0"/>
-          <a:chOff x="0" y="0"/>
-          <a:chExt cx="0" cy="0"/>
-        </a:xfrm>
-      </p:grpSpPr>
-      <p:sp>
-        <p:nvSpPr>
-          <p:cNvPr id="5" name="TextBox 4"/>
-          <p:cNvSpPr txBox="1"/>
-          <p:nvPr/>
-        </p:nvSpPr>
-        <p:spPr>
-          <a:xfrm>
-            <a:off x="449179" y="465221"/>
-            <a:ext cx="1920719" cy="707886"/>
-          </a:xfrm>
-          <a:prstGeom prst="rect">
-            <a:avLst/>
-          </a:prstGeom>
-          <a:noFill/>
-        </p:spPr>
-        <p:txBody>
-          <a:bodyPr wrap="none" rtlCol="0">
-            <a:spAutoFit/>
-          </a:bodyPr>
-          <a:lstStyle/>
-          <a:p>
-            <a:r>
-              <a:rPr lang="en-US" altLang="ko-KR" sz="4000" b="1" dirty="0" smtClean="0">
-                <a:solidFill>
-                  <a:schemeClr val="accent1"/>
-                </a:solidFill>
-                <a:latin typeface="Arial" panose="020B0604020202020204" pitchFamily="34" charset="0"/>
-                <a:cs typeface="Arial" panose="020B0604020202020204" pitchFamily="34" charset="0"/>
-              </a:rPr>
-              <a:t>Region</a:t>
-            </a:r>
-            <a:endParaRPr lang="ko-KR" altLang="en-US" sz="4000" b="1" dirty="0">
-              <a:solidFill>
-                <a:schemeClr val="accent1"/>
-              </a:solidFill>
-              <a:latin typeface="Arial" panose="020B0604020202020204" pitchFamily="34" charset="0"/>
-              <a:cs typeface="Arial" panose="020B0604020202020204" pitchFamily="34" charset="0"/>
-            </a:endParaRPr>
-          </a:p>
-        </p:txBody>
-      </p:sp>
-      <p:pic>
-        <p:nvPicPr>
-          <p:cNvPr id="2" name="그림 1"/>
-          <p:cNvPicPr>
-            <a:picLocks noChangeAspect="1"/>
-          </p:cNvPicPr>
-          <p:nvPr/>
-        </p:nvPicPr>
-        <p:blipFill>
-          <a:blip r:embed="rId2"/>
-          <a:stretch>
-            <a:fillRect/>
-          </a:stretch>
-        </p:blipFill>
-        <p:spPr>
-          <a:xfrm>
-            <a:off x="3102145" y="2975741"/>
-            <a:ext cx="5644810" cy="3581398"/>
-          </a:xfrm>
-          <a:prstGeom prst="rect">
-            <a:avLst/>
-          </a:prstGeom>
-        </p:spPr>
-      </p:pic>
-      <p:sp>
-        <p:nvSpPr>
-          <p:cNvPr id="6" name="TextBox 5"/>
-          <p:cNvSpPr txBox="1"/>
-          <p:nvPr/>
-        </p:nvSpPr>
-        <p:spPr>
-          <a:xfrm>
-            <a:off x="987711" y="1620836"/>
-            <a:ext cx="8738290" cy="1477328"/>
-          </a:xfrm>
-          <a:prstGeom prst="rect">
-            <a:avLst/>
-          </a:prstGeom>
-          <a:noFill/>
-        </p:spPr>
-        <p:txBody>
-          <a:bodyPr wrap="none" rtlCol="0">
-            <a:spAutoFit/>
-          </a:bodyPr>
-          <a:lstStyle/>
-          <a:p>
-            <a:r>
-              <a:rPr lang="ko-KR" altLang="en-US" dirty="0"/>
-              <a:t>동적인 </a:t>
-            </a:r>
-            <a:r>
-              <a:rPr lang="en-US" altLang="ko-KR" dirty="0"/>
-              <a:t>View</a:t>
-            </a:r>
-            <a:r>
-              <a:rPr lang="ko-KR" altLang="en-US" dirty="0"/>
-              <a:t>의 </a:t>
-            </a:r>
-            <a:r>
-              <a:rPr lang="en-US" altLang="ko-KR" dirty="0" err="1"/>
-              <a:t>PlaceHolder</a:t>
-            </a:r>
-            <a:r>
-              <a:rPr lang="ko-KR" altLang="en-US" dirty="0"/>
-              <a:t>로 </a:t>
-            </a:r>
-            <a:r>
-              <a:rPr lang="en-US" altLang="ko-KR" dirty="0"/>
-              <a:t>UI</a:t>
-            </a:r>
-            <a:r>
-              <a:rPr lang="ko-KR" altLang="en-US" dirty="0"/>
-              <a:t>나 </a:t>
-            </a:r>
-            <a:r>
-              <a:rPr lang="en-US" altLang="ko-KR" dirty="0"/>
-              <a:t>Shell</a:t>
-            </a:r>
-            <a:r>
-              <a:rPr lang="ko-KR" altLang="en-US" dirty="0"/>
-              <a:t>로 표현 할 수 있는 것</a:t>
-            </a:r>
-            <a:endParaRPr lang="en-US" altLang="ko-KR" dirty="0"/>
-          </a:p>
-          <a:p>
-            <a:endParaRPr lang="en-US" altLang="ko-KR" dirty="0"/>
-          </a:p>
-          <a:p>
-            <a:r>
-              <a:rPr lang="ko-KR" altLang="en-US" dirty="0"/>
-              <a:t>단순히 </a:t>
-            </a:r>
-            <a:r>
-              <a:rPr lang="en-US" altLang="ko-KR" dirty="0"/>
-              <a:t>View</a:t>
-            </a:r>
-            <a:r>
-              <a:rPr lang="ko-KR" altLang="en-US" dirty="0"/>
-              <a:t>가 표시되는 곳을 정의하기 위해 </a:t>
-            </a:r>
-            <a:r>
-              <a:rPr lang="en-US" altLang="ko-KR" dirty="0"/>
-              <a:t>View </a:t>
-            </a:r>
-            <a:r>
-              <a:rPr lang="ko-KR" altLang="en-US" dirty="0"/>
-              <a:t>붙을 위치에 이름으로 정의한다</a:t>
-            </a:r>
-            <a:r>
-              <a:rPr lang="en-US" altLang="ko-KR" dirty="0" smtClean="0"/>
-              <a:t>.</a:t>
-            </a:r>
-          </a:p>
-          <a:p>
-            <a:endParaRPr lang="en-US" altLang="ko-KR" dirty="0" smtClean="0"/>
-          </a:p>
-          <a:p>
-            <a:r>
-              <a:rPr lang="en-US" altLang="ko-KR" dirty="0" smtClean="0"/>
-              <a:t>View</a:t>
-            </a:r>
-            <a:r>
-              <a:rPr lang="ko-KR" altLang="en-US" dirty="0" smtClean="0"/>
-              <a:t>가 해당 이름의 </a:t>
-            </a:r>
-            <a:r>
-              <a:rPr lang="en-US" altLang="ko-KR" dirty="0" smtClean="0"/>
-              <a:t>Region</a:t>
-            </a:r>
-            <a:r>
-              <a:rPr lang="ko-KR" altLang="en-US" dirty="0" smtClean="0"/>
-              <a:t>에 붙는다</a:t>
-            </a:r>
-            <a:r>
-              <a:rPr lang="en-US" altLang="ko-KR" dirty="0" smtClean="0"/>
-              <a:t>.</a:t>
-            </a:r>
-            <a:endParaRPr lang="en-US" altLang="ko-KR" dirty="0"/>
-          </a:p>
-        </p:txBody>
-      </p:sp>
-    </p:spTree>
-    <p:extLst>
-      <p:ext uri="{BB962C8B-B14F-4D97-AF65-F5344CB8AC3E}">
-        <p14:creationId xmlns:p14="http://schemas.microsoft.com/office/powerpoint/2010/main" val="1931481033"/>
-      </p:ext>
-    </p:extLst>
-  </p:cSld>
-  <p:clrMapOvr>
-    <a:masterClrMapping/>
-  </p:clrMapOvr>
-  <p:timing>
-    <p:tnLst>
-      <p:par>
-        <p:cTn id="1" dur="indefinite" restart="never" nodeType="tmRoot"/>
-      </p:par>
-    </p:tnLst>
-  </p:timing>
-</p:sld>
-</file>
-
-<file path=ppt/slides/slide5.xml><?xml version="1.0" encoding="utf-8"?>
-<p:sld xmlns:a="http://schemas.openxmlformats.org/drawingml/2006/main" xmlns:r="http://schemas.openxmlformats.org/officeDocument/2006/relationships" xmlns:p="http://schemas.openxmlformats.org/presentationml/2006/main">
-  <p:cSld>
-    <p:spTree>
-      <p:nvGrpSpPr>
-        <p:cNvPr id="1" name=""/>
-        <p:cNvGrpSpPr/>
-        <p:nvPr/>
-      </p:nvGrpSpPr>
-      <p:grpSpPr>
-        <a:xfrm>
-          <a:off x="0" y="0"/>
-          <a:ext cx="0" cy="0"/>
-          <a:chOff x="0" y="0"/>
-          <a:chExt cx="0" cy="0"/>
-        </a:xfrm>
-      </p:grpSpPr>
-      <p:sp>
-        <p:nvSpPr>
-          <p:cNvPr id="5" name="TextBox 4"/>
-          <p:cNvSpPr txBox="1"/>
-          <p:nvPr/>
-        </p:nvSpPr>
-        <p:spPr>
-          <a:xfrm>
-            <a:off x="449179" y="465221"/>
             <a:ext cx="3887603" cy="707886"/>
           </a:xfrm>
           <a:prstGeom prst="rect">
@@ -4309,7 +3730,7 @@
 </p:sld>
 </file>
 
-<file path=ppt/slides/slide6.xml><?xml version="1.0" encoding="utf-8"?>
+<file path=ppt/slides/slide13.xml><?xml version="1.0" encoding="utf-8"?>
 <p:sld xmlns:a="http://schemas.openxmlformats.org/drawingml/2006/main" xmlns:r="http://schemas.openxmlformats.org/officeDocument/2006/relationships" xmlns:p="http://schemas.openxmlformats.org/presentationml/2006/main">
   <p:cSld>
     <p:spTree>
@@ -4696,6 +4117,1949 @@
 </p:sld>
 </file>
 
+<file path=ppt/slides/slide14.xml><?xml version="1.0" encoding="utf-8"?>
+<p:sld xmlns:a="http://schemas.openxmlformats.org/drawingml/2006/main" xmlns:r="http://schemas.openxmlformats.org/officeDocument/2006/relationships" xmlns:p="http://schemas.openxmlformats.org/presentationml/2006/main">
+  <p:cSld>
+    <p:spTree>
+      <p:nvGrpSpPr>
+        <p:cNvPr id="1" name=""/>
+        <p:cNvGrpSpPr/>
+        <p:nvPr/>
+      </p:nvGrpSpPr>
+      <p:grpSpPr>
+        <a:xfrm>
+          <a:off x="0" y="0"/>
+          <a:ext cx="0" cy="0"/>
+          <a:chOff x="0" y="0"/>
+          <a:chExt cx="0" cy="0"/>
+        </a:xfrm>
+      </p:grpSpPr>
+      <p:sp>
+        <p:nvSpPr>
+          <p:cNvPr id="5" name="TextBox 4"/>
+          <p:cNvSpPr txBox="1"/>
+          <p:nvPr/>
+        </p:nvSpPr>
+        <p:spPr>
+          <a:xfrm>
+            <a:off x="449179" y="465221"/>
+            <a:ext cx="5910592" cy="707886"/>
+          </a:xfrm>
+          <a:prstGeom prst="rect">
+            <a:avLst/>
+          </a:prstGeom>
+          <a:noFill/>
+        </p:spPr>
+        <p:txBody>
+          <a:bodyPr wrap="none" rtlCol="0">
+            <a:spAutoFit/>
+          </a:bodyPr>
+          <a:lstStyle/>
+          <a:p>
+            <a:r>
+              <a:rPr lang="en-US" altLang="ko-KR" sz="4000" b="1" dirty="0" smtClean="0">
+                <a:solidFill>
+                  <a:schemeClr val="accent1"/>
+                </a:solidFill>
+                <a:latin typeface="Arial" panose="020B0604020202020204" pitchFamily="34" charset="0"/>
+                <a:cs typeface="Arial" panose="020B0604020202020204" pitchFamily="34" charset="0"/>
+              </a:rPr>
+              <a:t>Custom </a:t>
+            </a:r>
+            <a:r>
+              <a:rPr lang="en-US" altLang="ko-KR" sz="4000" b="1" dirty="0" err="1" smtClean="0">
+                <a:solidFill>
+                  <a:schemeClr val="accent1"/>
+                </a:solidFill>
+                <a:latin typeface="Arial" panose="020B0604020202020204" pitchFamily="34" charset="0"/>
+                <a:cs typeface="Arial" panose="020B0604020202020204" pitchFamily="34" charset="0"/>
+              </a:rPr>
+              <a:t>RegionAdapter</a:t>
+            </a:r>
+            <a:endParaRPr lang="ko-KR" altLang="en-US" sz="4000" b="1" dirty="0">
+              <a:solidFill>
+                <a:schemeClr val="accent1"/>
+              </a:solidFill>
+              <a:latin typeface="Arial" panose="020B0604020202020204" pitchFamily="34" charset="0"/>
+              <a:cs typeface="Arial" panose="020B0604020202020204" pitchFamily="34" charset="0"/>
+            </a:endParaRPr>
+          </a:p>
+        </p:txBody>
+      </p:sp>
+      <p:pic>
+        <p:nvPicPr>
+          <p:cNvPr id="2" name="그림 1"/>
+          <p:cNvPicPr>
+            <a:picLocks noChangeAspect="1"/>
+          </p:cNvPicPr>
+          <p:nvPr/>
+        </p:nvPicPr>
+        <p:blipFill>
+          <a:blip r:embed="rId2"/>
+          <a:stretch>
+            <a:fillRect/>
+          </a:stretch>
+        </p:blipFill>
+        <p:spPr>
+          <a:xfrm>
+            <a:off x="2209800" y="1340034"/>
+            <a:ext cx="7772400" cy="5346332"/>
+          </a:xfrm>
+          <a:prstGeom prst="rect">
+            <a:avLst/>
+          </a:prstGeom>
+        </p:spPr>
+      </p:pic>
+    </p:spTree>
+    <p:extLst>
+      <p:ext uri="{BB962C8B-B14F-4D97-AF65-F5344CB8AC3E}">
+        <p14:creationId xmlns:p14="http://schemas.microsoft.com/office/powerpoint/2010/main" val="1194327983"/>
+      </p:ext>
+    </p:extLst>
+  </p:cSld>
+  <p:clrMapOvr>
+    <a:masterClrMapping/>
+  </p:clrMapOvr>
+  <p:timing>
+    <p:tnLst>
+      <p:par>
+        <p:cTn id="1" dur="indefinite" restart="never" nodeType="tmRoot"/>
+      </p:par>
+    </p:tnLst>
+  </p:timing>
+</p:sld>
+</file>
+
+<file path=ppt/slides/slide15.xml><?xml version="1.0" encoding="utf-8"?>
+<p:sld xmlns:a="http://schemas.openxmlformats.org/drawingml/2006/main" xmlns:r="http://schemas.openxmlformats.org/officeDocument/2006/relationships" xmlns:p="http://schemas.openxmlformats.org/presentationml/2006/main">
+  <p:cSld>
+    <p:spTree>
+      <p:nvGrpSpPr>
+        <p:cNvPr id="1" name=""/>
+        <p:cNvGrpSpPr/>
+        <p:nvPr/>
+      </p:nvGrpSpPr>
+      <p:grpSpPr>
+        <a:xfrm>
+          <a:off x="0" y="0"/>
+          <a:ext cx="0" cy="0"/>
+          <a:chOff x="0" y="0"/>
+          <a:chExt cx="0" cy="0"/>
+        </a:xfrm>
+      </p:grpSpPr>
+      <p:sp>
+        <p:nvSpPr>
+          <p:cNvPr id="5" name="TextBox 4"/>
+          <p:cNvSpPr txBox="1"/>
+          <p:nvPr/>
+        </p:nvSpPr>
+        <p:spPr>
+          <a:xfrm>
+            <a:off x="449179" y="465221"/>
+            <a:ext cx="4770858" cy="707886"/>
+          </a:xfrm>
+          <a:prstGeom prst="rect">
+            <a:avLst/>
+          </a:prstGeom>
+          <a:noFill/>
+        </p:spPr>
+        <p:txBody>
+          <a:bodyPr wrap="none" rtlCol="0">
+            <a:spAutoFit/>
+          </a:bodyPr>
+          <a:lstStyle/>
+          <a:p>
+            <a:r>
+              <a:rPr lang="en-US" altLang="ko-KR" sz="4000" b="1" dirty="0" err="1">
+                <a:solidFill>
+                  <a:schemeClr val="accent1"/>
+                </a:solidFill>
+                <a:latin typeface="Arial" panose="020B0604020202020204" pitchFamily="34" charset="0"/>
+                <a:cs typeface="Arial" panose="020B0604020202020204" pitchFamily="34" charset="0"/>
+              </a:rPr>
+              <a:t>RegionAdapter</a:t>
+            </a:r>
+            <a:r>
+              <a:rPr lang="en-US" altLang="ko-KR" sz="4000" b="1" dirty="0">
+                <a:solidFill>
+                  <a:schemeClr val="accent1"/>
+                </a:solidFill>
+                <a:latin typeface="Arial" panose="020B0604020202020204" pitchFamily="34" charset="0"/>
+                <a:cs typeface="Arial" panose="020B0604020202020204" pitchFamily="34" charset="0"/>
+              </a:rPr>
+              <a:t>&lt;T&gt;</a:t>
+            </a:r>
+            <a:endParaRPr lang="ko-KR" altLang="en-US" sz="4000" b="1" dirty="0">
+              <a:solidFill>
+                <a:schemeClr val="accent1"/>
+              </a:solidFill>
+              <a:latin typeface="Arial" panose="020B0604020202020204" pitchFamily="34" charset="0"/>
+              <a:cs typeface="Arial" panose="020B0604020202020204" pitchFamily="34" charset="0"/>
+            </a:endParaRPr>
+          </a:p>
+        </p:txBody>
+      </p:sp>
+      <p:pic>
+        <p:nvPicPr>
+          <p:cNvPr id="3" name="그림 2"/>
+          <p:cNvPicPr>
+            <a:picLocks noChangeAspect="1"/>
+          </p:cNvPicPr>
+          <p:nvPr/>
+        </p:nvPicPr>
+        <p:blipFill>
+          <a:blip r:embed="rId2"/>
+          <a:stretch>
+            <a:fillRect/>
+          </a:stretch>
+        </p:blipFill>
+        <p:spPr>
+          <a:xfrm>
+            <a:off x="1382037" y="1925685"/>
+            <a:ext cx="9427926" cy="4209128"/>
+          </a:xfrm>
+          <a:prstGeom prst="rect">
+            <a:avLst/>
+          </a:prstGeom>
+        </p:spPr>
+      </p:pic>
+      <p:sp>
+        <p:nvSpPr>
+          <p:cNvPr id="4" name="직사각형 3"/>
+          <p:cNvSpPr/>
+          <p:nvPr/>
+        </p:nvSpPr>
+        <p:spPr>
+          <a:xfrm>
+            <a:off x="1741118" y="4446740"/>
+            <a:ext cx="8981161" cy="1440493"/>
+          </a:xfrm>
+          <a:prstGeom prst="rect">
+            <a:avLst/>
+          </a:prstGeom>
+          <a:noFill/>
+          <a:ln w="50800">
+            <a:solidFill>
+              <a:srgbClr val="FF0000"/>
+            </a:solidFill>
+          </a:ln>
+        </p:spPr>
+        <p:style>
+          <a:lnRef idx="2">
+            <a:schemeClr val="accent1">
+              <a:shade val="50000"/>
+            </a:schemeClr>
+          </a:lnRef>
+          <a:fillRef idx="1">
+            <a:schemeClr val="accent1"/>
+          </a:fillRef>
+          <a:effectRef idx="0">
+            <a:schemeClr val="accent1"/>
+          </a:effectRef>
+          <a:fontRef idx="minor">
+            <a:schemeClr val="lt1"/>
+          </a:fontRef>
+        </p:style>
+        <p:txBody>
+          <a:bodyPr rtlCol="0" anchor="ctr"/>
+          <a:lstStyle/>
+          <a:p>
+            <a:pPr algn="ctr"/>
+            <a:endParaRPr lang="ko-KR" altLang="en-US"/>
+          </a:p>
+        </p:txBody>
+      </p:sp>
+    </p:spTree>
+    <p:extLst>
+      <p:ext uri="{BB962C8B-B14F-4D97-AF65-F5344CB8AC3E}">
+        <p14:creationId xmlns:p14="http://schemas.microsoft.com/office/powerpoint/2010/main" val="4037181629"/>
+      </p:ext>
+    </p:extLst>
+  </p:cSld>
+  <p:clrMapOvr>
+    <a:masterClrMapping/>
+  </p:clrMapOvr>
+  <p:timing>
+    <p:tnLst>
+      <p:par>
+        <p:cTn id="1" dur="indefinite" restart="never" nodeType="tmRoot"/>
+      </p:par>
+    </p:tnLst>
+  </p:timing>
+</p:sld>
+</file>
+
+<file path=ppt/slides/slide16.xml><?xml version="1.0" encoding="utf-8"?>
+<p:sld xmlns:a="http://schemas.openxmlformats.org/drawingml/2006/main" xmlns:r="http://schemas.openxmlformats.org/officeDocument/2006/relationships" xmlns:p="http://schemas.openxmlformats.org/presentationml/2006/main">
+  <p:cSld>
+    <p:spTree>
+      <p:nvGrpSpPr>
+        <p:cNvPr id="1" name=""/>
+        <p:cNvGrpSpPr/>
+        <p:nvPr/>
+      </p:nvGrpSpPr>
+      <p:grpSpPr>
+        <a:xfrm>
+          <a:off x="0" y="0"/>
+          <a:ext cx="0" cy="0"/>
+          <a:chOff x="0" y="0"/>
+          <a:chExt cx="0" cy="0"/>
+        </a:xfrm>
+      </p:grpSpPr>
+      <p:sp>
+        <p:nvSpPr>
+          <p:cNvPr id="4" name="TextBox 3"/>
+          <p:cNvSpPr txBox="1"/>
+          <p:nvPr/>
+        </p:nvSpPr>
+        <p:spPr>
+          <a:xfrm>
+            <a:off x="449179" y="2177427"/>
+            <a:ext cx="10446514" cy="1754326"/>
+          </a:xfrm>
+          <a:prstGeom prst="rect">
+            <a:avLst/>
+          </a:prstGeom>
+          <a:noFill/>
+        </p:spPr>
+        <p:txBody>
+          <a:bodyPr wrap="none" rtlCol="0">
+            <a:spAutoFit/>
+          </a:bodyPr>
+          <a:lstStyle/>
+          <a:p>
+            <a:r>
+              <a:rPr lang="en-US" altLang="ko-KR" dirty="0" smtClean="0"/>
+              <a:t>Prism</a:t>
+            </a:r>
+            <a:r>
+              <a:rPr lang="ko-KR" altLang="en-US" dirty="0" smtClean="0"/>
+              <a:t>의 </a:t>
+            </a:r>
+            <a:r>
+              <a:rPr lang="en-US" altLang="ko-KR" dirty="0" smtClean="0"/>
+              <a:t>Region</a:t>
+            </a:r>
+            <a:r>
+              <a:rPr lang="ko-KR" altLang="en-US" dirty="0" smtClean="0"/>
+              <a:t>에서 제공하는 기능으로 </a:t>
+            </a:r>
+            <a:r>
+              <a:rPr lang="en-US" altLang="ko-KR" dirty="0" smtClean="0"/>
+              <a:t>WPF</a:t>
+            </a:r>
+            <a:r>
+              <a:rPr lang="ko-KR" altLang="en-US" dirty="0" smtClean="0"/>
+              <a:t>에 있는 </a:t>
+            </a:r>
+            <a:r>
+              <a:rPr lang="en-US" altLang="ko-KR" b="1" dirty="0" smtClean="0">
+                <a:solidFill>
+                  <a:schemeClr val="accent1"/>
+                </a:solidFill>
+                <a:latin typeface="Arial" panose="020B0604020202020204" pitchFamily="34" charset="0"/>
+                <a:cs typeface="Arial" panose="020B0604020202020204" pitchFamily="34" charset="0"/>
+              </a:rPr>
+              <a:t>Behavior&lt;T&gt;</a:t>
+            </a:r>
+            <a:r>
+              <a:rPr lang="en-US" altLang="ko-KR" dirty="0" smtClean="0"/>
+              <a:t> </a:t>
+            </a:r>
+            <a:r>
+              <a:rPr lang="ko-KR" altLang="en-US" dirty="0" smtClean="0"/>
+              <a:t>클래스와 같은 기능을 제공한다</a:t>
+            </a:r>
+            <a:r>
+              <a:rPr lang="en-US" altLang="ko-KR" dirty="0" smtClean="0"/>
+              <a:t>.</a:t>
+            </a:r>
+          </a:p>
+          <a:p>
+            <a:endParaRPr lang="en-US" altLang="ko-KR" dirty="0"/>
+          </a:p>
+          <a:p>
+            <a:pPr algn="just"/>
+            <a:r>
+              <a:rPr lang="en-US" altLang="ko-KR" b="1" dirty="0" smtClean="0">
+                <a:solidFill>
+                  <a:schemeClr val="accent1"/>
+                </a:solidFill>
+                <a:latin typeface="Arial" panose="020B0604020202020204" pitchFamily="34" charset="0"/>
+                <a:cs typeface="Arial" panose="020B0604020202020204" pitchFamily="34" charset="0"/>
+              </a:rPr>
+              <a:t>Behavior&lt;T&gt; </a:t>
+            </a:r>
+            <a:r>
+              <a:rPr lang="ko-KR" altLang="en-US" dirty="0" smtClean="0"/>
+              <a:t>클래스는</a:t>
+            </a:r>
+            <a:r>
+              <a:rPr lang="en-US" altLang="ko-KR" dirty="0" smtClean="0"/>
+              <a:t> </a:t>
+            </a:r>
+            <a:r>
+              <a:rPr lang="ko-KR" altLang="en-US" dirty="0" smtClean="0"/>
+              <a:t>트리거 객체에 추가 상태</a:t>
+            </a:r>
+            <a:r>
+              <a:rPr lang="en-US" altLang="ko-KR" dirty="0" smtClean="0"/>
+              <a:t>(?)</a:t>
+            </a:r>
+            <a:r>
+              <a:rPr lang="ko-KR" altLang="en-US" dirty="0" smtClean="0"/>
+              <a:t>와 명령어를 제공하기 위한 클래스 이다</a:t>
+            </a:r>
+            <a:r>
+              <a:rPr lang="en-US" altLang="ko-KR" dirty="0" smtClean="0"/>
+              <a:t>.</a:t>
+            </a:r>
+          </a:p>
+          <a:p>
+            <a:endParaRPr lang="en-US" altLang="ko-KR" dirty="0"/>
+          </a:p>
+          <a:p>
+            <a:r>
+              <a:rPr lang="ko-KR" altLang="en-US" dirty="0" smtClean="0"/>
+              <a:t>직접 구현할 필요는 없지만 </a:t>
+            </a:r>
+            <a:r>
+              <a:rPr lang="en-US" altLang="ko-KR" dirty="0" smtClean="0"/>
+              <a:t>Region</a:t>
+            </a:r>
+            <a:r>
+              <a:rPr lang="ko-KR" altLang="en-US" dirty="0" smtClean="0"/>
+              <a:t>에 </a:t>
+            </a:r>
+            <a:r>
+              <a:rPr lang="en-US" altLang="ko-KR" dirty="0" smtClean="0"/>
+              <a:t>Attach</a:t>
+            </a:r>
+            <a:r>
+              <a:rPr lang="ko-KR" altLang="en-US" dirty="0" smtClean="0"/>
+              <a:t>가 되었을 때 </a:t>
+            </a:r>
+            <a:r>
+              <a:rPr lang="en-US" altLang="ko-KR" dirty="0" smtClean="0"/>
+              <a:t>View </a:t>
+            </a:r>
+            <a:r>
+              <a:rPr lang="ko-KR" altLang="en-US" dirty="0" smtClean="0"/>
+              <a:t>혹은 </a:t>
+            </a:r>
+            <a:r>
+              <a:rPr lang="en-US" altLang="ko-KR" dirty="0" err="1" smtClean="0"/>
+              <a:t>ViewModel</a:t>
+            </a:r>
+            <a:r>
+              <a:rPr lang="ko-KR" altLang="en-US" dirty="0" smtClean="0"/>
+              <a:t>에서 </a:t>
+            </a:r>
+            <a:endParaRPr lang="en-US" altLang="ko-KR" dirty="0" smtClean="0"/>
+          </a:p>
+          <a:p>
+            <a:r>
+              <a:rPr lang="ko-KR" altLang="en-US" dirty="0" smtClean="0"/>
+              <a:t>이벤트가 발생하여 </a:t>
+            </a:r>
+            <a:r>
+              <a:rPr lang="en-US" altLang="ko-KR" dirty="0" smtClean="0"/>
+              <a:t>Region</a:t>
+            </a:r>
+            <a:r>
+              <a:rPr lang="ko-KR" altLang="en-US" dirty="0" smtClean="0"/>
+              <a:t>을 변경할 때 필요하다</a:t>
+            </a:r>
+            <a:r>
+              <a:rPr lang="en-US" altLang="ko-KR" dirty="0" smtClean="0"/>
+              <a:t>.</a:t>
+            </a:r>
+            <a:endParaRPr lang="en-US" altLang="ko-KR" dirty="0"/>
+          </a:p>
+        </p:txBody>
+      </p:sp>
+      <p:sp>
+        <p:nvSpPr>
+          <p:cNvPr id="5" name="TextBox 4"/>
+          <p:cNvSpPr txBox="1"/>
+          <p:nvPr/>
+        </p:nvSpPr>
+        <p:spPr>
+          <a:xfrm>
+            <a:off x="449179" y="465221"/>
+            <a:ext cx="4115229" cy="707886"/>
+          </a:xfrm>
+          <a:prstGeom prst="rect">
+            <a:avLst/>
+          </a:prstGeom>
+          <a:noFill/>
+        </p:spPr>
+        <p:txBody>
+          <a:bodyPr wrap="none" rtlCol="0">
+            <a:spAutoFit/>
+          </a:bodyPr>
+          <a:lstStyle/>
+          <a:p>
+            <a:r>
+              <a:rPr lang="en-US" altLang="ko-KR" sz="4000" b="1" dirty="0" err="1" smtClean="0">
+                <a:solidFill>
+                  <a:schemeClr val="accent1"/>
+                </a:solidFill>
+                <a:latin typeface="Arial" panose="020B0604020202020204" pitchFamily="34" charset="0"/>
+                <a:cs typeface="Arial" panose="020B0604020202020204" pitchFamily="34" charset="0"/>
+              </a:rPr>
+              <a:t>RegionBehavior</a:t>
+            </a:r>
+            <a:endParaRPr lang="ko-KR" altLang="en-US" sz="4000" b="1" dirty="0">
+              <a:solidFill>
+                <a:schemeClr val="accent1"/>
+              </a:solidFill>
+              <a:latin typeface="Arial" panose="020B0604020202020204" pitchFamily="34" charset="0"/>
+              <a:cs typeface="Arial" panose="020B0604020202020204" pitchFamily="34" charset="0"/>
+            </a:endParaRPr>
+          </a:p>
+        </p:txBody>
+      </p:sp>
+    </p:spTree>
+    <p:extLst>
+      <p:ext uri="{BB962C8B-B14F-4D97-AF65-F5344CB8AC3E}">
+        <p14:creationId xmlns:p14="http://schemas.microsoft.com/office/powerpoint/2010/main" val="4286949109"/>
+      </p:ext>
+    </p:extLst>
+  </p:cSld>
+  <p:clrMapOvr>
+    <a:masterClrMapping/>
+  </p:clrMapOvr>
+  <p:timing>
+    <p:tnLst>
+      <p:par>
+        <p:cTn id="1" dur="indefinite" restart="never" nodeType="tmRoot"/>
+      </p:par>
+    </p:tnLst>
+  </p:timing>
+</p:sld>
+</file>
+
+<file path=ppt/slides/slide17.xml><?xml version="1.0" encoding="utf-8"?>
+<p:sld xmlns:a="http://schemas.openxmlformats.org/drawingml/2006/main" xmlns:r="http://schemas.openxmlformats.org/officeDocument/2006/relationships" xmlns:p="http://schemas.openxmlformats.org/presentationml/2006/main">
+  <p:cSld>
+    <p:spTree>
+      <p:nvGrpSpPr>
+        <p:cNvPr id="1" name=""/>
+        <p:cNvGrpSpPr/>
+        <p:nvPr/>
+      </p:nvGrpSpPr>
+      <p:grpSpPr>
+        <a:xfrm>
+          <a:off x="0" y="0"/>
+          <a:ext cx="0" cy="0"/>
+          <a:chOff x="0" y="0"/>
+          <a:chExt cx="0" cy="0"/>
+        </a:xfrm>
+      </p:grpSpPr>
+      <p:sp>
+        <p:nvSpPr>
+          <p:cNvPr id="5" name="TextBox 4"/>
+          <p:cNvSpPr txBox="1"/>
+          <p:nvPr/>
+        </p:nvSpPr>
+        <p:spPr>
+          <a:xfrm>
+            <a:off x="449179" y="465221"/>
+            <a:ext cx="4115229" cy="707886"/>
+          </a:xfrm>
+          <a:prstGeom prst="rect">
+            <a:avLst/>
+          </a:prstGeom>
+          <a:noFill/>
+        </p:spPr>
+        <p:txBody>
+          <a:bodyPr wrap="none" rtlCol="0">
+            <a:spAutoFit/>
+          </a:bodyPr>
+          <a:lstStyle/>
+          <a:p>
+            <a:r>
+              <a:rPr lang="en-US" altLang="ko-KR" sz="4000" b="1" dirty="0" err="1" smtClean="0">
+                <a:solidFill>
+                  <a:schemeClr val="accent1"/>
+                </a:solidFill>
+                <a:latin typeface="Arial" panose="020B0604020202020204" pitchFamily="34" charset="0"/>
+                <a:cs typeface="Arial" panose="020B0604020202020204" pitchFamily="34" charset="0"/>
+              </a:rPr>
+              <a:t>RegionBehavior</a:t>
+            </a:r>
+            <a:endParaRPr lang="ko-KR" altLang="en-US" sz="4000" b="1" dirty="0">
+              <a:solidFill>
+                <a:schemeClr val="accent1"/>
+              </a:solidFill>
+              <a:latin typeface="Arial" panose="020B0604020202020204" pitchFamily="34" charset="0"/>
+              <a:cs typeface="Arial" panose="020B0604020202020204" pitchFamily="34" charset="0"/>
+            </a:endParaRPr>
+          </a:p>
+        </p:txBody>
+      </p:sp>
+      <p:pic>
+        <p:nvPicPr>
+          <p:cNvPr id="2" name="그림 1"/>
+          <p:cNvPicPr>
+            <a:picLocks noChangeAspect="1"/>
+          </p:cNvPicPr>
+          <p:nvPr/>
+        </p:nvPicPr>
+        <p:blipFill>
+          <a:blip r:embed="rId2"/>
+          <a:stretch>
+            <a:fillRect/>
+          </a:stretch>
+        </p:blipFill>
+        <p:spPr>
+          <a:xfrm>
+            <a:off x="2834877" y="1173107"/>
+            <a:ext cx="5912646" cy="5506278"/>
+          </a:xfrm>
+          <a:prstGeom prst="rect">
+            <a:avLst/>
+          </a:prstGeom>
+        </p:spPr>
+      </p:pic>
+    </p:spTree>
+    <p:extLst>
+      <p:ext uri="{BB962C8B-B14F-4D97-AF65-F5344CB8AC3E}">
+        <p14:creationId xmlns:p14="http://schemas.microsoft.com/office/powerpoint/2010/main" val="1924594116"/>
+      </p:ext>
+    </p:extLst>
+  </p:cSld>
+  <p:clrMapOvr>
+    <a:masterClrMapping/>
+  </p:clrMapOvr>
+  <p:timing>
+    <p:tnLst>
+      <p:par>
+        <p:cTn id="1" dur="indefinite" restart="never" nodeType="tmRoot"/>
+      </p:par>
+    </p:tnLst>
+  </p:timing>
+</p:sld>
+</file>
+
+<file path=ppt/slides/slide18.xml><?xml version="1.0" encoding="utf-8"?>
+<p:sld xmlns:a="http://schemas.openxmlformats.org/drawingml/2006/main" xmlns:r="http://schemas.openxmlformats.org/officeDocument/2006/relationships" xmlns:p="http://schemas.openxmlformats.org/presentationml/2006/main">
+  <p:cSld>
+    <p:spTree>
+      <p:nvGrpSpPr>
+        <p:cNvPr id="1" name=""/>
+        <p:cNvGrpSpPr/>
+        <p:nvPr/>
+      </p:nvGrpSpPr>
+      <p:grpSpPr>
+        <a:xfrm>
+          <a:off x="0" y="0"/>
+          <a:ext cx="0" cy="0"/>
+          <a:chOff x="0" y="0"/>
+          <a:chExt cx="0" cy="0"/>
+        </a:xfrm>
+      </p:grpSpPr>
+      <p:sp>
+        <p:nvSpPr>
+          <p:cNvPr id="5" name="TextBox 4"/>
+          <p:cNvSpPr txBox="1"/>
+          <p:nvPr/>
+        </p:nvSpPr>
+        <p:spPr>
+          <a:xfrm>
+            <a:off x="449179" y="465221"/>
+            <a:ext cx="4115229" cy="707886"/>
+          </a:xfrm>
+          <a:prstGeom prst="rect">
+            <a:avLst/>
+          </a:prstGeom>
+          <a:noFill/>
+        </p:spPr>
+        <p:txBody>
+          <a:bodyPr wrap="none" rtlCol="0">
+            <a:spAutoFit/>
+          </a:bodyPr>
+          <a:lstStyle/>
+          <a:p>
+            <a:r>
+              <a:rPr lang="en-US" altLang="ko-KR" sz="4000" b="1" dirty="0" err="1" smtClean="0">
+                <a:solidFill>
+                  <a:schemeClr val="accent1"/>
+                </a:solidFill>
+                <a:latin typeface="Arial" panose="020B0604020202020204" pitchFamily="34" charset="0"/>
+                <a:cs typeface="Arial" panose="020B0604020202020204" pitchFamily="34" charset="0"/>
+              </a:rPr>
+              <a:t>RegionBehavior</a:t>
+            </a:r>
+            <a:endParaRPr lang="ko-KR" altLang="en-US" sz="4000" b="1" dirty="0">
+              <a:solidFill>
+                <a:schemeClr val="accent1"/>
+              </a:solidFill>
+              <a:latin typeface="Arial" panose="020B0604020202020204" pitchFamily="34" charset="0"/>
+              <a:cs typeface="Arial" panose="020B0604020202020204" pitchFamily="34" charset="0"/>
+            </a:endParaRPr>
+          </a:p>
+        </p:txBody>
+      </p:sp>
+      <p:pic>
+        <p:nvPicPr>
+          <p:cNvPr id="8" name="그림 7"/>
+          <p:cNvPicPr>
+            <a:picLocks noChangeAspect="1"/>
+          </p:cNvPicPr>
+          <p:nvPr/>
+        </p:nvPicPr>
+        <p:blipFill>
+          <a:blip r:embed="rId2"/>
+          <a:stretch>
+            <a:fillRect/>
+          </a:stretch>
+        </p:blipFill>
+        <p:spPr>
+          <a:xfrm>
+            <a:off x="2260577" y="1398394"/>
+            <a:ext cx="8055858" cy="5141494"/>
+          </a:xfrm>
+          <a:prstGeom prst="rect">
+            <a:avLst/>
+          </a:prstGeom>
+        </p:spPr>
+      </p:pic>
+    </p:spTree>
+    <p:extLst>
+      <p:ext uri="{BB962C8B-B14F-4D97-AF65-F5344CB8AC3E}">
+        <p14:creationId xmlns:p14="http://schemas.microsoft.com/office/powerpoint/2010/main" val="385659086"/>
+      </p:ext>
+    </p:extLst>
+  </p:cSld>
+  <p:clrMapOvr>
+    <a:masterClrMapping/>
+  </p:clrMapOvr>
+  <p:timing>
+    <p:tnLst>
+      <p:par>
+        <p:cTn id="1" dur="indefinite" restart="never" nodeType="tmRoot"/>
+      </p:par>
+    </p:tnLst>
+  </p:timing>
+</p:sld>
+</file>
+
+<file path=ppt/slides/slide19.xml><?xml version="1.0" encoding="utf-8"?>
+<p:sld xmlns:a="http://schemas.openxmlformats.org/drawingml/2006/main" xmlns:r="http://schemas.openxmlformats.org/officeDocument/2006/relationships" xmlns:p="http://schemas.openxmlformats.org/presentationml/2006/main">
+  <p:cSld>
+    <p:spTree>
+      <p:nvGrpSpPr>
+        <p:cNvPr id="1" name=""/>
+        <p:cNvGrpSpPr/>
+        <p:nvPr/>
+      </p:nvGrpSpPr>
+      <p:grpSpPr>
+        <a:xfrm>
+          <a:off x="0" y="0"/>
+          <a:ext cx="0" cy="0"/>
+          <a:chOff x="0" y="0"/>
+          <a:chExt cx="0" cy="0"/>
+        </a:xfrm>
+      </p:grpSpPr>
+      <p:sp>
+        <p:nvSpPr>
+          <p:cNvPr id="5" name="TextBox 4"/>
+          <p:cNvSpPr txBox="1"/>
+          <p:nvPr/>
+        </p:nvSpPr>
+        <p:spPr>
+          <a:xfrm>
+            <a:off x="449179" y="465221"/>
+            <a:ext cx="4115229" cy="707886"/>
+          </a:xfrm>
+          <a:prstGeom prst="rect">
+            <a:avLst/>
+          </a:prstGeom>
+          <a:noFill/>
+        </p:spPr>
+        <p:txBody>
+          <a:bodyPr wrap="none" rtlCol="0">
+            <a:spAutoFit/>
+          </a:bodyPr>
+          <a:lstStyle/>
+          <a:p>
+            <a:r>
+              <a:rPr lang="en-US" altLang="ko-KR" sz="4000" b="1" dirty="0" err="1" smtClean="0">
+                <a:solidFill>
+                  <a:schemeClr val="accent1"/>
+                </a:solidFill>
+                <a:latin typeface="Arial" panose="020B0604020202020204" pitchFamily="34" charset="0"/>
+                <a:cs typeface="Arial" panose="020B0604020202020204" pitchFamily="34" charset="0"/>
+              </a:rPr>
+              <a:t>RegionBehavior</a:t>
+            </a:r>
+            <a:endParaRPr lang="ko-KR" altLang="en-US" sz="4000" b="1" dirty="0">
+              <a:solidFill>
+                <a:schemeClr val="accent1"/>
+              </a:solidFill>
+              <a:latin typeface="Arial" panose="020B0604020202020204" pitchFamily="34" charset="0"/>
+              <a:cs typeface="Arial" panose="020B0604020202020204" pitchFamily="34" charset="0"/>
+            </a:endParaRPr>
+          </a:p>
+        </p:txBody>
+      </p:sp>
+      <p:pic>
+        <p:nvPicPr>
+          <p:cNvPr id="2" name="그림 1"/>
+          <p:cNvPicPr>
+            <a:picLocks noChangeAspect="1"/>
+          </p:cNvPicPr>
+          <p:nvPr/>
+        </p:nvPicPr>
+        <p:blipFill>
+          <a:blip r:embed="rId2"/>
+          <a:stretch>
+            <a:fillRect/>
+          </a:stretch>
+        </p:blipFill>
+        <p:spPr>
+          <a:xfrm>
+            <a:off x="2663688" y="1378619"/>
+            <a:ext cx="6944138" cy="5127978"/>
+          </a:xfrm>
+          <a:prstGeom prst="rect">
+            <a:avLst/>
+          </a:prstGeom>
+        </p:spPr>
+      </p:pic>
+      <p:sp>
+        <p:nvSpPr>
+          <p:cNvPr id="3" name="직사각형 2"/>
+          <p:cNvSpPr/>
+          <p:nvPr/>
+        </p:nvSpPr>
+        <p:spPr>
+          <a:xfrm>
+            <a:off x="2968487" y="4982817"/>
+            <a:ext cx="6493565" cy="1219200"/>
+          </a:xfrm>
+          <a:prstGeom prst="rect">
+            <a:avLst/>
+          </a:prstGeom>
+          <a:noFill/>
+          <a:ln w="50800">
+            <a:solidFill>
+              <a:srgbClr val="FF0000"/>
+            </a:solidFill>
+          </a:ln>
+        </p:spPr>
+        <p:style>
+          <a:lnRef idx="2">
+            <a:schemeClr val="accent1">
+              <a:shade val="50000"/>
+            </a:schemeClr>
+          </a:lnRef>
+          <a:fillRef idx="1">
+            <a:schemeClr val="accent1"/>
+          </a:fillRef>
+          <a:effectRef idx="0">
+            <a:schemeClr val="accent1"/>
+          </a:effectRef>
+          <a:fontRef idx="minor">
+            <a:schemeClr val="lt1"/>
+          </a:fontRef>
+        </p:style>
+        <p:txBody>
+          <a:bodyPr rtlCol="0" anchor="ctr"/>
+          <a:lstStyle/>
+          <a:p>
+            <a:pPr algn="ctr"/>
+            <a:endParaRPr lang="ko-KR" altLang="en-US"/>
+          </a:p>
+        </p:txBody>
+      </p:sp>
+    </p:spTree>
+    <p:extLst>
+      <p:ext uri="{BB962C8B-B14F-4D97-AF65-F5344CB8AC3E}">
+        <p14:creationId xmlns:p14="http://schemas.microsoft.com/office/powerpoint/2010/main" val="3874720455"/>
+      </p:ext>
+    </p:extLst>
+  </p:cSld>
+  <p:clrMapOvr>
+    <a:masterClrMapping/>
+  </p:clrMapOvr>
+  <p:timing>
+    <p:tnLst>
+      <p:par>
+        <p:cTn id="1" dur="indefinite" restart="never" nodeType="tmRoot"/>
+      </p:par>
+    </p:tnLst>
+  </p:timing>
+</p:sld>
+</file>
+
+<file path=ppt/slides/slide2.xml><?xml version="1.0" encoding="utf-8"?>
+<p:sld xmlns:a="http://schemas.openxmlformats.org/drawingml/2006/main" xmlns:r="http://schemas.openxmlformats.org/officeDocument/2006/relationships" xmlns:p="http://schemas.openxmlformats.org/presentationml/2006/main">
+  <p:cSld>
+    <p:spTree>
+      <p:nvGrpSpPr>
+        <p:cNvPr id="1" name=""/>
+        <p:cNvGrpSpPr/>
+        <p:nvPr/>
+      </p:nvGrpSpPr>
+      <p:grpSpPr>
+        <a:xfrm>
+          <a:off x="0" y="0"/>
+          <a:ext cx="0" cy="0"/>
+          <a:chOff x="0" y="0"/>
+          <a:chExt cx="0" cy="0"/>
+        </a:xfrm>
+      </p:grpSpPr>
+      <p:sp>
+        <p:nvSpPr>
+          <p:cNvPr id="5" name="TextBox 4"/>
+          <p:cNvSpPr txBox="1"/>
+          <p:nvPr/>
+        </p:nvSpPr>
+        <p:spPr>
+          <a:xfrm>
+            <a:off x="449179" y="465221"/>
+            <a:ext cx="6082114" cy="707886"/>
+          </a:xfrm>
+          <a:prstGeom prst="rect">
+            <a:avLst/>
+          </a:prstGeom>
+          <a:noFill/>
+        </p:spPr>
+        <p:txBody>
+          <a:bodyPr wrap="none" rtlCol="0">
+            <a:spAutoFit/>
+          </a:bodyPr>
+          <a:lstStyle/>
+          <a:p>
+            <a:r>
+              <a:rPr lang="en-US" altLang="ko-KR" sz="4000" b="1" dirty="0" err="1" smtClean="0">
+                <a:solidFill>
+                  <a:schemeClr val="accent1"/>
+                </a:solidFill>
+                <a:latin typeface="Arial" panose="020B0604020202020204" pitchFamily="34" charset="0"/>
+                <a:cs typeface="Arial" panose="020B0604020202020204" pitchFamily="34" charset="0"/>
+              </a:rPr>
+              <a:t>INotifyPropertyChanged</a:t>
+            </a:r>
+            <a:endParaRPr lang="ko-KR" altLang="en-US" sz="4000" b="1" dirty="0">
+              <a:solidFill>
+                <a:schemeClr val="accent1"/>
+              </a:solidFill>
+              <a:latin typeface="Arial" panose="020B0604020202020204" pitchFamily="34" charset="0"/>
+              <a:cs typeface="Arial" panose="020B0604020202020204" pitchFamily="34" charset="0"/>
+            </a:endParaRPr>
+          </a:p>
+        </p:txBody>
+      </p:sp>
+      <p:pic>
+        <p:nvPicPr>
+          <p:cNvPr id="2" name="그림 1"/>
+          <p:cNvPicPr>
+            <a:picLocks noChangeAspect="1"/>
+          </p:cNvPicPr>
+          <p:nvPr/>
+        </p:nvPicPr>
+        <p:blipFill>
+          <a:blip r:embed="rId2"/>
+          <a:stretch>
+            <a:fillRect/>
+          </a:stretch>
+        </p:blipFill>
+        <p:spPr>
+          <a:xfrm>
+            <a:off x="1117296" y="2148214"/>
+            <a:ext cx="9957408" cy="3463446"/>
+          </a:xfrm>
+          <a:prstGeom prst="rect">
+            <a:avLst/>
+          </a:prstGeom>
+        </p:spPr>
+      </p:pic>
+    </p:spTree>
+    <p:extLst>
+      <p:ext uri="{BB962C8B-B14F-4D97-AF65-F5344CB8AC3E}">
+        <p14:creationId xmlns:p14="http://schemas.microsoft.com/office/powerpoint/2010/main" val="1172427522"/>
+      </p:ext>
+    </p:extLst>
+  </p:cSld>
+  <p:clrMapOvr>
+    <a:masterClrMapping/>
+  </p:clrMapOvr>
+  <p:timing>
+    <p:tnLst>
+      <p:par>
+        <p:cTn id="1" dur="indefinite" restart="never" nodeType="tmRoot"/>
+      </p:par>
+    </p:tnLst>
+  </p:timing>
+</p:sld>
+</file>
+
+<file path=ppt/slides/slide20.xml><?xml version="1.0" encoding="utf-8"?>
+<p:sld xmlns:a="http://schemas.openxmlformats.org/drawingml/2006/main" xmlns:r="http://schemas.openxmlformats.org/officeDocument/2006/relationships" xmlns:p="http://schemas.openxmlformats.org/presentationml/2006/main">
+  <p:cSld>
+    <p:spTree>
+      <p:nvGrpSpPr>
+        <p:cNvPr id="1" name=""/>
+        <p:cNvGrpSpPr/>
+        <p:nvPr/>
+      </p:nvGrpSpPr>
+      <p:grpSpPr>
+        <a:xfrm>
+          <a:off x="0" y="0"/>
+          <a:ext cx="0" cy="0"/>
+          <a:chOff x="0" y="0"/>
+          <a:chExt cx="0" cy="0"/>
+        </a:xfrm>
+      </p:grpSpPr>
+      <p:sp>
+        <p:nvSpPr>
+          <p:cNvPr id="5" name="TextBox 4"/>
+          <p:cNvSpPr txBox="1"/>
+          <p:nvPr/>
+        </p:nvSpPr>
+        <p:spPr>
+          <a:xfrm>
+            <a:off x="449179" y="465221"/>
+            <a:ext cx="2236510" cy="707886"/>
+          </a:xfrm>
+          <a:prstGeom prst="rect">
+            <a:avLst/>
+          </a:prstGeom>
+          <a:noFill/>
+        </p:spPr>
+        <p:txBody>
+          <a:bodyPr wrap="none" rtlCol="0">
+            <a:spAutoFit/>
+          </a:bodyPr>
+          <a:lstStyle/>
+          <a:p>
+            <a:r>
+              <a:rPr lang="ko-KR" altLang="en-US" sz="4000" b="1" dirty="0" smtClean="0">
+                <a:solidFill>
+                  <a:schemeClr val="accent1"/>
+                </a:solidFill>
+                <a:latin typeface="Arial" panose="020B0604020202020204" pitchFamily="34" charset="0"/>
+                <a:cs typeface="Arial" panose="020B0604020202020204" pitchFamily="34" charset="0"/>
+              </a:rPr>
+              <a:t>참고자료</a:t>
+            </a:r>
+            <a:endParaRPr lang="ko-KR" altLang="en-US" sz="4000" b="1" dirty="0">
+              <a:solidFill>
+                <a:schemeClr val="accent1"/>
+              </a:solidFill>
+              <a:latin typeface="Arial" panose="020B0604020202020204" pitchFamily="34" charset="0"/>
+              <a:cs typeface="Arial" panose="020B0604020202020204" pitchFamily="34" charset="0"/>
+            </a:endParaRPr>
+          </a:p>
+        </p:txBody>
+      </p:sp>
+      <p:sp>
+        <p:nvSpPr>
+          <p:cNvPr id="6" name="TextBox 5"/>
+          <p:cNvSpPr txBox="1"/>
+          <p:nvPr/>
+        </p:nvSpPr>
+        <p:spPr>
+          <a:xfrm>
+            <a:off x="378634" y="2000250"/>
+            <a:ext cx="11434733" cy="3693319"/>
+          </a:xfrm>
+          <a:prstGeom prst="rect">
+            <a:avLst/>
+          </a:prstGeom>
+          <a:noFill/>
+        </p:spPr>
+        <p:txBody>
+          <a:bodyPr wrap="none" rtlCol="0">
+            <a:spAutoFit/>
+          </a:bodyPr>
+          <a:lstStyle/>
+          <a:p>
+            <a:r>
+              <a:rPr lang="en-US" altLang="ko-KR" dirty="0"/>
+              <a:t>Using </a:t>
+            </a:r>
+            <a:r>
+              <a:rPr lang="en-US" altLang="ko-KR" dirty="0" err="1"/>
+              <a:t>CallerMemberName</a:t>
+            </a:r>
+            <a:r>
+              <a:rPr lang="en-US" altLang="ko-KR" dirty="0"/>
+              <a:t> for property change notification in XAML apps</a:t>
+            </a:r>
+          </a:p>
+          <a:p>
+            <a:r>
+              <a:rPr lang="en-US" altLang="ko-KR" dirty="0">
+                <a:hlinkClick r:id="rId2"/>
+              </a:rPr>
+              <a:t>http://10rem.net/blog/2013/02/25/using-callermembername-for-property-change-notification-in-xaml-apps</a:t>
+            </a:r>
+            <a:endParaRPr lang="en-US" altLang="ko-KR" dirty="0"/>
+          </a:p>
+          <a:p>
+            <a:endParaRPr lang="en-US" altLang="ko-KR" dirty="0"/>
+          </a:p>
+          <a:p>
+            <a:r>
+              <a:rPr lang="en-US" altLang="ko-KR" dirty="0" smtClean="0"/>
+              <a:t>Introduction to PRISM</a:t>
+            </a:r>
+          </a:p>
+          <a:p>
+            <a:r>
+              <a:rPr lang="en-US" altLang="ko-KR" dirty="0">
+                <a:hlinkClick r:id="rId3"/>
+              </a:rPr>
+              <a:t>https://</a:t>
+            </a:r>
+            <a:r>
+              <a:rPr lang="en-US" altLang="ko-KR" dirty="0" smtClean="0">
+                <a:hlinkClick r:id="rId3"/>
+              </a:rPr>
+              <a:t>app.pluralsight.com/library/courses/prism-introduction/table-of-contents</a:t>
+            </a:r>
+            <a:endParaRPr lang="en-US" altLang="ko-KR" dirty="0" smtClean="0"/>
+          </a:p>
+          <a:p>
+            <a:endParaRPr lang="en-US" altLang="ko-KR" dirty="0"/>
+          </a:p>
+          <a:p>
+            <a:r>
+              <a:rPr lang="en-US" altLang="ko-KR" dirty="0" err="1" smtClean="0"/>
+              <a:t>PrismEdu</a:t>
+            </a:r>
+            <a:endParaRPr lang="en-US" altLang="ko-KR" dirty="0" smtClean="0"/>
+          </a:p>
+          <a:p>
+            <a:r>
+              <a:rPr lang="en-US" altLang="ko-KR" dirty="0">
+                <a:hlinkClick r:id="rId4"/>
+              </a:rPr>
+              <a:t>https://</a:t>
+            </a:r>
+            <a:r>
+              <a:rPr lang="en-US" altLang="ko-KR" dirty="0" smtClean="0">
+                <a:hlinkClick r:id="rId4"/>
+              </a:rPr>
+              <a:t>github.com/runceel/PrismEdu</a:t>
+            </a:r>
+            <a:endParaRPr lang="en-US" altLang="ko-KR" dirty="0" smtClean="0"/>
+          </a:p>
+          <a:p>
+            <a:endParaRPr lang="en-US" altLang="ko-KR" dirty="0"/>
+          </a:p>
+          <a:p>
+            <a:r>
+              <a:rPr lang="en-US" altLang="ko-KR" dirty="0"/>
+              <a:t>Prism Problems &amp; </a:t>
+            </a:r>
+            <a:r>
+              <a:rPr lang="en-US" altLang="ko-KR" dirty="0" smtClean="0"/>
+              <a:t>Solutions Series</a:t>
+            </a:r>
+          </a:p>
+          <a:p>
+            <a:r>
+              <a:rPr lang="en-US" altLang="ko-KR" dirty="0">
+                <a:hlinkClick r:id="rId5"/>
+              </a:rPr>
+              <a:t>https://</a:t>
+            </a:r>
+            <a:r>
+              <a:rPr lang="en-US" altLang="ko-KR" dirty="0" smtClean="0">
+                <a:hlinkClick r:id="rId5"/>
+              </a:rPr>
+              <a:t>app.pluralsight.com/profile/author/brian-lagunas</a:t>
+            </a:r>
+            <a:endParaRPr lang="en-US" altLang="ko-KR" dirty="0" smtClean="0"/>
+          </a:p>
+          <a:p>
+            <a:endParaRPr lang="en-US" altLang="ko-KR" dirty="0"/>
+          </a:p>
+          <a:p>
+            <a:endParaRPr lang="ko-KR" altLang="en-US" dirty="0"/>
+          </a:p>
+        </p:txBody>
+      </p:sp>
+    </p:spTree>
+    <p:extLst>
+      <p:ext uri="{BB962C8B-B14F-4D97-AF65-F5344CB8AC3E}">
+        <p14:creationId xmlns:p14="http://schemas.microsoft.com/office/powerpoint/2010/main" val="3746847513"/>
+      </p:ext>
+    </p:extLst>
+  </p:cSld>
+  <p:clrMapOvr>
+    <a:masterClrMapping/>
+  </p:clrMapOvr>
+  <p:timing>
+    <p:tnLst>
+      <p:par>
+        <p:cTn id="1" dur="indefinite" restart="never" nodeType="tmRoot"/>
+      </p:par>
+    </p:tnLst>
+  </p:timing>
+</p:sld>
+</file>
+
+<file path=ppt/slides/slide3.xml><?xml version="1.0" encoding="utf-8"?>
+<p:sld xmlns:a="http://schemas.openxmlformats.org/drawingml/2006/main" xmlns:r="http://schemas.openxmlformats.org/officeDocument/2006/relationships" xmlns:p="http://schemas.openxmlformats.org/presentationml/2006/main">
+  <p:cSld>
+    <p:spTree>
+      <p:nvGrpSpPr>
+        <p:cNvPr id="1" name=""/>
+        <p:cNvGrpSpPr/>
+        <p:nvPr/>
+      </p:nvGrpSpPr>
+      <p:grpSpPr>
+        <a:xfrm>
+          <a:off x="0" y="0"/>
+          <a:ext cx="0" cy="0"/>
+          <a:chOff x="0" y="0"/>
+          <a:chExt cx="0" cy="0"/>
+        </a:xfrm>
+      </p:grpSpPr>
+      <p:sp>
+        <p:nvSpPr>
+          <p:cNvPr id="5" name="TextBox 4"/>
+          <p:cNvSpPr txBox="1"/>
+          <p:nvPr/>
+        </p:nvSpPr>
+        <p:spPr>
+          <a:xfrm>
+            <a:off x="449179" y="465221"/>
+            <a:ext cx="6082114" cy="707886"/>
+          </a:xfrm>
+          <a:prstGeom prst="rect">
+            <a:avLst/>
+          </a:prstGeom>
+          <a:noFill/>
+        </p:spPr>
+        <p:txBody>
+          <a:bodyPr wrap="none" rtlCol="0">
+            <a:spAutoFit/>
+          </a:bodyPr>
+          <a:lstStyle/>
+          <a:p>
+            <a:r>
+              <a:rPr lang="en-US" altLang="ko-KR" sz="4000" b="1" dirty="0" err="1" smtClean="0">
+                <a:solidFill>
+                  <a:schemeClr val="accent1"/>
+                </a:solidFill>
+                <a:latin typeface="Arial" panose="020B0604020202020204" pitchFamily="34" charset="0"/>
+                <a:cs typeface="Arial" panose="020B0604020202020204" pitchFamily="34" charset="0"/>
+              </a:rPr>
+              <a:t>INotifyPropertyChanged</a:t>
+            </a:r>
+            <a:endParaRPr lang="ko-KR" altLang="en-US" sz="4000" b="1" dirty="0">
+              <a:solidFill>
+                <a:schemeClr val="accent1"/>
+              </a:solidFill>
+              <a:latin typeface="Arial" panose="020B0604020202020204" pitchFamily="34" charset="0"/>
+              <a:cs typeface="Arial" panose="020B0604020202020204" pitchFamily="34" charset="0"/>
+            </a:endParaRPr>
+          </a:p>
+        </p:txBody>
+      </p:sp>
+      <p:pic>
+        <p:nvPicPr>
+          <p:cNvPr id="2" name="그림 1"/>
+          <p:cNvPicPr>
+            <a:picLocks noChangeAspect="1"/>
+          </p:cNvPicPr>
+          <p:nvPr/>
+        </p:nvPicPr>
+        <p:blipFill>
+          <a:blip r:embed="rId2"/>
+          <a:stretch>
+            <a:fillRect/>
+          </a:stretch>
+        </p:blipFill>
+        <p:spPr>
+          <a:xfrm>
+            <a:off x="2897688" y="1553362"/>
+            <a:ext cx="6396624" cy="4953776"/>
+          </a:xfrm>
+          <a:prstGeom prst="rect">
+            <a:avLst/>
+          </a:prstGeom>
+        </p:spPr>
+      </p:pic>
+    </p:spTree>
+    <p:extLst>
+      <p:ext uri="{BB962C8B-B14F-4D97-AF65-F5344CB8AC3E}">
+        <p14:creationId xmlns:p14="http://schemas.microsoft.com/office/powerpoint/2010/main" val="550331906"/>
+      </p:ext>
+    </p:extLst>
+  </p:cSld>
+  <p:clrMapOvr>
+    <a:masterClrMapping/>
+  </p:clrMapOvr>
+  <p:timing>
+    <p:tnLst>
+      <p:par>
+        <p:cTn id="1" dur="indefinite" restart="never" nodeType="tmRoot"/>
+      </p:par>
+    </p:tnLst>
+  </p:timing>
+</p:sld>
+</file>
+
+<file path=ppt/slides/slide4.xml><?xml version="1.0" encoding="utf-8"?>
+<p:sld xmlns:a="http://schemas.openxmlformats.org/drawingml/2006/main" xmlns:r="http://schemas.openxmlformats.org/officeDocument/2006/relationships" xmlns:p="http://schemas.openxmlformats.org/presentationml/2006/main">
+  <p:cSld>
+    <p:spTree>
+      <p:nvGrpSpPr>
+        <p:cNvPr id="1" name=""/>
+        <p:cNvGrpSpPr/>
+        <p:nvPr/>
+      </p:nvGrpSpPr>
+      <p:grpSpPr>
+        <a:xfrm>
+          <a:off x="0" y="0"/>
+          <a:ext cx="0" cy="0"/>
+          <a:chOff x="0" y="0"/>
+          <a:chExt cx="0" cy="0"/>
+        </a:xfrm>
+      </p:grpSpPr>
+      <p:sp>
+        <p:nvSpPr>
+          <p:cNvPr id="5" name="TextBox 4"/>
+          <p:cNvSpPr txBox="1"/>
+          <p:nvPr/>
+        </p:nvSpPr>
+        <p:spPr>
+          <a:xfrm>
+            <a:off x="449179" y="465221"/>
+            <a:ext cx="6082114" cy="707886"/>
+          </a:xfrm>
+          <a:prstGeom prst="rect">
+            <a:avLst/>
+          </a:prstGeom>
+          <a:noFill/>
+        </p:spPr>
+        <p:txBody>
+          <a:bodyPr wrap="none" rtlCol="0">
+            <a:spAutoFit/>
+          </a:bodyPr>
+          <a:lstStyle/>
+          <a:p>
+            <a:r>
+              <a:rPr lang="en-US" altLang="ko-KR" sz="4000" b="1" dirty="0" err="1" smtClean="0">
+                <a:solidFill>
+                  <a:schemeClr val="accent1"/>
+                </a:solidFill>
+                <a:latin typeface="Arial" panose="020B0604020202020204" pitchFamily="34" charset="0"/>
+                <a:cs typeface="Arial" panose="020B0604020202020204" pitchFamily="34" charset="0"/>
+              </a:rPr>
+              <a:t>INotifyPropertyChanged</a:t>
+            </a:r>
+            <a:endParaRPr lang="ko-KR" altLang="en-US" sz="4000" b="1" dirty="0">
+              <a:solidFill>
+                <a:schemeClr val="accent1"/>
+              </a:solidFill>
+              <a:latin typeface="Arial" panose="020B0604020202020204" pitchFamily="34" charset="0"/>
+              <a:cs typeface="Arial" panose="020B0604020202020204" pitchFamily="34" charset="0"/>
+            </a:endParaRPr>
+          </a:p>
+        </p:txBody>
+      </p:sp>
+      <p:sp>
+        <p:nvSpPr>
+          <p:cNvPr id="6" name="TextBox 5"/>
+          <p:cNvSpPr txBox="1"/>
+          <p:nvPr/>
+        </p:nvSpPr>
+        <p:spPr>
+          <a:xfrm>
+            <a:off x="987711" y="1933986"/>
+            <a:ext cx="8482579" cy="646331"/>
+          </a:xfrm>
+          <a:prstGeom prst="rect">
+            <a:avLst/>
+          </a:prstGeom>
+          <a:noFill/>
+        </p:spPr>
+        <p:txBody>
+          <a:bodyPr wrap="none" rtlCol="0">
+            <a:spAutoFit/>
+          </a:bodyPr>
+          <a:lstStyle/>
+          <a:p>
+            <a:r>
+              <a:rPr lang="ko-KR" altLang="en-US" dirty="0" smtClean="0"/>
+              <a:t>개발 중 팀장님이 </a:t>
+            </a:r>
+            <a:r>
+              <a:rPr lang="en-US" altLang="ko-KR" dirty="0" smtClean="0"/>
+              <a:t>Property</a:t>
+            </a:r>
+            <a:r>
+              <a:rPr lang="ko-KR" altLang="en-US" dirty="0" smtClean="0"/>
+              <a:t>명을 </a:t>
+            </a:r>
+            <a:r>
+              <a:rPr lang="en-US" altLang="ko-KR" dirty="0" smtClean="0"/>
+              <a:t>‘Name’</a:t>
+            </a:r>
+            <a:r>
+              <a:rPr lang="ko-KR" altLang="en-US" dirty="0" smtClean="0"/>
+              <a:t>에서 </a:t>
+            </a:r>
+            <a:r>
+              <a:rPr lang="en-US" altLang="ko-KR" dirty="0" smtClean="0"/>
+              <a:t>‘</a:t>
+            </a:r>
+            <a:r>
+              <a:rPr lang="en-US" altLang="ko-KR" dirty="0" err="1" smtClean="0"/>
+              <a:t>ClickName</a:t>
+            </a:r>
+            <a:r>
+              <a:rPr lang="en-US" altLang="ko-KR" dirty="0" smtClean="0"/>
+              <a:t>’</a:t>
+            </a:r>
+            <a:r>
+              <a:rPr lang="ko-KR" altLang="en-US" dirty="0" smtClean="0"/>
+              <a:t>으로 변경하라고 하셨다</a:t>
+            </a:r>
+            <a:r>
+              <a:rPr lang="en-US" altLang="ko-KR" dirty="0" smtClean="0"/>
+              <a:t>.</a:t>
+            </a:r>
+          </a:p>
+          <a:p>
+            <a:r>
+              <a:rPr lang="ko-KR" altLang="en-US" dirty="0" smtClean="0"/>
+              <a:t>그냥 </a:t>
+            </a:r>
+            <a:r>
+              <a:rPr lang="en-US" altLang="ko-KR" dirty="0" smtClean="0"/>
+              <a:t>Property </a:t>
+            </a:r>
+            <a:r>
+              <a:rPr lang="ko-KR" altLang="en-US" dirty="0" smtClean="0"/>
+              <a:t>명만 </a:t>
+            </a:r>
+            <a:r>
+              <a:rPr lang="ko-KR" altLang="en-US" dirty="0" err="1" smtClean="0"/>
+              <a:t>되는건데</a:t>
+            </a:r>
+            <a:r>
+              <a:rPr lang="ko-KR" altLang="en-US" dirty="0" smtClean="0"/>
+              <a:t> 어렵지 않지</a:t>
+            </a:r>
+            <a:r>
+              <a:rPr lang="en-US" altLang="ko-KR" dirty="0" smtClean="0"/>
+              <a:t>!</a:t>
+            </a:r>
+          </a:p>
+        </p:txBody>
+      </p:sp>
+      <p:pic>
+        <p:nvPicPr>
+          <p:cNvPr id="2" name="그림 1"/>
+          <p:cNvPicPr>
+            <a:picLocks noChangeAspect="1"/>
+          </p:cNvPicPr>
+          <p:nvPr/>
+        </p:nvPicPr>
+        <p:blipFill>
+          <a:blip r:embed="rId2"/>
+          <a:stretch>
+            <a:fillRect/>
+          </a:stretch>
+        </p:blipFill>
+        <p:spPr>
+          <a:xfrm>
+            <a:off x="1970622" y="3064197"/>
+            <a:ext cx="8250756" cy="2724410"/>
+          </a:xfrm>
+          <a:prstGeom prst="rect">
+            <a:avLst/>
+          </a:prstGeom>
+        </p:spPr>
+      </p:pic>
+    </p:spTree>
+    <p:extLst>
+      <p:ext uri="{BB962C8B-B14F-4D97-AF65-F5344CB8AC3E}">
+        <p14:creationId xmlns:p14="http://schemas.microsoft.com/office/powerpoint/2010/main" val="2372413536"/>
+      </p:ext>
+    </p:extLst>
+  </p:cSld>
+  <p:clrMapOvr>
+    <a:masterClrMapping/>
+  </p:clrMapOvr>
+  <p:timing>
+    <p:tnLst>
+      <p:par>
+        <p:cTn id="1" dur="indefinite" restart="never" nodeType="tmRoot"/>
+      </p:par>
+    </p:tnLst>
+  </p:timing>
+</p:sld>
+</file>
+
+<file path=ppt/slides/slide5.xml><?xml version="1.0" encoding="utf-8"?>
+<p:sld xmlns:a="http://schemas.openxmlformats.org/drawingml/2006/main" xmlns:r="http://schemas.openxmlformats.org/officeDocument/2006/relationships" xmlns:p="http://schemas.openxmlformats.org/presentationml/2006/main">
+  <p:cSld>
+    <p:spTree>
+      <p:nvGrpSpPr>
+        <p:cNvPr id="1" name=""/>
+        <p:cNvGrpSpPr/>
+        <p:nvPr/>
+      </p:nvGrpSpPr>
+      <p:grpSpPr>
+        <a:xfrm>
+          <a:off x="0" y="0"/>
+          <a:ext cx="0" cy="0"/>
+          <a:chOff x="0" y="0"/>
+          <a:chExt cx="0" cy="0"/>
+        </a:xfrm>
+      </p:grpSpPr>
+      <p:sp>
+        <p:nvSpPr>
+          <p:cNvPr id="5" name="TextBox 4"/>
+          <p:cNvSpPr txBox="1"/>
+          <p:nvPr/>
+        </p:nvSpPr>
+        <p:spPr>
+          <a:xfrm>
+            <a:off x="449179" y="465221"/>
+            <a:ext cx="6082114" cy="707886"/>
+          </a:xfrm>
+          <a:prstGeom prst="rect">
+            <a:avLst/>
+          </a:prstGeom>
+          <a:noFill/>
+        </p:spPr>
+        <p:txBody>
+          <a:bodyPr wrap="none" rtlCol="0">
+            <a:spAutoFit/>
+          </a:bodyPr>
+          <a:lstStyle/>
+          <a:p>
+            <a:r>
+              <a:rPr lang="en-US" altLang="ko-KR" sz="4000" b="1" dirty="0" err="1" smtClean="0">
+                <a:solidFill>
+                  <a:schemeClr val="accent1"/>
+                </a:solidFill>
+                <a:latin typeface="Arial" panose="020B0604020202020204" pitchFamily="34" charset="0"/>
+                <a:cs typeface="Arial" panose="020B0604020202020204" pitchFamily="34" charset="0"/>
+              </a:rPr>
+              <a:t>INotifyPropertyChanged</a:t>
+            </a:r>
+            <a:endParaRPr lang="ko-KR" altLang="en-US" sz="4000" b="1" dirty="0">
+              <a:solidFill>
+                <a:schemeClr val="accent1"/>
+              </a:solidFill>
+              <a:latin typeface="Arial" panose="020B0604020202020204" pitchFamily="34" charset="0"/>
+              <a:cs typeface="Arial" panose="020B0604020202020204" pitchFamily="34" charset="0"/>
+            </a:endParaRPr>
+          </a:p>
+        </p:txBody>
+      </p:sp>
+      <p:pic>
+        <p:nvPicPr>
+          <p:cNvPr id="3" name="그림 2"/>
+          <p:cNvPicPr>
+            <a:picLocks noChangeAspect="1"/>
+          </p:cNvPicPr>
+          <p:nvPr/>
+        </p:nvPicPr>
+        <p:blipFill>
+          <a:blip r:embed="rId2"/>
+          <a:stretch>
+            <a:fillRect/>
+          </a:stretch>
+        </p:blipFill>
+        <p:spPr>
+          <a:xfrm>
+            <a:off x="3285994" y="1559155"/>
+            <a:ext cx="5620012" cy="4892084"/>
+          </a:xfrm>
+          <a:prstGeom prst="rect">
+            <a:avLst/>
+          </a:prstGeom>
+        </p:spPr>
+      </p:pic>
+    </p:spTree>
+    <p:extLst>
+      <p:ext uri="{BB962C8B-B14F-4D97-AF65-F5344CB8AC3E}">
+        <p14:creationId xmlns:p14="http://schemas.microsoft.com/office/powerpoint/2010/main" val="3622345444"/>
+      </p:ext>
+    </p:extLst>
+  </p:cSld>
+  <p:clrMapOvr>
+    <a:masterClrMapping/>
+  </p:clrMapOvr>
+  <p:timing>
+    <p:tnLst>
+      <p:par>
+        <p:cTn id="1" dur="indefinite" restart="never" nodeType="tmRoot"/>
+      </p:par>
+    </p:tnLst>
+  </p:timing>
+</p:sld>
+</file>
+
+<file path=ppt/slides/slide6.xml><?xml version="1.0" encoding="utf-8"?>
+<p:sld xmlns:a="http://schemas.openxmlformats.org/drawingml/2006/main" xmlns:r="http://schemas.openxmlformats.org/officeDocument/2006/relationships" xmlns:p="http://schemas.openxmlformats.org/presentationml/2006/main">
+  <p:cSld>
+    <p:spTree>
+      <p:nvGrpSpPr>
+        <p:cNvPr id="1" name=""/>
+        <p:cNvGrpSpPr/>
+        <p:nvPr/>
+      </p:nvGrpSpPr>
+      <p:grpSpPr>
+        <a:xfrm>
+          <a:off x="0" y="0"/>
+          <a:ext cx="0" cy="0"/>
+          <a:chOff x="0" y="0"/>
+          <a:chExt cx="0" cy="0"/>
+        </a:xfrm>
+      </p:grpSpPr>
+      <p:sp>
+        <p:nvSpPr>
+          <p:cNvPr id="5" name="TextBox 4"/>
+          <p:cNvSpPr txBox="1"/>
+          <p:nvPr/>
+        </p:nvSpPr>
+        <p:spPr>
+          <a:xfrm>
+            <a:off x="449179" y="465221"/>
+            <a:ext cx="6082114" cy="707886"/>
+          </a:xfrm>
+          <a:prstGeom prst="rect">
+            <a:avLst/>
+          </a:prstGeom>
+          <a:noFill/>
+        </p:spPr>
+        <p:txBody>
+          <a:bodyPr wrap="none" rtlCol="0">
+            <a:spAutoFit/>
+          </a:bodyPr>
+          <a:lstStyle/>
+          <a:p>
+            <a:r>
+              <a:rPr lang="en-US" altLang="ko-KR" sz="4000" b="1" dirty="0" err="1" smtClean="0">
+                <a:solidFill>
+                  <a:schemeClr val="accent1"/>
+                </a:solidFill>
+                <a:latin typeface="Arial" panose="020B0604020202020204" pitchFamily="34" charset="0"/>
+                <a:cs typeface="Arial" panose="020B0604020202020204" pitchFamily="34" charset="0"/>
+              </a:rPr>
+              <a:t>INotifyPropertyChanged</a:t>
+            </a:r>
+            <a:endParaRPr lang="ko-KR" altLang="en-US" sz="4000" b="1" dirty="0">
+              <a:solidFill>
+                <a:schemeClr val="accent1"/>
+              </a:solidFill>
+              <a:latin typeface="Arial" panose="020B0604020202020204" pitchFamily="34" charset="0"/>
+              <a:cs typeface="Arial" panose="020B0604020202020204" pitchFamily="34" charset="0"/>
+            </a:endParaRPr>
+          </a:p>
+        </p:txBody>
+      </p:sp>
+      <p:sp>
+        <p:nvSpPr>
+          <p:cNvPr id="6" name="TextBox 5"/>
+          <p:cNvSpPr txBox="1"/>
+          <p:nvPr/>
+        </p:nvSpPr>
+        <p:spPr>
+          <a:xfrm>
+            <a:off x="680588" y="1620836"/>
+            <a:ext cx="5353581" cy="1754326"/>
+          </a:xfrm>
+          <a:prstGeom prst="rect">
+            <a:avLst/>
+          </a:prstGeom>
+          <a:noFill/>
+        </p:spPr>
+        <p:txBody>
+          <a:bodyPr wrap="none" rtlCol="0">
+            <a:spAutoFit/>
+          </a:bodyPr>
+          <a:lstStyle/>
+          <a:p>
+            <a:r>
+              <a:rPr lang="ko-KR" altLang="en-US" dirty="0" smtClean="0"/>
+              <a:t>변경 후 테스트에서 </a:t>
+            </a:r>
+            <a:r>
+              <a:rPr lang="en-US" altLang="ko-KR" dirty="0" smtClean="0"/>
+              <a:t>View</a:t>
+            </a:r>
+            <a:r>
+              <a:rPr lang="ko-KR" altLang="en-US" dirty="0" smtClean="0"/>
+              <a:t>에서 </a:t>
+            </a:r>
+            <a:r>
+              <a:rPr lang="en-US" altLang="ko-KR" dirty="0" smtClean="0"/>
+              <a:t>Button Click</a:t>
+            </a:r>
+            <a:r>
+              <a:rPr lang="ko-KR" altLang="en-US" dirty="0" smtClean="0"/>
+              <a:t>시 </a:t>
+            </a:r>
+            <a:endParaRPr lang="en-US" altLang="ko-KR" dirty="0" smtClean="0"/>
+          </a:p>
+          <a:p>
+            <a:r>
+              <a:rPr lang="en-US" altLang="ko-KR" dirty="0" smtClean="0"/>
+              <a:t>View</a:t>
+            </a:r>
+            <a:r>
+              <a:rPr lang="ko-KR" altLang="en-US" dirty="0" smtClean="0"/>
+              <a:t>에 </a:t>
+            </a:r>
+            <a:r>
+              <a:rPr lang="en-US" altLang="ko-KR" dirty="0" smtClean="0"/>
+              <a:t>Property </a:t>
+            </a:r>
+            <a:r>
+              <a:rPr lang="ko-KR" altLang="en-US" dirty="0" smtClean="0"/>
+              <a:t>값이 적용이 안되었다</a:t>
+            </a:r>
+            <a:r>
+              <a:rPr lang="en-US" altLang="ko-KR" dirty="0" smtClean="0"/>
+              <a:t>.</a:t>
+            </a:r>
+          </a:p>
+          <a:p>
+            <a:endParaRPr lang="en-US" altLang="ko-KR" dirty="0" smtClean="0"/>
+          </a:p>
+          <a:p>
+            <a:r>
+              <a:rPr lang="ko-KR" altLang="en-US" dirty="0" smtClean="0"/>
+              <a:t>원인은 </a:t>
+            </a:r>
+            <a:r>
+              <a:rPr lang="en-US" altLang="ko-KR" dirty="0" err="1" smtClean="0"/>
+              <a:t>PropertyChanged</a:t>
+            </a:r>
+            <a:r>
+              <a:rPr lang="ko-KR" altLang="en-US" dirty="0" smtClean="0"/>
+              <a:t>에 </a:t>
+            </a:r>
+            <a:r>
+              <a:rPr lang="ko-KR" altLang="en-US" dirty="0" err="1" smtClean="0"/>
+              <a:t>인자값</a:t>
+            </a:r>
+            <a:r>
+              <a:rPr lang="ko-KR" altLang="en-US" dirty="0" smtClean="0"/>
+              <a:t> 중 하나인</a:t>
+            </a:r>
+            <a:endParaRPr lang="en-US" altLang="ko-KR" dirty="0" smtClean="0"/>
+          </a:p>
+          <a:p>
+            <a:r>
+              <a:rPr lang="en-US" altLang="ko-KR" dirty="0" err="1" smtClean="0"/>
+              <a:t>PropertyChangedEventArgs</a:t>
+            </a:r>
+            <a:r>
+              <a:rPr lang="ko-KR" altLang="en-US" dirty="0" smtClean="0"/>
+              <a:t>의 </a:t>
+            </a:r>
+            <a:r>
+              <a:rPr lang="en-US" altLang="ko-KR" dirty="0" smtClean="0"/>
+              <a:t>View</a:t>
+            </a:r>
+            <a:r>
+              <a:rPr lang="ko-KR" altLang="en-US" dirty="0" smtClean="0"/>
+              <a:t>에</a:t>
+            </a:r>
+            <a:r>
+              <a:rPr lang="en-US" altLang="ko-KR" dirty="0" smtClean="0"/>
+              <a:t> Binding </a:t>
+            </a:r>
+            <a:r>
+              <a:rPr lang="ko-KR" altLang="en-US" dirty="0" smtClean="0"/>
+              <a:t>된 </a:t>
+            </a:r>
+            <a:endParaRPr lang="en-US" altLang="ko-KR" dirty="0" smtClean="0"/>
+          </a:p>
+          <a:p>
+            <a:r>
+              <a:rPr lang="en-US" altLang="ko-KR" dirty="0" smtClean="0"/>
+              <a:t>Property</a:t>
+            </a:r>
+            <a:r>
+              <a:rPr lang="ko-KR" altLang="en-US" dirty="0" smtClean="0"/>
+              <a:t>가 없기 때문이다</a:t>
+            </a:r>
+            <a:r>
+              <a:rPr lang="en-US" altLang="ko-KR" dirty="0" smtClean="0"/>
+              <a:t>.</a:t>
+            </a:r>
+            <a:endParaRPr lang="en-US" altLang="ko-KR" dirty="0" smtClean="0"/>
+          </a:p>
+        </p:txBody>
+      </p:sp>
+      <p:pic>
+        <p:nvPicPr>
+          <p:cNvPr id="7" name="그림 6"/>
+          <p:cNvPicPr>
+            <a:picLocks noChangeAspect="1"/>
+          </p:cNvPicPr>
+          <p:nvPr/>
+        </p:nvPicPr>
+        <p:blipFill>
+          <a:blip r:embed="rId2"/>
+          <a:stretch>
+            <a:fillRect/>
+          </a:stretch>
+        </p:blipFill>
+        <p:spPr>
+          <a:xfrm>
+            <a:off x="6367396" y="1559155"/>
+            <a:ext cx="5620012" cy="4892084"/>
+          </a:xfrm>
+          <a:prstGeom prst="rect">
+            <a:avLst/>
+          </a:prstGeom>
+        </p:spPr>
+      </p:pic>
+      <p:pic>
+        <p:nvPicPr>
+          <p:cNvPr id="8" name="그림 7"/>
+          <p:cNvPicPr>
+            <a:picLocks noChangeAspect="1"/>
+          </p:cNvPicPr>
+          <p:nvPr/>
+        </p:nvPicPr>
+        <p:blipFill rotWithShape="1">
+          <a:blip r:embed="rId3"/>
+          <a:srcRect r="40286" b="472"/>
+          <a:stretch/>
+        </p:blipFill>
+        <p:spPr>
+          <a:xfrm>
+            <a:off x="697288" y="3726829"/>
+            <a:ext cx="4926898" cy="2711549"/>
+          </a:xfrm>
+          <a:prstGeom prst="rect">
+            <a:avLst/>
+          </a:prstGeom>
+        </p:spPr>
+      </p:pic>
+      <p:sp>
+        <p:nvSpPr>
+          <p:cNvPr id="3" name="직사각형 2"/>
+          <p:cNvSpPr/>
+          <p:nvPr/>
+        </p:nvSpPr>
+        <p:spPr>
+          <a:xfrm>
+            <a:off x="7553195" y="3948830"/>
+            <a:ext cx="4221271" cy="237994"/>
+          </a:xfrm>
+          <a:prstGeom prst="rect">
+            <a:avLst/>
+          </a:prstGeom>
+          <a:noFill/>
+          <a:ln w="25400">
+            <a:solidFill>
+              <a:srgbClr val="FF0000"/>
+            </a:solidFill>
+          </a:ln>
+        </p:spPr>
+        <p:style>
+          <a:lnRef idx="2">
+            <a:schemeClr val="accent1">
+              <a:shade val="50000"/>
+            </a:schemeClr>
+          </a:lnRef>
+          <a:fillRef idx="1">
+            <a:schemeClr val="accent1"/>
+          </a:fillRef>
+          <a:effectRef idx="0">
+            <a:schemeClr val="accent1"/>
+          </a:effectRef>
+          <a:fontRef idx="minor">
+            <a:schemeClr val="lt1"/>
+          </a:fontRef>
+        </p:style>
+        <p:txBody>
+          <a:bodyPr rtlCol="0" anchor="ctr"/>
+          <a:lstStyle/>
+          <a:p>
+            <a:pPr algn="ctr"/>
+            <a:endParaRPr lang="ko-KR" altLang="en-US"/>
+          </a:p>
+        </p:txBody>
+      </p:sp>
+      <p:sp>
+        <p:nvSpPr>
+          <p:cNvPr id="11" name="직사각형 10"/>
+          <p:cNvSpPr/>
+          <p:nvPr/>
+        </p:nvSpPr>
+        <p:spPr>
+          <a:xfrm>
+            <a:off x="1774520" y="5082603"/>
+            <a:ext cx="2996263" cy="231519"/>
+          </a:xfrm>
+          <a:prstGeom prst="rect">
+            <a:avLst/>
+          </a:prstGeom>
+          <a:noFill/>
+          <a:ln w="25400">
+            <a:solidFill>
+              <a:srgbClr val="FF0000"/>
+            </a:solidFill>
+          </a:ln>
+        </p:spPr>
+        <p:style>
+          <a:lnRef idx="2">
+            <a:schemeClr val="accent1">
+              <a:shade val="50000"/>
+            </a:schemeClr>
+          </a:lnRef>
+          <a:fillRef idx="1">
+            <a:schemeClr val="accent1"/>
+          </a:fillRef>
+          <a:effectRef idx="0">
+            <a:schemeClr val="accent1"/>
+          </a:effectRef>
+          <a:fontRef idx="minor">
+            <a:schemeClr val="lt1"/>
+          </a:fontRef>
+        </p:style>
+        <p:txBody>
+          <a:bodyPr rtlCol="0" anchor="ctr"/>
+          <a:lstStyle/>
+          <a:p>
+            <a:pPr algn="ctr"/>
+            <a:endParaRPr lang="ko-KR" altLang="en-US"/>
+          </a:p>
+        </p:txBody>
+      </p:sp>
+    </p:spTree>
+    <p:extLst>
+      <p:ext uri="{BB962C8B-B14F-4D97-AF65-F5344CB8AC3E}">
+        <p14:creationId xmlns:p14="http://schemas.microsoft.com/office/powerpoint/2010/main" val="194081441"/>
+      </p:ext>
+    </p:extLst>
+  </p:cSld>
+  <p:clrMapOvr>
+    <a:masterClrMapping/>
+  </p:clrMapOvr>
+  <p:timing>
+    <p:tnLst>
+      <p:par>
+        <p:cTn id="1" dur="indefinite" restart="never" nodeType="tmRoot"/>
+      </p:par>
+    </p:tnLst>
+  </p:timing>
+</p:sld>
+</file>
+
 <file path=ppt/slides/slide7.xml><?xml version="1.0" encoding="utf-8"?>
 <p:sld xmlns:a="http://schemas.openxmlformats.org/drawingml/2006/main" xmlns:r="http://schemas.openxmlformats.org/officeDocument/2006/relationships" xmlns:p="http://schemas.openxmlformats.org/presentationml/2006/main">
   <p:cSld>
@@ -4722,7 +6086,7 @@
         <p:spPr>
           <a:xfrm>
             <a:off x="449179" y="465221"/>
-            <a:ext cx="5910592" cy="707886"/>
+            <a:ext cx="6082114" cy="707886"/>
           </a:xfrm>
           <a:prstGeom prst="rect">
             <a:avLst/>
@@ -4735,16 +6099,6 @@
           </a:bodyPr>
           <a:lstStyle/>
           <a:p>
-            <a:r>
-              <a:rPr lang="en-US" altLang="ko-KR" sz="4000" b="1" dirty="0" smtClean="0">
-                <a:solidFill>
-                  <a:schemeClr val="accent1"/>
-                </a:solidFill>
-                <a:latin typeface="Arial" panose="020B0604020202020204" pitchFamily="34" charset="0"/>
-                <a:cs typeface="Arial" panose="020B0604020202020204" pitchFamily="34" charset="0"/>
-              </a:rPr>
-              <a:t>Custom </a:t>
-            </a:r>
             <a:r>
               <a:rPr lang="en-US" altLang="ko-KR" sz="4000" b="1" dirty="0" err="1" smtClean="0">
                 <a:solidFill>
@@ -4753,7 +6107,7 @@
                 <a:latin typeface="Arial" panose="020B0604020202020204" pitchFamily="34" charset="0"/>
                 <a:cs typeface="Arial" panose="020B0604020202020204" pitchFamily="34" charset="0"/>
               </a:rPr>
-              <a:t>RegionAdapter</a:t>
+              <a:t>INotifyPropertyChanged</a:t>
             </a:r>
             <a:endParaRPr lang="ko-KR" altLang="en-US" sz="4000" b="1" dirty="0">
               <a:solidFill>
@@ -4765,34 +6119,100 @@
           </a:p>
         </p:txBody>
       </p:sp>
-      <p:pic>
-        <p:nvPicPr>
-          <p:cNvPr id="2" name="그림 1"/>
-          <p:cNvPicPr>
-            <a:picLocks noChangeAspect="1"/>
-          </p:cNvPicPr>
+      <p:sp>
+        <p:nvSpPr>
+          <p:cNvPr id="6" name="TextBox 5"/>
+          <p:cNvSpPr txBox="1"/>
           <p:nvPr/>
-        </p:nvPicPr>
-        <p:blipFill>
-          <a:blip r:embed="rId2"/>
-          <a:stretch>
-            <a:fillRect/>
-          </a:stretch>
-        </p:blipFill>
-        <p:spPr>
-          <a:xfrm>
-            <a:off x="2209800" y="1340034"/>
-            <a:ext cx="7772400" cy="5346332"/>
+        </p:nvSpPr>
+        <p:spPr>
+          <a:xfrm>
+            <a:off x="2568432" y="1620836"/>
+            <a:ext cx="7055136" cy="2400657"/>
           </a:xfrm>
           <a:prstGeom prst="rect">
             <a:avLst/>
           </a:prstGeom>
-        </p:spPr>
-      </p:pic>
+          <a:noFill/>
+        </p:spPr>
+        <p:txBody>
+          <a:bodyPr wrap="none" rtlCol="0">
+            <a:spAutoFit/>
+          </a:bodyPr>
+          <a:lstStyle/>
+          <a:p>
+            <a:r>
+              <a:rPr lang="ko-KR" altLang="en-US" dirty="0" smtClean="0"/>
+              <a:t>찾아보니 이런 실수로 변경 해야 될 부분이 </a:t>
+            </a:r>
+            <a:r>
+              <a:rPr lang="ko-KR" altLang="en-US" dirty="0" smtClean="0"/>
+              <a:t>여러 곳을 발견 하였다</a:t>
+            </a:r>
+            <a:r>
+              <a:rPr lang="en-US" altLang="ko-KR" dirty="0" smtClean="0"/>
+              <a:t>.</a:t>
+            </a:r>
+            <a:endParaRPr lang="en-US" altLang="ko-KR" dirty="0"/>
+          </a:p>
+          <a:p>
+            <a:r>
+              <a:rPr lang="ko-KR" altLang="en-US" dirty="0" smtClean="0"/>
+              <a:t>이러한 문제점을 쉽고 간편하게 해결할 수 있는 방법이 없을까</a:t>
+            </a:r>
+            <a:r>
+              <a:rPr lang="en-US" altLang="ko-KR" dirty="0" smtClean="0"/>
+              <a:t>?</a:t>
+            </a:r>
+          </a:p>
+          <a:p>
+            <a:endParaRPr lang="en-US" altLang="ko-KR" dirty="0"/>
+          </a:p>
+          <a:p>
+            <a:endParaRPr lang="en-US" altLang="ko-KR" dirty="0" smtClean="0"/>
+          </a:p>
+          <a:p>
+            <a:endParaRPr lang="en-US" altLang="ko-KR" dirty="0"/>
+          </a:p>
+          <a:p>
+            <a:endParaRPr lang="en-US" altLang="ko-KR" dirty="0" smtClean="0"/>
+          </a:p>
+          <a:p>
+            <a:r>
+              <a:rPr lang="ko-KR" altLang="en-US" dirty="0" smtClean="0"/>
+              <a:t>다양한 방법이 있지만 그 중에서 제일 괜찮은 방법은</a:t>
+            </a:r>
+            <a:endParaRPr lang="en-US" altLang="ko-KR" dirty="0" smtClean="0"/>
+          </a:p>
+          <a:p>
+            <a:r>
+              <a:rPr lang="en-US" altLang="ko-KR" sz="2400" b="1" dirty="0" err="1" smtClean="0">
+                <a:solidFill>
+                  <a:srgbClr val="00B0F0"/>
+                </a:solidFill>
+              </a:rPr>
+              <a:t>CallerMemberName</a:t>
+            </a:r>
+            <a:r>
+              <a:rPr lang="en-US" altLang="ko-KR" dirty="0" smtClean="0"/>
+              <a:t> </a:t>
+            </a:r>
+            <a:r>
+              <a:rPr lang="ko-KR" altLang="en-US" dirty="0" smtClean="0"/>
+              <a:t>속성을 이용하는 것이다</a:t>
+            </a:r>
+            <a:r>
+              <a:rPr lang="en-US" altLang="ko-KR" dirty="0" smtClean="0"/>
+              <a:t>.</a:t>
+            </a:r>
+            <a:endParaRPr lang="en-US" altLang="ko-KR" dirty="0"/>
+          </a:p>
+        </p:txBody>
+      </p:sp>
     </p:spTree>
     <p:extLst>
       <p:ext uri="{BB962C8B-B14F-4D97-AF65-F5344CB8AC3E}">
-        <p14:creationId xmlns:p14="http://schemas.microsoft.com/office/powerpoint/2010/main" val="1194327983"/>
+        <p14:creationId xmlns:p14="http://schemas.microsoft.com/office/powerpoint/2010/main" val="2543459136"/>
       </p:ext>
     </p:extLst>
   </p:cSld>
@@ -4835,7 +6255,7 @@
         <p:spPr>
           <a:xfrm>
             <a:off x="449179" y="465221"/>
-            <a:ext cx="4770858" cy="707886"/>
+            <a:ext cx="4977645" cy="707886"/>
           </a:xfrm>
           <a:prstGeom prst="rect">
             <a:avLst/>
@@ -4849,24 +6269,14 @@
           <a:lstStyle/>
           <a:p>
             <a:r>
-              <a:rPr lang="en-US" altLang="ko-KR" sz="4000" b="1" dirty="0" err="1">
+              <a:rPr lang="en-US" altLang="ko-KR" sz="4000" b="1" dirty="0" err="1" smtClean="0">
                 <a:solidFill>
                   <a:schemeClr val="accent1"/>
                 </a:solidFill>
                 <a:latin typeface="Arial" panose="020B0604020202020204" pitchFamily="34" charset="0"/>
                 <a:cs typeface="Arial" panose="020B0604020202020204" pitchFamily="34" charset="0"/>
               </a:rPr>
-              <a:t>RegionAdapter</a:t>
-            </a:r>
-            <a:r>
-              <a:rPr lang="en-US" altLang="ko-KR" sz="4000" b="1" dirty="0">
-                <a:solidFill>
-                  <a:schemeClr val="accent1"/>
-                </a:solidFill>
-                <a:latin typeface="Arial" panose="020B0604020202020204" pitchFamily="34" charset="0"/>
-                <a:cs typeface="Arial" panose="020B0604020202020204" pitchFamily="34" charset="0"/>
-              </a:rPr>
-              <a:t>&lt;T&gt;</a:t>
+              <a:t>CallerMemberName</a:t>
             </a:r>
             <a:endParaRPr lang="ko-KR" altLang="en-US" sz="4000" b="1" dirty="0">
               <a:solidFill>
@@ -4875,6 +6285,47 @@
               <a:latin typeface="Arial" panose="020B0604020202020204" pitchFamily="34" charset="0"/>
               <a:cs typeface="Arial" panose="020B0604020202020204" pitchFamily="34" charset="0"/>
             </a:endParaRPr>
+          </a:p>
+        </p:txBody>
+      </p:sp>
+      <p:sp>
+        <p:nvSpPr>
+          <p:cNvPr id="6" name="TextBox 5"/>
+          <p:cNvSpPr txBox="1"/>
+          <p:nvPr/>
+        </p:nvSpPr>
+        <p:spPr>
+          <a:xfrm>
+            <a:off x="987711" y="1620836"/>
+            <a:ext cx="5604419" cy="369332"/>
+          </a:xfrm>
+          <a:prstGeom prst="rect">
+            <a:avLst/>
+          </a:prstGeom>
+          <a:noFill/>
+        </p:spPr>
+        <p:txBody>
+          <a:bodyPr wrap="none" rtlCol="0">
+            <a:spAutoFit/>
+          </a:bodyPr>
+          <a:lstStyle/>
+          <a:p>
+            <a:r>
+              <a:rPr lang="ko-KR" altLang="en-US" dirty="0" smtClean="0"/>
+              <a:t>이 속성은 호출한 </a:t>
+            </a:r>
+            <a:r>
+              <a:rPr lang="ko-KR" altLang="en-US" dirty="0" err="1" smtClean="0"/>
+              <a:t>메소드</a:t>
+            </a:r>
+            <a:r>
+              <a:rPr lang="ko-KR" altLang="en-US" dirty="0" smtClean="0"/>
+              <a:t> 이름을 사용 하는 속성이다</a:t>
+            </a:r>
+            <a:r>
+              <a:rPr lang="en-US" altLang="ko-KR" dirty="0" smtClean="0"/>
+              <a:t>.</a:t>
+            </a:r>
           </a:p>
         </p:txBody>
       </p:sp>
@@ -4894,64 +6345,18 @@
         </p:blipFill>
         <p:spPr>
           <a:xfrm>
-            <a:off x="1382037" y="1925685"/>
-            <a:ext cx="9427926" cy="4209128"/>
+            <a:off x="2405062" y="2545038"/>
+            <a:ext cx="7381875" cy="3305175"/>
           </a:xfrm>
           <a:prstGeom prst="rect">
             <a:avLst/>
           </a:prstGeom>
         </p:spPr>
       </p:pic>
-      <p:sp>
-        <p:nvSpPr>
-          <p:cNvPr id="4" name="직사각형 3"/>
-          <p:cNvSpPr/>
-          <p:nvPr/>
-        </p:nvSpPr>
-        <p:spPr>
-          <a:xfrm>
-            <a:off x="1741118" y="4446740"/>
-            <a:ext cx="8981161" cy="1440493"/>
-          </a:xfrm>
-          <a:prstGeom prst="rect">
-            <a:avLst/>
-          </a:prstGeom>
-          <a:noFill/>
-          <a:ln w="50800">
-            <a:solidFill>
-              <a:srgbClr val="FF0000"/>
-            </a:solidFill>
-          </a:ln>
-        </p:spPr>
-        <p:style>
-          <a:lnRef idx="2">
-            <a:schemeClr val="accent1">
-              <a:shade val="50000"/>
-            </a:schemeClr>
-          </a:lnRef>
-          <a:fillRef idx="1">
-            <a:schemeClr val="accent1"/>
-          </a:fillRef>
-          <a:effectRef idx="0">
-            <a:schemeClr val="accent1"/>
-          </a:effectRef>
-          <a:fontRef idx="minor">
-            <a:schemeClr val="lt1"/>
-          </a:fontRef>
-        </p:style>
-        <p:txBody>
-          <a:bodyPr rtlCol="0" anchor="ctr"/>
-          <a:lstStyle/>
-          <a:p>
-            <a:pPr algn="ctr"/>
-            <a:endParaRPr lang="ko-KR" altLang="en-US"/>
-          </a:p>
-        </p:txBody>
-      </p:sp>
     </p:spTree>
     <p:extLst>
       <p:ext uri="{BB962C8B-B14F-4D97-AF65-F5344CB8AC3E}">
-        <p14:creationId xmlns:p14="http://schemas.microsoft.com/office/powerpoint/2010/main" val="4037181629"/>
+        <p14:creationId xmlns:p14="http://schemas.microsoft.com/office/powerpoint/2010/main" val="2492926104"/>
       </p:ext>
     </p:extLst>
   </p:cSld>
@@ -4987,178 +6392,6 @@
       </p:grpSpPr>
       <p:sp>
         <p:nvSpPr>
-          <p:cNvPr id="4" name="TextBox 3"/>
-          <p:cNvSpPr txBox="1"/>
-          <p:nvPr/>
-        </p:nvSpPr>
-        <p:spPr>
-          <a:xfrm>
-            <a:off x="449179" y="2177427"/>
-            <a:ext cx="10446514" cy="1754326"/>
-          </a:xfrm>
-          <a:prstGeom prst="rect">
-            <a:avLst/>
-          </a:prstGeom>
-          <a:noFill/>
-        </p:spPr>
-        <p:txBody>
-          <a:bodyPr wrap="none" rtlCol="0">
-            <a:spAutoFit/>
-          </a:bodyPr>
-          <a:lstStyle/>
-          <a:p>
-            <a:r>
-              <a:rPr lang="en-US" altLang="ko-KR" dirty="0" smtClean="0"/>
-              <a:t>Prism</a:t>
-            </a:r>
-            <a:r>
-              <a:rPr lang="ko-KR" altLang="en-US" dirty="0" smtClean="0"/>
-              <a:t>의 </a:t>
-            </a:r>
-            <a:r>
-              <a:rPr lang="en-US" altLang="ko-KR" dirty="0" smtClean="0"/>
-              <a:t>Region</a:t>
-            </a:r>
-            <a:r>
-              <a:rPr lang="ko-KR" altLang="en-US" dirty="0" smtClean="0"/>
-              <a:t>에서 제공하는 기능으로 </a:t>
-            </a:r>
-            <a:r>
-              <a:rPr lang="en-US" altLang="ko-KR" dirty="0" smtClean="0"/>
-              <a:t>WPF</a:t>
-            </a:r>
-            <a:r>
-              <a:rPr lang="ko-KR" altLang="en-US" dirty="0" smtClean="0"/>
-              <a:t>에 있는 </a:t>
-            </a:r>
-            <a:r>
-              <a:rPr lang="en-US" altLang="ko-KR" b="1" dirty="0" smtClean="0">
-                <a:solidFill>
-                  <a:schemeClr val="accent1"/>
-                </a:solidFill>
-                <a:latin typeface="Arial" panose="020B0604020202020204" pitchFamily="34" charset="0"/>
-                <a:cs typeface="Arial" panose="020B0604020202020204" pitchFamily="34" charset="0"/>
-              </a:rPr>
-              <a:t>Behavior&lt;T&gt;</a:t>
-            </a:r>
-            <a:r>
-              <a:rPr lang="en-US" altLang="ko-KR" dirty="0" smtClean="0"/>
-              <a:t> </a:t>
-            </a:r>
-            <a:r>
-              <a:rPr lang="ko-KR" altLang="en-US" dirty="0" smtClean="0"/>
-              <a:t>클래스와 같은 기능을 제공한다</a:t>
-            </a:r>
-            <a:r>
-              <a:rPr lang="en-US" altLang="ko-KR" dirty="0" smtClean="0"/>
-              <a:t>.</a:t>
-            </a:r>
-          </a:p>
-          <a:p>
-            <a:endParaRPr lang="en-US" altLang="ko-KR" dirty="0"/>
-          </a:p>
-          <a:p>
-            <a:pPr algn="just"/>
-            <a:r>
-              <a:rPr lang="en-US" altLang="ko-KR" b="1" dirty="0" smtClean="0">
-                <a:solidFill>
-                  <a:schemeClr val="accent1"/>
-                </a:solidFill>
-                <a:latin typeface="Arial" panose="020B0604020202020204" pitchFamily="34" charset="0"/>
-                <a:cs typeface="Arial" panose="020B0604020202020204" pitchFamily="34" charset="0"/>
-              </a:rPr>
-              <a:t>Behavior&lt;T&gt; </a:t>
-            </a:r>
-            <a:r>
-              <a:rPr lang="ko-KR" altLang="en-US" dirty="0" smtClean="0"/>
-              <a:t>클래스는</a:t>
-            </a:r>
-            <a:r>
-              <a:rPr lang="en-US" altLang="ko-KR" dirty="0" smtClean="0"/>
-              <a:t> </a:t>
-            </a:r>
-            <a:r>
-              <a:rPr lang="ko-KR" altLang="en-US" dirty="0" smtClean="0"/>
-              <a:t>트리거 객체에 추가 상태</a:t>
-            </a:r>
-            <a:r>
-              <a:rPr lang="en-US" altLang="ko-KR" dirty="0" smtClean="0"/>
-              <a:t>(?)</a:t>
-            </a:r>
-            <a:r>
-              <a:rPr lang="ko-KR" altLang="en-US" dirty="0" smtClean="0"/>
-              <a:t>와 명령어를 제공하기 위한 클래스 이다</a:t>
-            </a:r>
-            <a:r>
-              <a:rPr lang="en-US" altLang="ko-KR" dirty="0" smtClean="0"/>
-              <a:t>.</a:t>
-            </a:r>
-          </a:p>
-          <a:p>
-            <a:endParaRPr lang="en-US" altLang="ko-KR" dirty="0"/>
-          </a:p>
-          <a:p>
-            <a:r>
-              <a:rPr lang="ko-KR" altLang="en-US" dirty="0" smtClean="0"/>
-              <a:t>직접 구현할 필요는 없지만 </a:t>
-            </a:r>
-            <a:r>
-              <a:rPr lang="en-US" altLang="ko-KR" dirty="0" smtClean="0"/>
-              <a:t>Region</a:t>
-            </a:r>
-            <a:r>
-              <a:rPr lang="ko-KR" altLang="en-US" dirty="0" smtClean="0"/>
-              <a:t>에 </a:t>
-            </a:r>
-            <a:r>
-              <a:rPr lang="en-US" altLang="ko-KR" dirty="0" smtClean="0"/>
-              <a:t>Attach</a:t>
-            </a:r>
-            <a:r>
-              <a:rPr lang="ko-KR" altLang="en-US" dirty="0" smtClean="0"/>
-              <a:t>가 되었을 때 </a:t>
-            </a:r>
-            <a:r>
-              <a:rPr lang="en-US" altLang="ko-KR" dirty="0" smtClean="0"/>
-              <a:t>View </a:t>
-            </a:r>
-            <a:r>
-              <a:rPr lang="ko-KR" altLang="en-US" dirty="0" smtClean="0"/>
-              <a:t>혹은 </a:t>
-            </a:r>
-            <a:r>
-              <a:rPr lang="en-US" altLang="ko-KR" dirty="0" err="1" smtClean="0"/>
-              <a:t>ViewModel</a:t>
-            </a:r>
-            <a:r>
-              <a:rPr lang="ko-KR" altLang="en-US" dirty="0" smtClean="0"/>
-              <a:t>에서 </a:t>
-            </a:r>
-            <a:endParaRPr lang="en-US" altLang="ko-KR" dirty="0" smtClean="0"/>
-          </a:p>
-          <a:p>
-            <a:r>
-              <a:rPr lang="ko-KR" altLang="en-US" dirty="0" smtClean="0"/>
-              <a:t>이벤트가 발생하여 </a:t>
-            </a:r>
-            <a:r>
-              <a:rPr lang="en-US" altLang="ko-KR" dirty="0" smtClean="0"/>
-              <a:t>Region</a:t>
-            </a:r>
-            <a:r>
-              <a:rPr lang="ko-KR" altLang="en-US" dirty="0" smtClean="0"/>
-              <a:t>을 변경할 때 필요하다</a:t>
-            </a:r>
-            <a:r>
-              <a:rPr lang="en-US" altLang="ko-KR" dirty="0" smtClean="0"/>
-              <a:t>.</a:t>
-            </a:r>
-            <a:endParaRPr lang="en-US" altLang="ko-KR" dirty="0"/>
-          </a:p>
-        </p:txBody>
-      </p:sp>
-      <p:sp>
-        <p:nvSpPr>
           <p:cNvPr id="5" name="TextBox 4"/>
           <p:cNvSpPr txBox="1"/>
           <p:nvPr/>
@@ -5166,7 +6399,7 @@
         <p:spPr>
           <a:xfrm>
             <a:off x="449179" y="465221"/>
-            <a:ext cx="4115229" cy="707886"/>
+            <a:ext cx="3575018" cy="707886"/>
           </a:xfrm>
           <a:prstGeom prst="rect">
             <a:avLst/>
@@ -5187,7 +6420,7 @@
                 <a:latin typeface="Arial" panose="020B0604020202020204" pitchFamily="34" charset="0"/>
                 <a:cs typeface="Arial" panose="020B0604020202020204" pitchFamily="34" charset="0"/>
               </a:rPr>
-              <a:t>RegionBehavior</a:t>
+              <a:t>BindableBase</a:t>
             </a:r>
             <a:endParaRPr lang="ko-KR" altLang="en-US" sz="4000" b="1" dirty="0">
               <a:solidFill>
@@ -5199,10 +6432,34 @@
           </a:p>
         </p:txBody>
       </p:sp>
+      <p:pic>
+        <p:nvPicPr>
+          <p:cNvPr id="6" name="그림 5"/>
+          <p:cNvPicPr>
+            <a:picLocks noChangeAspect="1"/>
+          </p:cNvPicPr>
+          <p:nvPr/>
+        </p:nvPicPr>
+        <p:blipFill>
+          <a:blip r:embed="rId2"/>
+          <a:stretch>
+            <a:fillRect/>
+          </a:stretch>
+        </p:blipFill>
+        <p:spPr>
+          <a:xfrm>
+            <a:off x="1606550" y="1885950"/>
+            <a:ext cx="8978900" cy="3836690"/>
+          </a:xfrm>
+          <a:prstGeom prst="rect">
+            <a:avLst/>
+          </a:prstGeom>
+        </p:spPr>
+      </p:pic>
     </p:spTree>
     <p:extLst>
       <p:ext uri="{BB962C8B-B14F-4D97-AF65-F5344CB8AC3E}">
-        <p14:creationId xmlns:p14="http://schemas.microsoft.com/office/powerpoint/2010/main" val="4286949109"/>
+        <p14:creationId xmlns:p14="http://schemas.microsoft.com/office/powerpoint/2010/main" val="1743315741"/>
       </p:ext>
     </p:extLst>
   </p:cSld>
